--- a/books/cct/CCT几何分析并解决rib宽度问题.pptx
+++ b/books/cct/CCT几何分析并解决rib宽度问题.pptx
@@ -5,13 +5,16 @@
     <p:sldMasterId id="2147483648" r:id="rId1"/>
   </p:sldMasterIdLst>
   <p:notesMasterIdLst>
-    <p:notesMasterId r:id="rId6"/>
+    <p:notesMasterId r:id="rId9"/>
   </p:notesMasterIdLst>
   <p:sldIdLst>
     <p:sldId id="256" r:id="rId2"/>
     <p:sldId id="257" r:id="rId3"/>
     <p:sldId id="258" r:id="rId4"/>
     <p:sldId id="259" r:id="rId5"/>
+    <p:sldId id="260" r:id="rId6"/>
+    <p:sldId id="261" r:id="rId7"/>
+    <p:sldId id="262" r:id="rId8"/>
   </p:sldIdLst>
   <p:sldSz cx="12192000" cy="6858000"/>
   <p:notesSz cx="6858000" cy="9144000"/>
@@ -110,6 +113,11 @@
       </a:defRPr>
     </a:lvl9pPr>
   </p:defaultTextStyle>
+  <p:extLst>
+    <p:ext uri="{EFAFB233-063F-42B5-8137-9DF3F51BA10A}">
+      <p15:sldGuideLst xmlns:p15="http://schemas.microsoft.com/office/powerpoint/2012/main"/>
+    </p:ext>
+  </p:extLst>
 </p:presentation>
 </file>
 
@@ -195,7 +203,7 @@
           <a:p>
             <a:fld id="{35CCB64A-D308-4D3B-B4A8-3374E3E56A46}" type="datetimeFigureOut">
               <a:rPr lang="zh-CN" altLang="en-US" smtClean="0"/>
-              <a:t>2020/11/22</a:t>
+              <a:t>2020/11/24</a:t>
             </a:fld>
             <a:endParaRPr lang="zh-CN" altLang="en-US"/>
           </a:p>
@@ -798,6 +806,258 @@
 </p:notes>
 </file>
 
+<file path=ppt/notesSlides/notesSlide5.xml><?xml version="1.0" encoding="utf-8"?>
+<p:notes xmlns:a="http://schemas.openxmlformats.org/drawingml/2006/main" xmlns:r="http://schemas.openxmlformats.org/officeDocument/2006/relationships" xmlns:p="http://schemas.openxmlformats.org/presentationml/2006/main">
+  <p:cSld>
+    <p:spTree>
+      <p:nvGrpSpPr>
+        <p:cNvPr id="1" name=""/>
+        <p:cNvGrpSpPr/>
+        <p:nvPr/>
+      </p:nvGrpSpPr>
+      <p:grpSpPr>
+        <a:xfrm>
+          <a:off x="0" y="0"/>
+          <a:ext cx="0" cy="0"/>
+          <a:chOff x="0" y="0"/>
+          <a:chExt cx="0" cy="0"/>
+        </a:xfrm>
+      </p:grpSpPr>
+      <p:sp>
+        <p:nvSpPr>
+          <p:cNvPr id="2" name="幻灯片图像占位符 1"/>
+          <p:cNvSpPr>
+            <a:spLocks noGrp="1" noRot="1" noChangeAspect="1"/>
+          </p:cNvSpPr>
+          <p:nvPr>
+            <p:ph type="sldImg"/>
+          </p:nvPr>
+        </p:nvSpPr>
+        <p:spPr/>
+      </p:sp>
+      <p:sp>
+        <p:nvSpPr>
+          <p:cNvPr id="3" name="备注占位符 2"/>
+          <p:cNvSpPr>
+            <a:spLocks noGrp="1"/>
+          </p:cNvSpPr>
+          <p:nvPr>
+            <p:ph type="body" idx="1"/>
+          </p:nvPr>
+        </p:nvSpPr>
+        <p:spPr/>
+        <p:txBody>
+          <a:bodyPr/>
+          <a:lstStyle/>
+          <a:p>
+            <a:endParaRPr lang="zh-CN" altLang="en-US" dirty="0"/>
+          </a:p>
+        </p:txBody>
+      </p:sp>
+      <p:sp>
+        <p:nvSpPr>
+          <p:cNvPr id="4" name="灯片编号占位符 3"/>
+          <p:cNvSpPr>
+            <a:spLocks noGrp="1"/>
+          </p:cNvSpPr>
+          <p:nvPr>
+            <p:ph type="sldNum" sz="quarter" idx="5"/>
+          </p:nvPr>
+        </p:nvSpPr>
+        <p:spPr/>
+        <p:txBody>
+          <a:bodyPr/>
+          <a:lstStyle/>
+          <a:p>
+            <a:fld id="{3A416779-A951-4522-ACC1-630491DCE7A2}" type="slidenum">
+              <a:rPr lang="zh-CN" altLang="en-US" smtClean="0"/>
+              <a:t>5</a:t>
+            </a:fld>
+            <a:endParaRPr lang="zh-CN" altLang="en-US"/>
+          </a:p>
+        </p:txBody>
+      </p:sp>
+    </p:spTree>
+    <p:extLst>
+      <p:ext uri="{BB962C8B-B14F-4D97-AF65-F5344CB8AC3E}">
+        <p14:creationId xmlns:p14="http://schemas.microsoft.com/office/powerpoint/2010/main" val="314936636"/>
+      </p:ext>
+    </p:extLst>
+  </p:cSld>
+  <p:clrMapOvr>
+    <a:masterClrMapping/>
+  </p:clrMapOvr>
+</p:notes>
+</file>
+
+<file path=ppt/notesSlides/notesSlide6.xml><?xml version="1.0" encoding="utf-8"?>
+<p:notes xmlns:a="http://schemas.openxmlformats.org/drawingml/2006/main" xmlns:r="http://schemas.openxmlformats.org/officeDocument/2006/relationships" xmlns:p="http://schemas.openxmlformats.org/presentationml/2006/main">
+  <p:cSld>
+    <p:spTree>
+      <p:nvGrpSpPr>
+        <p:cNvPr id="1" name=""/>
+        <p:cNvGrpSpPr/>
+        <p:nvPr/>
+      </p:nvGrpSpPr>
+      <p:grpSpPr>
+        <a:xfrm>
+          <a:off x="0" y="0"/>
+          <a:ext cx="0" cy="0"/>
+          <a:chOff x="0" y="0"/>
+          <a:chExt cx="0" cy="0"/>
+        </a:xfrm>
+      </p:grpSpPr>
+      <p:sp>
+        <p:nvSpPr>
+          <p:cNvPr id="2" name="幻灯片图像占位符 1"/>
+          <p:cNvSpPr>
+            <a:spLocks noGrp="1" noRot="1" noChangeAspect="1"/>
+          </p:cNvSpPr>
+          <p:nvPr>
+            <p:ph type="sldImg"/>
+          </p:nvPr>
+        </p:nvSpPr>
+        <p:spPr/>
+      </p:sp>
+      <p:sp>
+        <p:nvSpPr>
+          <p:cNvPr id="3" name="备注占位符 2"/>
+          <p:cNvSpPr>
+            <a:spLocks noGrp="1"/>
+          </p:cNvSpPr>
+          <p:nvPr>
+            <p:ph type="body" idx="1"/>
+          </p:nvPr>
+        </p:nvSpPr>
+        <p:spPr/>
+        <p:txBody>
+          <a:bodyPr/>
+          <a:lstStyle/>
+          <a:p>
+            <a:endParaRPr lang="zh-CN" altLang="en-US" dirty="0"/>
+          </a:p>
+        </p:txBody>
+      </p:sp>
+      <p:sp>
+        <p:nvSpPr>
+          <p:cNvPr id="4" name="灯片编号占位符 3"/>
+          <p:cNvSpPr>
+            <a:spLocks noGrp="1"/>
+          </p:cNvSpPr>
+          <p:nvPr>
+            <p:ph type="sldNum" sz="quarter" idx="5"/>
+          </p:nvPr>
+        </p:nvSpPr>
+        <p:spPr/>
+        <p:txBody>
+          <a:bodyPr/>
+          <a:lstStyle/>
+          <a:p>
+            <a:fld id="{3A416779-A951-4522-ACC1-630491DCE7A2}" type="slidenum">
+              <a:rPr lang="zh-CN" altLang="en-US" smtClean="0"/>
+              <a:t>6</a:t>
+            </a:fld>
+            <a:endParaRPr lang="zh-CN" altLang="en-US"/>
+          </a:p>
+        </p:txBody>
+      </p:sp>
+    </p:spTree>
+    <p:extLst>
+      <p:ext uri="{BB962C8B-B14F-4D97-AF65-F5344CB8AC3E}">
+        <p14:creationId xmlns:p14="http://schemas.microsoft.com/office/powerpoint/2010/main" val="2570612063"/>
+      </p:ext>
+    </p:extLst>
+  </p:cSld>
+  <p:clrMapOvr>
+    <a:masterClrMapping/>
+  </p:clrMapOvr>
+</p:notes>
+</file>
+
+<file path=ppt/notesSlides/notesSlide7.xml><?xml version="1.0" encoding="utf-8"?>
+<p:notes xmlns:a="http://schemas.openxmlformats.org/drawingml/2006/main" xmlns:r="http://schemas.openxmlformats.org/officeDocument/2006/relationships" xmlns:p="http://schemas.openxmlformats.org/presentationml/2006/main">
+  <p:cSld>
+    <p:spTree>
+      <p:nvGrpSpPr>
+        <p:cNvPr id="1" name=""/>
+        <p:cNvGrpSpPr/>
+        <p:nvPr/>
+      </p:nvGrpSpPr>
+      <p:grpSpPr>
+        <a:xfrm>
+          <a:off x="0" y="0"/>
+          <a:ext cx="0" cy="0"/>
+          <a:chOff x="0" y="0"/>
+          <a:chExt cx="0" cy="0"/>
+        </a:xfrm>
+      </p:grpSpPr>
+      <p:sp>
+        <p:nvSpPr>
+          <p:cNvPr id="2" name="幻灯片图像占位符 1"/>
+          <p:cNvSpPr>
+            <a:spLocks noGrp="1" noRot="1" noChangeAspect="1"/>
+          </p:cNvSpPr>
+          <p:nvPr>
+            <p:ph type="sldImg"/>
+          </p:nvPr>
+        </p:nvSpPr>
+        <p:spPr/>
+      </p:sp>
+      <p:sp>
+        <p:nvSpPr>
+          <p:cNvPr id="3" name="备注占位符 2"/>
+          <p:cNvSpPr>
+            <a:spLocks noGrp="1"/>
+          </p:cNvSpPr>
+          <p:nvPr>
+            <p:ph type="body" idx="1"/>
+          </p:nvPr>
+        </p:nvSpPr>
+        <p:spPr/>
+        <p:txBody>
+          <a:bodyPr/>
+          <a:lstStyle/>
+          <a:p>
+            <a:endParaRPr lang="zh-CN" altLang="en-US" dirty="0"/>
+          </a:p>
+        </p:txBody>
+      </p:sp>
+      <p:sp>
+        <p:nvSpPr>
+          <p:cNvPr id="4" name="灯片编号占位符 3"/>
+          <p:cNvSpPr>
+            <a:spLocks noGrp="1"/>
+          </p:cNvSpPr>
+          <p:nvPr>
+            <p:ph type="sldNum" sz="quarter" idx="5"/>
+          </p:nvPr>
+        </p:nvSpPr>
+        <p:spPr/>
+        <p:txBody>
+          <a:bodyPr/>
+          <a:lstStyle/>
+          <a:p>
+            <a:fld id="{3A416779-A951-4522-ACC1-630491DCE7A2}" type="slidenum">
+              <a:rPr lang="zh-CN" altLang="en-US" smtClean="0"/>
+              <a:t>7</a:t>
+            </a:fld>
+            <a:endParaRPr lang="zh-CN" altLang="en-US"/>
+          </a:p>
+        </p:txBody>
+      </p:sp>
+    </p:spTree>
+    <p:extLst>
+      <p:ext uri="{BB962C8B-B14F-4D97-AF65-F5344CB8AC3E}">
+        <p14:creationId xmlns:p14="http://schemas.microsoft.com/office/powerpoint/2010/main" val="2875983532"/>
+      </p:ext>
+    </p:extLst>
+  </p:cSld>
+  <p:clrMapOvr>
+    <a:masterClrMapping/>
+  </p:clrMapOvr>
+</p:notes>
+</file>
+
 <file path=ppt/slideLayouts/slideLayout1.xml><?xml version="1.0" encoding="utf-8"?>
 <p:sldLayout xmlns:a="http://schemas.openxmlformats.org/drawingml/2006/main" xmlns:r="http://schemas.openxmlformats.org/officeDocument/2006/relationships" xmlns:p="http://schemas.openxmlformats.org/presentationml/2006/main" type="title" preserve="1">
   <p:cSld name="标题幻灯片">
@@ -945,7 +1205,7 @@
           <a:p>
             <a:fld id="{76DC95EF-CF94-4080-AE60-DAEEE7889463}" type="datetimeFigureOut">
               <a:rPr lang="zh-CN" altLang="en-US" smtClean="0"/>
-              <a:t>2020/11/22</a:t>
+              <a:t>2020/11/24</a:t>
             </a:fld>
             <a:endParaRPr lang="zh-CN" altLang="en-US"/>
           </a:p>
@@ -1143,7 +1403,7 @@
           <a:p>
             <a:fld id="{76DC95EF-CF94-4080-AE60-DAEEE7889463}" type="datetimeFigureOut">
               <a:rPr lang="zh-CN" altLang="en-US" smtClean="0"/>
-              <a:t>2020/11/22</a:t>
+              <a:t>2020/11/24</a:t>
             </a:fld>
             <a:endParaRPr lang="zh-CN" altLang="en-US"/>
           </a:p>
@@ -1351,7 +1611,7 @@
           <a:p>
             <a:fld id="{76DC95EF-CF94-4080-AE60-DAEEE7889463}" type="datetimeFigureOut">
               <a:rPr lang="zh-CN" altLang="en-US" smtClean="0"/>
-              <a:t>2020/11/22</a:t>
+              <a:t>2020/11/24</a:t>
             </a:fld>
             <a:endParaRPr lang="zh-CN" altLang="en-US"/>
           </a:p>
@@ -1549,7 +1809,7 @@
           <a:p>
             <a:fld id="{76DC95EF-CF94-4080-AE60-DAEEE7889463}" type="datetimeFigureOut">
               <a:rPr lang="zh-CN" altLang="en-US" smtClean="0"/>
-              <a:t>2020/11/22</a:t>
+              <a:t>2020/11/24</a:t>
             </a:fld>
             <a:endParaRPr lang="zh-CN" altLang="en-US"/>
           </a:p>
@@ -1824,7 +2084,7 @@
           <a:p>
             <a:fld id="{76DC95EF-CF94-4080-AE60-DAEEE7889463}" type="datetimeFigureOut">
               <a:rPr lang="zh-CN" altLang="en-US" smtClean="0"/>
-              <a:t>2020/11/22</a:t>
+              <a:t>2020/11/24</a:t>
             </a:fld>
             <a:endParaRPr lang="zh-CN" altLang="en-US"/>
           </a:p>
@@ -2089,7 +2349,7 @@
           <a:p>
             <a:fld id="{76DC95EF-CF94-4080-AE60-DAEEE7889463}" type="datetimeFigureOut">
               <a:rPr lang="zh-CN" altLang="en-US" smtClean="0"/>
-              <a:t>2020/11/22</a:t>
+              <a:t>2020/11/24</a:t>
             </a:fld>
             <a:endParaRPr lang="zh-CN" altLang="en-US"/>
           </a:p>
@@ -2501,7 +2761,7 @@
           <a:p>
             <a:fld id="{76DC95EF-CF94-4080-AE60-DAEEE7889463}" type="datetimeFigureOut">
               <a:rPr lang="zh-CN" altLang="en-US" smtClean="0"/>
-              <a:t>2020/11/22</a:t>
+              <a:t>2020/11/24</a:t>
             </a:fld>
             <a:endParaRPr lang="zh-CN" altLang="en-US"/>
           </a:p>
@@ -2642,7 +2902,7 @@
           <a:p>
             <a:fld id="{76DC95EF-CF94-4080-AE60-DAEEE7889463}" type="datetimeFigureOut">
               <a:rPr lang="zh-CN" altLang="en-US" smtClean="0"/>
-              <a:t>2020/11/22</a:t>
+              <a:t>2020/11/24</a:t>
             </a:fld>
             <a:endParaRPr lang="zh-CN" altLang="en-US"/>
           </a:p>
@@ -2755,7 +3015,7 @@
           <a:p>
             <a:fld id="{76DC95EF-CF94-4080-AE60-DAEEE7889463}" type="datetimeFigureOut">
               <a:rPr lang="zh-CN" altLang="en-US" smtClean="0"/>
-              <a:t>2020/11/22</a:t>
+              <a:t>2020/11/24</a:t>
             </a:fld>
             <a:endParaRPr lang="zh-CN" altLang="en-US"/>
           </a:p>
@@ -3066,7 +3326,7 @@
           <a:p>
             <a:fld id="{76DC95EF-CF94-4080-AE60-DAEEE7889463}" type="datetimeFigureOut">
               <a:rPr lang="zh-CN" altLang="en-US" smtClean="0"/>
-              <a:t>2020/11/22</a:t>
+              <a:t>2020/11/24</a:t>
             </a:fld>
             <a:endParaRPr lang="zh-CN" altLang="en-US"/>
           </a:p>
@@ -3354,7 +3614,7 @@
           <a:p>
             <a:fld id="{76DC95EF-CF94-4080-AE60-DAEEE7889463}" type="datetimeFigureOut">
               <a:rPr lang="zh-CN" altLang="en-US" smtClean="0"/>
-              <a:t>2020/11/22</a:t>
+              <a:t>2020/11/24</a:t>
             </a:fld>
             <a:endParaRPr lang="zh-CN" altLang="en-US"/>
           </a:p>
@@ -3595,7 +3855,7 @@
           <a:p>
             <a:fld id="{76DC95EF-CF94-4080-AE60-DAEEE7889463}" type="datetimeFigureOut">
               <a:rPr lang="zh-CN" altLang="en-US" smtClean="0"/>
-              <a:t>2020/11/22</a:t>
+              <a:t>2020/11/24</a:t>
             </a:fld>
             <a:endParaRPr lang="zh-CN" altLang="en-US"/>
           </a:p>
@@ -8970,8 +9230,8 @@
           </a:p>
         </p:txBody>
       </p:sp>
-      <mc:AlternateContent xmlns:mc="http://schemas.openxmlformats.org/markup-compatibility/2006">
-        <mc:Choice xmlns:a14="http://schemas.microsoft.com/office/drawing/2010/main" Requires="a14">
+      <mc:AlternateContent xmlns:mc="http://schemas.openxmlformats.org/markup-compatibility/2006" xmlns:a14="http://schemas.microsoft.com/office/drawing/2010/main">
+        <mc:Choice Requires="a14">
           <p:sp>
             <p:nvSpPr>
               <p:cNvPr id="10" name="文本框 9">
@@ -9000,6 +9260,7 @@
               </a:bodyPr>
               <a:lstStyle/>
               <a:p>
+                <a:pPr/>
                 <a14:m>
                   <m:oMathPara xmlns:m="http://schemas.openxmlformats.org/officeDocument/2006/math">
                     <m:oMathParaPr>
@@ -9085,7 +9346,7 @@
             </p:txBody>
           </p:sp>
         </mc:Choice>
-        <mc:Fallback>
+        <mc:Fallback xmlns="">
           <p:sp>
             <p:nvSpPr>
               <p:cNvPr id="10" name="文本框 9">
@@ -9130,8 +9391,8 @@
           </p:sp>
         </mc:Fallback>
       </mc:AlternateContent>
-      <mc:AlternateContent xmlns:mc="http://schemas.openxmlformats.org/markup-compatibility/2006">
-        <mc:Choice xmlns:a14="http://schemas.microsoft.com/office/drawing/2010/main" Requires="a14">
+      <mc:AlternateContent xmlns:mc="http://schemas.openxmlformats.org/markup-compatibility/2006" xmlns:a14="http://schemas.microsoft.com/office/drawing/2010/main">
+        <mc:Choice Requires="a14">
           <p:sp>
             <p:nvSpPr>
               <p:cNvPr id="18" name="文本框 17">
@@ -9160,6 +9421,7 @@
               </a:bodyPr>
               <a:lstStyle/>
               <a:p>
+                <a:pPr/>
                 <a14:m>
                   <m:oMathPara xmlns:m="http://schemas.openxmlformats.org/officeDocument/2006/math">
                     <m:oMathParaPr>
@@ -9245,7 +9507,7 @@
             </p:txBody>
           </p:sp>
         </mc:Choice>
-        <mc:Fallback>
+        <mc:Fallback xmlns="">
           <p:sp>
             <p:nvSpPr>
               <p:cNvPr id="18" name="文本框 17">
@@ -9290,8 +9552,8 @@
           </p:sp>
         </mc:Fallback>
       </mc:AlternateContent>
-      <mc:AlternateContent xmlns:mc="http://schemas.openxmlformats.org/markup-compatibility/2006">
-        <mc:Choice xmlns:a14="http://schemas.microsoft.com/office/drawing/2010/main" Requires="a14">
+      <mc:AlternateContent xmlns:mc="http://schemas.openxmlformats.org/markup-compatibility/2006" xmlns:a14="http://schemas.microsoft.com/office/drawing/2010/main">
+        <mc:Choice Requires="a14">
           <p:sp>
             <p:nvSpPr>
               <p:cNvPr id="19" name="文本框 18">
@@ -9320,6 +9582,7 @@
               </a:bodyPr>
               <a:lstStyle/>
               <a:p>
+                <a:pPr/>
                 <a14:m>
                   <m:oMathPara xmlns:m="http://schemas.openxmlformats.org/officeDocument/2006/math">
                     <m:oMathParaPr>
@@ -9370,7 +9633,7 @@
             </p:txBody>
           </p:sp>
         </mc:Choice>
-        <mc:Fallback>
+        <mc:Fallback xmlns="">
           <p:sp>
             <p:nvSpPr>
               <p:cNvPr id="19" name="文本框 18">
@@ -9415,8 +9678,8 @@
           </p:sp>
         </mc:Fallback>
       </mc:AlternateContent>
-      <mc:AlternateContent xmlns:mc="http://schemas.openxmlformats.org/markup-compatibility/2006">
-        <mc:Choice xmlns:a14="http://schemas.microsoft.com/office/drawing/2010/main" Requires="a14">
+      <mc:AlternateContent xmlns:mc="http://schemas.openxmlformats.org/markup-compatibility/2006" xmlns:a14="http://schemas.microsoft.com/office/drawing/2010/main">
+        <mc:Choice Requires="a14">
           <p:sp>
             <p:nvSpPr>
               <p:cNvPr id="21" name="文本框 20">
@@ -9445,6 +9708,7 @@
               </a:bodyPr>
               <a:lstStyle/>
               <a:p>
+                <a:pPr/>
                 <a14:m>
                   <m:oMathPara xmlns:m="http://schemas.openxmlformats.org/officeDocument/2006/math">
                     <m:oMathParaPr>
@@ -9498,7 +9762,7 @@
             </p:txBody>
           </p:sp>
         </mc:Choice>
-        <mc:Fallback>
+        <mc:Fallback xmlns="">
           <p:sp>
             <p:nvSpPr>
               <p:cNvPr id="21" name="文本框 20">
@@ -9647,6 +9911,2184 @@
     <p:extLst>
       <p:ext uri="{BB962C8B-B14F-4D97-AF65-F5344CB8AC3E}">
         <p14:creationId xmlns:p14="http://schemas.microsoft.com/office/powerpoint/2010/main" val="1383747332"/>
+      </p:ext>
+    </p:extLst>
+  </p:cSld>
+  <p:clrMapOvr>
+    <a:masterClrMapping/>
+  </p:clrMapOvr>
+</p:sld>
+</file>
+
+<file path=ppt/slides/slide5.xml><?xml version="1.0" encoding="utf-8"?>
+<p:sld xmlns:a="http://schemas.openxmlformats.org/drawingml/2006/main" xmlns:r="http://schemas.openxmlformats.org/officeDocument/2006/relationships" xmlns:p="http://schemas.openxmlformats.org/presentationml/2006/main">
+  <p:cSld>
+    <p:spTree>
+      <p:nvGrpSpPr>
+        <p:cNvPr id="1" name=""/>
+        <p:cNvGrpSpPr/>
+        <p:nvPr/>
+      </p:nvGrpSpPr>
+      <p:grpSpPr>
+        <a:xfrm>
+          <a:off x="0" y="0"/>
+          <a:ext cx="0" cy="0"/>
+          <a:chOff x="0" y="0"/>
+          <a:chExt cx="0" cy="0"/>
+        </a:xfrm>
+      </p:grpSpPr>
+      <p:sp>
+        <p:nvSpPr>
+          <p:cNvPr id="15" name="平行四边形 14">
+            <a:extLst>
+              <a:ext uri="{FF2B5EF4-FFF2-40B4-BE49-F238E27FC236}">
+                <a16:creationId xmlns:a16="http://schemas.microsoft.com/office/drawing/2014/main" id="{E512DFAE-364A-4056-9B32-E04BFC0684DC}"/>
+              </a:ext>
+            </a:extLst>
+          </p:cNvPr>
+          <p:cNvSpPr/>
+          <p:nvPr/>
+        </p:nvSpPr>
+        <p:spPr>
+          <a:xfrm rot="5400000">
+            <a:off x="1455206" y="1988476"/>
+            <a:ext cx="1786766" cy="1054360"/>
+          </a:xfrm>
+          <a:prstGeom prst="parallelogram">
+            <a:avLst>
+              <a:gd name="adj" fmla="val 16150"/>
+            </a:avLst>
+          </a:prstGeom>
+          <a:pattFill prst="diagBrick">
+            <a:fgClr>
+              <a:schemeClr val="bg1">
+                <a:lumMod val="75000"/>
+              </a:schemeClr>
+            </a:fgClr>
+            <a:bgClr>
+              <a:schemeClr val="bg1"/>
+            </a:bgClr>
+          </a:pattFill>
+          <a:ln>
+            <a:solidFill>
+              <a:schemeClr val="tx1"/>
+            </a:solidFill>
+          </a:ln>
+        </p:spPr>
+        <p:style>
+          <a:lnRef idx="2">
+            <a:schemeClr val="accent1">
+              <a:shade val="50000"/>
+            </a:schemeClr>
+          </a:lnRef>
+          <a:fillRef idx="1">
+            <a:schemeClr val="accent1"/>
+          </a:fillRef>
+          <a:effectRef idx="0">
+            <a:schemeClr val="accent1"/>
+          </a:effectRef>
+          <a:fontRef idx="minor">
+            <a:schemeClr val="lt1"/>
+          </a:fontRef>
+        </p:style>
+        <p:txBody>
+          <a:bodyPr rtlCol="0" anchor="ctr"/>
+          <a:lstStyle/>
+          <a:p>
+            <a:pPr algn="ctr"/>
+            <a:endParaRPr lang="zh-CN" altLang="en-US"/>
+          </a:p>
+        </p:txBody>
+      </p:sp>
+      <p:cxnSp>
+        <p:nvCxnSpPr>
+          <p:cNvPr id="6" name="直接箭头连接符 5">
+            <a:extLst>
+              <a:ext uri="{FF2B5EF4-FFF2-40B4-BE49-F238E27FC236}">
+                <a16:creationId xmlns:a16="http://schemas.microsoft.com/office/drawing/2014/main" id="{147CFE24-FB04-49F4-943C-67B92BC67EFA}"/>
+              </a:ext>
+            </a:extLst>
+          </p:cNvPr>
+          <p:cNvCxnSpPr>
+            <a:cxnSpLocks/>
+          </p:cNvCxnSpPr>
+          <p:nvPr/>
+        </p:nvCxnSpPr>
+        <p:spPr>
+          <a:xfrm flipV="1">
+            <a:off x="2327029" y="729211"/>
+            <a:ext cx="0" cy="1886239"/>
+          </a:xfrm>
+          <a:prstGeom prst="straightConnector1">
+            <a:avLst/>
+          </a:prstGeom>
+          <a:ln>
+            <a:solidFill>
+              <a:schemeClr val="tx1"/>
+            </a:solidFill>
+            <a:tailEnd type="triangle"/>
+          </a:ln>
+        </p:spPr>
+        <p:style>
+          <a:lnRef idx="1">
+            <a:schemeClr val="accent1"/>
+          </a:lnRef>
+          <a:fillRef idx="0">
+            <a:schemeClr val="accent1"/>
+          </a:fillRef>
+          <a:effectRef idx="0">
+            <a:schemeClr val="accent1"/>
+          </a:effectRef>
+          <a:fontRef idx="minor">
+            <a:schemeClr val="tx1"/>
+          </a:fontRef>
+        </p:style>
+      </p:cxnSp>
+      <p:cxnSp>
+        <p:nvCxnSpPr>
+          <p:cNvPr id="8" name="直接箭头连接符 7">
+            <a:extLst>
+              <a:ext uri="{FF2B5EF4-FFF2-40B4-BE49-F238E27FC236}">
+                <a16:creationId xmlns:a16="http://schemas.microsoft.com/office/drawing/2014/main" id="{A381F4D0-7D93-41A7-BBD3-6CB0B9AF2D53}"/>
+              </a:ext>
+            </a:extLst>
+          </p:cNvPr>
+          <p:cNvCxnSpPr>
+            <a:cxnSpLocks/>
+          </p:cNvCxnSpPr>
+          <p:nvPr/>
+        </p:nvCxnSpPr>
+        <p:spPr>
+          <a:xfrm flipH="1" flipV="1">
+            <a:off x="884339" y="2377367"/>
+            <a:ext cx="1442691" cy="238084"/>
+          </a:xfrm>
+          <a:prstGeom prst="straightConnector1">
+            <a:avLst/>
+          </a:prstGeom>
+          <a:ln>
+            <a:solidFill>
+              <a:schemeClr val="tx1"/>
+            </a:solidFill>
+            <a:tailEnd type="triangle"/>
+          </a:ln>
+        </p:spPr>
+        <p:style>
+          <a:lnRef idx="1">
+            <a:schemeClr val="accent1"/>
+          </a:lnRef>
+          <a:fillRef idx="0">
+            <a:schemeClr val="accent1"/>
+          </a:fillRef>
+          <a:effectRef idx="0">
+            <a:schemeClr val="accent1"/>
+          </a:effectRef>
+          <a:fontRef idx="minor">
+            <a:schemeClr val="tx1"/>
+          </a:fontRef>
+        </p:style>
+      </p:cxnSp>
+      <p:sp>
+        <p:nvSpPr>
+          <p:cNvPr id="11" name="文本框 10">
+            <a:extLst>
+              <a:ext uri="{FF2B5EF4-FFF2-40B4-BE49-F238E27FC236}">
+                <a16:creationId xmlns:a16="http://schemas.microsoft.com/office/drawing/2014/main" id="{230BAC28-ABB4-4CBB-A7DC-381944D1282E}"/>
+              </a:ext>
+            </a:extLst>
+          </p:cNvPr>
+          <p:cNvSpPr txBox="1"/>
+          <p:nvPr/>
+        </p:nvSpPr>
+        <p:spPr>
+          <a:xfrm>
+            <a:off x="2397795" y="852574"/>
+            <a:ext cx="317716" cy="369332"/>
+          </a:xfrm>
+          <a:prstGeom prst="rect">
+            <a:avLst/>
+          </a:prstGeom>
+          <a:noFill/>
+        </p:spPr>
+        <p:txBody>
+          <a:bodyPr wrap="none" rtlCol="0">
+            <a:spAutoFit/>
+          </a:bodyPr>
+          <a:lstStyle/>
+          <a:p>
+            <a:r>
+              <a:rPr lang="en-US" altLang="zh-CN" b="1" dirty="0"/>
+              <a:t>Y</a:t>
+            </a:r>
+            <a:endParaRPr lang="zh-CN" altLang="en-US" b="1" dirty="0"/>
+          </a:p>
+        </p:txBody>
+      </p:sp>
+      <p:sp>
+        <p:nvSpPr>
+          <p:cNvPr id="13" name="文本框 12">
+            <a:extLst>
+              <a:ext uri="{FF2B5EF4-FFF2-40B4-BE49-F238E27FC236}">
+                <a16:creationId xmlns:a16="http://schemas.microsoft.com/office/drawing/2014/main" id="{79CC68D0-72AC-4558-93C5-82ADB93A2B71}"/>
+              </a:ext>
+            </a:extLst>
+          </p:cNvPr>
+          <p:cNvSpPr txBox="1"/>
+          <p:nvPr/>
+        </p:nvSpPr>
+        <p:spPr>
+          <a:xfrm>
+            <a:off x="958830" y="2102103"/>
+            <a:ext cx="327334" cy="369332"/>
+          </a:xfrm>
+          <a:prstGeom prst="rect">
+            <a:avLst/>
+          </a:prstGeom>
+          <a:noFill/>
+        </p:spPr>
+        <p:txBody>
+          <a:bodyPr wrap="none" rtlCol="0">
+            <a:spAutoFit/>
+          </a:bodyPr>
+          <a:lstStyle/>
+          <a:p>
+            <a:r>
+              <a:rPr lang="en-US" altLang="zh-CN" b="1" dirty="0"/>
+              <a:t>X</a:t>
+            </a:r>
+            <a:endParaRPr lang="zh-CN" altLang="en-US" b="1" dirty="0"/>
+          </a:p>
+        </p:txBody>
+      </p:sp>
+      <p:sp>
+        <p:nvSpPr>
+          <p:cNvPr id="14" name="文本框 13">
+            <a:extLst>
+              <a:ext uri="{FF2B5EF4-FFF2-40B4-BE49-F238E27FC236}">
+                <a16:creationId xmlns:a16="http://schemas.microsoft.com/office/drawing/2014/main" id="{5B9B6C92-F788-40DD-99A6-833C6F053D3B}"/>
+              </a:ext>
+            </a:extLst>
+          </p:cNvPr>
+          <p:cNvSpPr txBox="1"/>
+          <p:nvPr/>
+        </p:nvSpPr>
+        <p:spPr>
+          <a:xfrm>
+            <a:off x="2566070" y="2166559"/>
+            <a:ext cx="309700" cy="369332"/>
+          </a:xfrm>
+          <a:prstGeom prst="rect">
+            <a:avLst/>
+          </a:prstGeom>
+          <a:noFill/>
+        </p:spPr>
+        <p:txBody>
+          <a:bodyPr wrap="none" rtlCol="0">
+            <a:spAutoFit/>
+          </a:bodyPr>
+          <a:lstStyle/>
+          <a:p>
+            <a:r>
+              <a:rPr lang="en-US" altLang="zh-CN" b="1" dirty="0"/>
+              <a:t>S</a:t>
+            </a:r>
+            <a:endParaRPr lang="zh-CN" altLang="en-US" dirty="0"/>
+          </a:p>
+        </p:txBody>
+      </p:sp>
+      <p:cxnSp>
+        <p:nvCxnSpPr>
+          <p:cNvPr id="18" name="直接箭头连接符 17">
+            <a:extLst>
+              <a:ext uri="{FF2B5EF4-FFF2-40B4-BE49-F238E27FC236}">
+                <a16:creationId xmlns:a16="http://schemas.microsoft.com/office/drawing/2014/main" id="{365CE775-9646-46DB-B3D6-8397EAADBB0E}"/>
+              </a:ext>
+            </a:extLst>
+          </p:cNvPr>
+          <p:cNvCxnSpPr>
+            <a:cxnSpLocks/>
+          </p:cNvCxnSpPr>
+          <p:nvPr/>
+        </p:nvCxnSpPr>
+        <p:spPr>
+          <a:xfrm flipV="1">
+            <a:off x="2327029" y="2377367"/>
+            <a:ext cx="295278" cy="238083"/>
+          </a:xfrm>
+          <a:prstGeom prst="straightConnector1">
+            <a:avLst/>
+          </a:prstGeom>
+          <a:ln w="9525">
+            <a:solidFill>
+              <a:schemeClr val="tx1"/>
+            </a:solidFill>
+            <a:tailEnd type="triangle"/>
+          </a:ln>
+        </p:spPr>
+        <p:style>
+          <a:lnRef idx="1">
+            <a:schemeClr val="accent1"/>
+          </a:lnRef>
+          <a:fillRef idx="0">
+            <a:schemeClr val="accent1"/>
+          </a:fillRef>
+          <a:effectRef idx="0">
+            <a:schemeClr val="accent1"/>
+          </a:effectRef>
+          <a:fontRef idx="minor">
+            <a:schemeClr val="tx1"/>
+          </a:fontRef>
+        </p:style>
+      </p:cxnSp>
+      <p:cxnSp>
+        <p:nvCxnSpPr>
+          <p:cNvPr id="24" name="直接连接符 23">
+            <a:extLst>
+              <a:ext uri="{FF2B5EF4-FFF2-40B4-BE49-F238E27FC236}">
+                <a16:creationId xmlns:a16="http://schemas.microsoft.com/office/drawing/2014/main" id="{1245B1F0-165F-4618-A592-9761861FD67E}"/>
+              </a:ext>
+            </a:extLst>
+          </p:cNvPr>
+          <p:cNvCxnSpPr/>
+          <p:nvPr/>
+        </p:nvCxnSpPr>
+        <p:spPr>
+          <a:xfrm>
+            <a:off x="2327029" y="2615450"/>
+            <a:ext cx="0" cy="2767796"/>
+          </a:xfrm>
+          <a:prstGeom prst="line">
+            <a:avLst/>
+          </a:prstGeom>
+          <a:ln>
+            <a:solidFill>
+              <a:schemeClr val="tx1"/>
+            </a:solidFill>
+            <a:prstDash val="lgDash"/>
+          </a:ln>
+        </p:spPr>
+        <p:style>
+          <a:lnRef idx="1">
+            <a:schemeClr val="accent1"/>
+          </a:lnRef>
+          <a:fillRef idx="0">
+            <a:schemeClr val="accent1"/>
+          </a:fillRef>
+          <a:effectRef idx="0">
+            <a:schemeClr val="accent1"/>
+          </a:effectRef>
+          <a:fontRef idx="minor">
+            <a:schemeClr val="tx1"/>
+          </a:fontRef>
+        </p:style>
+      </p:cxnSp>
+      <p:sp>
+        <p:nvSpPr>
+          <p:cNvPr id="25" name="椭圆 24">
+            <a:extLst>
+              <a:ext uri="{FF2B5EF4-FFF2-40B4-BE49-F238E27FC236}">
+                <a16:creationId xmlns:a16="http://schemas.microsoft.com/office/drawing/2014/main" id="{2311D584-403A-4656-94C1-3AB51486D4A2}"/>
+              </a:ext>
+            </a:extLst>
+          </p:cNvPr>
+          <p:cNvSpPr/>
+          <p:nvPr/>
+        </p:nvSpPr>
+        <p:spPr>
+          <a:xfrm>
+            <a:off x="2280376" y="5298346"/>
+            <a:ext cx="93306" cy="93306"/>
+          </a:xfrm>
+          <a:prstGeom prst="ellipse">
+            <a:avLst/>
+          </a:prstGeom>
+          <a:solidFill>
+            <a:schemeClr val="tx1"/>
+          </a:solidFill>
+          <a:ln>
+            <a:solidFill>
+              <a:schemeClr val="tx1"/>
+            </a:solidFill>
+          </a:ln>
+        </p:spPr>
+        <p:style>
+          <a:lnRef idx="2">
+            <a:schemeClr val="accent1">
+              <a:shade val="50000"/>
+            </a:schemeClr>
+          </a:lnRef>
+          <a:fillRef idx="1">
+            <a:schemeClr val="accent1"/>
+          </a:fillRef>
+          <a:effectRef idx="0">
+            <a:schemeClr val="accent1"/>
+          </a:effectRef>
+          <a:fontRef idx="minor">
+            <a:schemeClr val="lt1"/>
+          </a:fontRef>
+        </p:style>
+        <p:txBody>
+          <a:bodyPr rtlCol="0" anchor="ctr"/>
+          <a:lstStyle/>
+          <a:p>
+            <a:pPr algn="ctr"/>
+            <a:endParaRPr lang="zh-CN" altLang="en-US"/>
+          </a:p>
+        </p:txBody>
+      </p:sp>
+      <p:sp>
+        <p:nvSpPr>
+          <p:cNvPr id="26" name="文本框 25">
+            <a:extLst>
+              <a:ext uri="{FF2B5EF4-FFF2-40B4-BE49-F238E27FC236}">
+                <a16:creationId xmlns:a16="http://schemas.microsoft.com/office/drawing/2014/main" id="{9D798127-505A-43C9-B61C-809360558E2C}"/>
+              </a:ext>
+            </a:extLst>
+          </p:cNvPr>
+          <p:cNvSpPr txBox="1"/>
+          <p:nvPr/>
+        </p:nvSpPr>
+        <p:spPr>
+          <a:xfrm>
+            <a:off x="2373682" y="5298346"/>
+            <a:ext cx="1107996" cy="369332"/>
+          </a:xfrm>
+          <a:prstGeom prst="rect">
+            <a:avLst/>
+          </a:prstGeom>
+          <a:noFill/>
+        </p:spPr>
+        <p:txBody>
+          <a:bodyPr wrap="none" rtlCol="0">
+            <a:spAutoFit/>
+          </a:bodyPr>
+          <a:lstStyle/>
+          <a:p>
+            <a:r>
+              <a:rPr lang="zh-CN" altLang="en-US" dirty="0"/>
+              <a:t>圆柱轴心</a:t>
+            </a:r>
+          </a:p>
+        </p:txBody>
+      </p:sp>
+      <p:pic>
+        <p:nvPicPr>
+          <p:cNvPr id="27" name="图片 26">
+            <a:extLst>
+              <a:ext uri="{FF2B5EF4-FFF2-40B4-BE49-F238E27FC236}">
+                <a16:creationId xmlns:a16="http://schemas.microsoft.com/office/drawing/2014/main" id="{44500B44-81A6-4C0E-9C4A-5C61C2C5BDF1}"/>
+              </a:ext>
+            </a:extLst>
+          </p:cNvPr>
+          <p:cNvPicPr>
+            <a:picLocks noChangeAspect="1"/>
+          </p:cNvPicPr>
+          <p:nvPr/>
+        </p:nvPicPr>
+        <p:blipFill>
+          <a:blip r:embed="rId3"/>
+          <a:stretch>
+            <a:fillRect/>
+          </a:stretch>
+        </p:blipFill>
+        <p:spPr>
+          <a:xfrm>
+            <a:off x="7542669" y="1237098"/>
+            <a:ext cx="3971925" cy="2762250"/>
+          </a:xfrm>
+          <a:prstGeom prst="rect">
+            <a:avLst/>
+          </a:prstGeom>
+        </p:spPr>
+      </p:pic>
+      <p:sp>
+        <p:nvSpPr>
+          <p:cNvPr id="28" name="平行四边形 27">
+            <a:extLst>
+              <a:ext uri="{FF2B5EF4-FFF2-40B4-BE49-F238E27FC236}">
+                <a16:creationId xmlns:a16="http://schemas.microsoft.com/office/drawing/2014/main" id="{5D34AB9A-BBB9-470B-A168-29DDA3E8D6D8}"/>
+              </a:ext>
+            </a:extLst>
+          </p:cNvPr>
+          <p:cNvSpPr/>
+          <p:nvPr/>
+        </p:nvSpPr>
+        <p:spPr>
+          <a:xfrm rot="16458310" flipV="1">
+            <a:off x="9016254" y="2298804"/>
+            <a:ext cx="405122" cy="117066"/>
+          </a:xfrm>
+          <a:prstGeom prst="parallelogram">
+            <a:avLst>
+              <a:gd name="adj" fmla="val 100326"/>
+            </a:avLst>
+          </a:prstGeom>
+          <a:noFill/>
+          <a:ln>
+            <a:solidFill>
+              <a:srgbClr val="FF0000"/>
+            </a:solidFill>
+          </a:ln>
+        </p:spPr>
+        <p:style>
+          <a:lnRef idx="2">
+            <a:schemeClr val="accent1">
+              <a:shade val="50000"/>
+            </a:schemeClr>
+          </a:lnRef>
+          <a:fillRef idx="1">
+            <a:schemeClr val="accent1"/>
+          </a:fillRef>
+          <a:effectRef idx="0">
+            <a:schemeClr val="accent1"/>
+          </a:effectRef>
+          <a:fontRef idx="minor">
+            <a:schemeClr val="lt1"/>
+          </a:fontRef>
+        </p:style>
+        <p:txBody>
+          <a:bodyPr rtlCol="0" anchor="ctr"/>
+          <a:lstStyle/>
+          <a:p>
+            <a:pPr algn="ctr"/>
+            <a:endParaRPr lang="zh-CN" altLang="en-US"/>
+          </a:p>
+        </p:txBody>
+      </p:sp>
+      <p:sp>
+        <p:nvSpPr>
+          <p:cNvPr id="32" name="平行四边形 31">
+            <a:extLst>
+              <a:ext uri="{FF2B5EF4-FFF2-40B4-BE49-F238E27FC236}">
+                <a16:creationId xmlns:a16="http://schemas.microsoft.com/office/drawing/2014/main" id="{C83E3B1E-DE8A-4D30-9A20-CA88F499AD62}"/>
+              </a:ext>
+            </a:extLst>
+          </p:cNvPr>
+          <p:cNvSpPr/>
+          <p:nvPr/>
+        </p:nvSpPr>
+        <p:spPr>
+          <a:xfrm rot="5400000">
+            <a:off x="3644634" y="2326224"/>
+            <a:ext cx="1786766" cy="1054360"/>
+          </a:xfrm>
+          <a:prstGeom prst="parallelogram">
+            <a:avLst>
+              <a:gd name="adj" fmla="val 16150"/>
+            </a:avLst>
+          </a:prstGeom>
+          <a:pattFill prst="diagBrick">
+            <a:fgClr>
+              <a:schemeClr val="bg1">
+                <a:lumMod val="75000"/>
+              </a:schemeClr>
+            </a:fgClr>
+            <a:bgClr>
+              <a:schemeClr val="bg1"/>
+            </a:bgClr>
+          </a:pattFill>
+          <a:ln>
+            <a:solidFill>
+              <a:schemeClr val="tx1"/>
+            </a:solidFill>
+          </a:ln>
+        </p:spPr>
+        <p:style>
+          <a:lnRef idx="2">
+            <a:schemeClr val="accent1">
+              <a:shade val="50000"/>
+            </a:schemeClr>
+          </a:lnRef>
+          <a:fillRef idx="1">
+            <a:schemeClr val="accent1"/>
+          </a:fillRef>
+          <a:effectRef idx="0">
+            <a:schemeClr val="accent1"/>
+          </a:effectRef>
+          <a:fontRef idx="minor">
+            <a:schemeClr val="lt1"/>
+          </a:fontRef>
+        </p:style>
+        <p:txBody>
+          <a:bodyPr rtlCol="0" anchor="ctr"/>
+          <a:lstStyle/>
+          <a:p>
+            <a:pPr algn="ctr"/>
+            <a:endParaRPr lang="zh-CN" altLang="en-US"/>
+          </a:p>
+        </p:txBody>
+      </p:sp>
+      <p:cxnSp>
+        <p:nvCxnSpPr>
+          <p:cNvPr id="33" name="直接箭头连接符 32">
+            <a:extLst>
+              <a:ext uri="{FF2B5EF4-FFF2-40B4-BE49-F238E27FC236}">
+                <a16:creationId xmlns:a16="http://schemas.microsoft.com/office/drawing/2014/main" id="{24A582CD-405C-4C5A-852C-8C718E45C2C5}"/>
+              </a:ext>
+            </a:extLst>
+          </p:cNvPr>
+          <p:cNvCxnSpPr>
+            <a:cxnSpLocks/>
+          </p:cNvCxnSpPr>
+          <p:nvPr/>
+        </p:nvCxnSpPr>
+        <p:spPr>
+          <a:xfrm flipV="1">
+            <a:off x="4516457" y="1066959"/>
+            <a:ext cx="0" cy="1886239"/>
+          </a:xfrm>
+          <a:prstGeom prst="straightConnector1">
+            <a:avLst/>
+          </a:prstGeom>
+          <a:ln>
+            <a:solidFill>
+              <a:schemeClr val="tx1"/>
+            </a:solidFill>
+            <a:tailEnd type="triangle"/>
+          </a:ln>
+        </p:spPr>
+        <p:style>
+          <a:lnRef idx="1">
+            <a:schemeClr val="accent1"/>
+          </a:lnRef>
+          <a:fillRef idx="0">
+            <a:schemeClr val="accent1"/>
+          </a:fillRef>
+          <a:effectRef idx="0">
+            <a:schemeClr val="accent1"/>
+          </a:effectRef>
+          <a:fontRef idx="minor">
+            <a:schemeClr val="tx1"/>
+          </a:fontRef>
+        </p:style>
+      </p:cxnSp>
+      <p:cxnSp>
+        <p:nvCxnSpPr>
+          <p:cNvPr id="34" name="直接箭头连接符 33">
+            <a:extLst>
+              <a:ext uri="{FF2B5EF4-FFF2-40B4-BE49-F238E27FC236}">
+                <a16:creationId xmlns:a16="http://schemas.microsoft.com/office/drawing/2014/main" id="{D63D5FBD-E7D9-4EA3-9411-EB9C4A3FDD54}"/>
+              </a:ext>
+            </a:extLst>
+          </p:cNvPr>
+          <p:cNvCxnSpPr>
+            <a:cxnSpLocks/>
+          </p:cNvCxnSpPr>
+          <p:nvPr/>
+        </p:nvCxnSpPr>
+        <p:spPr>
+          <a:xfrm flipH="1" flipV="1">
+            <a:off x="3073767" y="2715115"/>
+            <a:ext cx="1442691" cy="238084"/>
+          </a:xfrm>
+          <a:prstGeom prst="straightConnector1">
+            <a:avLst/>
+          </a:prstGeom>
+          <a:ln>
+            <a:solidFill>
+              <a:schemeClr val="tx1"/>
+            </a:solidFill>
+            <a:tailEnd type="triangle"/>
+          </a:ln>
+        </p:spPr>
+        <p:style>
+          <a:lnRef idx="1">
+            <a:schemeClr val="accent1"/>
+          </a:lnRef>
+          <a:fillRef idx="0">
+            <a:schemeClr val="accent1"/>
+          </a:fillRef>
+          <a:effectRef idx="0">
+            <a:schemeClr val="accent1"/>
+          </a:effectRef>
+          <a:fontRef idx="minor">
+            <a:schemeClr val="tx1"/>
+          </a:fontRef>
+        </p:style>
+      </p:cxnSp>
+      <p:sp>
+        <p:nvSpPr>
+          <p:cNvPr id="35" name="文本框 34">
+            <a:extLst>
+              <a:ext uri="{FF2B5EF4-FFF2-40B4-BE49-F238E27FC236}">
+                <a16:creationId xmlns:a16="http://schemas.microsoft.com/office/drawing/2014/main" id="{288FCF1C-A28F-435C-BE2E-EE05F83091D4}"/>
+              </a:ext>
+            </a:extLst>
+          </p:cNvPr>
+          <p:cNvSpPr txBox="1"/>
+          <p:nvPr/>
+        </p:nvSpPr>
+        <p:spPr>
+          <a:xfrm>
+            <a:off x="4587223" y="1190322"/>
+            <a:ext cx="317716" cy="369332"/>
+          </a:xfrm>
+          <a:prstGeom prst="rect">
+            <a:avLst/>
+          </a:prstGeom>
+          <a:noFill/>
+        </p:spPr>
+        <p:txBody>
+          <a:bodyPr wrap="none" rtlCol="0">
+            <a:spAutoFit/>
+          </a:bodyPr>
+          <a:lstStyle/>
+          <a:p>
+            <a:r>
+              <a:rPr lang="en-US" altLang="zh-CN" b="1" dirty="0"/>
+              <a:t>Y</a:t>
+            </a:r>
+            <a:endParaRPr lang="zh-CN" altLang="en-US" b="1" dirty="0"/>
+          </a:p>
+        </p:txBody>
+      </p:sp>
+      <p:sp>
+        <p:nvSpPr>
+          <p:cNvPr id="36" name="文本框 35">
+            <a:extLst>
+              <a:ext uri="{FF2B5EF4-FFF2-40B4-BE49-F238E27FC236}">
+                <a16:creationId xmlns:a16="http://schemas.microsoft.com/office/drawing/2014/main" id="{40491AC7-5718-4236-9E35-276ED64A62F3}"/>
+              </a:ext>
+            </a:extLst>
+          </p:cNvPr>
+          <p:cNvSpPr txBox="1"/>
+          <p:nvPr/>
+        </p:nvSpPr>
+        <p:spPr>
+          <a:xfrm>
+            <a:off x="3148258" y="2439851"/>
+            <a:ext cx="327334" cy="369332"/>
+          </a:xfrm>
+          <a:prstGeom prst="rect">
+            <a:avLst/>
+          </a:prstGeom>
+          <a:noFill/>
+        </p:spPr>
+        <p:txBody>
+          <a:bodyPr wrap="none" rtlCol="0">
+            <a:spAutoFit/>
+          </a:bodyPr>
+          <a:lstStyle/>
+          <a:p>
+            <a:r>
+              <a:rPr lang="en-US" altLang="zh-CN" b="1" dirty="0"/>
+              <a:t>X</a:t>
+            </a:r>
+            <a:endParaRPr lang="zh-CN" altLang="en-US" b="1" dirty="0"/>
+          </a:p>
+        </p:txBody>
+      </p:sp>
+      <p:sp>
+        <p:nvSpPr>
+          <p:cNvPr id="37" name="文本框 36">
+            <a:extLst>
+              <a:ext uri="{FF2B5EF4-FFF2-40B4-BE49-F238E27FC236}">
+                <a16:creationId xmlns:a16="http://schemas.microsoft.com/office/drawing/2014/main" id="{955D673E-BABE-4F14-8B2A-1A7289AA8523}"/>
+              </a:ext>
+            </a:extLst>
+          </p:cNvPr>
+          <p:cNvSpPr txBox="1"/>
+          <p:nvPr/>
+        </p:nvSpPr>
+        <p:spPr>
+          <a:xfrm>
+            <a:off x="4755498" y="2504307"/>
+            <a:ext cx="309700" cy="369332"/>
+          </a:xfrm>
+          <a:prstGeom prst="rect">
+            <a:avLst/>
+          </a:prstGeom>
+          <a:noFill/>
+        </p:spPr>
+        <p:txBody>
+          <a:bodyPr wrap="none" rtlCol="0">
+            <a:spAutoFit/>
+          </a:bodyPr>
+          <a:lstStyle/>
+          <a:p>
+            <a:r>
+              <a:rPr lang="en-US" altLang="zh-CN" b="1" dirty="0"/>
+              <a:t>S</a:t>
+            </a:r>
+            <a:endParaRPr lang="zh-CN" altLang="en-US" dirty="0"/>
+          </a:p>
+        </p:txBody>
+      </p:sp>
+      <p:cxnSp>
+        <p:nvCxnSpPr>
+          <p:cNvPr id="38" name="直接箭头连接符 37">
+            <a:extLst>
+              <a:ext uri="{FF2B5EF4-FFF2-40B4-BE49-F238E27FC236}">
+                <a16:creationId xmlns:a16="http://schemas.microsoft.com/office/drawing/2014/main" id="{8ABECF4D-5EB6-4DCB-A7C8-3CEF8EADB719}"/>
+              </a:ext>
+            </a:extLst>
+          </p:cNvPr>
+          <p:cNvCxnSpPr>
+            <a:cxnSpLocks/>
+          </p:cNvCxnSpPr>
+          <p:nvPr/>
+        </p:nvCxnSpPr>
+        <p:spPr>
+          <a:xfrm flipV="1">
+            <a:off x="4516457" y="2715115"/>
+            <a:ext cx="295278" cy="238083"/>
+          </a:xfrm>
+          <a:prstGeom prst="straightConnector1">
+            <a:avLst/>
+          </a:prstGeom>
+          <a:ln w="9525">
+            <a:solidFill>
+              <a:schemeClr val="tx1"/>
+            </a:solidFill>
+            <a:tailEnd type="triangle"/>
+          </a:ln>
+        </p:spPr>
+        <p:style>
+          <a:lnRef idx="1">
+            <a:schemeClr val="accent1"/>
+          </a:lnRef>
+          <a:fillRef idx="0">
+            <a:schemeClr val="accent1"/>
+          </a:fillRef>
+          <a:effectRef idx="0">
+            <a:schemeClr val="accent1"/>
+          </a:effectRef>
+          <a:fontRef idx="minor">
+            <a:schemeClr val="tx1"/>
+          </a:fontRef>
+        </p:style>
+      </p:cxnSp>
+      <p:cxnSp>
+        <p:nvCxnSpPr>
+          <p:cNvPr id="39" name="直接连接符 38">
+            <a:extLst>
+              <a:ext uri="{FF2B5EF4-FFF2-40B4-BE49-F238E27FC236}">
+                <a16:creationId xmlns:a16="http://schemas.microsoft.com/office/drawing/2014/main" id="{F383073B-F1D5-4CD2-A8EB-DD1C275017D1}"/>
+              </a:ext>
+            </a:extLst>
+          </p:cNvPr>
+          <p:cNvCxnSpPr/>
+          <p:nvPr/>
+        </p:nvCxnSpPr>
+        <p:spPr>
+          <a:xfrm>
+            <a:off x="4516457" y="2953198"/>
+            <a:ext cx="0" cy="2767796"/>
+          </a:xfrm>
+          <a:prstGeom prst="line">
+            <a:avLst/>
+          </a:prstGeom>
+          <a:ln>
+            <a:solidFill>
+              <a:schemeClr val="tx1"/>
+            </a:solidFill>
+            <a:prstDash val="lgDash"/>
+          </a:ln>
+        </p:spPr>
+        <p:style>
+          <a:lnRef idx="1">
+            <a:schemeClr val="accent1"/>
+          </a:lnRef>
+          <a:fillRef idx="0">
+            <a:schemeClr val="accent1"/>
+          </a:fillRef>
+          <a:effectRef idx="0">
+            <a:schemeClr val="accent1"/>
+          </a:effectRef>
+          <a:fontRef idx="minor">
+            <a:schemeClr val="tx1"/>
+          </a:fontRef>
+        </p:style>
+      </p:cxnSp>
+      <p:sp>
+        <p:nvSpPr>
+          <p:cNvPr id="40" name="椭圆 39">
+            <a:extLst>
+              <a:ext uri="{FF2B5EF4-FFF2-40B4-BE49-F238E27FC236}">
+                <a16:creationId xmlns:a16="http://schemas.microsoft.com/office/drawing/2014/main" id="{28004CA6-9CDE-470D-ACF1-8CC9CAB9358D}"/>
+              </a:ext>
+            </a:extLst>
+          </p:cNvPr>
+          <p:cNvSpPr/>
+          <p:nvPr/>
+        </p:nvSpPr>
+        <p:spPr>
+          <a:xfrm>
+            <a:off x="4469804" y="5636094"/>
+            <a:ext cx="93306" cy="93306"/>
+          </a:xfrm>
+          <a:prstGeom prst="ellipse">
+            <a:avLst/>
+          </a:prstGeom>
+          <a:solidFill>
+            <a:schemeClr val="tx1"/>
+          </a:solidFill>
+          <a:ln>
+            <a:solidFill>
+              <a:schemeClr val="tx1"/>
+            </a:solidFill>
+          </a:ln>
+        </p:spPr>
+        <p:style>
+          <a:lnRef idx="2">
+            <a:schemeClr val="accent1">
+              <a:shade val="50000"/>
+            </a:schemeClr>
+          </a:lnRef>
+          <a:fillRef idx="1">
+            <a:schemeClr val="accent1"/>
+          </a:fillRef>
+          <a:effectRef idx="0">
+            <a:schemeClr val="accent1"/>
+          </a:effectRef>
+          <a:fontRef idx="minor">
+            <a:schemeClr val="lt1"/>
+          </a:fontRef>
+        </p:style>
+        <p:txBody>
+          <a:bodyPr rtlCol="0" anchor="ctr"/>
+          <a:lstStyle/>
+          <a:p>
+            <a:pPr algn="ctr"/>
+            <a:endParaRPr lang="zh-CN" altLang="en-US"/>
+          </a:p>
+        </p:txBody>
+      </p:sp>
+      <p:sp>
+        <p:nvSpPr>
+          <p:cNvPr id="41" name="文本框 40">
+            <a:extLst>
+              <a:ext uri="{FF2B5EF4-FFF2-40B4-BE49-F238E27FC236}">
+                <a16:creationId xmlns:a16="http://schemas.microsoft.com/office/drawing/2014/main" id="{DFCF654D-6873-4391-8613-AE8BF8C5737F}"/>
+              </a:ext>
+            </a:extLst>
+          </p:cNvPr>
+          <p:cNvSpPr txBox="1"/>
+          <p:nvPr/>
+        </p:nvSpPr>
+        <p:spPr>
+          <a:xfrm>
+            <a:off x="4563110" y="5636094"/>
+            <a:ext cx="1107996" cy="369332"/>
+          </a:xfrm>
+          <a:prstGeom prst="rect">
+            <a:avLst/>
+          </a:prstGeom>
+          <a:noFill/>
+        </p:spPr>
+        <p:txBody>
+          <a:bodyPr wrap="none" rtlCol="0">
+            <a:spAutoFit/>
+          </a:bodyPr>
+          <a:lstStyle/>
+          <a:p>
+            <a:r>
+              <a:rPr lang="zh-CN" altLang="en-US" dirty="0"/>
+              <a:t>圆柱轴心</a:t>
+            </a:r>
+          </a:p>
+        </p:txBody>
+      </p:sp>
+      <p:cxnSp>
+        <p:nvCxnSpPr>
+          <p:cNvPr id="43" name="直接箭头连接符 42">
+            <a:extLst>
+              <a:ext uri="{FF2B5EF4-FFF2-40B4-BE49-F238E27FC236}">
+                <a16:creationId xmlns:a16="http://schemas.microsoft.com/office/drawing/2014/main" id="{60A5B3D8-ABAC-43DF-80CE-B96093252B5D}"/>
+              </a:ext>
+            </a:extLst>
+          </p:cNvPr>
+          <p:cNvCxnSpPr/>
+          <p:nvPr/>
+        </p:nvCxnSpPr>
+        <p:spPr>
+          <a:xfrm>
+            <a:off x="2875769" y="1792586"/>
+            <a:ext cx="1135068" cy="167435"/>
+          </a:xfrm>
+          <a:prstGeom prst="straightConnector1">
+            <a:avLst/>
+          </a:prstGeom>
+          <a:ln w="28575">
+            <a:solidFill>
+              <a:srgbClr val="FF0000"/>
+            </a:solidFill>
+            <a:headEnd type="triangle"/>
+            <a:tailEnd type="triangle"/>
+          </a:ln>
+        </p:spPr>
+        <p:style>
+          <a:lnRef idx="1">
+            <a:schemeClr val="accent1"/>
+          </a:lnRef>
+          <a:fillRef idx="0">
+            <a:schemeClr val="accent1"/>
+          </a:fillRef>
+          <a:effectRef idx="0">
+            <a:schemeClr val="accent1"/>
+          </a:effectRef>
+          <a:fontRef idx="minor">
+            <a:schemeClr val="tx1"/>
+          </a:fontRef>
+        </p:style>
+      </p:cxnSp>
+      <p:sp>
+        <p:nvSpPr>
+          <p:cNvPr id="44" name="文本框 43">
+            <a:extLst>
+              <a:ext uri="{FF2B5EF4-FFF2-40B4-BE49-F238E27FC236}">
+                <a16:creationId xmlns:a16="http://schemas.microsoft.com/office/drawing/2014/main" id="{038C1E85-EFF4-43DC-A522-25DA81073453}"/>
+              </a:ext>
+            </a:extLst>
+          </p:cNvPr>
+          <p:cNvSpPr txBox="1"/>
+          <p:nvPr/>
+        </p:nvSpPr>
+        <p:spPr>
+          <a:xfrm rot="597251">
+            <a:off x="3188834" y="1423254"/>
+            <a:ext cx="470000" cy="369332"/>
+          </a:xfrm>
+          <a:prstGeom prst="rect">
+            <a:avLst/>
+          </a:prstGeom>
+          <a:noFill/>
+        </p:spPr>
+        <p:txBody>
+          <a:bodyPr wrap="none" rtlCol="0">
+            <a:spAutoFit/>
+          </a:bodyPr>
+          <a:lstStyle/>
+          <a:p>
+            <a:r>
+              <a:rPr lang="en-US" altLang="zh-CN" b="1" dirty="0"/>
+              <a:t>rib</a:t>
+            </a:r>
+            <a:endParaRPr lang="zh-CN" altLang="en-US" b="1" dirty="0"/>
+          </a:p>
+        </p:txBody>
+      </p:sp>
+      <p:cxnSp>
+        <p:nvCxnSpPr>
+          <p:cNvPr id="46" name="直接连接符 45">
+            <a:extLst>
+              <a:ext uri="{FF2B5EF4-FFF2-40B4-BE49-F238E27FC236}">
+                <a16:creationId xmlns:a16="http://schemas.microsoft.com/office/drawing/2014/main" id="{EF6C5BCC-6D56-4E91-8932-8A9CB7764DAE}"/>
+              </a:ext>
+            </a:extLst>
+          </p:cNvPr>
+          <p:cNvCxnSpPr>
+            <a:cxnSpLocks/>
+          </p:cNvCxnSpPr>
+          <p:nvPr/>
+        </p:nvCxnSpPr>
+        <p:spPr>
+          <a:xfrm flipV="1">
+            <a:off x="9414315" y="2039045"/>
+            <a:ext cx="1775405" cy="1661939"/>
+          </a:xfrm>
+          <a:prstGeom prst="line">
+            <a:avLst/>
+          </a:prstGeom>
+          <a:ln w="12700">
+            <a:solidFill>
+              <a:schemeClr val="tx1">
+                <a:lumMod val="75000"/>
+                <a:lumOff val="25000"/>
+              </a:schemeClr>
+            </a:solidFill>
+            <a:prstDash val="dash"/>
+          </a:ln>
+        </p:spPr>
+        <p:style>
+          <a:lnRef idx="1">
+            <a:schemeClr val="accent1"/>
+          </a:lnRef>
+          <a:fillRef idx="0">
+            <a:schemeClr val="accent1"/>
+          </a:fillRef>
+          <a:effectRef idx="0">
+            <a:schemeClr val="accent1"/>
+          </a:effectRef>
+          <a:fontRef idx="minor">
+            <a:schemeClr val="tx1"/>
+          </a:fontRef>
+        </p:style>
+      </p:cxnSp>
+      <p:sp>
+        <p:nvSpPr>
+          <p:cNvPr id="56" name="文本框 55">
+            <a:extLst>
+              <a:ext uri="{FF2B5EF4-FFF2-40B4-BE49-F238E27FC236}">
+                <a16:creationId xmlns:a16="http://schemas.microsoft.com/office/drawing/2014/main" id="{5F53D85C-712B-4048-954D-7127B821F819}"/>
+              </a:ext>
+            </a:extLst>
+          </p:cNvPr>
+          <p:cNvSpPr txBox="1"/>
+          <p:nvPr/>
+        </p:nvSpPr>
+        <p:spPr>
+          <a:xfrm rot="2837478">
+            <a:off x="10964329" y="1825411"/>
+            <a:ext cx="494046" cy="369332"/>
+          </a:xfrm>
+          <a:prstGeom prst="rect">
+            <a:avLst/>
+          </a:prstGeom>
+          <a:noFill/>
+        </p:spPr>
+        <p:txBody>
+          <a:bodyPr wrap="none" rtlCol="0">
+            <a:spAutoFit/>
+          </a:bodyPr>
+          <a:lstStyle/>
+          <a:p>
+            <a:r>
+              <a:rPr lang="zh-CN" altLang="en-US" dirty="0"/>
+              <a:t>✂</a:t>
+            </a:r>
+          </a:p>
+        </p:txBody>
+      </p:sp>
+    </p:spTree>
+    <p:extLst>
+      <p:ext uri="{BB962C8B-B14F-4D97-AF65-F5344CB8AC3E}">
+        <p14:creationId xmlns:p14="http://schemas.microsoft.com/office/powerpoint/2010/main" val="3458996340"/>
+      </p:ext>
+    </p:extLst>
+  </p:cSld>
+  <p:clrMapOvr>
+    <a:masterClrMapping/>
+  </p:clrMapOvr>
+</p:sld>
+</file>
+
+<file path=ppt/slides/slide6.xml><?xml version="1.0" encoding="utf-8"?>
+<p:sld xmlns:a="http://schemas.openxmlformats.org/drawingml/2006/main" xmlns:r="http://schemas.openxmlformats.org/officeDocument/2006/relationships" xmlns:p="http://schemas.openxmlformats.org/presentationml/2006/main">
+  <p:cSld>
+    <p:spTree>
+      <p:nvGrpSpPr>
+        <p:cNvPr id="1" name=""/>
+        <p:cNvGrpSpPr/>
+        <p:nvPr/>
+      </p:nvGrpSpPr>
+      <p:grpSpPr>
+        <a:xfrm>
+          <a:off x="0" y="0"/>
+          <a:ext cx="0" cy="0"/>
+          <a:chOff x="0" y="0"/>
+          <a:chExt cx="0" cy="0"/>
+        </a:xfrm>
+      </p:grpSpPr>
+      <p:pic>
+        <p:nvPicPr>
+          <p:cNvPr id="27" name="图片 26">
+            <a:extLst>
+              <a:ext uri="{FF2B5EF4-FFF2-40B4-BE49-F238E27FC236}">
+                <a16:creationId xmlns:a16="http://schemas.microsoft.com/office/drawing/2014/main" id="{44500B44-81A6-4C0E-9C4A-5C61C2C5BDF1}"/>
+              </a:ext>
+            </a:extLst>
+          </p:cNvPr>
+          <p:cNvPicPr>
+            <a:picLocks noChangeAspect="1"/>
+          </p:cNvPicPr>
+          <p:nvPr/>
+        </p:nvPicPr>
+        <p:blipFill>
+          <a:blip r:embed="rId3"/>
+          <a:stretch>
+            <a:fillRect/>
+          </a:stretch>
+        </p:blipFill>
+        <p:spPr>
+          <a:xfrm>
+            <a:off x="648709" y="1761080"/>
+            <a:ext cx="3971925" cy="2762250"/>
+          </a:xfrm>
+          <a:prstGeom prst="rect">
+            <a:avLst/>
+          </a:prstGeom>
+        </p:spPr>
+      </p:pic>
+      <p:sp>
+        <p:nvSpPr>
+          <p:cNvPr id="28" name="平行四边形 27">
+            <a:extLst>
+              <a:ext uri="{FF2B5EF4-FFF2-40B4-BE49-F238E27FC236}">
+                <a16:creationId xmlns:a16="http://schemas.microsoft.com/office/drawing/2014/main" id="{5D34AB9A-BBB9-470B-A168-29DDA3E8D6D8}"/>
+              </a:ext>
+            </a:extLst>
+          </p:cNvPr>
+          <p:cNvSpPr/>
+          <p:nvPr/>
+        </p:nvSpPr>
+        <p:spPr>
+          <a:xfrm rot="16458310" flipV="1">
+            <a:off x="2122294" y="2822786"/>
+            <a:ext cx="405122" cy="117066"/>
+          </a:xfrm>
+          <a:prstGeom prst="parallelogram">
+            <a:avLst>
+              <a:gd name="adj" fmla="val 100326"/>
+            </a:avLst>
+          </a:prstGeom>
+          <a:noFill/>
+          <a:ln>
+            <a:solidFill>
+              <a:srgbClr val="FF0000"/>
+            </a:solidFill>
+          </a:ln>
+        </p:spPr>
+        <p:style>
+          <a:lnRef idx="2">
+            <a:schemeClr val="accent1">
+              <a:shade val="50000"/>
+            </a:schemeClr>
+          </a:lnRef>
+          <a:fillRef idx="1">
+            <a:schemeClr val="accent1"/>
+          </a:fillRef>
+          <a:effectRef idx="0">
+            <a:schemeClr val="accent1"/>
+          </a:effectRef>
+          <a:fontRef idx="minor">
+            <a:schemeClr val="lt1"/>
+          </a:fontRef>
+        </p:style>
+        <p:txBody>
+          <a:bodyPr rtlCol="0" anchor="ctr"/>
+          <a:lstStyle/>
+          <a:p>
+            <a:pPr algn="ctr"/>
+            <a:endParaRPr lang="zh-CN" altLang="en-US"/>
+          </a:p>
+        </p:txBody>
+      </p:sp>
+      <p:cxnSp>
+        <p:nvCxnSpPr>
+          <p:cNvPr id="46" name="直接连接符 45">
+            <a:extLst>
+              <a:ext uri="{FF2B5EF4-FFF2-40B4-BE49-F238E27FC236}">
+                <a16:creationId xmlns:a16="http://schemas.microsoft.com/office/drawing/2014/main" id="{EF6C5BCC-6D56-4E91-8932-8A9CB7764DAE}"/>
+              </a:ext>
+            </a:extLst>
+          </p:cNvPr>
+          <p:cNvCxnSpPr>
+            <a:cxnSpLocks/>
+          </p:cNvCxnSpPr>
+          <p:nvPr/>
+        </p:nvCxnSpPr>
+        <p:spPr>
+          <a:xfrm flipV="1">
+            <a:off x="2520355" y="2563027"/>
+            <a:ext cx="1775405" cy="1661939"/>
+          </a:xfrm>
+          <a:prstGeom prst="line">
+            <a:avLst/>
+          </a:prstGeom>
+          <a:ln w="12700">
+            <a:solidFill>
+              <a:schemeClr val="tx1">
+                <a:lumMod val="75000"/>
+                <a:lumOff val="25000"/>
+              </a:schemeClr>
+            </a:solidFill>
+            <a:prstDash val="dash"/>
+          </a:ln>
+        </p:spPr>
+        <p:style>
+          <a:lnRef idx="1">
+            <a:schemeClr val="accent1"/>
+          </a:lnRef>
+          <a:fillRef idx="0">
+            <a:schemeClr val="accent1"/>
+          </a:fillRef>
+          <a:effectRef idx="0">
+            <a:schemeClr val="accent1"/>
+          </a:effectRef>
+          <a:fontRef idx="minor">
+            <a:schemeClr val="tx1"/>
+          </a:fontRef>
+        </p:style>
+      </p:cxnSp>
+      <p:sp>
+        <p:nvSpPr>
+          <p:cNvPr id="56" name="文本框 55">
+            <a:extLst>
+              <a:ext uri="{FF2B5EF4-FFF2-40B4-BE49-F238E27FC236}">
+                <a16:creationId xmlns:a16="http://schemas.microsoft.com/office/drawing/2014/main" id="{5F53D85C-712B-4048-954D-7127B821F819}"/>
+              </a:ext>
+            </a:extLst>
+          </p:cNvPr>
+          <p:cNvSpPr txBox="1"/>
+          <p:nvPr/>
+        </p:nvSpPr>
+        <p:spPr>
+          <a:xfrm rot="2837478">
+            <a:off x="4070369" y="2349393"/>
+            <a:ext cx="494046" cy="369332"/>
+          </a:xfrm>
+          <a:prstGeom prst="rect">
+            <a:avLst/>
+          </a:prstGeom>
+          <a:noFill/>
+        </p:spPr>
+        <p:txBody>
+          <a:bodyPr wrap="none" rtlCol="0">
+            <a:spAutoFit/>
+          </a:bodyPr>
+          <a:lstStyle/>
+          <a:p>
+            <a:r>
+              <a:rPr lang="zh-CN" altLang="en-US" dirty="0"/>
+              <a:t>✂</a:t>
+            </a:r>
+          </a:p>
+        </p:txBody>
+      </p:sp>
+      <p:sp>
+        <p:nvSpPr>
+          <p:cNvPr id="2" name="矩形 1">
+            <a:extLst>
+              <a:ext uri="{FF2B5EF4-FFF2-40B4-BE49-F238E27FC236}">
+                <a16:creationId xmlns:a16="http://schemas.microsoft.com/office/drawing/2014/main" id="{A3275A0D-8D1B-4EC6-9FC4-0F8CD1B322FF}"/>
+              </a:ext>
+            </a:extLst>
+          </p:cNvPr>
+          <p:cNvSpPr/>
+          <p:nvPr/>
+        </p:nvSpPr>
+        <p:spPr>
+          <a:xfrm>
+            <a:off x="5568593" y="1263721"/>
+            <a:ext cx="2917861" cy="3832261"/>
+          </a:xfrm>
+          <a:prstGeom prst="rect">
+            <a:avLst/>
+          </a:prstGeom>
+          <a:noFill/>
+          <a:ln w="9525">
+            <a:solidFill>
+              <a:schemeClr val="tx1"/>
+            </a:solidFill>
+          </a:ln>
+        </p:spPr>
+        <p:style>
+          <a:lnRef idx="2">
+            <a:schemeClr val="accent1">
+              <a:shade val="50000"/>
+            </a:schemeClr>
+          </a:lnRef>
+          <a:fillRef idx="1">
+            <a:schemeClr val="accent1"/>
+          </a:fillRef>
+          <a:effectRef idx="0">
+            <a:schemeClr val="accent1"/>
+          </a:effectRef>
+          <a:fontRef idx="minor">
+            <a:schemeClr val="lt1"/>
+          </a:fontRef>
+        </p:style>
+        <p:txBody>
+          <a:bodyPr rtlCol="0" anchor="ctr"/>
+          <a:lstStyle/>
+          <a:p>
+            <a:pPr algn="ctr"/>
+            <a:endParaRPr lang="zh-CN" altLang="en-US"/>
+          </a:p>
+        </p:txBody>
+      </p:sp>
+      <p:sp>
+        <p:nvSpPr>
+          <p:cNvPr id="12" name="文本框 11">
+            <a:extLst>
+              <a:ext uri="{FF2B5EF4-FFF2-40B4-BE49-F238E27FC236}">
+                <a16:creationId xmlns:a16="http://schemas.microsoft.com/office/drawing/2014/main" id="{70DB6211-35D2-4835-BFF5-1DE636375327}"/>
+              </a:ext>
+            </a:extLst>
+          </p:cNvPr>
+          <p:cNvSpPr txBox="1"/>
+          <p:nvPr/>
+        </p:nvSpPr>
+        <p:spPr>
+          <a:xfrm>
+            <a:off x="6091913" y="5095982"/>
+            <a:ext cx="412292" cy="369332"/>
+          </a:xfrm>
+          <a:prstGeom prst="rect">
+            <a:avLst/>
+          </a:prstGeom>
+          <a:noFill/>
+        </p:spPr>
+        <p:txBody>
+          <a:bodyPr wrap="none" rtlCol="0">
+            <a:spAutoFit/>
+          </a:bodyPr>
+          <a:lstStyle/>
+          <a:p>
+            <a:r>
+              <a:rPr lang="en-US" altLang="zh-CN" dirty="0"/>
+              <a:t>z0</a:t>
+            </a:r>
+            <a:endParaRPr lang="zh-CN" altLang="en-US" dirty="0"/>
+          </a:p>
+        </p:txBody>
+      </p:sp>
+      <p:sp>
+        <p:nvSpPr>
+          <p:cNvPr id="42" name="文本框 41">
+            <a:extLst>
+              <a:ext uri="{FF2B5EF4-FFF2-40B4-BE49-F238E27FC236}">
+                <a16:creationId xmlns:a16="http://schemas.microsoft.com/office/drawing/2014/main" id="{5ED642A7-67AB-4D45-B2D1-67542BAB079C}"/>
+              </a:ext>
+            </a:extLst>
+          </p:cNvPr>
+          <p:cNvSpPr txBox="1"/>
+          <p:nvPr/>
+        </p:nvSpPr>
+        <p:spPr>
+          <a:xfrm>
+            <a:off x="7563189" y="5095982"/>
+            <a:ext cx="412292" cy="369332"/>
+          </a:xfrm>
+          <a:prstGeom prst="rect">
+            <a:avLst/>
+          </a:prstGeom>
+          <a:noFill/>
+        </p:spPr>
+        <p:txBody>
+          <a:bodyPr wrap="none" rtlCol="0">
+            <a:spAutoFit/>
+          </a:bodyPr>
+          <a:lstStyle/>
+          <a:p>
+            <a:r>
+              <a:rPr lang="en-US" altLang="zh-CN" dirty="0"/>
+              <a:t>z0</a:t>
+            </a:r>
+            <a:endParaRPr lang="zh-CN" altLang="en-US" dirty="0"/>
+          </a:p>
+        </p:txBody>
+      </p:sp>
+      <p:sp>
+        <p:nvSpPr>
+          <p:cNvPr id="16" name="文本框 15">
+            <a:extLst>
+              <a:ext uri="{FF2B5EF4-FFF2-40B4-BE49-F238E27FC236}">
+                <a16:creationId xmlns:a16="http://schemas.microsoft.com/office/drawing/2014/main" id="{E883C7CE-8829-4F2E-BF95-380803873534}"/>
+              </a:ext>
+            </a:extLst>
+          </p:cNvPr>
+          <p:cNvSpPr txBox="1"/>
+          <p:nvPr/>
+        </p:nvSpPr>
+        <p:spPr>
+          <a:xfrm>
+            <a:off x="8671389" y="3179851"/>
+            <a:ext cx="529312" cy="369332"/>
+          </a:xfrm>
+          <a:prstGeom prst="rect">
+            <a:avLst/>
+          </a:prstGeom>
+          <a:noFill/>
+        </p:spPr>
+        <p:txBody>
+          <a:bodyPr wrap="none" rtlCol="0">
+            <a:spAutoFit/>
+          </a:bodyPr>
+          <a:lstStyle/>
+          <a:p>
+            <a:r>
+              <a:rPr lang="en-US" altLang="zh-CN" dirty="0"/>
+              <a:t>2πr</a:t>
+            </a:r>
+            <a:endParaRPr lang="zh-CN" altLang="en-US" dirty="0"/>
+          </a:p>
+        </p:txBody>
+      </p:sp>
+      <p:cxnSp>
+        <p:nvCxnSpPr>
+          <p:cNvPr id="19" name="直接连接符 18">
+            <a:extLst>
+              <a:ext uri="{FF2B5EF4-FFF2-40B4-BE49-F238E27FC236}">
+                <a16:creationId xmlns:a16="http://schemas.microsoft.com/office/drawing/2014/main" id="{C43ACBEE-245F-43D5-99BD-B0879A0C32B4}"/>
+              </a:ext>
+            </a:extLst>
+          </p:cNvPr>
+          <p:cNvCxnSpPr>
+            <a:cxnSpLocks/>
+            <a:endCxn id="20" idx="0"/>
+          </p:cNvCxnSpPr>
+          <p:nvPr/>
+        </p:nvCxnSpPr>
+        <p:spPr>
+          <a:xfrm flipH="1" flipV="1">
+            <a:off x="5794186" y="4653115"/>
+            <a:ext cx="1233338" cy="442867"/>
+          </a:xfrm>
+          <a:prstGeom prst="line">
+            <a:avLst/>
+          </a:prstGeom>
+          <a:ln>
+            <a:prstDash val="dash"/>
+          </a:ln>
+        </p:spPr>
+        <p:style>
+          <a:lnRef idx="1">
+            <a:schemeClr val="accent1"/>
+          </a:lnRef>
+          <a:fillRef idx="0">
+            <a:schemeClr val="accent1"/>
+          </a:fillRef>
+          <a:effectRef idx="0">
+            <a:schemeClr val="accent1"/>
+          </a:effectRef>
+          <a:fontRef idx="minor">
+            <a:schemeClr val="tx1"/>
+          </a:fontRef>
+        </p:style>
+      </p:cxnSp>
+      <p:sp>
+        <p:nvSpPr>
+          <p:cNvPr id="20" name="矩形 19">
+            <a:extLst>
+              <a:ext uri="{FF2B5EF4-FFF2-40B4-BE49-F238E27FC236}">
+                <a16:creationId xmlns:a16="http://schemas.microsoft.com/office/drawing/2014/main" id="{FB788E72-7F34-4341-9F3B-2DEC87586BFB}"/>
+              </a:ext>
+            </a:extLst>
+          </p:cNvPr>
+          <p:cNvSpPr/>
+          <p:nvPr/>
+        </p:nvSpPr>
+        <p:spPr>
+          <a:xfrm rot="1261696">
+            <a:off x="5723186" y="4649635"/>
+            <a:ext cx="104502" cy="104502"/>
+          </a:xfrm>
+          <a:prstGeom prst="rect">
+            <a:avLst/>
+          </a:prstGeom>
+          <a:solidFill>
+            <a:schemeClr val="bg1"/>
+          </a:solidFill>
+          <a:ln w="6350">
+            <a:solidFill>
+              <a:srgbClr val="4472C4"/>
+            </a:solidFill>
+          </a:ln>
+        </p:spPr>
+        <p:style>
+          <a:lnRef idx="2">
+            <a:schemeClr val="accent1">
+              <a:shade val="50000"/>
+            </a:schemeClr>
+          </a:lnRef>
+          <a:fillRef idx="1">
+            <a:schemeClr val="accent1"/>
+          </a:fillRef>
+          <a:effectRef idx="0">
+            <a:schemeClr val="accent1"/>
+          </a:effectRef>
+          <a:fontRef idx="minor">
+            <a:schemeClr val="lt1"/>
+          </a:fontRef>
+        </p:style>
+        <p:txBody>
+          <a:bodyPr rtlCol="0" anchor="ctr"/>
+          <a:lstStyle/>
+          <a:p>
+            <a:pPr algn="ctr"/>
+            <a:endParaRPr lang="zh-CN" altLang="en-US"/>
+          </a:p>
+        </p:txBody>
+      </p:sp>
+      <p:cxnSp>
+        <p:nvCxnSpPr>
+          <p:cNvPr id="10" name="直接连接符 9">
+            <a:extLst>
+              <a:ext uri="{FF2B5EF4-FFF2-40B4-BE49-F238E27FC236}">
+                <a16:creationId xmlns:a16="http://schemas.microsoft.com/office/drawing/2014/main" id="{6FF0FD4F-7860-407B-9502-CFCD61F750C4}"/>
+              </a:ext>
+            </a:extLst>
+          </p:cNvPr>
+          <p:cNvCxnSpPr>
+            <a:stCxn id="2" idx="2"/>
+          </p:cNvCxnSpPr>
+          <p:nvPr/>
+        </p:nvCxnSpPr>
+        <p:spPr>
+          <a:xfrm flipV="1">
+            <a:off x="7027524" y="1263721"/>
+            <a:ext cx="1458930" cy="3832261"/>
+          </a:xfrm>
+          <a:prstGeom prst="line">
+            <a:avLst/>
+          </a:prstGeom>
+          <a:ln>
+            <a:solidFill>
+              <a:schemeClr val="tx1"/>
+            </a:solidFill>
+          </a:ln>
+        </p:spPr>
+        <p:style>
+          <a:lnRef idx="1">
+            <a:schemeClr val="accent1"/>
+          </a:lnRef>
+          <a:fillRef idx="0">
+            <a:schemeClr val="accent1"/>
+          </a:fillRef>
+          <a:effectRef idx="0">
+            <a:schemeClr val="accent1"/>
+          </a:effectRef>
+          <a:fontRef idx="minor">
+            <a:schemeClr val="tx1"/>
+          </a:fontRef>
+        </p:style>
+      </p:cxnSp>
+      <p:cxnSp>
+        <p:nvCxnSpPr>
+          <p:cNvPr id="7" name="直接连接符 6">
+            <a:extLst>
+              <a:ext uri="{FF2B5EF4-FFF2-40B4-BE49-F238E27FC236}">
+                <a16:creationId xmlns:a16="http://schemas.microsoft.com/office/drawing/2014/main" id="{478BF4E4-E345-4253-9476-C357731F473B}"/>
+              </a:ext>
+            </a:extLst>
+          </p:cNvPr>
+          <p:cNvCxnSpPr>
+            <a:stCxn id="2" idx="0"/>
+          </p:cNvCxnSpPr>
+          <p:nvPr/>
+        </p:nvCxnSpPr>
+        <p:spPr>
+          <a:xfrm flipH="1">
+            <a:off x="5568593" y="1263721"/>
+            <a:ext cx="1458931" cy="3832261"/>
+          </a:xfrm>
+          <a:prstGeom prst="line">
+            <a:avLst/>
+          </a:prstGeom>
+          <a:ln>
+            <a:solidFill>
+              <a:schemeClr val="tx1"/>
+            </a:solidFill>
+          </a:ln>
+        </p:spPr>
+        <p:style>
+          <a:lnRef idx="1">
+            <a:schemeClr val="accent1"/>
+          </a:lnRef>
+          <a:fillRef idx="0">
+            <a:schemeClr val="accent1"/>
+          </a:fillRef>
+          <a:effectRef idx="0">
+            <a:schemeClr val="accent1"/>
+          </a:effectRef>
+          <a:fontRef idx="minor">
+            <a:schemeClr val="tx1"/>
+          </a:fontRef>
+        </p:style>
+      </p:cxnSp>
+      <p:cxnSp>
+        <p:nvCxnSpPr>
+          <p:cNvPr id="30" name="直接连接符 29">
+            <a:extLst>
+              <a:ext uri="{FF2B5EF4-FFF2-40B4-BE49-F238E27FC236}">
+                <a16:creationId xmlns:a16="http://schemas.microsoft.com/office/drawing/2014/main" id="{20995969-CADA-4809-9398-67164777CB33}"/>
+              </a:ext>
+            </a:extLst>
+          </p:cNvPr>
+          <p:cNvCxnSpPr>
+            <a:cxnSpLocks/>
+            <a:stCxn id="2" idx="0"/>
+            <a:endCxn id="2" idx="2"/>
+          </p:cNvCxnSpPr>
+          <p:nvPr/>
+        </p:nvCxnSpPr>
+        <p:spPr>
+          <a:xfrm>
+            <a:off x="7027524" y="1263721"/>
+            <a:ext cx="0" cy="3832261"/>
+          </a:xfrm>
+          <a:prstGeom prst="line">
+            <a:avLst/>
+          </a:prstGeom>
+          <a:ln>
+            <a:prstDash val="dash"/>
+          </a:ln>
+        </p:spPr>
+        <p:style>
+          <a:lnRef idx="1">
+            <a:schemeClr val="accent1"/>
+          </a:lnRef>
+          <a:fillRef idx="0">
+            <a:schemeClr val="accent1"/>
+          </a:fillRef>
+          <a:effectRef idx="0">
+            <a:schemeClr val="accent1"/>
+          </a:effectRef>
+          <a:fontRef idx="minor">
+            <a:schemeClr val="tx1"/>
+          </a:fontRef>
+        </p:style>
+      </p:cxnSp>
+      <p:sp>
+        <p:nvSpPr>
+          <p:cNvPr id="48" name="文本框 47">
+            <a:extLst>
+              <a:ext uri="{FF2B5EF4-FFF2-40B4-BE49-F238E27FC236}">
+                <a16:creationId xmlns:a16="http://schemas.microsoft.com/office/drawing/2014/main" id="{D3257427-F115-474C-BAD8-8DE940E9F47F}"/>
+              </a:ext>
+            </a:extLst>
+          </p:cNvPr>
+          <p:cNvSpPr txBox="1"/>
+          <p:nvPr/>
+        </p:nvSpPr>
+        <p:spPr>
+          <a:xfrm rot="1260581">
+            <a:off x="5863655" y="4489852"/>
+            <a:ext cx="902811" cy="307777"/>
+          </a:xfrm>
+          <a:prstGeom prst="rect">
+            <a:avLst/>
+          </a:prstGeom>
+          <a:noFill/>
+        </p:spPr>
+        <p:txBody>
+          <a:bodyPr wrap="none" rtlCol="0">
+            <a:spAutoFit/>
+          </a:bodyPr>
+          <a:lstStyle/>
+          <a:p>
+            <a:r>
+              <a:rPr lang="zh-CN" altLang="en-US" sz="1400" dirty="0"/>
+              <a:t>最短距离</a:t>
+            </a:r>
+          </a:p>
+        </p:txBody>
+      </p:sp>
+    </p:spTree>
+    <p:extLst>
+      <p:ext uri="{BB962C8B-B14F-4D97-AF65-F5344CB8AC3E}">
+        <p14:creationId xmlns:p14="http://schemas.microsoft.com/office/powerpoint/2010/main" val="1710163185"/>
+      </p:ext>
+    </p:extLst>
+  </p:cSld>
+  <p:clrMapOvr>
+    <a:masterClrMapping/>
+  </p:clrMapOvr>
+</p:sld>
+</file>
+
+<file path=ppt/slides/slide7.xml><?xml version="1.0" encoding="utf-8"?>
+<p:sld xmlns:a="http://schemas.openxmlformats.org/drawingml/2006/main" xmlns:r="http://schemas.openxmlformats.org/officeDocument/2006/relationships" xmlns:p="http://schemas.openxmlformats.org/presentationml/2006/main">
+  <p:cSld>
+    <p:spTree>
+      <p:nvGrpSpPr>
+        <p:cNvPr id="1" name=""/>
+        <p:cNvGrpSpPr/>
+        <p:nvPr/>
+      </p:nvGrpSpPr>
+      <p:grpSpPr>
+        <a:xfrm>
+          <a:off x="0" y="0"/>
+          <a:ext cx="0" cy="0"/>
+          <a:chOff x="0" y="0"/>
+          <a:chExt cx="0" cy="0"/>
+        </a:xfrm>
+      </p:grpSpPr>
+      <p:pic>
+        <p:nvPicPr>
+          <p:cNvPr id="4" name="图片 3">
+            <a:extLst>
+              <a:ext uri="{FF2B5EF4-FFF2-40B4-BE49-F238E27FC236}">
+                <a16:creationId xmlns:a16="http://schemas.microsoft.com/office/drawing/2014/main" id="{2CCA467B-BC8A-4722-A62D-67911046B6F4}"/>
+              </a:ext>
+            </a:extLst>
+          </p:cNvPr>
+          <p:cNvPicPr>
+            <a:picLocks noChangeAspect="1"/>
+          </p:cNvPicPr>
+          <p:nvPr/>
+        </p:nvPicPr>
+        <p:blipFill>
+          <a:blip r:embed="rId3">
+            <a:duotone>
+              <a:schemeClr val="accent1">
+                <a:shade val="45000"/>
+                <a:satMod val="135000"/>
+              </a:schemeClr>
+              <a:prstClr val="white"/>
+            </a:duotone>
+          </a:blip>
+          <a:stretch>
+            <a:fillRect/>
+          </a:stretch>
+        </p:blipFill>
+        <p:spPr>
+          <a:xfrm>
+            <a:off x="-72681" y="114300"/>
+            <a:ext cx="6334125" cy="6629400"/>
+          </a:xfrm>
+          <a:prstGeom prst="rect">
+            <a:avLst/>
+          </a:prstGeom>
+        </p:spPr>
+      </p:pic>
+      <p:sp>
+        <p:nvSpPr>
+          <p:cNvPr id="5" name="任意多边形: 形状 4">
+            <a:extLst>
+              <a:ext uri="{FF2B5EF4-FFF2-40B4-BE49-F238E27FC236}">
+                <a16:creationId xmlns:a16="http://schemas.microsoft.com/office/drawing/2014/main" id="{6BA0534C-F403-42BB-95D8-A167940DF4E2}"/>
+              </a:ext>
+            </a:extLst>
+          </p:cNvPr>
+          <p:cNvSpPr/>
+          <p:nvPr/>
+        </p:nvSpPr>
+        <p:spPr>
+          <a:xfrm>
+            <a:off x="682641" y="3902862"/>
+            <a:ext cx="1674394" cy="2605514"/>
+          </a:xfrm>
+          <a:custGeom>
+            <a:avLst/>
+            <a:gdLst>
+              <a:gd name="connsiteX0" fmla="*/ 0 w 1680882"/>
+              <a:gd name="connsiteY0" fmla="*/ 0 h 2608729"/>
+              <a:gd name="connsiteX1" fmla="*/ 416858 w 1680882"/>
+              <a:gd name="connsiteY1" fmla="*/ 1452282 h 2608729"/>
+              <a:gd name="connsiteX2" fmla="*/ 1680882 w 1680882"/>
+              <a:gd name="connsiteY2" fmla="*/ 2608729 h 2608729"/>
+              <a:gd name="connsiteX0" fmla="*/ 0 w 1680882"/>
+              <a:gd name="connsiteY0" fmla="*/ 0 h 2608729"/>
+              <a:gd name="connsiteX1" fmla="*/ 466747 w 1680882"/>
+              <a:gd name="connsiteY1" fmla="*/ 1412477 h 2608729"/>
+              <a:gd name="connsiteX2" fmla="*/ 1680882 w 1680882"/>
+              <a:gd name="connsiteY2" fmla="*/ 2608729 h 2608729"/>
+            </a:gdLst>
+            <a:ahLst/>
+            <a:cxnLst>
+              <a:cxn ang="0">
+                <a:pos x="connsiteX0" y="connsiteY0"/>
+              </a:cxn>
+              <a:cxn ang="0">
+                <a:pos x="connsiteX1" y="connsiteY1"/>
+              </a:cxn>
+              <a:cxn ang="0">
+                <a:pos x="connsiteX2" y="connsiteY2"/>
+              </a:cxn>
+            </a:cxnLst>
+            <a:rect l="l" t="t" r="r" b="b"/>
+            <a:pathLst>
+              <a:path w="1680882" h="2608729">
+                <a:moveTo>
+                  <a:pt x="0" y="0"/>
+                </a:moveTo>
+                <a:cubicBezTo>
+                  <a:pt x="68355" y="508747"/>
+                  <a:pt x="186600" y="977689"/>
+                  <a:pt x="466747" y="1412477"/>
+                </a:cubicBezTo>
+                <a:cubicBezTo>
+                  <a:pt x="746894" y="1847265"/>
+                  <a:pt x="1188943" y="2247899"/>
+                  <a:pt x="1680882" y="2608729"/>
+                </a:cubicBezTo>
+              </a:path>
+            </a:pathLst>
+          </a:custGeom>
+          <a:noFill/>
+          <a:ln w="19050">
+            <a:solidFill>
+              <a:schemeClr val="bg1"/>
+            </a:solidFill>
+          </a:ln>
+        </p:spPr>
+        <p:style>
+          <a:lnRef idx="2">
+            <a:schemeClr val="accent1">
+              <a:shade val="50000"/>
+            </a:schemeClr>
+          </a:lnRef>
+          <a:fillRef idx="1">
+            <a:schemeClr val="accent1"/>
+          </a:fillRef>
+          <a:effectRef idx="0">
+            <a:schemeClr val="accent1"/>
+          </a:effectRef>
+          <a:fontRef idx="minor">
+            <a:schemeClr val="lt1"/>
+          </a:fontRef>
+        </p:style>
+        <p:txBody>
+          <a:bodyPr rtlCol="0" anchor="ctr"/>
+          <a:lstStyle/>
+          <a:p>
+            <a:pPr algn="ctr"/>
+            <a:endParaRPr lang="zh-CN" altLang="en-US"/>
+          </a:p>
+        </p:txBody>
+      </p:sp>
+      <p:pic>
+        <p:nvPicPr>
+          <p:cNvPr id="10" name="图片 9">
+            <a:extLst>
+              <a:ext uri="{FF2B5EF4-FFF2-40B4-BE49-F238E27FC236}">
+                <a16:creationId xmlns:a16="http://schemas.microsoft.com/office/drawing/2014/main" id="{83A9780F-08DC-4595-8880-7858084A2840}"/>
+              </a:ext>
+            </a:extLst>
+          </p:cNvPr>
+          <p:cNvPicPr>
+            <a:picLocks noChangeAspect="1"/>
+          </p:cNvPicPr>
+          <p:nvPr/>
+        </p:nvPicPr>
+        <p:blipFill>
+          <a:blip r:embed="rId3">
+            <a:duotone>
+              <a:schemeClr val="accent1">
+                <a:shade val="45000"/>
+                <a:satMod val="135000"/>
+              </a:schemeClr>
+              <a:prstClr val="white"/>
+            </a:duotone>
+          </a:blip>
+          <a:stretch>
+            <a:fillRect/>
+          </a:stretch>
+        </p:blipFill>
+        <p:spPr>
+          <a:xfrm>
+            <a:off x="6096000" y="114300"/>
+            <a:ext cx="6334125" cy="6629400"/>
+          </a:xfrm>
+          <a:prstGeom prst="rect">
+            <a:avLst/>
+          </a:prstGeom>
+        </p:spPr>
+      </p:pic>
+      <p:cxnSp>
+        <p:nvCxnSpPr>
+          <p:cNvPr id="13" name="直接连接符 12">
+            <a:extLst>
+              <a:ext uri="{FF2B5EF4-FFF2-40B4-BE49-F238E27FC236}">
+                <a16:creationId xmlns:a16="http://schemas.microsoft.com/office/drawing/2014/main" id="{8DBBF93A-6F2A-4F39-B600-165F8E7EA0AB}"/>
+              </a:ext>
+            </a:extLst>
+          </p:cNvPr>
+          <p:cNvCxnSpPr/>
+          <p:nvPr/>
+        </p:nvCxnSpPr>
+        <p:spPr>
+          <a:xfrm>
+            <a:off x="6848061" y="3902862"/>
+            <a:ext cx="1689652" cy="2605514"/>
+          </a:xfrm>
+          <a:prstGeom prst="line">
+            <a:avLst/>
+          </a:prstGeom>
+          <a:ln w="19050">
+            <a:solidFill>
+              <a:schemeClr val="bg1"/>
+            </a:solidFill>
+          </a:ln>
+        </p:spPr>
+        <p:style>
+          <a:lnRef idx="1">
+            <a:schemeClr val="accent1"/>
+          </a:lnRef>
+          <a:fillRef idx="0">
+            <a:schemeClr val="accent1"/>
+          </a:fillRef>
+          <a:effectRef idx="0">
+            <a:schemeClr val="accent1"/>
+          </a:effectRef>
+          <a:fontRef idx="minor">
+            <a:schemeClr val="tx1"/>
+          </a:fontRef>
+        </p:style>
+      </p:cxnSp>
+      <p:sp>
+        <p:nvSpPr>
+          <p:cNvPr id="14" name="文本框 13">
+            <a:extLst>
+              <a:ext uri="{FF2B5EF4-FFF2-40B4-BE49-F238E27FC236}">
+                <a16:creationId xmlns:a16="http://schemas.microsoft.com/office/drawing/2014/main" id="{AFCA4566-38DC-470D-9768-E92FB6F6220A}"/>
+              </a:ext>
+            </a:extLst>
+          </p:cNvPr>
+          <p:cNvSpPr txBox="1"/>
+          <p:nvPr/>
+        </p:nvSpPr>
+        <p:spPr>
+          <a:xfrm>
+            <a:off x="765313" y="3718196"/>
+            <a:ext cx="332142" cy="369332"/>
+          </a:xfrm>
+          <a:prstGeom prst="rect">
+            <a:avLst/>
+          </a:prstGeom>
+          <a:noFill/>
+        </p:spPr>
+        <p:txBody>
+          <a:bodyPr wrap="none" rtlCol="0">
+            <a:spAutoFit/>
+          </a:bodyPr>
+          <a:lstStyle/>
+          <a:p>
+            <a:r>
+              <a:rPr lang="en-US" altLang="zh-CN" dirty="0">
+                <a:solidFill>
+                  <a:schemeClr val="bg1"/>
+                </a:solidFill>
+              </a:rPr>
+              <a:t>A</a:t>
+            </a:r>
+            <a:endParaRPr lang="zh-CN" altLang="en-US" dirty="0">
+              <a:solidFill>
+                <a:schemeClr val="bg1"/>
+              </a:solidFill>
+            </a:endParaRPr>
+          </a:p>
+        </p:txBody>
+      </p:sp>
+      <p:sp>
+        <p:nvSpPr>
+          <p:cNvPr id="15" name="文本框 14">
+            <a:extLst>
+              <a:ext uri="{FF2B5EF4-FFF2-40B4-BE49-F238E27FC236}">
+                <a16:creationId xmlns:a16="http://schemas.microsoft.com/office/drawing/2014/main" id="{3D122B0B-8A2C-469E-A92A-8F7409DC6C0B}"/>
+              </a:ext>
+            </a:extLst>
+          </p:cNvPr>
+          <p:cNvSpPr txBox="1"/>
+          <p:nvPr/>
+        </p:nvSpPr>
+        <p:spPr>
+          <a:xfrm>
+            <a:off x="6933367" y="3718196"/>
+            <a:ext cx="332142" cy="369332"/>
+          </a:xfrm>
+          <a:prstGeom prst="rect">
+            <a:avLst/>
+          </a:prstGeom>
+          <a:noFill/>
+        </p:spPr>
+        <p:txBody>
+          <a:bodyPr wrap="none" rtlCol="0">
+            <a:spAutoFit/>
+          </a:bodyPr>
+          <a:lstStyle/>
+          <a:p>
+            <a:r>
+              <a:rPr lang="en-US" altLang="zh-CN" dirty="0">
+                <a:solidFill>
+                  <a:schemeClr val="bg1"/>
+                </a:solidFill>
+              </a:rPr>
+              <a:t>A</a:t>
+            </a:r>
+            <a:endParaRPr lang="zh-CN" altLang="en-US" dirty="0">
+              <a:solidFill>
+                <a:schemeClr val="bg1"/>
+              </a:solidFill>
+            </a:endParaRPr>
+          </a:p>
+        </p:txBody>
+      </p:sp>
+      <p:sp>
+        <p:nvSpPr>
+          <p:cNvPr id="16" name="文本框 15">
+            <a:extLst>
+              <a:ext uri="{FF2B5EF4-FFF2-40B4-BE49-F238E27FC236}">
+                <a16:creationId xmlns:a16="http://schemas.microsoft.com/office/drawing/2014/main" id="{1AD8948B-D4F9-4659-9D75-06C0568CDF65}"/>
+              </a:ext>
+            </a:extLst>
+          </p:cNvPr>
+          <p:cNvSpPr txBox="1"/>
+          <p:nvPr/>
+        </p:nvSpPr>
+        <p:spPr>
+          <a:xfrm>
+            <a:off x="2484272" y="6139044"/>
+            <a:ext cx="312906" cy="369332"/>
+          </a:xfrm>
+          <a:prstGeom prst="rect">
+            <a:avLst/>
+          </a:prstGeom>
+          <a:noFill/>
+        </p:spPr>
+        <p:txBody>
+          <a:bodyPr wrap="none" rtlCol="0">
+            <a:spAutoFit/>
+          </a:bodyPr>
+          <a:lstStyle/>
+          <a:p>
+            <a:r>
+              <a:rPr lang="en-US" altLang="zh-CN" dirty="0">
+                <a:solidFill>
+                  <a:schemeClr val="bg1"/>
+                </a:solidFill>
+              </a:rPr>
+              <a:t>B</a:t>
+            </a:r>
+            <a:endParaRPr lang="zh-CN" altLang="en-US" dirty="0">
+              <a:solidFill>
+                <a:schemeClr val="bg1"/>
+              </a:solidFill>
+            </a:endParaRPr>
+          </a:p>
+        </p:txBody>
+      </p:sp>
+      <p:sp>
+        <p:nvSpPr>
+          <p:cNvPr id="17" name="文本框 16">
+            <a:extLst>
+              <a:ext uri="{FF2B5EF4-FFF2-40B4-BE49-F238E27FC236}">
+                <a16:creationId xmlns:a16="http://schemas.microsoft.com/office/drawing/2014/main" id="{125F3A12-3C8C-4082-A32B-BFC948E172E8}"/>
+              </a:ext>
+            </a:extLst>
+          </p:cNvPr>
+          <p:cNvSpPr txBox="1"/>
+          <p:nvPr/>
+        </p:nvSpPr>
+        <p:spPr>
+          <a:xfrm>
+            <a:off x="8657235" y="6139044"/>
+            <a:ext cx="312906" cy="369332"/>
+          </a:xfrm>
+          <a:prstGeom prst="rect">
+            <a:avLst/>
+          </a:prstGeom>
+          <a:noFill/>
+        </p:spPr>
+        <p:txBody>
+          <a:bodyPr wrap="none" rtlCol="0">
+            <a:spAutoFit/>
+          </a:bodyPr>
+          <a:lstStyle/>
+          <a:p>
+            <a:r>
+              <a:rPr lang="en-US" altLang="zh-CN" dirty="0">
+                <a:solidFill>
+                  <a:schemeClr val="bg1"/>
+                </a:solidFill>
+              </a:rPr>
+              <a:t>B</a:t>
+            </a:r>
+            <a:endParaRPr lang="zh-CN" altLang="en-US" dirty="0">
+              <a:solidFill>
+                <a:schemeClr val="bg1"/>
+              </a:solidFill>
+            </a:endParaRPr>
+          </a:p>
+        </p:txBody>
+      </p:sp>
+    </p:spTree>
+    <p:extLst>
+      <p:ext uri="{BB962C8B-B14F-4D97-AF65-F5344CB8AC3E}">
+        <p14:creationId xmlns:p14="http://schemas.microsoft.com/office/powerpoint/2010/main" val="4090786043"/>
       </p:ext>
     </p:extLst>
   </p:cSld>

--- a/books/cct/CCT几何分析并解决rib宽度问题.pptx
+++ b/books/cct/CCT几何分析并解决rib宽度问题.pptx
@@ -5,7 +5,7 @@
     <p:sldMasterId id="2147483648" r:id="rId1"/>
   </p:sldMasterIdLst>
   <p:notesMasterIdLst>
-    <p:notesMasterId r:id="rId9"/>
+    <p:notesMasterId r:id="rId11"/>
   </p:notesMasterIdLst>
   <p:sldIdLst>
     <p:sldId id="256" r:id="rId2"/>
@@ -14,7 +14,9 @@
     <p:sldId id="259" r:id="rId5"/>
     <p:sldId id="260" r:id="rId6"/>
     <p:sldId id="261" r:id="rId7"/>
-    <p:sldId id="262" r:id="rId8"/>
+    <p:sldId id="263" r:id="rId8"/>
+    <p:sldId id="264" r:id="rId9"/>
+    <p:sldId id="262" r:id="rId10"/>
   </p:sldIdLst>
   <p:sldSz cx="12192000" cy="6858000"/>
   <p:notesSz cx="6858000" cy="9144000"/>
@@ -203,7 +205,7 @@
           <a:p>
             <a:fld id="{35CCB64A-D308-4D3B-B4A8-3374E3E56A46}" type="datetimeFigureOut">
               <a:rPr lang="zh-CN" altLang="en-US" smtClean="0"/>
-              <a:t>2020/11/24</a:t>
+              <a:t>2020/11/25</a:t>
             </a:fld>
             <a:endParaRPr lang="zh-CN" altLang="en-US"/>
           </a:p>
@@ -1048,6 +1050,174 @@
     </p:spTree>
     <p:extLst>
       <p:ext uri="{BB962C8B-B14F-4D97-AF65-F5344CB8AC3E}">
+        <p14:creationId xmlns:p14="http://schemas.microsoft.com/office/powerpoint/2010/main" val="389138156"/>
+      </p:ext>
+    </p:extLst>
+  </p:cSld>
+  <p:clrMapOvr>
+    <a:masterClrMapping/>
+  </p:clrMapOvr>
+</p:notes>
+</file>
+
+<file path=ppt/notesSlides/notesSlide8.xml><?xml version="1.0" encoding="utf-8"?>
+<p:notes xmlns:a="http://schemas.openxmlformats.org/drawingml/2006/main" xmlns:r="http://schemas.openxmlformats.org/officeDocument/2006/relationships" xmlns:p="http://schemas.openxmlformats.org/presentationml/2006/main">
+  <p:cSld>
+    <p:spTree>
+      <p:nvGrpSpPr>
+        <p:cNvPr id="1" name=""/>
+        <p:cNvGrpSpPr/>
+        <p:nvPr/>
+      </p:nvGrpSpPr>
+      <p:grpSpPr>
+        <a:xfrm>
+          <a:off x="0" y="0"/>
+          <a:ext cx="0" cy="0"/>
+          <a:chOff x="0" y="0"/>
+          <a:chExt cx="0" cy="0"/>
+        </a:xfrm>
+      </p:grpSpPr>
+      <p:sp>
+        <p:nvSpPr>
+          <p:cNvPr id="2" name="幻灯片图像占位符 1"/>
+          <p:cNvSpPr>
+            <a:spLocks noGrp="1" noRot="1" noChangeAspect="1"/>
+          </p:cNvSpPr>
+          <p:nvPr>
+            <p:ph type="sldImg"/>
+          </p:nvPr>
+        </p:nvSpPr>
+        <p:spPr/>
+      </p:sp>
+      <p:sp>
+        <p:nvSpPr>
+          <p:cNvPr id="3" name="备注占位符 2"/>
+          <p:cNvSpPr>
+            <a:spLocks noGrp="1"/>
+          </p:cNvSpPr>
+          <p:nvPr>
+            <p:ph type="body" idx="1"/>
+          </p:nvPr>
+        </p:nvSpPr>
+        <p:spPr/>
+        <p:txBody>
+          <a:bodyPr/>
+          <a:lstStyle/>
+          <a:p>
+            <a:endParaRPr lang="zh-CN" altLang="en-US" dirty="0"/>
+          </a:p>
+        </p:txBody>
+      </p:sp>
+      <p:sp>
+        <p:nvSpPr>
+          <p:cNvPr id="4" name="灯片编号占位符 3"/>
+          <p:cNvSpPr>
+            <a:spLocks noGrp="1"/>
+          </p:cNvSpPr>
+          <p:nvPr>
+            <p:ph type="sldNum" sz="quarter" idx="5"/>
+          </p:nvPr>
+        </p:nvSpPr>
+        <p:spPr/>
+        <p:txBody>
+          <a:bodyPr/>
+          <a:lstStyle/>
+          <a:p>
+            <a:fld id="{3A416779-A951-4522-ACC1-630491DCE7A2}" type="slidenum">
+              <a:rPr lang="zh-CN" altLang="en-US" smtClean="0"/>
+              <a:t>8</a:t>
+            </a:fld>
+            <a:endParaRPr lang="zh-CN" altLang="en-US"/>
+          </a:p>
+        </p:txBody>
+      </p:sp>
+    </p:spTree>
+    <p:extLst>
+      <p:ext uri="{BB962C8B-B14F-4D97-AF65-F5344CB8AC3E}">
+        <p14:creationId xmlns:p14="http://schemas.microsoft.com/office/powerpoint/2010/main" val="2570350010"/>
+      </p:ext>
+    </p:extLst>
+  </p:cSld>
+  <p:clrMapOvr>
+    <a:masterClrMapping/>
+  </p:clrMapOvr>
+</p:notes>
+</file>
+
+<file path=ppt/notesSlides/notesSlide9.xml><?xml version="1.0" encoding="utf-8"?>
+<p:notes xmlns:a="http://schemas.openxmlformats.org/drawingml/2006/main" xmlns:r="http://schemas.openxmlformats.org/officeDocument/2006/relationships" xmlns:p="http://schemas.openxmlformats.org/presentationml/2006/main">
+  <p:cSld>
+    <p:spTree>
+      <p:nvGrpSpPr>
+        <p:cNvPr id="1" name=""/>
+        <p:cNvGrpSpPr/>
+        <p:nvPr/>
+      </p:nvGrpSpPr>
+      <p:grpSpPr>
+        <a:xfrm>
+          <a:off x="0" y="0"/>
+          <a:ext cx="0" cy="0"/>
+          <a:chOff x="0" y="0"/>
+          <a:chExt cx="0" cy="0"/>
+        </a:xfrm>
+      </p:grpSpPr>
+      <p:sp>
+        <p:nvSpPr>
+          <p:cNvPr id="2" name="幻灯片图像占位符 1"/>
+          <p:cNvSpPr>
+            <a:spLocks noGrp="1" noRot="1" noChangeAspect="1"/>
+          </p:cNvSpPr>
+          <p:nvPr>
+            <p:ph type="sldImg"/>
+          </p:nvPr>
+        </p:nvSpPr>
+        <p:spPr/>
+      </p:sp>
+      <p:sp>
+        <p:nvSpPr>
+          <p:cNvPr id="3" name="备注占位符 2"/>
+          <p:cNvSpPr>
+            <a:spLocks noGrp="1"/>
+          </p:cNvSpPr>
+          <p:nvPr>
+            <p:ph type="body" idx="1"/>
+          </p:nvPr>
+        </p:nvSpPr>
+        <p:spPr/>
+        <p:txBody>
+          <a:bodyPr/>
+          <a:lstStyle/>
+          <a:p>
+            <a:endParaRPr lang="zh-CN" altLang="en-US" dirty="0"/>
+          </a:p>
+        </p:txBody>
+      </p:sp>
+      <p:sp>
+        <p:nvSpPr>
+          <p:cNvPr id="4" name="灯片编号占位符 3"/>
+          <p:cNvSpPr>
+            <a:spLocks noGrp="1"/>
+          </p:cNvSpPr>
+          <p:nvPr>
+            <p:ph type="sldNum" sz="quarter" idx="5"/>
+          </p:nvPr>
+        </p:nvSpPr>
+        <p:spPr/>
+        <p:txBody>
+          <a:bodyPr/>
+          <a:lstStyle/>
+          <a:p>
+            <a:fld id="{3A416779-A951-4522-ACC1-630491DCE7A2}" type="slidenum">
+              <a:rPr lang="zh-CN" altLang="en-US" smtClean="0"/>
+              <a:t>9</a:t>
+            </a:fld>
+            <a:endParaRPr lang="zh-CN" altLang="en-US"/>
+          </a:p>
+        </p:txBody>
+      </p:sp>
+    </p:spTree>
+    <p:extLst>
+      <p:ext uri="{BB962C8B-B14F-4D97-AF65-F5344CB8AC3E}">
         <p14:creationId xmlns:p14="http://schemas.microsoft.com/office/powerpoint/2010/main" val="2875983532"/>
       </p:ext>
     </p:extLst>
@@ -1205,7 +1375,7 @@
           <a:p>
             <a:fld id="{76DC95EF-CF94-4080-AE60-DAEEE7889463}" type="datetimeFigureOut">
               <a:rPr lang="zh-CN" altLang="en-US" smtClean="0"/>
-              <a:t>2020/11/24</a:t>
+              <a:t>2020/11/25</a:t>
             </a:fld>
             <a:endParaRPr lang="zh-CN" altLang="en-US"/>
           </a:p>
@@ -1403,7 +1573,7 @@
           <a:p>
             <a:fld id="{76DC95EF-CF94-4080-AE60-DAEEE7889463}" type="datetimeFigureOut">
               <a:rPr lang="zh-CN" altLang="en-US" smtClean="0"/>
-              <a:t>2020/11/24</a:t>
+              <a:t>2020/11/25</a:t>
             </a:fld>
             <a:endParaRPr lang="zh-CN" altLang="en-US"/>
           </a:p>
@@ -1611,7 +1781,7 @@
           <a:p>
             <a:fld id="{76DC95EF-CF94-4080-AE60-DAEEE7889463}" type="datetimeFigureOut">
               <a:rPr lang="zh-CN" altLang="en-US" smtClean="0"/>
-              <a:t>2020/11/24</a:t>
+              <a:t>2020/11/25</a:t>
             </a:fld>
             <a:endParaRPr lang="zh-CN" altLang="en-US"/>
           </a:p>
@@ -1809,7 +1979,7 @@
           <a:p>
             <a:fld id="{76DC95EF-CF94-4080-AE60-DAEEE7889463}" type="datetimeFigureOut">
               <a:rPr lang="zh-CN" altLang="en-US" smtClean="0"/>
-              <a:t>2020/11/24</a:t>
+              <a:t>2020/11/25</a:t>
             </a:fld>
             <a:endParaRPr lang="zh-CN" altLang="en-US"/>
           </a:p>
@@ -2084,7 +2254,7 @@
           <a:p>
             <a:fld id="{76DC95EF-CF94-4080-AE60-DAEEE7889463}" type="datetimeFigureOut">
               <a:rPr lang="zh-CN" altLang="en-US" smtClean="0"/>
-              <a:t>2020/11/24</a:t>
+              <a:t>2020/11/25</a:t>
             </a:fld>
             <a:endParaRPr lang="zh-CN" altLang="en-US"/>
           </a:p>
@@ -2349,7 +2519,7 @@
           <a:p>
             <a:fld id="{76DC95EF-CF94-4080-AE60-DAEEE7889463}" type="datetimeFigureOut">
               <a:rPr lang="zh-CN" altLang="en-US" smtClean="0"/>
-              <a:t>2020/11/24</a:t>
+              <a:t>2020/11/25</a:t>
             </a:fld>
             <a:endParaRPr lang="zh-CN" altLang="en-US"/>
           </a:p>
@@ -2761,7 +2931,7 @@
           <a:p>
             <a:fld id="{76DC95EF-CF94-4080-AE60-DAEEE7889463}" type="datetimeFigureOut">
               <a:rPr lang="zh-CN" altLang="en-US" smtClean="0"/>
-              <a:t>2020/11/24</a:t>
+              <a:t>2020/11/25</a:t>
             </a:fld>
             <a:endParaRPr lang="zh-CN" altLang="en-US"/>
           </a:p>
@@ -2902,7 +3072,7 @@
           <a:p>
             <a:fld id="{76DC95EF-CF94-4080-AE60-DAEEE7889463}" type="datetimeFigureOut">
               <a:rPr lang="zh-CN" altLang="en-US" smtClean="0"/>
-              <a:t>2020/11/24</a:t>
+              <a:t>2020/11/25</a:t>
             </a:fld>
             <a:endParaRPr lang="zh-CN" altLang="en-US"/>
           </a:p>
@@ -3015,7 +3185,7 @@
           <a:p>
             <a:fld id="{76DC95EF-CF94-4080-AE60-DAEEE7889463}" type="datetimeFigureOut">
               <a:rPr lang="zh-CN" altLang="en-US" smtClean="0"/>
-              <a:t>2020/11/24</a:t>
+              <a:t>2020/11/25</a:t>
             </a:fld>
             <a:endParaRPr lang="zh-CN" altLang="en-US"/>
           </a:p>
@@ -3326,7 +3496,7 @@
           <a:p>
             <a:fld id="{76DC95EF-CF94-4080-AE60-DAEEE7889463}" type="datetimeFigureOut">
               <a:rPr lang="zh-CN" altLang="en-US" smtClean="0"/>
-              <a:t>2020/11/24</a:t>
+              <a:t>2020/11/25</a:t>
             </a:fld>
             <a:endParaRPr lang="zh-CN" altLang="en-US"/>
           </a:p>
@@ -3614,7 +3784,7 @@
           <a:p>
             <a:fld id="{76DC95EF-CF94-4080-AE60-DAEEE7889463}" type="datetimeFigureOut">
               <a:rPr lang="zh-CN" altLang="en-US" smtClean="0"/>
-              <a:t>2020/11/24</a:t>
+              <a:t>2020/11/25</a:t>
             </a:fld>
             <a:endParaRPr lang="zh-CN" altLang="en-US"/>
           </a:p>
@@ -3855,7 +4025,7 @@
           <a:p>
             <a:fld id="{76DC95EF-CF94-4080-AE60-DAEEE7889463}" type="datetimeFigureOut">
               <a:rPr lang="zh-CN" altLang="en-US" smtClean="0"/>
-              <a:t>2020/11/24</a:t>
+              <a:t>2020/11/25</a:t>
             </a:fld>
             <a:endParaRPr lang="zh-CN" altLang="en-US"/>
           </a:p>
@@ -4316,7 +4486,7 @@
         </p:nvSpPr>
         <p:spPr>
           <a:xfrm>
-            <a:off x="10366529" y="4986556"/>
+            <a:off x="7842139" y="1666308"/>
             <a:ext cx="317716" cy="369332"/>
           </a:xfrm>
           <a:prstGeom prst="rect">
@@ -4352,7 +4522,7 @@
         </p:nvSpPr>
         <p:spPr>
           <a:xfrm>
-            <a:off x="7792506" y="1731781"/>
+            <a:off x="10525920" y="4986555"/>
             <a:ext cx="317716" cy="369332"/>
           </a:xfrm>
           <a:prstGeom prst="rect">
@@ -4496,7 +4666,7 @@
         </p:nvSpPr>
         <p:spPr>
           <a:xfrm>
-            <a:off x="108440" y="3878560"/>
+            <a:off x="-753572" y="4499997"/>
             <a:ext cx="1507144" cy="2585323"/>
           </a:xfrm>
           <a:prstGeom prst="rect">
@@ -5193,6 +5363,465 @@
               <a:t>()</a:t>
             </a:r>
             <a:endParaRPr lang="zh-CN" altLang="en-US" sz="300" dirty="0"/>
+          </a:p>
+        </p:txBody>
+      </p:sp>
+      <mc:AlternateContent xmlns:mc="http://schemas.openxmlformats.org/markup-compatibility/2006">
+        <mc:Choice xmlns:a14="http://schemas.microsoft.com/office/drawing/2010/main" Requires="a14">
+          <p:sp>
+            <p:nvSpPr>
+              <p:cNvPr id="21" name="文本框 20">
+                <a:extLst>
+                  <a:ext uri="{FF2B5EF4-FFF2-40B4-BE49-F238E27FC236}">
+                    <a16:creationId xmlns:a16="http://schemas.microsoft.com/office/drawing/2014/main" id="{DB7F7ABC-AFB9-4175-BCD5-D5D4E3EEA577}"/>
+                  </a:ext>
+                </a:extLst>
+              </p:cNvPr>
+              <p:cNvSpPr txBox="1"/>
+              <p:nvPr/>
+            </p:nvSpPr>
+            <p:spPr>
+              <a:xfrm>
+                <a:off x="5482588" y="1419945"/>
+                <a:ext cx="1264769" cy="276999"/>
+              </a:xfrm>
+              <a:prstGeom prst="rect">
+                <a:avLst/>
+              </a:prstGeom>
+              <a:noFill/>
+            </p:spPr>
+            <p:txBody>
+              <a:bodyPr wrap="none" lIns="0" tIns="0" rIns="0" bIns="0" rtlCol="0">
+                <a:spAutoFit/>
+              </a:bodyPr>
+              <a:lstStyle/>
+              <a:p>
+                <a14:m>
+                  <m:oMathPara xmlns:m="http://schemas.openxmlformats.org/officeDocument/2006/math">
+                    <m:oMathParaPr>
+                      <m:jc m:val="centerGroup"/>
+                    </m:oMathParaPr>
+                    <m:oMath xmlns:m="http://schemas.openxmlformats.org/officeDocument/2006/math">
+                      <m:r>
+                        <a:rPr lang="en-US" altLang="zh-CN" b="0" i="1" smtClean="0">
+                          <a:latin typeface="Cambria Math" panose="02040503050406030204" pitchFamily="18" charset="0"/>
+                        </a:rPr>
+                        <m:t>𝑋</m:t>
+                      </m:r>
+                      <m:r>
+                        <a:rPr lang="en-US" altLang="zh-CN" i="1">
+                          <a:latin typeface="Cambria Math" panose="02040503050406030204" pitchFamily="18" charset="0"/>
+                        </a:rPr>
+                        <m:t>=</m:t>
+                      </m:r>
+                      <m:r>
+                        <a:rPr lang="en-US" altLang="zh-CN" b="0" i="1" smtClean="0">
+                          <a:latin typeface="Cambria Math" panose="02040503050406030204" pitchFamily="18" charset="0"/>
+                        </a:rPr>
+                        <m:t>𝑟𝑠𝑖𝑛</m:t>
+                      </m:r>
+                      <m:r>
+                        <a:rPr lang="en-US" altLang="zh-CN" b="0" i="1" smtClean="0">
+                          <a:latin typeface="Cambria Math" panose="02040503050406030204" pitchFamily="18" charset="0"/>
+                        </a:rPr>
+                        <m:t>(</m:t>
+                      </m:r>
+                      <m:r>
+                        <m:rPr>
+                          <m:sty m:val="p"/>
+                        </m:rPr>
+                        <a:rPr lang="en-US" altLang="zh-CN" i="1">
+                          <a:latin typeface="Cambria Math" panose="02040503050406030204" pitchFamily="18" charset="0"/>
+                        </a:rPr>
+                        <m:t>θ</m:t>
+                      </m:r>
+                      <m:r>
+                        <a:rPr lang="en-US" altLang="zh-CN" b="0" i="1" smtClean="0">
+                          <a:latin typeface="Cambria Math" panose="02040503050406030204" pitchFamily="18" charset="0"/>
+                        </a:rPr>
+                        <m:t>)</m:t>
+                      </m:r>
+                    </m:oMath>
+                  </m:oMathPara>
+                </a14:m>
+                <a:endParaRPr lang="zh-CN" altLang="en-US" dirty="0"/>
+              </a:p>
+            </p:txBody>
+          </p:sp>
+        </mc:Choice>
+        <mc:Fallback>
+          <p:sp>
+            <p:nvSpPr>
+              <p:cNvPr id="21" name="文本框 20">
+                <a:extLst>
+                  <a:ext uri="{FF2B5EF4-FFF2-40B4-BE49-F238E27FC236}">
+                    <a16:creationId xmlns:a16="http://schemas.microsoft.com/office/drawing/2014/main" id="{DB7F7ABC-AFB9-4175-BCD5-D5D4E3EEA577}"/>
+                  </a:ext>
+                </a:extLst>
+              </p:cNvPr>
+              <p:cNvSpPr txBox="1">
+                <a:spLocks noRot="1" noChangeAspect="1" noMove="1" noResize="1" noEditPoints="1" noAdjustHandles="1" noChangeArrowheads="1" noChangeShapeType="1" noTextEdit="1"/>
+              </p:cNvSpPr>
+              <p:nvPr/>
+            </p:nvSpPr>
+            <p:spPr>
+              <a:xfrm>
+                <a:off x="5482588" y="1419945"/>
+                <a:ext cx="1264769" cy="276999"/>
+              </a:xfrm>
+              <a:prstGeom prst="rect">
+                <a:avLst/>
+              </a:prstGeom>
+              <a:blipFill>
+                <a:blip r:embed="rId4"/>
+                <a:stretch>
+                  <a:fillRect l="-3365" t="-2222" r="-5769" b="-35556"/>
+                </a:stretch>
+              </a:blipFill>
+            </p:spPr>
+            <p:txBody>
+              <a:bodyPr/>
+              <a:lstStyle/>
+              <a:p>
+                <a:r>
+                  <a:rPr lang="zh-CN" altLang="en-US">
+                    <a:noFill/>
+                  </a:rPr>
+                  <a:t> </a:t>
+                </a:r>
+              </a:p>
+            </p:txBody>
+          </p:sp>
+        </mc:Fallback>
+      </mc:AlternateContent>
+      <mc:AlternateContent xmlns:mc="http://schemas.openxmlformats.org/markup-compatibility/2006">
+        <mc:Choice xmlns:a14="http://schemas.microsoft.com/office/drawing/2010/main" Requires="a14">
+          <p:sp>
+            <p:nvSpPr>
+              <p:cNvPr id="22" name="文本框 21">
+                <a:extLst>
+                  <a:ext uri="{FF2B5EF4-FFF2-40B4-BE49-F238E27FC236}">
+                    <a16:creationId xmlns:a16="http://schemas.microsoft.com/office/drawing/2014/main" id="{31649333-C51C-48FA-BAFE-53D5C89DCC43}"/>
+                  </a:ext>
+                </a:extLst>
+              </p:cNvPr>
+              <p:cNvSpPr txBox="1"/>
+              <p:nvPr/>
+            </p:nvSpPr>
+            <p:spPr>
+              <a:xfrm>
+                <a:off x="5482587" y="1732176"/>
+                <a:ext cx="1259191" cy="276999"/>
+              </a:xfrm>
+              <a:prstGeom prst="rect">
+                <a:avLst/>
+              </a:prstGeom>
+              <a:noFill/>
+            </p:spPr>
+            <p:txBody>
+              <a:bodyPr wrap="none" lIns="0" tIns="0" rIns="0" bIns="0" rtlCol="0">
+                <a:spAutoFit/>
+              </a:bodyPr>
+              <a:lstStyle/>
+              <a:p>
+                <a14:m>
+                  <m:oMathPara xmlns:m="http://schemas.openxmlformats.org/officeDocument/2006/math">
+                    <m:oMathParaPr>
+                      <m:jc m:val="centerGroup"/>
+                    </m:oMathParaPr>
+                    <m:oMath xmlns:m="http://schemas.openxmlformats.org/officeDocument/2006/math">
+                      <m:r>
+                        <a:rPr lang="en-US" altLang="zh-CN" b="0" i="1" smtClean="0">
+                          <a:latin typeface="Cambria Math" panose="02040503050406030204" pitchFamily="18" charset="0"/>
+                        </a:rPr>
+                        <m:t>𝑌</m:t>
+                      </m:r>
+                      <m:r>
+                        <a:rPr lang="en-US" altLang="zh-CN" i="1">
+                          <a:latin typeface="Cambria Math" panose="02040503050406030204" pitchFamily="18" charset="0"/>
+                        </a:rPr>
+                        <m:t>=</m:t>
+                      </m:r>
+                      <m:r>
+                        <a:rPr lang="en-US" altLang="zh-CN" b="0" i="1" smtClean="0">
+                          <a:latin typeface="Cambria Math" panose="02040503050406030204" pitchFamily="18" charset="0"/>
+                        </a:rPr>
+                        <m:t>𝑟</m:t>
+                      </m:r>
+                      <m:r>
+                        <m:rPr>
+                          <m:sty m:val="p"/>
+                        </m:rPr>
+                        <a:rPr lang="en-US" altLang="zh-CN" i="1">
+                          <a:latin typeface="Cambria Math" panose="02040503050406030204" pitchFamily="18" charset="0"/>
+                        </a:rPr>
+                        <m:t>cos</m:t>
+                      </m:r>
+                      <m:r>
+                        <a:rPr lang="en-US" altLang="zh-CN" b="0" i="1" smtClean="0">
+                          <a:latin typeface="Cambria Math" panose="02040503050406030204" pitchFamily="18" charset="0"/>
+                        </a:rPr>
+                        <m:t>(</m:t>
+                      </m:r>
+                      <m:r>
+                        <m:rPr>
+                          <m:sty m:val="p"/>
+                        </m:rPr>
+                        <a:rPr lang="en-US" altLang="zh-CN" i="1">
+                          <a:latin typeface="Cambria Math" panose="02040503050406030204" pitchFamily="18" charset="0"/>
+                        </a:rPr>
+                        <m:t>θ</m:t>
+                      </m:r>
+                      <m:r>
+                        <a:rPr lang="en-US" altLang="zh-CN" b="0" i="1" smtClean="0">
+                          <a:latin typeface="Cambria Math" panose="02040503050406030204" pitchFamily="18" charset="0"/>
+                        </a:rPr>
+                        <m:t>)</m:t>
+                      </m:r>
+                    </m:oMath>
+                  </m:oMathPara>
+                </a14:m>
+                <a:endParaRPr lang="zh-CN" altLang="en-US" dirty="0"/>
+              </a:p>
+            </p:txBody>
+          </p:sp>
+        </mc:Choice>
+        <mc:Fallback>
+          <p:sp>
+            <p:nvSpPr>
+              <p:cNvPr id="22" name="文本框 21">
+                <a:extLst>
+                  <a:ext uri="{FF2B5EF4-FFF2-40B4-BE49-F238E27FC236}">
+                    <a16:creationId xmlns:a16="http://schemas.microsoft.com/office/drawing/2014/main" id="{31649333-C51C-48FA-BAFE-53D5C89DCC43}"/>
+                  </a:ext>
+                </a:extLst>
+              </p:cNvPr>
+              <p:cNvSpPr txBox="1">
+                <a:spLocks noRot="1" noChangeAspect="1" noMove="1" noResize="1" noEditPoints="1" noAdjustHandles="1" noChangeArrowheads="1" noChangeShapeType="1" noTextEdit="1"/>
+              </p:cNvSpPr>
+              <p:nvPr/>
+            </p:nvSpPr>
+            <p:spPr>
+              <a:xfrm>
+                <a:off x="5482587" y="1732176"/>
+                <a:ext cx="1259191" cy="276999"/>
+              </a:xfrm>
+              <a:prstGeom prst="rect">
+                <a:avLst/>
+              </a:prstGeom>
+              <a:blipFill>
+                <a:blip r:embed="rId5"/>
+                <a:stretch>
+                  <a:fillRect l="-3382" t="-2174" r="-5797" b="-32609"/>
+                </a:stretch>
+              </a:blipFill>
+            </p:spPr>
+            <p:txBody>
+              <a:bodyPr/>
+              <a:lstStyle/>
+              <a:p>
+                <a:r>
+                  <a:rPr lang="zh-CN" altLang="en-US">
+                    <a:noFill/>
+                  </a:rPr>
+                  <a:t> </a:t>
+                </a:r>
+              </a:p>
+            </p:txBody>
+          </p:sp>
+        </mc:Fallback>
+      </mc:AlternateContent>
+      <mc:AlternateContent xmlns:mc="http://schemas.openxmlformats.org/markup-compatibility/2006">
+        <mc:Choice xmlns:a14="http://schemas.microsoft.com/office/drawing/2010/main" Requires="a14">
+          <p:sp>
+            <p:nvSpPr>
+              <p:cNvPr id="23" name="文本框 22">
+                <a:extLst>
+                  <a:ext uri="{FF2B5EF4-FFF2-40B4-BE49-F238E27FC236}">
+                    <a16:creationId xmlns:a16="http://schemas.microsoft.com/office/drawing/2014/main" id="{8DA098B1-EC50-4947-8F2E-54E507816885}"/>
+                  </a:ext>
+                </a:extLst>
+              </p:cNvPr>
+              <p:cNvSpPr txBox="1"/>
+              <p:nvPr/>
+            </p:nvSpPr>
+            <p:spPr>
+              <a:xfrm>
+                <a:off x="5482587" y="2063597"/>
+                <a:ext cx="647678" cy="276999"/>
+              </a:xfrm>
+              <a:prstGeom prst="rect">
+                <a:avLst/>
+              </a:prstGeom>
+              <a:noFill/>
+            </p:spPr>
+            <p:txBody>
+              <a:bodyPr wrap="none" lIns="0" tIns="0" rIns="0" bIns="0" rtlCol="0">
+                <a:spAutoFit/>
+              </a:bodyPr>
+              <a:lstStyle/>
+              <a:p>
+                <a14:m>
+                  <m:oMathPara xmlns:m="http://schemas.openxmlformats.org/officeDocument/2006/math">
+                    <m:oMathParaPr>
+                      <m:jc m:val="centerGroup"/>
+                    </m:oMathParaPr>
+                    <m:oMath xmlns:m="http://schemas.openxmlformats.org/officeDocument/2006/math">
+                      <m:r>
+                        <a:rPr lang="en-US" altLang="zh-CN" b="0" i="1" smtClean="0">
+                          <a:latin typeface="Cambria Math" panose="02040503050406030204" pitchFamily="18" charset="0"/>
+                        </a:rPr>
+                        <m:t>𝑍</m:t>
+                      </m:r>
+                      <m:r>
+                        <a:rPr lang="en-US" altLang="zh-CN" b="0" i="1" smtClean="0">
+                          <a:latin typeface="Cambria Math" panose="02040503050406030204" pitchFamily="18" charset="0"/>
+                        </a:rPr>
+                        <m:t>=</m:t>
+                      </m:r>
+                      <m:r>
+                        <a:rPr lang="en-US" altLang="zh-CN" b="0" i="1" smtClean="0">
+                          <a:latin typeface="Cambria Math" panose="02040503050406030204" pitchFamily="18" charset="0"/>
+                        </a:rPr>
+                        <m:t>𝑍</m:t>
+                      </m:r>
+                    </m:oMath>
+                  </m:oMathPara>
+                </a14:m>
+                <a:endParaRPr lang="zh-CN" altLang="en-US" dirty="0"/>
+              </a:p>
+            </p:txBody>
+          </p:sp>
+        </mc:Choice>
+        <mc:Fallback>
+          <p:sp>
+            <p:nvSpPr>
+              <p:cNvPr id="23" name="文本框 22">
+                <a:extLst>
+                  <a:ext uri="{FF2B5EF4-FFF2-40B4-BE49-F238E27FC236}">
+                    <a16:creationId xmlns:a16="http://schemas.microsoft.com/office/drawing/2014/main" id="{8DA098B1-EC50-4947-8F2E-54E507816885}"/>
+                  </a:ext>
+                </a:extLst>
+              </p:cNvPr>
+              <p:cNvSpPr txBox="1">
+                <a:spLocks noRot="1" noChangeAspect="1" noMove="1" noResize="1" noEditPoints="1" noAdjustHandles="1" noChangeArrowheads="1" noChangeShapeType="1" noTextEdit="1"/>
+              </p:cNvSpPr>
+              <p:nvPr/>
+            </p:nvSpPr>
+            <p:spPr>
+              <a:xfrm>
+                <a:off x="5482587" y="2063597"/>
+                <a:ext cx="647678" cy="276999"/>
+              </a:xfrm>
+              <a:prstGeom prst="rect">
+                <a:avLst/>
+              </a:prstGeom>
+              <a:blipFill>
+                <a:blip r:embed="rId6"/>
+                <a:stretch>
+                  <a:fillRect l="-7477" r="-6542" b="-6667"/>
+                </a:stretch>
+              </a:blipFill>
+            </p:spPr>
+            <p:txBody>
+              <a:bodyPr/>
+              <a:lstStyle/>
+              <a:p>
+                <a:r>
+                  <a:rPr lang="zh-CN" altLang="en-US">
+                    <a:noFill/>
+                  </a:rPr>
+                  <a:t> </a:t>
+                </a:r>
+              </a:p>
+            </p:txBody>
+          </p:sp>
+        </mc:Fallback>
+      </mc:AlternateContent>
+      <p:sp>
+        <p:nvSpPr>
+          <p:cNvPr id="24" name="文本框 23">
+            <a:extLst>
+              <a:ext uri="{FF2B5EF4-FFF2-40B4-BE49-F238E27FC236}">
+                <a16:creationId xmlns:a16="http://schemas.microsoft.com/office/drawing/2014/main" id="{F77AF31D-E5FD-4D48-8452-376772C058CD}"/>
+              </a:ext>
+            </a:extLst>
+          </p:cNvPr>
+          <p:cNvSpPr txBox="1"/>
+          <p:nvPr/>
+        </p:nvSpPr>
+        <p:spPr>
+          <a:xfrm>
+            <a:off x="5402950" y="1037122"/>
+            <a:ext cx="1338828" cy="369332"/>
+          </a:xfrm>
+          <a:prstGeom prst="rect">
+            <a:avLst/>
+          </a:prstGeom>
+          <a:noFill/>
+        </p:spPr>
+        <p:txBody>
+          <a:bodyPr wrap="none" rtlCol="0">
+            <a:spAutoFit/>
+          </a:bodyPr>
+          <a:lstStyle/>
+          <a:p>
+            <a:r>
+              <a:rPr lang="zh-CN" altLang="en-US" dirty="0"/>
+              <a:t>变换关系式</a:t>
+            </a:r>
+          </a:p>
+        </p:txBody>
+      </p:sp>
+      <p:sp>
+        <p:nvSpPr>
+          <p:cNvPr id="25" name="矩形 24">
+            <a:extLst>
+              <a:ext uri="{FF2B5EF4-FFF2-40B4-BE49-F238E27FC236}">
+                <a16:creationId xmlns:a16="http://schemas.microsoft.com/office/drawing/2014/main" id="{836B02F4-FE87-4FBF-B8C7-0482646CA614}"/>
+              </a:ext>
+            </a:extLst>
+          </p:cNvPr>
+          <p:cNvSpPr/>
+          <p:nvPr/>
+        </p:nvSpPr>
+        <p:spPr>
+          <a:xfrm>
+            <a:off x="5402950" y="1037122"/>
+            <a:ext cx="1422672" cy="1389318"/>
+          </a:xfrm>
+          <a:prstGeom prst="rect">
+            <a:avLst/>
+          </a:prstGeom>
+          <a:noFill/>
+          <a:ln>
+            <a:solidFill>
+              <a:schemeClr val="tx1"/>
+            </a:solidFill>
+          </a:ln>
+        </p:spPr>
+        <p:style>
+          <a:lnRef idx="2">
+            <a:schemeClr val="accent1">
+              <a:shade val="50000"/>
+            </a:schemeClr>
+          </a:lnRef>
+          <a:fillRef idx="1">
+            <a:schemeClr val="accent1"/>
+          </a:fillRef>
+          <a:effectRef idx="0">
+            <a:schemeClr val="accent1"/>
+          </a:effectRef>
+          <a:fontRef idx="minor">
+            <a:schemeClr val="lt1"/>
+          </a:fontRef>
+        </p:style>
+        <p:txBody>
+          <a:bodyPr rtlCol="0" anchor="ctr"/>
+          <a:lstStyle/>
+          <a:p>
+            <a:pPr algn="ctr"/>
+            <a:endParaRPr lang="zh-CN" altLang="en-US"/>
           </a:p>
         </p:txBody>
       </p:sp>
@@ -5270,7 +5899,7 @@
         </p:nvSpPr>
         <p:spPr>
           <a:xfrm>
-            <a:off x="11195142" y="5501461"/>
+            <a:off x="8089710" y="1897552"/>
             <a:ext cx="317716" cy="369332"/>
           </a:xfrm>
           <a:prstGeom prst="rect">
@@ -5306,7 +5935,7 @@
         </p:nvSpPr>
         <p:spPr>
           <a:xfrm>
-            <a:off x="8041080" y="1943715"/>
+            <a:off x="11281430" y="5529750"/>
             <a:ext cx="317716" cy="369332"/>
           </a:xfrm>
           <a:prstGeom prst="rect">
@@ -5450,7 +6079,7 @@
         </p:nvSpPr>
         <p:spPr>
           <a:xfrm>
-            <a:off x="124809" y="3114027"/>
+            <a:off x="-753572" y="3968696"/>
             <a:ext cx="1507144" cy="3277820"/>
           </a:xfrm>
           <a:prstGeom prst="rect">
@@ -6711,6 +7340,1134 @@
               <a:t>0</a:t>
             </a:r>
             <a:endParaRPr lang="zh-CN" altLang="en-US" b="1" dirty="0"/>
+          </a:p>
+        </p:txBody>
+      </p:sp>
+      <mc:AlternateContent xmlns:mc="http://schemas.openxmlformats.org/markup-compatibility/2006">
+        <mc:Choice xmlns:a14="http://schemas.microsoft.com/office/drawing/2010/main" Requires="a14">
+          <p:sp>
+            <p:nvSpPr>
+              <p:cNvPr id="18" name="文本框 17">
+                <a:extLst>
+                  <a:ext uri="{FF2B5EF4-FFF2-40B4-BE49-F238E27FC236}">
+                    <a16:creationId xmlns:a16="http://schemas.microsoft.com/office/drawing/2014/main" id="{F67FAAE8-0A03-49EF-A3DF-A507C28F8203}"/>
+                  </a:ext>
+                </a:extLst>
+              </p:cNvPr>
+              <p:cNvSpPr txBox="1"/>
+              <p:nvPr/>
+            </p:nvSpPr>
+            <p:spPr>
+              <a:xfrm>
+                <a:off x="5482588" y="1419945"/>
+                <a:ext cx="1264769" cy="276999"/>
+              </a:xfrm>
+              <a:prstGeom prst="rect">
+                <a:avLst/>
+              </a:prstGeom>
+              <a:noFill/>
+            </p:spPr>
+            <p:txBody>
+              <a:bodyPr wrap="none" lIns="0" tIns="0" rIns="0" bIns="0" rtlCol="0">
+                <a:spAutoFit/>
+              </a:bodyPr>
+              <a:lstStyle/>
+              <a:p>
+                <a14:m>
+                  <m:oMathPara xmlns:m="http://schemas.openxmlformats.org/officeDocument/2006/math">
+                    <m:oMathParaPr>
+                      <m:jc m:val="centerGroup"/>
+                    </m:oMathParaPr>
+                    <m:oMath xmlns:m="http://schemas.openxmlformats.org/officeDocument/2006/math">
+                      <m:r>
+                        <a:rPr lang="en-US" altLang="zh-CN" b="0" i="1" smtClean="0">
+                          <a:latin typeface="Cambria Math" panose="02040503050406030204" pitchFamily="18" charset="0"/>
+                        </a:rPr>
+                        <m:t>𝑋</m:t>
+                      </m:r>
+                      <m:r>
+                        <a:rPr lang="en-US" altLang="zh-CN" i="1">
+                          <a:latin typeface="Cambria Math" panose="02040503050406030204" pitchFamily="18" charset="0"/>
+                        </a:rPr>
+                        <m:t>=</m:t>
+                      </m:r>
+                      <m:r>
+                        <a:rPr lang="en-US" altLang="zh-CN" b="0" i="1" smtClean="0">
+                          <a:latin typeface="Cambria Math" panose="02040503050406030204" pitchFamily="18" charset="0"/>
+                        </a:rPr>
+                        <m:t>𝑟𝑠𝑖𝑛</m:t>
+                      </m:r>
+                      <m:r>
+                        <a:rPr lang="en-US" altLang="zh-CN" b="0" i="1" smtClean="0">
+                          <a:latin typeface="Cambria Math" panose="02040503050406030204" pitchFamily="18" charset="0"/>
+                        </a:rPr>
+                        <m:t>(</m:t>
+                      </m:r>
+                      <m:r>
+                        <m:rPr>
+                          <m:sty m:val="p"/>
+                        </m:rPr>
+                        <a:rPr lang="en-US" altLang="zh-CN" i="1">
+                          <a:latin typeface="Cambria Math" panose="02040503050406030204" pitchFamily="18" charset="0"/>
+                        </a:rPr>
+                        <m:t>θ</m:t>
+                      </m:r>
+                      <m:r>
+                        <a:rPr lang="en-US" altLang="zh-CN" b="0" i="1" smtClean="0">
+                          <a:latin typeface="Cambria Math" panose="02040503050406030204" pitchFamily="18" charset="0"/>
+                        </a:rPr>
+                        <m:t>)</m:t>
+                      </m:r>
+                    </m:oMath>
+                  </m:oMathPara>
+                </a14:m>
+                <a:endParaRPr lang="zh-CN" altLang="en-US" dirty="0"/>
+              </a:p>
+            </p:txBody>
+          </p:sp>
+        </mc:Choice>
+        <mc:Fallback>
+          <p:sp>
+            <p:nvSpPr>
+              <p:cNvPr id="18" name="文本框 17">
+                <a:extLst>
+                  <a:ext uri="{FF2B5EF4-FFF2-40B4-BE49-F238E27FC236}">
+                    <a16:creationId xmlns:a16="http://schemas.microsoft.com/office/drawing/2014/main" id="{F67FAAE8-0A03-49EF-A3DF-A507C28F8203}"/>
+                  </a:ext>
+                </a:extLst>
+              </p:cNvPr>
+              <p:cNvSpPr txBox="1">
+                <a:spLocks noRot="1" noChangeAspect="1" noMove="1" noResize="1" noEditPoints="1" noAdjustHandles="1" noChangeArrowheads="1" noChangeShapeType="1" noTextEdit="1"/>
+              </p:cNvSpPr>
+              <p:nvPr/>
+            </p:nvSpPr>
+            <p:spPr>
+              <a:xfrm>
+                <a:off x="5482588" y="1419945"/>
+                <a:ext cx="1264769" cy="276999"/>
+              </a:xfrm>
+              <a:prstGeom prst="rect">
+                <a:avLst/>
+              </a:prstGeom>
+              <a:blipFill>
+                <a:blip r:embed="rId4"/>
+                <a:stretch>
+                  <a:fillRect l="-3365" t="-2222" r="-5769" b="-35556"/>
+                </a:stretch>
+              </a:blipFill>
+            </p:spPr>
+            <p:txBody>
+              <a:bodyPr/>
+              <a:lstStyle/>
+              <a:p>
+                <a:r>
+                  <a:rPr lang="zh-CN" altLang="en-US">
+                    <a:noFill/>
+                  </a:rPr>
+                  <a:t> </a:t>
+                </a:r>
+              </a:p>
+            </p:txBody>
+          </p:sp>
+        </mc:Fallback>
+      </mc:AlternateContent>
+      <mc:AlternateContent xmlns:mc="http://schemas.openxmlformats.org/markup-compatibility/2006">
+        <mc:Choice xmlns:a14="http://schemas.microsoft.com/office/drawing/2010/main" Requires="a14">
+          <p:sp>
+            <p:nvSpPr>
+              <p:cNvPr id="19" name="文本框 18">
+                <a:extLst>
+                  <a:ext uri="{FF2B5EF4-FFF2-40B4-BE49-F238E27FC236}">
+                    <a16:creationId xmlns:a16="http://schemas.microsoft.com/office/drawing/2014/main" id="{6D40DE0E-8581-4526-B075-836BBF95643A}"/>
+                  </a:ext>
+                </a:extLst>
+              </p:cNvPr>
+              <p:cNvSpPr txBox="1"/>
+              <p:nvPr/>
+            </p:nvSpPr>
+            <p:spPr>
+              <a:xfrm>
+                <a:off x="5482587" y="1732176"/>
+                <a:ext cx="1259191" cy="276999"/>
+              </a:xfrm>
+              <a:prstGeom prst="rect">
+                <a:avLst/>
+              </a:prstGeom>
+              <a:noFill/>
+            </p:spPr>
+            <p:txBody>
+              <a:bodyPr wrap="none" lIns="0" tIns="0" rIns="0" bIns="0" rtlCol="0">
+                <a:spAutoFit/>
+              </a:bodyPr>
+              <a:lstStyle/>
+              <a:p>
+                <a14:m>
+                  <m:oMathPara xmlns:m="http://schemas.openxmlformats.org/officeDocument/2006/math">
+                    <m:oMathParaPr>
+                      <m:jc m:val="centerGroup"/>
+                    </m:oMathParaPr>
+                    <m:oMath xmlns:m="http://schemas.openxmlformats.org/officeDocument/2006/math">
+                      <m:r>
+                        <a:rPr lang="en-US" altLang="zh-CN" b="0" i="1" smtClean="0">
+                          <a:latin typeface="Cambria Math" panose="02040503050406030204" pitchFamily="18" charset="0"/>
+                        </a:rPr>
+                        <m:t>𝑌</m:t>
+                      </m:r>
+                      <m:r>
+                        <a:rPr lang="en-US" altLang="zh-CN" i="1">
+                          <a:latin typeface="Cambria Math" panose="02040503050406030204" pitchFamily="18" charset="0"/>
+                        </a:rPr>
+                        <m:t>=</m:t>
+                      </m:r>
+                      <m:r>
+                        <a:rPr lang="en-US" altLang="zh-CN" b="0" i="1" smtClean="0">
+                          <a:latin typeface="Cambria Math" panose="02040503050406030204" pitchFamily="18" charset="0"/>
+                        </a:rPr>
+                        <m:t>𝑟</m:t>
+                      </m:r>
+                      <m:r>
+                        <m:rPr>
+                          <m:sty m:val="p"/>
+                        </m:rPr>
+                        <a:rPr lang="en-US" altLang="zh-CN" i="1">
+                          <a:latin typeface="Cambria Math" panose="02040503050406030204" pitchFamily="18" charset="0"/>
+                        </a:rPr>
+                        <m:t>cos</m:t>
+                      </m:r>
+                      <m:r>
+                        <a:rPr lang="en-US" altLang="zh-CN" b="0" i="1" smtClean="0">
+                          <a:latin typeface="Cambria Math" panose="02040503050406030204" pitchFamily="18" charset="0"/>
+                        </a:rPr>
+                        <m:t>(</m:t>
+                      </m:r>
+                      <m:r>
+                        <m:rPr>
+                          <m:sty m:val="p"/>
+                        </m:rPr>
+                        <a:rPr lang="en-US" altLang="zh-CN" i="1">
+                          <a:latin typeface="Cambria Math" panose="02040503050406030204" pitchFamily="18" charset="0"/>
+                        </a:rPr>
+                        <m:t>θ</m:t>
+                      </m:r>
+                      <m:r>
+                        <a:rPr lang="en-US" altLang="zh-CN" b="0" i="1" smtClean="0">
+                          <a:latin typeface="Cambria Math" panose="02040503050406030204" pitchFamily="18" charset="0"/>
+                        </a:rPr>
+                        <m:t>)</m:t>
+                      </m:r>
+                    </m:oMath>
+                  </m:oMathPara>
+                </a14:m>
+                <a:endParaRPr lang="zh-CN" altLang="en-US" dirty="0"/>
+              </a:p>
+            </p:txBody>
+          </p:sp>
+        </mc:Choice>
+        <mc:Fallback>
+          <p:sp>
+            <p:nvSpPr>
+              <p:cNvPr id="19" name="文本框 18">
+                <a:extLst>
+                  <a:ext uri="{FF2B5EF4-FFF2-40B4-BE49-F238E27FC236}">
+                    <a16:creationId xmlns:a16="http://schemas.microsoft.com/office/drawing/2014/main" id="{6D40DE0E-8581-4526-B075-836BBF95643A}"/>
+                  </a:ext>
+                </a:extLst>
+              </p:cNvPr>
+              <p:cNvSpPr txBox="1">
+                <a:spLocks noRot="1" noChangeAspect="1" noMove="1" noResize="1" noEditPoints="1" noAdjustHandles="1" noChangeArrowheads="1" noChangeShapeType="1" noTextEdit="1"/>
+              </p:cNvSpPr>
+              <p:nvPr/>
+            </p:nvSpPr>
+            <p:spPr>
+              <a:xfrm>
+                <a:off x="5482587" y="1732176"/>
+                <a:ext cx="1259191" cy="276999"/>
+              </a:xfrm>
+              <a:prstGeom prst="rect">
+                <a:avLst/>
+              </a:prstGeom>
+              <a:blipFill>
+                <a:blip r:embed="rId5"/>
+                <a:stretch>
+                  <a:fillRect l="-3382" t="-2174" r="-5797" b="-32609"/>
+                </a:stretch>
+              </a:blipFill>
+            </p:spPr>
+            <p:txBody>
+              <a:bodyPr/>
+              <a:lstStyle/>
+              <a:p>
+                <a:r>
+                  <a:rPr lang="zh-CN" altLang="en-US">
+                    <a:noFill/>
+                  </a:rPr>
+                  <a:t> </a:t>
+                </a:r>
+              </a:p>
+            </p:txBody>
+          </p:sp>
+        </mc:Fallback>
+      </mc:AlternateContent>
+      <mc:AlternateContent xmlns:mc="http://schemas.openxmlformats.org/markup-compatibility/2006">
+        <mc:Choice xmlns:a14="http://schemas.microsoft.com/office/drawing/2010/main" Requires="a14">
+          <p:sp>
+            <p:nvSpPr>
+              <p:cNvPr id="21" name="文本框 20">
+                <a:extLst>
+                  <a:ext uri="{FF2B5EF4-FFF2-40B4-BE49-F238E27FC236}">
+                    <a16:creationId xmlns:a16="http://schemas.microsoft.com/office/drawing/2014/main" id="{85D60C46-9C4E-4B55-AB5C-35CD18CAEB9C}"/>
+                  </a:ext>
+                </a:extLst>
+              </p:cNvPr>
+              <p:cNvSpPr txBox="1"/>
+              <p:nvPr/>
+            </p:nvSpPr>
+            <p:spPr>
+              <a:xfrm>
+                <a:off x="5482587" y="2063597"/>
+                <a:ext cx="647678" cy="276999"/>
+              </a:xfrm>
+              <a:prstGeom prst="rect">
+                <a:avLst/>
+              </a:prstGeom>
+              <a:noFill/>
+            </p:spPr>
+            <p:txBody>
+              <a:bodyPr wrap="none" lIns="0" tIns="0" rIns="0" bIns="0" rtlCol="0">
+                <a:spAutoFit/>
+              </a:bodyPr>
+              <a:lstStyle/>
+              <a:p>
+                <a14:m>
+                  <m:oMathPara xmlns:m="http://schemas.openxmlformats.org/officeDocument/2006/math">
+                    <m:oMathParaPr>
+                      <m:jc m:val="centerGroup"/>
+                    </m:oMathParaPr>
+                    <m:oMath xmlns:m="http://schemas.openxmlformats.org/officeDocument/2006/math">
+                      <m:r>
+                        <a:rPr lang="en-US" altLang="zh-CN" b="0" i="1" smtClean="0">
+                          <a:latin typeface="Cambria Math" panose="02040503050406030204" pitchFamily="18" charset="0"/>
+                        </a:rPr>
+                        <m:t>𝑍</m:t>
+                      </m:r>
+                      <m:r>
+                        <a:rPr lang="en-US" altLang="zh-CN" b="0" i="1" smtClean="0">
+                          <a:latin typeface="Cambria Math" panose="02040503050406030204" pitchFamily="18" charset="0"/>
+                        </a:rPr>
+                        <m:t>=</m:t>
+                      </m:r>
+                      <m:r>
+                        <a:rPr lang="en-US" altLang="zh-CN" b="0" i="1" smtClean="0">
+                          <a:latin typeface="Cambria Math" panose="02040503050406030204" pitchFamily="18" charset="0"/>
+                        </a:rPr>
+                        <m:t>𝑍</m:t>
+                      </m:r>
+                    </m:oMath>
+                  </m:oMathPara>
+                </a14:m>
+                <a:endParaRPr lang="zh-CN" altLang="en-US" dirty="0"/>
+              </a:p>
+            </p:txBody>
+          </p:sp>
+        </mc:Choice>
+        <mc:Fallback>
+          <p:sp>
+            <p:nvSpPr>
+              <p:cNvPr id="21" name="文本框 20">
+                <a:extLst>
+                  <a:ext uri="{FF2B5EF4-FFF2-40B4-BE49-F238E27FC236}">
+                    <a16:creationId xmlns:a16="http://schemas.microsoft.com/office/drawing/2014/main" id="{85D60C46-9C4E-4B55-AB5C-35CD18CAEB9C}"/>
+                  </a:ext>
+                </a:extLst>
+              </p:cNvPr>
+              <p:cNvSpPr txBox="1">
+                <a:spLocks noRot="1" noChangeAspect="1" noMove="1" noResize="1" noEditPoints="1" noAdjustHandles="1" noChangeArrowheads="1" noChangeShapeType="1" noTextEdit="1"/>
+              </p:cNvSpPr>
+              <p:nvPr/>
+            </p:nvSpPr>
+            <p:spPr>
+              <a:xfrm>
+                <a:off x="5482587" y="2063597"/>
+                <a:ext cx="647678" cy="276999"/>
+              </a:xfrm>
+              <a:prstGeom prst="rect">
+                <a:avLst/>
+              </a:prstGeom>
+              <a:blipFill>
+                <a:blip r:embed="rId6"/>
+                <a:stretch>
+                  <a:fillRect l="-7477" r="-6542" b="-6667"/>
+                </a:stretch>
+              </a:blipFill>
+            </p:spPr>
+            <p:txBody>
+              <a:bodyPr/>
+              <a:lstStyle/>
+              <a:p>
+                <a:r>
+                  <a:rPr lang="zh-CN" altLang="en-US">
+                    <a:noFill/>
+                  </a:rPr>
+                  <a:t> </a:t>
+                </a:r>
+              </a:p>
+            </p:txBody>
+          </p:sp>
+        </mc:Fallback>
+      </mc:AlternateContent>
+      <mc:AlternateContent xmlns:mc="http://schemas.openxmlformats.org/markup-compatibility/2006">
+        <mc:Choice xmlns:a14="http://schemas.microsoft.com/office/drawing/2010/main" Requires="a14">
+          <p:sp>
+            <p:nvSpPr>
+              <p:cNvPr id="23" name="文本框 22">
+                <a:extLst>
+                  <a:ext uri="{FF2B5EF4-FFF2-40B4-BE49-F238E27FC236}">
+                    <a16:creationId xmlns:a16="http://schemas.microsoft.com/office/drawing/2014/main" id="{90695F0E-54AD-41D4-82D3-E22C1DDD064A}"/>
+                  </a:ext>
+                </a:extLst>
+              </p:cNvPr>
+              <p:cNvSpPr txBox="1"/>
+              <p:nvPr/>
+            </p:nvSpPr>
+            <p:spPr>
+              <a:xfrm>
+                <a:off x="3831031" y="5703266"/>
+                <a:ext cx="569066" cy="276999"/>
+              </a:xfrm>
+              <a:prstGeom prst="rect">
+                <a:avLst/>
+              </a:prstGeom>
+              <a:noFill/>
+            </p:spPr>
+            <p:txBody>
+              <a:bodyPr wrap="none" lIns="0" tIns="0" rIns="0" bIns="0" rtlCol="0">
+                <a:spAutoFit/>
+              </a:bodyPr>
+              <a:lstStyle/>
+              <a:p>
+                <a14:m>
+                  <m:oMathPara xmlns:m="http://schemas.openxmlformats.org/officeDocument/2006/math">
+                    <m:oMathParaPr>
+                      <m:jc m:val="centerGroup"/>
+                    </m:oMathParaPr>
+                    <m:oMath xmlns:m="http://schemas.openxmlformats.org/officeDocument/2006/math">
+                      <m:r>
+                        <m:rPr>
+                          <m:sty m:val="p"/>
+                        </m:rPr>
+                        <a:rPr lang="en-US" altLang="zh-CN" i="1">
+                          <a:latin typeface="Cambria Math" panose="02040503050406030204" pitchFamily="18" charset="0"/>
+                        </a:rPr>
+                        <m:t>θ</m:t>
+                      </m:r>
+                      <m:r>
+                        <a:rPr lang="en-US" altLang="zh-CN" i="1" smtClean="0">
+                          <a:latin typeface="Cambria Math" panose="02040503050406030204" pitchFamily="18" charset="0"/>
+                        </a:rPr>
+                        <m:t>=</m:t>
+                      </m:r>
+                      <m:r>
+                        <m:rPr>
+                          <m:sty m:val="p"/>
+                        </m:rPr>
+                        <a:rPr lang="en-US" altLang="zh-CN" i="1">
+                          <a:latin typeface="Cambria Math" panose="02040503050406030204" pitchFamily="18" charset="0"/>
+                        </a:rPr>
+                        <m:t>t</m:t>
+                      </m:r>
+                    </m:oMath>
+                  </m:oMathPara>
+                </a14:m>
+                <a:endParaRPr lang="zh-CN" altLang="en-US" dirty="0"/>
+              </a:p>
+            </p:txBody>
+          </p:sp>
+        </mc:Choice>
+        <mc:Fallback>
+          <p:sp>
+            <p:nvSpPr>
+              <p:cNvPr id="23" name="文本框 22">
+                <a:extLst>
+                  <a:ext uri="{FF2B5EF4-FFF2-40B4-BE49-F238E27FC236}">
+                    <a16:creationId xmlns:a16="http://schemas.microsoft.com/office/drawing/2014/main" id="{90695F0E-54AD-41D4-82D3-E22C1DDD064A}"/>
+                  </a:ext>
+                </a:extLst>
+              </p:cNvPr>
+              <p:cNvSpPr txBox="1">
+                <a:spLocks noRot="1" noChangeAspect="1" noMove="1" noResize="1" noEditPoints="1" noAdjustHandles="1" noChangeArrowheads="1" noChangeShapeType="1" noTextEdit="1"/>
+              </p:cNvSpPr>
+              <p:nvPr/>
+            </p:nvSpPr>
+            <p:spPr>
+              <a:xfrm>
+                <a:off x="3831031" y="5703266"/>
+                <a:ext cx="569066" cy="276999"/>
+              </a:xfrm>
+              <a:prstGeom prst="rect">
+                <a:avLst/>
+              </a:prstGeom>
+              <a:blipFill>
+                <a:blip r:embed="rId7"/>
+                <a:stretch>
+                  <a:fillRect l="-9574" r="-7447" b="-8889"/>
+                </a:stretch>
+              </a:blipFill>
+            </p:spPr>
+            <p:txBody>
+              <a:bodyPr/>
+              <a:lstStyle/>
+              <a:p>
+                <a:r>
+                  <a:rPr lang="zh-CN" altLang="en-US">
+                    <a:noFill/>
+                  </a:rPr>
+                  <a:t> </a:t>
+                </a:r>
+              </a:p>
+            </p:txBody>
+          </p:sp>
+        </mc:Fallback>
+      </mc:AlternateContent>
+      <mc:AlternateContent xmlns:mc="http://schemas.openxmlformats.org/markup-compatibility/2006">
+        <mc:Choice xmlns:a14="http://schemas.microsoft.com/office/drawing/2010/main" Requires="a14">
+          <p:sp>
+            <p:nvSpPr>
+              <p:cNvPr id="24" name="文本框 23">
+                <a:extLst>
+                  <a:ext uri="{FF2B5EF4-FFF2-40B4-BE49-F238E27FC236}">
+                    <a16:creationId xmlns:a16="http://schemas.microsoft.com/office/drawing/2014/main" id="{BDE2ADF7-270E-4563-8F87-084343EB84B1}"/>
+                  </a:ext>
+                </a:extLst>
+              </p:cNvPr>
+              <p:cNvSpPr txBox="1"/>
+              <p:nvPr/>
+            </p:nvSpPr>
+            <p:spPr>
+              <a:xfrm>
+                <a:off x="3831031" y="6014890"/>
+                <a:ext cx="647678" cy="276999"/>
+              </a:xfrm>
+              <a:prstGeom prst="rect">
+                <a:avLst/>
+              </a:prstGeom>
+              <a:noFill/>
+            </p:spPr>
+            <p:txBody>
+              <a:bodyPr wrap="none" lIns="0" tIns="0" rIns="0" bIns="0" rtlCol="0">
+                <a:spAutoFit/>
+              </a:bodyPr>
+              <a:lstStyle/>
+              <a:p>
+                <a14:m>
+                  <m:oMathPara xmlns:m="http://schemas.openxmlformats.org/officeDocument/2006/math">
+                    <m:oMathParaPr>
+                      <m:jc m:val="centerGroup"/>
+                    </m:oMathParaPr>
+                    <m:oMath xmlns:m="http://schemas.openxmlformats.org/officeDocument/2006/math">
+                      <m:r>
+                        <a:rPr lang="en-US" altLang="zh-CN" b="0" i="1" smtClean="0">
+                          <a:latin typeface="Cambria Math" panose="02040503050406030204" pitchFamily="18" charset="0"/>
+                        </a:rPr>
+                        <m:t>𝑍</m:t>
+                      </m:r>
+                      <m:r>
+                        <a:rPr lang="en-US" altLang="zh-CN" b="0" i="1" smtClean="0">
+                          <a:latin typeface="Cambria Math" panose="02040503050406030204" pitchFamily="18" charset="0"/>
+                        </a:rPr>
+                        <m:t>=0</m:t>
+                      </m:r>
+                    </m:oMath>
+                  </m:oMathPara>
+                </a14:m>
+                <a:endParaRPr lang="zh-CN" altLang="en-US" dirty="0"/>
+              </a:p>
+            </p:txBody>
+          </p:sp>
+        </mc:Choice>
+        <mc:Fallback>
+          <p:sp>
+            <p:nvSpPr>
+              <p:cNvPr id="24" name="文本框 23">
+                <a:extLst>
+                  <a:ext uri="{FF2B5EF4-FFF2-40B4-BE49-F238E27FC236}">
+                    <a16:creationId xmlns:a16="http://schemas.microsoft.com/office/drawing/2014/main" id="{BDE2ADF7-270E-4563-8F87-084343EB84B1}"/>
+                  </a:ext>
+                </a:extLst>
+              </p:cNvPr>
+              <p:cNvSpPr txBox="1">
+                <a:spLocks noRot="1" noChangeAspect="1" noMove="1" noResize="1" noEditPoints="1" noAdjustHandles="1" noChangeArrowheads="1" noChangeShapeType="1" noTextEdit="1"/>
+              </p:cNvSpPr>
+              <p:nvPr/>
+            </p:nvSpPr>
+            <p:spPr>
+              <a:xfrm>
+                <a:off x="3831031" y="6014890"/>
+                <a:ext cx="647678" cy="276999"/>
+              </a:xfrm>
+              <a:prstGeom prst="rect">
+                <a:avLst/>
+              </a:prstGeom>
+              <a:blipFill>
+                <a:blip r:embed="rId8"/>
+                <a:stretch>
+                  <a:fillRect l="-5607" r="-6542" b="-6667"/>
+                </a:stretch>
+              </a:blipFill>
+            </p:spPr>
+            <p:txBody>
+              <a:bodyPr/>
+              <a:lstStyle/>
+              <a:p>
+                <a:r>
+                  <a:rPr lang="zh-CN" altLang="en-US">
+                    <a:noFill/>
+                  </a:rPr>
+                  <a:t> </a:t>
+                </a:r>
+              </a:p>
+            </p:txBody>
+          </p:sp>
+        </mc:Fallback>
+      </mc:AlternateContent>
+      <mc:AlternateContent xmlns:mc="http://schemas.openxmlformats.org/markup-compatibility/2006">
+        <mc:Choice xmlns:a14="http://schemas.microsoft.com/office/drawing/2010/main" Requires="a14">
+          <p:sp>
+            <p:nvSpPr>
+              <p:cNvPr id="27" name="文本框 26">
+                <a:extLst>
+                  <a:ext uri="{FF2B5EF4-FFF2-40B4-BE49-F238E27FC236}">
+                    <a16:creationId xmlns:a16="http://schemas.microsoft.com/office/drawing/2014/main" id="{F52EB3AA-FD59-456D-AE5E-55AC1BF0D6EA}"/>
+                  </a:ext>
+                </a:extLst>
+              </p:cNvPr>
+              <p:cNvSpPr txBox="1"/>
+              <p:nvPr/>
+            </p:nvSpPr>
+            <p:spPr>
+              <a:xfrm>
+                <a:off x="5293850" y="5551513"/>
+                <a:ext cx="1235146" cy="276999"/>
+              </a:xfrm>
+              <a:prstGeom prst="rect">
+                <a:avLst/>
+              </a:prstGeom>
+              <a:noFill/>
+            </p:spPr>
+            <p:txBody>
+              <a:bodyPr wrap="none" lIns="0" tIns="0" rIns="0" bIns="0" rtlCol="0">
+                <a:spAutoFit/>
+              </a:bodyPr>
+              <a:lstStyle/>
+              <a:p>
+                <a14:m>
+                  <m:oMathPara xmlns:m="http://schemas.openxmlformats.org/officeDocument/2006/math">
+                    <m:oMathParaPr>
+                      <m:jc m:val="centerGroup"/>
+                    </m:oMathParaPr>
+                    <m:oMath xmlns:m="http://schemas.openxmlformats.org/officeDocument/2006/math">
+                      <m:r>
+                        <a:rPr lang="en-US" altLang="zh-CN" b="0" i="1" smtClean="0">
+                          <a:latin typeface="Cambria Math" panose="02040503050406030204" pitchFamily="18" charset="0"/>
+                        </a:rPr>
+                        <m:t>𝑋</m:t>
+                      </m:r>
+                      <m:r>
+                        <a:rPr lang="en-US" altLang="zh-CN" i="1">
+                          <a:latin typeface="Cambria Math" panose="02040503050406030204" pitchFamily="18" charset="0"/>
+                        </a:rPr>
+                        <m:t>=</m:t>
+                      </m:r>
+                      <m:r>
+                        <a:rPr lang="en-US" altLang="zh-CN" b="0" i="1" smtClean="0">
+                          <a:latin typeface="Cambria Math" panose="02040503050406030204" pitchFamily="18" charset="0"/>
+                        </a:rPr>
+                        <m:t>𝑟𝑠𝑖𝑛</m:t>
+                      </m:r>
+                      <m:r>
+                        <a:rPr lang="en-US" altLang="zh-CN" b="0" i="1" smtClean="0">
+                          <a:latin typeface="Cambria Math" panose="02040503050406030204" pitchFamily="18" charset="0"/>
+                        </a:rPr>
+                        <m:t>(</m:t>
+                      </m:r>
+                      <m:r>
+                        <a:rPr lang="en-US" altLang="zh-CN" b="0" i="1" smtClean="0">
+                          <a:latin typeface="Cambria Math" panose="02040503050406030204" pitchFamily="18" charset="0"/>
+                        </a:rPr>
+                        <m:t>𝑡</m:t>
+                      </m:r>
+                      <m:r>
+                        <a:rPr lang="en-US" altLang="zh-CN" b="0" i="1" smtClean="0">
+                          <a:latin typeface="Cambria Math" panose="02040503050406030204" pitchFamily="18" charset="0"/>
+                        </a:rPr>
+                        <m:t>)</m:t>
+                      </m:r>
+                    </m:oMath>
+                  </m:oMathPara>
+                </a14:m>
+                <a:endParaRPr lang="zh-CN" altLang="en-US" dirty="0"/>
+              </a:p>
+            </p:txBody>
+          </p:sp>
+        </mc:Choice>
+        <mc:Fallback>
+          <p:sp>
+            <p:nvSpPr>
+              <p:cNvPr id="27" name="文本框 26">
+                <a:extLst>
+                  <a:ext uri="{FF2B5EF4-FFF2-40B4-BE49-F238E27FC236}">
+                    <a16:creationId xmlns:a16="http://schemas.microsoft.com/office/drawing/2014/main" id="{F52EB3AA-FD59-456D-AE5E-55AC1BF0D6EA}"/>
+                  </a:ext>
+                </a:extLst>
+              </p:cNvPr>
+              <p:cNvSpPr txBox="1">
+                <a:spLocks noRot="1" noChangeAspect="1" noMove="1" noResize="1" noEditPoints="1" noAdjustHandles="1" noChangeArrowheads="1" noChangeShapeType="1" noTextEdit="1"/>
+              </p:cNvSpPr>
+              <p:nvPr/>
+            </p:nvSpPr>
+            <p:spPr>
+              <a:xfrm>
+                <a:off x="5293850" y="5551513"/>
+                <a:ext cx="1235146" cy="276999"/>
+              </a:xfrm>
+              <a:prstGeom prst="rect">
+                <a:avLst/>
+              </a:prstGeom>
+              <a:blipFill>
+                <a:blip r:embed="rId9"/>
+                <a:stretch>
+                  <a:fillRect l="-3448" t="-4444" r="-5911" b="-35556"/>
+                </a:stretch>
+              </a:blipFill>
+            </p:spPr>
+            <p:txBody>
+              <a:bodyPr/>
+              <a:lstStyle/>
+              <a:p>
+                <a:r>
+                  <a:rPr lang="zh-CN" altLang="en-US">
+                    <a:noFill/>
+                  </a:rPr>
+                  <a:t> </a:t>
+                </a:r>
+              </a:p>
+            </p:txBody>
+          </p:sp>
+        </mc:Fallback>
+      </mc:AlternateContent>
+      <mc:AlternateContent xmlns:mc="http://schemas.openxmlformats.org/markup-compatibility/2006">
+        <mc:Choice xmlns:a14="http://schemas.microsoft.com/office/drawing/2010/main" Requires="a14">
+          <p:sp>
+            <p:nvSpPr>
+              <p:cNvPr id="28" name="文本框 27">
+                <a:extLst>
+                  <a:ext uri="{FF2B5EF4-FFF2-40B4-BE49-F238E27FC236}">
+                    <a16:creationId xmlns:a16="http://schemas.microsoft.com/office/drawing/2014/main" id="{6BA6AE17-F496-4434-9E78-3C6930BACE75}"/>
+                  </a:ext>
+                </a:extLst>
+              </p:cNvPr>
+              <p:cNvSpPr txBox="1"/>
+              <p:nvPr/>
+            </p:nvSpPr>
+            <p:spPr>
+              <a:xfrm>
+                <a:off x="5293849" y="5863744"/>
+                <a:ext cx="1259191" cy="276999"/>
+              </a:xfrm>
+              <a:prstGeom prst="rect">
+                <a:avLst/>
+              </a:prstGeom>
+              <a:noFill/>
+            </p:spPr>
+            <p:txBody>
+              <a:bodyPr wrap="none" lIns="0" tIns="0" rIns="0" bIns="0" rtlCol="0">
+                <a:spAutoFit/>
+              </a:bodyPr>
+              <a:lstStyle/>
+              <a:p>
+                <a14:m>
+                  <m:oMathPara xmlns:m="http://schemas.openxmlformats.org/officeDocument/2006/math">
+                    <m:oMathParaPr>
+                      <m:jc m:val="centerGroup"/>
+                    </m:oMathParaPr>
+                    <m:oMath xmlns:m="http://schemas.openxmlformats.org/officeDocument/2006/math">
+                      <m:r>
+                        <a:rPr lang="en-US" altLang="zh-CN" b="0" i="1" smtClean="0">
+                          <a:latin typeface="Cambria Math" panose="02040503050406030204" pitchFamily="18" charset="0"/>
+                        </a:rPr>
+                        <m:t>𝑌</m:t>
+                      </m:r>
+                      <m:r>
+                        <a:rPr lang="en-US" altLang="zh-CN" i="1">
+                          <a:latin typeface="Cambria Math" panose="02040503050406030204" pitchFamily="18" charset="0"/>
+                        </a:rPr>
+                        <m:t>=</m:t>
+                      </m:r>
+                      <m:r>
+                        <a:rPr lang="en-US" altLang="zh-CN" b="0" i="1" smtClean="0">
+                          <a:latin typeface="Cambria Math" panose="02040503050406030204" pitchFamily="18" charset="0"/>
+                        </a:rPr>
+                        <m:t>𝑟</m:t>
+                      </m:r>
+                      <m:r>
+                        <m:rPr>
+                          <m:sty m:val="p"/>
+                        </m:rPr>
+                        <a:rPr lang="en-US" altLang="zh-CN" i="1">
+                          <a:latin typeface="Cambria Math" panose="02040503050406030204" pitchFamily="18" charset="0"/>
+                        </a:rPr>
+                        <m:t>cos</m:t>
+                      </m:r>
+                      <m:r>
+                        <a:rPr lang="en-US" altLang="zh-CN" b="0" i="1" smtClean="0">
+                          <a:latin typeface="Cambria Math" panose="02040503050406030204" pitchFamily="18" charset="0"/>
+                        </a:rPr>
+                        <m:t>(</m:t>
+                      </m:r>
+                      <m:r>
+                        <a:rPr lang="en-US" altLang="zh-CN" b="0" i="1" smtClean="0">
+                          <a:latin typeface="Cambria Math" panose="02040503050406030204" pitchFamily="18" charset="0"/>
+                        </a:rPr>
+                        <m:t>𝑡</m:t>
+                      </m:r>
+                      <m:r>
+                        <a:rPr lang="en-US" altLang="zh-CN" b="0" i="1" smtClean="0">
+                          <a:latin typeface="Cambria Math" panose="02040503050406030204" pitchFamily="18" charset="0"/>
+                        </a:rPr>
+                        <m:t>)</m:t>
+                      </m:r>
+                    </m:oMath>
+                  </m:oMathPara>
+                </a14:m>
+                <a:endParaRPr lang="zh-CN" altLang="en-US" dirty="0"/>
+              </a:p>
+            </p:txBody>
+          </p:sp>
+        </mc:Choice>
+        <mc:Fallback>
+          <p:sp>
+            <p:nvSpPr>
+              <p:cNvPr id="28" name="文本框 27">
+                <a:extLst>
+                  <a:ext uri="{FF2B5EF4-FFF2-40B4-BE49-F238E27FC236}">
+                    <a16:creationId xmlns:a16="http://schemas.microsoft.com/office/drawing/2014/main" id="{6BA6AE17-F496-4434-9E78-3C6930BACE75}"/>
+                  </a:ext>
+                </a:extLst>
+              </p:cNvPr>
+              <p:cNvSpPr txBox="1">
+                <a:spLocks noRot="1" noChangeAspect="1" noMove="1" noResize="1" noEditPoints="1" noAdjustHandles="1" noChangeArrowheads="1" noChangeShapeType="1" noTextEdit="1"/>
+              </p:cNvSpPr>
+              <p:nvPr/>
+            </p:nvSpPr>
+            <p:spPr>
+              <a:xfrm>
+                <a:off x="5293849" y="5863744"/>
+                <a:ext cx="1259191" cy="276999"/>
+              </a:xfrm>
+              <a:prstGeom prst="rect">
+                <a:avLst/>
+              </a:prstGeom>
+              <a:blipFill>
+                <a:blip r:embed="rId10"/>
+                <a:stretch>
+                  <a:fillRect l="-2415" t="-2222" r="-4831" b="-35556"/>
+                </a:stretch>
+              </a:blipFill>
+            </p:spPr>
+            <p:txBody>
+              <a:bodyPr/>
+              <a:lstStyle/>
+              <a:p>
+                <a:r>
+                  <a:rPr lang="zh-CN" altLang="en-US">
+                    <a:noFill/>
+                  </a:rPr>
+                  <a:t> </a:t>
+                </a:r>
+              </a:p>
+            </p:txBody>
+          </p:sp>
+        </mc:Fallback>
+      </mc:AlternateContent>
+      <mc:AlternateContent xmlns:mc="http://schemas.openxmlformats.org/markup-compatibility/2006">
+        <mc:Choice xmlns:a14="http://schemas.microsoft.com/office/drawing/2010/main" Requires="a14">
+          <p:sp>
+            <p:nvSpPr>
+              <p:cNvPr id="29" name="文本框 28">
+                <a:extLst>
+                  <a:ext uri="{FF2B5EF4-FFF2-40B4-BE49-F238E27FC236}">
+                    <a16:creationId xmlns:a16="http://schemas.microsoft.com/office/drawing/2014/main" id="{F84F41E1-A7A0-47B9-8CFC-0E1A2B405A82}"/>
+                  </a:ext>
+                </a:extLst>
+              </p:cNvPr>
+              <p:cNvSpPr txBox="1"/>
+              <p:nvPr/>
+            </p:nvSpPr>
+            <p:spPr>
+              <a:xfrm>
+                <a:off x="5293849" y="6195165"/>
+                <a:ext cx="634020" cy="276999"/>
+              </a:xfrm>
+              <a:prstGeom prst="rect">
+                <a:avLst/>
+              </a:prstGeom>
+              <a:noFill/>
+            </p:spPr>
+            <p:txBody>
+              <a:bodyPr wrap="none" lIns="0" tIns="0" rIns="0" bIns="0" rtlCol="0">
+                <a:spAutoFit/>
+              </a:bodyPr>
+              <a:lstStyle/>
+              <a:p>
+                <a14:m>
+                  <m:oMathPara xmlns:m="http://schemas.openxmlformats.org/officeDocument/2006/math">
+                    <m:oMathParaPr>
+                      <m:jc m:val="centerGroup"/>
+                    </m:oMathParaPr>
+                    <m:oMath xmlns:m="http://schemas.openxmlformats.org/officeDocument/2006/math">
+                      <m:r>
+                        <a:rPr lang="en-US" altLang="zh-CN" b="0" i="1" smtClean="0">
+                          <a:latin typeface="Cambria Math" panose="02040503050406030204" pitchFamily="18" charset="0"/>
+                        </a:rPr>
+                        <m:t>𝑍</m:t>
+                      </m:r>
+                      <m:r>
+                        <a:rPr lang="en-US" altLang="zh-CN" b="0" i="1" smtClean="0">
+                          <a:latin typeface="Cambria Math" panose="02040503050406030204" pitchFamily="18" charset="0"/>
+                        </a:rPr>
+                        <m:t>=0</m:t>
+                      </m:r>
+                    </m:oMath>
+                  </m:oMathPara>
+                </a14:m>
+                <a:endParaRPr lang="zh-CN" altLang="en-US" dirty="0"/>
+              </a:p>
+            </p:txBody>
+          </p:sp>
+        </mc:Choice>
+        <mc:Fallback>
+          <p:sp>
+            <p:nvSpPr>
+              <p:cNvPr id="29" name="文本框 28">
+                <a:extLst>
+                  <a:ext uri="{FF2B5EF4-FFF2-40B4-BE49-F238E27FC236}">
+                    <a16:creationId xmlns:a16="http://schemas.microsoft.com/office/drawing/2014/main" id="{F84F41E1-A7A0-47B9-8CFC-0E1A2B405A82}"/>
+                  </a:ext>
+                </a:extLst>
+              </p:cNvPr>
+              <p:cNvSpPr txBox="1">
+                <a:spLocks noRot="1" noChangeAspect="1" noMove="1" noResize="1" noEditPoints="1" noAdjustHandles="1" noChangeArrowheads="1" noChangeShapeType="1" noTextEdit="1"/>
+              </p:cNvSpPr>
+              <p:nvPr/>
+            </p:nvSpPr>
+            <p:spPr>
+              <a:xfrm>
+                <a:off x="5293849" y="6195165"/>
+                <a:ext cx="634020" cy="276999"/>
+              </a:xfrm>
+              <a:prstGeom prst="rect">
+                <a:avLst/>
+              </a:prstGeom>
+              <a:blipFill>
+                <a:blip r:embed="rId11"/>
+                <a:stretch>
+                  <a:fillRect l="-6731" r="-8654" b="-6522"/>
+                </a:stretch>
+              </a:blipFill>
+            </p:spPr>
+            <p:txBody>
+              <a:bodyPr/>
+              <a:lstStyle/>
+              <a:p>
+                <a:r>
+                  <a:rPr lang="zh-CN" altLang="en-US">
+                    <a:noFill/>
+                  </a:rPr>
+                  <a:t> </a:t>
+                </a:r>
+              </a:p>
+            </p:txBody>
+          </p:sp>
+        </mc:Fallback>
+      </mc:AlternateContent>
+      <p:sp>
+        <p:nvSpPr>
+          <p:cNvPr id="9" name="文本框 8">
+            <a:extLst>
+              <a:ext uri="{FF2B5EF4-FFF2-40B4-BE49-F238E27FC236}">
+                <a16:creationId xmlns:a16="http://schemas.microsoft.com/office/drawing/2014/main" id="{0326082A-15CF-4971-9D44-4A78E54976EC}"/>
+              </a:ext>
+            </a:extLst>
+          </p:cNvPr>
+          <p:cNvSpPr txBox="1"/>
+          <p:nvPr/>
+        </p:nvSpPr>
+        <p:spPr>
+          <a:xfrm>
+            <a:off x="5402950" y="1037122"/>
+            <a:ext cx="1338828" cy="369332"/>
+          </a:xfrm>
+          <a:prstGeom prst="rect">
+            <a:avLst/>
+          </a:prstGeom>
+          <a:noFill/>
+        </p:spPr>
+        <p:txBody>
+          <a:bodyPr wrap="none" rtlCol="0">
+            <a:spAutoFit/>
+          </a:bodyPr>
+          <a:lstStyle/>
+          <a:p>
+            <a:r>
+              <a:rPr lang="zh-CN" altLang="en-US" dirty="0"/>
+              <a:t>变换关系式</a:t>
+            </a:r>
+          </a:p>
+        </p:txBody>
+      </p:sp>
+      <p:sp>
+        <p:nvSpPr>
+          <p:cNvPr id="15" name="矩形 14">
+            <a:extLst>
+              <a:ext uri="{FF2B5EF4-FFF2-40B4-BE49-F238E27FC236}">
+                <a16:creationId xmlns:a16="http://schemas.microsoft.com/office/drawing/2014/main" id="{724B0923-1943-4B53-9103-CBF58C52788E}"/>
+              </a:ext>
+            </a:extLst>
+          </p:cNvPr>
+          <p:cNvSpPr/>
+          <p:nvPr/>
+        </p:nvSpPr>
+        <p:spPr>
+          <a:xfrm>
+            <a:off x="3681631" y="5126502"/>
+            <a:ext cx="2982897" cy="1389318"/>
+          </a:xfrm>
+          <a:prstGeom prst="rect">
+            <a:avLst/>
+          </a:prstGeom>
+          <a:noFill/>
+          <a:ln>
+            <a:solidFill>
+              <a:schemeClr val="tx1"/>
+            </a:solidFill>
+          </a:ln>
+        </p:spPr>
+        <p:style>
+          <a:lnRef idx="2">
+            <a:schemeClr val="accent1">
+              <a:shade val="50000"/>
+            </a:schemeClr>
+          </a:lnRef>
+          <a:fillRef idx="1">
+            <a:schemeClr val="accent1"/>
+          </a:fillRef>
+          <a:effectRef idx="0">
+            <a:schemeClr val="accent1"/>
+          </a:effectRef>
+          <a:fontRef idx="minor">
+            <a:schemeClr val="lt1"/>
+          </a:fontRef>
+        </p:style>
+        <p:txBody>
+          <a:bodyPr rtlCol="0" anchor="ctr"/>
+          <a:lstStyle/>
+          <a:p>
+            <a:pPr algn="ctr"/>
+            <a:endParaRPr lang="zh-CN" altLang="en-US"/>
+          </a:p>
+        </p:txBody>
+      </p:sp>
+      <p:sp>
+        <p:nvSpPr>
+          <p:cNvPr id="30" name="文本框 29">
+            <a:extLst>
+              <a:ext uri="{FF2B5EF4-FFF2-40B4-BE49-F238E27FC236}">
+                <a16:creationId xmlns:a16="http://schemas.microsoft.com/office/drawing/2014/main" id="{2DA94F97-4CA3-4B06-B7FE-36CFA820A4BF}"/>
+              </a:ext>
+            </a:extLst>
+          </p:cNvPr>
+          <p:cNvSpPr txBox="1"/>
+          <p:nvPr/>
+        </p:nvSpPr>
+        <p:spPr>
+          <a:xfrm>
+            <a:off x="4270995" y="5163862"/>
+            <a:ext cx="1701107" cy="369332"/>
+          </a:xfrm>
+          <a:prstGeom prst="rect">
+            <a:avLst/>
+          </a:prstGeom>
+          <a:noFill/>
+        </p:spPr>
+        <p:txBody>
+          <a:bodyPr wrap="none" rtlCol="0">
+            <a:spAutoFit/>
+          </a:bodyPr>
+          <a:lstStyle/>
+          <a:p>
+            <a:r>
+              <a:rPr lang="zh-CN" altLang="en-US" dirty="0"/>
+              <a:t>平行于</a:t>
+            </a:r>
+            <a:r>
+              <a:rPr lang="en-US" altLang="zh-CN" dirty="0"/>
+              <a:t>θ</a:t>
+            </a:r>
+            <a:r>
+              <a:rPr lang="zh-CN" altLang="en-US" dirty="0"/>
+              <a:t>轴直线</a:t>
+            </a:r>
+          </a:p>
+        </p:txBody>
+      </p:sp>
+      <p:sp>
+        <p:nvSpPr>
+          <p:cNvPr id="31" name="矩形 30">
+            <a:extLst>
+              <a:ext uri="{FF2B5EF4-FFF2-40B4-BE49-F238E27FC236}">
+                <a16:creationId xmlns:a16="http://schemas.microsoft.com/office/drawing/2014/main" id="{A626EA85-A439-4A0C-92AB-221BB4704E66}"/>
+              </a:ext>
+            </a:extLst>
+          </p:cNvPr>
+          <p:cNvSpPr/>
+          <p:nvPr/>
+        </p:nvSpPr>
+        <p:spPr>
+          <a:xfrm>
+            <a:off x="5402950" y="1037122"/>
+            <a:ext cx="1422672" cy="1389318"/>
+          </a:xfrm>
+          <a:prstGeom prst="rect">
+            <a:avLst/>
+          </a:prstGeom>
+          <a:noFill/>
+          <a:ln>
+            <a:solidFill>
+              <a:schemeClr val="tx1"/>
+            </a:solidFill>
+          </a:ln>
+        </p:spPr>
+        <p:style>
+          <a:lnRef idx="2">
+            <a:schemeClr val="accent1">
+              <a:shade val="50000"/>
+            </a:schemeClr>
+          </a:lnRef>
+          <a:fillRef idx="1">
+            <a:schemeClr val="accent1"/>
+          </a:fillRef>
+          <a:effectRef idx="0">
+            <a:schemeClr val="accent1"/>
+          </a:effectRef>
+          <a:fontRef idx="minor">
+            <a:schemeClr val="lt1"/>
+          </a:fontRef>
+        </p:style>
+        <p:txBody>
+          <a:bodyPr rtlCol="0" anchor="ctr"/>
+          <a:lstStyle/>
+          <a:p>
+            <a:pPr algn="ctr"/>
+            <a:endParaRPr lang="zh-CN" altLang="en-US"/>
           </a:p>
         </p:txBody>
       </p:sp>
@@ -6788,7 +8545,7 @@
         </p:nvSpPr>
         <p:spPr>
           <a:xfrm>
-            <a:off x="11332343" y="5659418"/>
+            <a:off x="7685527" y="1547115"/>
             <a:ext cx="317716" cy="369332"/>
           </a:xfrm>
           <a:prstGeom prst="rect">
@@ -6824,7 +8581,7 @@
         </p:nvSpPr>
         <p:spPr>
           <a:xfrm>
-            <a:off x="7627041" y="1559546"/>
+            <a:off x="11491201" y="5829705"/>
             <a:ext cx="317716" cy="369332"/>
           </a:xfrm>
           <a:prstGeom prst="rect">
@@ -8072,6 +9829,1092 @@
               <a:t>0</a:t>
             </a:r>
             <a:endParaRPr lang="zh-CN" altLang="en-US" b="1" dirty="0"/>
+          </a:p>
+        </p:txBody>
+      </p:sp>
+      <mc:AlternateContent xmlns:mc="http://schemas.openxmlformats.org/markup-compatibility/2006">
+        <mc:Choice xmlns:a14="http://schemas.microsoft.com/office/drawing/2010/main" Requires="a14">
+          <p:sp>
+            <p:nvSpPr>
+              <p:cNvPr id="14" name="文本框 13">
+                <a:extLst>
+                  <a:ext uri="{FF2B5EF4-FFF2-40B4-BE49-F238E27FC236}">
+                    <a16:creationId xmlns:a16="http://schemas.microsoft.com/office/drawing/2014/main" id="{9CE48B22-EED9-4449-9F73-E81EE0C8C76E}"/>
+                  </a:ext>
+                </a:extLst>
+              </p:cNvPr>
+              <p:cNvSpPr txBox="1"/>
+              <p:nvPr/>
+            </p:nvSpPr>
+            <p:spPr>
+              <a:xfrm>
+                <a:off x="5482588" y="1419945"/>
+                <a:ext cx="1264769" cy="276999"/>
+              </a:xfrm>
+              <a:prstGeom prst="rect">
+                <a:avLst/>
+              </a:prstGeom>
+              <a:noFill/>
+            </p:spPr>
+            <p:txBody>
+              <a:bodyPr wrap="none" lIns="0" tIns="0" rIns="0" bIns="0" rtlCol="0">
+                <a:spAutoFit/>
+              </a:bodyPr>
+              <a:lstStyle/>
+              <a:p>
+                <a14:m>
+                  <m:oMathPara xmlns:m="http://schemas.openxmlformats.org/officeDocument/2006/math">
+                    <m:oMathParaPr>
+                      <m:jc m:val="centerGroup"/>
+                    </m:oMathParaPr>
+                    <m:oMath xmlns:m="http://schemas.openxmlformats.org/officeDocument/2006/math">
+                      <m:r>
+                        <a:rPr lang="en-US" altLang="zh-CN" b="0" i="1" smtClean="0">
+                          <a:latin typeface="Cambria Math" panose="02040503050406030204" pitchFamily="18" charset="0"/>
+                        </a:rPr>
+                        <m:t>𝑋</m:t>
+                      </m:r>
+                      <m:r>
+                        <a:rPr lang="en-US" altLang="zh-CN" i="1">
+                          <a:latin typeface="Cambria Math" panose="02040503050406030204" pitchFamily="18" charset="0"/>
+                        </a:rPr>
+                        <m:t>=</m:t>
+                      </m:r>
+                      <m:r>
+                        <a:rPr lang="en-US" altLang="zh-CN" b="0" i="1" smtClean="0">
+                          <a:latin typeface="Cambria Math" panose="02040503050406030204" pitchFamily="18" charset="0"/>
+                        </a:rPr>
+                        <m:t>𝑟𝑠𝑖𝑛</m:t>
+                      </m:r>
+                      <m:r>
+                        <a:rPr lang="en-US" altLang="zh-CN" b="0" i="1" smtClean="0">
+                          <a:latin typeface="Cambria Math" panose="02040503050406030204" pitchFamily="18" charset="0"/>
+                        </a:rPr>
+                        <m:t>(</m:t>
+                      </m:r>
+                      <m:r>
+                        <m:rPr>
+                          <m:sty m:val="p"/>
+                        </m:rPr>
+                        <a:rPr lang="en-US" altLang="zh-CN" i="1">
+                          <a:latin typeface="Cambria Math" panose="02040503050406030204" pitchFamily="18" charset="0"/>
+                        </a:rPr>
+                        <m:t>θ</m:t>
+                      </m:r>
+                      <m:r>
+                        <a:rPr lang="en-US" altLang="zh-CN" b="0" i="1" smtClean="0">
+                          <a:latin typeface="Cambria Math" panose="02040503050406030204" pitchFamily="18" charset="0"/>
+                        </a:rPr>
+                        <m:t>)</m:t>
+                      </m:r>
+                    </m:oMath>
+                  </m:oMathPara>
+                </a14:m>
+                <a:endParaRPr lang="zh-CN" altLang="en-US" dirty="0"/>
+              </a:p>
+            </p:txBody>
+          </p:sp>
+        </mc:Choice>
+        <mc:Fallback>
+          <p:sp>
+            <p:nvSpPr>
+              <p:cNvPr id="14" name="文本框 13">
+                <a:extLst>
+                  <a:ext uri="{FF2B5EF4-FFF2-40B4-BE49-F238E27FC236}">
+                    <a16:creationId xmlns:a16="http://schemas.microsoft.com/office/drawing/2014/main" id="{9CE48B22-EED9-4449-9F73-E81EE0C8C76E}"/>
+                  </a:ext>
+                </a:extLst>
+              </p:cNvPr>
+              <p:cNvSpPr txBox="1">
+                <a:spLocks noRot="1" noChangeAspect="1" noMove="1" noResize="1" noEditPoints="1" noAdjustHandles="1" noChangeArrowheads="1" noChangeShapeType="1" noTextEdit="1"/>
+              </p:cNvSpPr>
+              <p:nvPr/>
+            </p:nvSpPr>
+            <p:spPr>
+              <a:xfrm>
+                <a:off x="5482588" y="1419945"/>
+                <a:ext cx="1264769" cy="276999"/>
+              </a:xfrm>
+              <a:prstGeom prst="rect">
+                <a:avLst/>
+              </a:prstGeom>
+              <a:blipFill>
+                <a:blip r:embed="rId4"/>
+                <a:stretch>
+                  <a:fillRect l="-3365" t="-2222" r="-5769" b="-35556"/>
+                </a:stretch>
+              </a:blipFill>
+            </p:spPr>
+            <p:txBody>
+              <a:bodyPr/>
+              <a:lstStyle/>
+              <a:p>
+                <a:r>
+                  <a:rPr lang="zh-CN" altLang="en-US">
+                    <a:noFill/>
+                  </a:rPr>
+                  <a:t> </a:t>
+                </a:r>
+              </a:p>
+            </p:txBody>
+          </p:sp>
+        </mc:Fallback>
+      </mc:AlternateContent>
+      <mc:AlternateContent xmlns:mc="http://schemas.openxmlformats.org/markup-compatibility/2006">
+        <mc:Choice xmlns:a14="http://schemas.microsoft.com/office/drawing/2010/main" Requires="a14">
+          <p:sp>
+            <p:nvSpPr>
+              <p:cNvPr id="15" name="文本框 14">
+                <a:extLst>
+                  <a:ext uri="{FF2B5EF4-FFF2-40B4-BE49-F238E27FC236}">
+                    <a16:creationId xmlns:a16="http://schemas.microsoft.com/office/drawing/2014/main" id="{39340EAE-A95A-4CF6-B32E-FE97C6A8E218}"/>
+                  </a:ext>
+                </a:extLst>
+              </p:cNvPr>
+              <p:cNvSpPr txBox="1"/>
+              <p:nvPr/>
+            </p:nvSpPr>
+            <p:spPr>
+              <a:xfrm>
+                <a:off x="5482587" y="1732176"/>
+                <a:ext cx="1259191" cy="276999"/>
+              </a:xfrm>
+              <a:prstGeom prst="rect">
+                <a:avLst/>
+              </a:prstGeom>
+              <a:noFill/>
+            </p:spPr>
+            <p:txBody>
+              <a:bodyPr wrap="none" lIns="0" tIns="0" rIns="0" bIns="0" rtlCol="0">
+                <a:spAutoFit/>
+              </a:bodyPr>
+              <a:lstStyle/>
+              <a:p>
+                <a14:m>
+                  <m:oMathPara xmlns:m="http://schemas.openxmlformats.org/officeDocument/2006/math">
+                    <m:oMathParaPr>
+                      <m:jc m:val="centerGroup"/>
+                    </m:oMathParaPr>
+                    <m:oMath xmlns:m="http://schemas.openxmlformats.org/officeDocument/2006/math">
+                      <m:r>
+                        <a:rPr lang="en-US" altLang="zh-CN" b="0" i="1" smtClean="0">
+                          <a:latin typeface="Cambria Math" panose="02040503050406030204" pitchFamily="18" charset="0"/>
+                        </a:rPr>
+                        <m:t>𝑌</m:t>
+                      </m:r>
+                      <m:r>
+                        <a:rPr lang="en-US" altLang="zh-CN" i="1">
+                          <a:latin typeface="Cambria Math" panose="02040503050406030204" pitchFamily="18" charset="0"/>
+                        </a:rPr>
+                        <m:t>=</m:t>
+                      </m:r>
+                      <m:r>
+                        <a:rPr lang="en-US" altLang="zh-CN" b="0" i="1" smtClean="0">
+                          <a:latin typeface="Cambria Math" panose="02040503050406030204" pitchFamily="18" charset="0"/>
+                        </a:rPr>
+                        <m:t>𝑟</m:t>
+                      </m:r>
+                      <m:r>
+                        <m:rPr>
+                          <m:sty m:val="p"/>
+                        </m:rPr>
+                        <a:rPr lang="en-US" altLang="zh-CN" i="1">
+                          <a:latin typeface="Cambria Math" panose="02040503050406030204" pitchFamily="18" charset="0"/>
+                        </a:rPr>
+                        <m:t>cos</m:t>
+                      </m:r>
+                      <m:r>
+                        <a:rPr lang="en-US" altLang="zh-CN" b="0" i="1" smtClean="0">
+                          <a:latin typeface="Cambria Math" panose="02040503050406030204" pitchFamily="18" charset="0"/>
+                        </a:rPr>
+                        <m:t>(</m:t>
+                      </m:r>
+                      <m:r>
+                        <m:rPr>
+                          <m:sty m:val="p"/>
+                        </m:rPr>
+                        <a:rPr lang="en-US" altLang="zh-CN" i="1">
+                          <a:latin typeface="Cambria Math" panose="02040503050406030204" pitchFamily="18" charset="0"/>
+                        </a:rPr>
+                        <m:t>θ</m:t>
+                      </m:r>
+                      <m:r>
+                        <a:rPr lang="en-US" altLang="zh-CN" b="0" i="1" smtClean="0">
+                          <a:latin typeface="Cambria Math" panose="02040503050406030204" pitchFamily="18" charset="0"/>
+                        </a:rPr>
+                        <m:t>)</m:t>
+                      </m:r>
+                    </m:oMath>
+                  </m:oMathPara>
+                </a14:m>
+                <a:endParaRPr lang="zh-CN" altLang="en-US" dirty="0"/>
+              </a:p>
+            </p:txBody>
+          </p:sp>
+        </mc:Choice>
+        <mc:Fallback>
+          <p:sp>
+            <p:nvSpPr>
+              <p:cNvPr id="15" name="文本框 14">
+                <a:extLst>
+                  <a:ext uri="{FF2B5EF4-FFF2-40B4-BE49-F238E27FC236}">
+                    <a16:creationId xmlns:a16="http://schemas.microsoft.com/office/drawing/2014/main" id="{39340EAE-A95A-4CF6-B32E-FE97C6A8E218}"/>
+                  </a:ext>
+                </a:extLst>
+              </p:cNvPr>
+              <p:cNvSpPr txBox="1">
+                <a:spLocks noRot="1" noChangeAspect="1" noMove="1" noResize="1" noEditPoints="1" noAdjustHandles="1" noChangeArrowheads="1" noChangeShapeType="1" noTextEdit="1"/>
+              </p:cNvSpPr>
+              <p:nvPr/>
+            </p:nvSpPr>
+            <p:spPr>
+              <a:xfrm>
+                <a:off x="5482587" y="1732176"/>
+                <a:ext cx="1259191" cy="276999"/>
+              </a:xfrm>
+              <a:prstGeom prst="rect">
+                <a:avLst/>
+              </a:prstGeom>
+              <a:blipFill>
+                <a:blip r:embed="rId5"/>
+                <a:stretch>
+                  <a:fillRect l="-3382" t="-2174" r="-5797" b="-32609"/>
+                </a:stretch>
+              </a:blipFill>
+            </p:spPr>
+            <p:txBody>
+              <a:bodyPr/>
+              <a:lstStyle/>
+              <a:p>
+                <a:r>
+                  <a:rPr lang="zh-CN" altLang="en-US">
+                    <a:noFill/>
+                  </a:rPr>
+                  <a:t> </a:t>
+                </a:r>
+              </a:p>
+            </p:txBody>
+          </p:sp>
+        </mc:Fallback>
+      </mc:AlternateContent>
+      <mc:AlternateContent xmlns:mc="http://schemas.openxmlformats.org/markup-compatibility/2006">
+        <mc:Choice xmlns:a14="http://schemas.microsoft.com/office/drawing/2010/main" Requires="a14">
+          <p:sp>
+            <p:nvSpPr>
+              <p:cNvPr id="18" name="文本框 17">
+                <a:extLst>
+                  <a:ext uri="{FF2B5EF4-FFF2-40B4-BE49-F238E27FC236}">
+                    <a16:creationId xmlns:a16="http://schemas.microsoft.com/office/drawing/2014/main" id="{1C5B3565-B03C-42C2-996A-8D7B5231DF8B}"/>
+                  </a:ext>
+                </a:extLst>
+              </p:cNvPr>
+              <p:cNvSpPr txBox="1"/>
+              <p:nvPr/>
+            </p:nvSpPr>
+            <p:spPr>
+              <a:xfrm>
+                <a:off x="5482587" y="2063597"/>
+                <a:ext cx="647678" cy="276999"/>
+              </a:xfrm>
+              <a:prstGeom prst="rect">
+                <a:avLst/>
+              </a:prstGeom>
+              <a:noFill/>
+            </p:spPr>
+            <p:txBody>
+              <a:bodyPr wrap="none" lIns="0" tIns="0" rIns="0" bIns="0" rtlCol="0">
+                <a:spAutoFit/>
+              </a:bodyPr>
+              <a:lstStyle/>
+              <a:p>
+                <a14:m>
+                  <m:oMathPara xmlns:m="http://schemas.openxmlformats.org/officeDocument/2006/math">
+                    <m:oMathParaPr>
+                      <m:jc m:val="centerGroup"/>
+                    </m:oMathParaPr>
+                    <m:oMath xmlns:m="http://schemas.openxmlformats.org/officeDocument/2006/math">
+                      <m:r>
+                        <a:rPr lang="en-US" altLang="zh-CN" b="0" i="1" smtClean="0">
+                          <a:latin typeface="Cambria Math" panose="02040503050406030204" pitchFamily="18" charset="0"/>
+                        </a:rPr>
+                        <m:t>𝑍</m:t>
+                      </m:r>
+                      <m:r>
+                        <a:rPr lang="en-US" altLang="zh-CN" b="0" i="1" smtClean="0">
+                          <a:latin typeface="Cambria Math" panose="02040503050406030204" pitchFamily="18" charset="0"/>
+                        </a:rPr>
+                        <m:t>=</m:t>
+                      </m:r>
+                      <m:r>
+                        <a:rPr lang="en-US" altLang="zh-CN" b="0" i="1" smtClean="0">
+                          <a:latin typeface="Cambria Math" panose="02040503050406030204" pitchFamily="18" charset="0"/>
+                        </a:rPr>
+                        <m:t>𝑍</m:t>
+                      </m:r>
+                    </m:oMath>
+                  </m:oMathPara>
+                </a14:m>
+                <a:endParaRPr lang="zh-CN" altLang="en-US" dirty="0"/>
+              </a:p>
+            </p:txBody>
+          </p:sp>
+        </mc:Choice>
+        <mc:Fallback>
+          <p:sp>
+            <p:nvSpPr>
+              <p:cNvPr id="18" name="文本框 17">
+                <a:extLst>
+                  <a:ext uri="{FF2B5EF4-FFF2-40B4-BE49-F238E27FC236}">
+                    <a16:creationId xmlns:a16="http://schemas.microsoft.com/office/drawing/2014/main" id="{1C5B3565-B03C-42C2-996A-8D7B5231DF8B}"/>
+                  </a:ext>
+                </a:extLst>
+              </p:cNvPr>
+              <p:cNvSpPr txBox="1">
+                <a:spLocks noRot="1" noChangeAspect="1" noMove="1" noResize="1" noEditPoints="1" noAdjustHandles="1" noChangeArrowheads="1" noChangeShapeType="1" noTextEdit="1"/>
+              </p:cNvSpPr>
+              <p:nvPr/>
+            </p:nvSpPr>
+            <p:spPr>
+              <a:xfrm>
+                <a:off x="5482587" y="2063597"/>
+                <a:ext cx="647678" cy="276999"/>
+              </a:xfrm>
+              <a:prstGeom prst="rect">
+                <a:avLst/>
+              </a:prstGeom>
+              <a:blipFill>
+                <a:blip r:embed="rId6"/>
+                <a:stretch>
+                  <a:fillRect l="-7477" r="-6542" b="-6667"/>
+                </a:stretch>
+              </a:blipFill>
+            </p:spPr>
+            <p:txBody>
+              <a:bodyPr/>
+              <a:lstStyle/>
+              <a:p>
+                <a:r>
+                  <a:rPr lang="zh-CN" altLang="en-US">
+                    <a:noFill/>
+                  </a:rPr>
+                  <a:t> </a:t>
+                </a:r>
+              </a:p>
+            </p:txBody>
+          </p:sp>
+        </mc:Fallback>
+      </mc:AlternateContent>
+      <p:sp>
+        <p:nvSpPr>
+          <p:cNvPr id="19" name="文本框 18">
+            <a:extLst>
+              <a:ext uri="{FF2B5EF4-FFF2-40B4-BE49-F238E27FC236}">
+                <a16:creationId xmlns:a16="http://schemas.microsoft.com/office/drawing/2014/main" id="{29FDCE17-1F39-4A24-B88D-32295DD130FA}"/>
+              </a:ext>
+            </a:extLst>
+          </p:cNvPr>
+          <p:cNvSpPr txBox="1"/>
+          <p:nvPr/>
+        </p:nvSpPr>
+        <p:spPr>
+          <a:xfrm>
+            <a:off x="5402950" y="1037122"/>
+            <a:ext cx="1338828" cy="369332"/>
+          </a:xfrm>
+          <a:prstGeom prst="rect">
+            <a:avLst/>
+          </a:prstGeom>
+          <a:noFill/>
+        </p:spPr>
+        <p:txBody>
+          <a:bodyPr wrap="none" rtlCol="0">
+            <a:spAutoFit/>
+          </a:bodyPr>
+          <a:lstStyle/>
+          <a:p>
+            <a:r>
+              <a:rPr lang="zh-CN" altLang="en-US" dirty="0"/>
+              <a:t>变换关系式</a:t>
+            </a:r>
+          </a:p>
+        </p:txBody>
+      </p:sp>
+      <p:sp>
+        <p:nvSpPr>
+          <p:cNvPr id="21" name="矩形 20">
+            <a:extLst>
+              <a:ext uri="{FF2B5EF4-FFF2-40B4-BE49-F238E27FC236}">
+                <a16:creationId xmlns:a16="http://schemas.microsoft.com/office/drawing/2014/main" id="{6498D099-D38A-4FF4-A7B5-A6ED8D8F2D4E}"/>
+              </a:ext>
+            </a:extLst>
+          </p:cNvPr>
+          <p:cNvSpPr/>
+          <p:nvPr/>
+        </p:nvSpPr>
+        <p:spPr>
+          <a:xfrm>
+            <a:off x="5402950" y="1037122"/>
+            <a:ext cx="1422672" cy="1389318"/>
+          </a:xfrm>
+          <a:prstGeom prst="rect">
+            <a:avLst/>
+          </a:prstGeom>
+          <a:noFill/>
+          <a:ln>
+            <a:solidFill>
+              <a:schemeClr val="tx1"/>
+            </a:solidFill>
+          </a:ln>
+        </p:spPr>
+        <p:style>
+          <a:lnRef idx="2">
+            <a:schemeClr val="accent1">
+              <a:shade val="50000"/>
+            </a:schemeClr>
+          </a:lnRef>
+          <a:fillRef idx="1">
+            <a:schemeClr val="accent1"/>
+          </a:fillRef>
+          <a:effectRef idx="0">
+            <a:schemeClr val="accent1"/>
+          </a:effectRef>
+          <a:fontRef idx="minor">
+            <a:schemeClr val="lt1"/>
+          </a:fontRef>
+        </p:style>
+        <p:txBody>
+          <a:bodyPr rtlCol="0" anchor="ctr"/>
+          <a:lstStyle/>
+          <a:p>
+            <a:pPr algn="ctr"/>
+            <a:endParaRPr lang="zh-CN" altLang="en-US"/>
+          </a:p>
+        </p:txBody>
+      </p:sp>
+      <mc:AlternateContent xmlns:mc="http://schemas.openxmlformats.org/markup-compatibility/2006">
+        <mc:Choice xmlns:a14="http://schemas.microsoft.com/office/drawing/2010/main" Requires="a14">
+          <p:sp>
+            <p:nvSpPr>
+              <p:cNvPr id="22" name="文本框 21">
+                <a:extLst>
+                  <a:ext uri="{FF2B5EF4-FFF2-40B4-BE49-F238E27FC236}">
+                    <a16:creationId xmlns:a16="http://schemas.microsoft.com/office/drawing/2014/main" id="{CC4A4FE9-8DB6-4EB9-AA2C-9CD99CA8E1B3}"/>
+                  </a:ext>
+                </a:extLst>
+              </p:cNvPr>
+              <p:cNvSpPr txBox="1"/>
+              <p:nvPr/>
+            </p:nvSpPr>
+            <p:spPr>
+              <a:xfrm>
+                <a:off x="3831031" y="5703266"/>
+                <a:ext cx="618759" cy="276999"/>
+              </a:xfrm>
+              <a:prstGeom prst="rect">
+                <a:avLst/>
+              </a:prstGeom>
+              <a:noFill/>
+            </p:spPr>
+            <p:txBody>
+              <a:bodyPr wrap="none" lIns="0" tIns="0" rIns="0" bIns="0" rtlCol="0">
+                <a:spAutoFit/>
+              </a:bodyPr>
+              <a:lstStyle/>
+              <a:p>
+                <a14:m>
+                  <m:oMathPara xmlns:m="http://schemas.openxmlformats.org/officeDocument/2006/math">
+                    <m:oMathParaPr>
+                      <m:jc m:val="centerGroup"/>
+                    </m:oMathParaPr>
+                    <m:oMath xmlns:m="http://schemas.openxmlformats.org/officeDocument/2006/math">
+                      <m:r>
+                        <m:rPr>
+                          <m:sty m:val="p"/>
+                        </m:rPr>
+                        <a:rPr lang="en-US" altLang="zh-CN" i="1" smtClean="0">
+                          <a:latin typeface="Cambria Math" panose="02040503050406030204" pitchFamily="18" charset="0"/>
+                        </a:rPr>
+                        <m:t>θ</m:t>
+                      </m:r>
+                      <m:r>
+                        <a:rPr lang="en-US" altLang="zh-CN" i="1" smtClean="0">
+                          <a:latin typeface="Cambria Math" panose="02040503050406030204" pitchFamily="18" charset="0"/>
+                        </a:rPr>
+                        <m:t>=0</m:t>
+                      </m:r>
+                    </m:oMath>
+                  </m:oMathPara>
+                </a14:m>
+                <a:endParaRPr lang="zh-CN" altLang="en-US" dirty="0"/>
+              </a:p>
+            </p:txBody>
+          </p:sp>
+        </mc:Choice>
+        <mc:Fallback>
+          <p:sp>
+            <p:nvSpPr>
+              <p:cNvPr id="22" name="文本框 21">
+                <a:extLst>
+                  <a:ext uri="{FF2B5EF4-FFF2-40B4-BE49-F238E27FC236}">
+                    <a16:creationId xmlns:a16="http://schemas.microsoft.com/office/drawing/2014/main" id="{CC4A4FE9-8DB6-4EB9-AA2C-9CD99CA8E1B3}"/>
+                  </a:ext>
+                </a:extLst>
+              </p:cNvPr>
+              <p:cNvSpPr txBox="1">
+                <a:spLocks noRot="1" noChangeAspect="1" noMove="1" noResize="1" noEditPoints="1" noAdjustHandles="1" noChangeArrowheads="1" noChangeShapeType="1" noTextEdit="1"/>
+              </p:cNvSpPr>
+              <p:nvPr/>
+            </p:nvSpPr>
+            <p:spPr>
+              <a:xfrm>
+                <a:off x="3831031" y="5703266"/>
+                <a:ext cx="618759" cy="276999"/>
+              </a:xfrm>
+              <a:prstGeom prst="rect">
+                <a:avLst/>
+              </a:prstGeom>
+              <a:blipFill>
+                <a:blip r:embed="rId7"/>
+                <a:stretch>
+                  <a:fillRect l="-8824" r="-7843" b="-8889"/>
+                </a:stretch>
+              </a:blipFill>
+            </p:spPr>
+            <p:txBody>
+              <a:bodyPr/>
+              <a:lstStyle/>
+              <a:p>
+                <a:r>
+                  <a:rPr lang="zh-CN" altLang="en-US">
+                    <a:noFill/>
+                  </a:rPr>
+                  <a:t> </a:t>
+                </a:r>
+              </a:p>
+            </p:txBody>
+          </p:sp>
+        </mc:Fallback>
+      </mc:AlternateContent>
+      <mc:AlternateContent xmlns:mc="http://schemas.openxmlformats.org/markup-compatibility/2006">
+        <mc:Choice xmlns:a14="http://schemas.microsoft.com/office/drawing/2010/main" Requires="a14">
+          <p:sp>
+            <p:nvSpPr>
+              <p:cNvPr id="24" name="文本框 23">
+                <a:extLst>
+                  <a:ext uri="{FF2B5EF4-FFF2-40B4-BE49-F238E27FC236}">
+                    <a16:creationId xmlns:a16="http://schemas.microsoft.com/office/drawing/2014/main" id="{55EAF8D1-3415-456F-A40B-D26259F91B04}"/>
+                  </a:ext>
+                </a:extLst>
+              </p:cNvPr>
+              <p:cNvSpPr txBox="1"/>
+              <p:nvPr/>
+            </p:nvSpPr>
+            <p:spPr>
+              <a:xfrm>
+                <a:off x="3831031" y="6014890"/>
+                <a:ext cx="602794" cy="276999"/>
+              </a:xfrm>
+              <a:prstGeom prst="rect">
+                <a:avLst/>
+              </a:prstGeom>
+              <a:noFill/>
+            </p:spPr>
+            <p:txBody>
+              <a:bodyPr wrap="none" lIns="0" tIns="0" rIns="0" bIns="0" rtlCol="0">
+                <a:spAutoFit/>
+              </a:bodyPr>
+              <a:lstStyle/>
+              <a:p>
+                <a14:m>
+                  <m:oMathPara xmlns:m="http://schemas.openxmlformats.org/officeDocument/2006/math">
+                    <m:oMathParaPr>
+                      <m:jc m:val="centerGroup"/>
+                    </m:oMathParaPr>
+                    <m:oMath xmlns:m="http://schemas.openxmlformats.org/officeDocument/2006/math">
+                      <m:r>
+                        <a:rPr lang="en-US" altLang="zh-CN" b="0" i="1" smtClean="0">
+                          <a:latin typeface="Cambria Math" panose="02040503050406030204" pitchFamily="18" charset="0"/>
+                        </a:rPr>
+                        <m:t>𝑍</m:t>
+                      </m:r>
+                      <m:r>
+                        <a:rPr lang="en-US" altLang="zh-CN" b="0" i="1" smtClean="0">
+                          <a:latin typeface="Cambria Math" panose="02040503050406030204" pitchFamily="18" charset="0"/>
+                        </a:rPr>
+                        <m:t>=</m:t>
+                      </m:r>
+                      <m:r>
+                        <a:rPr lang="en-US" altLang="zh-CN" b="0" i="1" smtClean="0">
+                          <a:latin typeface="Cambria Math" panose="02040503050406030204" pitchFamily="18" charset="0"/>
+                        </a:rPr>
+                        <m:t>𝑡</m:t>
+                      </m:r>
+                    </m:oMath>
+                  </m:oMathPara>
+                </a14:m>
+                <a:endParaRPr lang="zh-CN" altLang="en-US" dirty="0"/>
+              </a:p>
+            </p:txBody>
+          </p:sp>
+        </mc:Choice>
+        <mc:Fallback>
+          <p:sp>
+            <p:nvSpPr>
+              <p:cNvPr id="24" name="文本框 23">
+                <a:extLst>
+                  <a:ext uri="{FF2B5EF4-FFF2-40B4-BE49-F238E27FC236}">
+                    <a16:creationId xmlns:a16="http://schemas.microsoft.com/office/drawing/2014/main" id="{55EAF8D1-3415-456F-A40B-D26259F91B04}"/>
+                  </a:ext>
+                </a:extLst>
+              </p:cNvPr>
+              <p:cNvSpPr txBox="1">
+                <a:spLocks noRot="1" noChangeAspect="1" noMove="1" noResize="1" noEditPoints="1" noAdjustHandles="1" noChangeArrowheads="1" noChangeShapeType="1" noTextEdit="1"/>
+              </p:cNvSpPr>
+              <p:nvPr/>
+            </p:nvSpPr>
+            <p:spPr>
+              <a:xfrm>
+                <a:off x="3831031" y="6014890"/>
+                <a:ext cx="602794" cy="276999"/>
+              </a:xfrm>
+              <a:prstGeom prst="rect">
+                <a:avLst/>
+              </a:prstGeom>
+              <a:blipFill>
+                <a:blip r:embed="rId8"/>
+                <a:stretch>
+                  <a:fillRect l="-8081" r="-6061" b="-6667"/>
+                </a:stretch>
+              </a:blipFill>
+            </p:spPr>
+            <p:txBody>
+              <a:bodyPr/>
+              <a:lstStyle/>
+              <a:p>
+                <a:r>
+                  <a:rPr lang="zh-CN" altLang="en-US">
+                    <a:noFill/>
+                  </a:rPr>
+                  <a:t> </a:t>
+                </a:r>
+              </a:p>
+            </p:txBody>
+          </p:sp>
+        </mc:Fallback>
+      </mc:AlternateContent>
+      <mc:AlternateContent xmlns:mc="http://schemas.openxmlformats.org/markup-compatibility/2006">
+        <mc:Choice xmlns:a14="http://schemas.microsoft.com/office/drawing/2010/main" Requires="a14">
+          <p:sp>
+            <p:nvSpPr>
+              <p:cNvPr id="26" name="文本框 25">
+                <a:extLst>
+                  <a:ext uri="{FF2B5EF4-FFF2-40B4-BE49-F238E27FC236}">
+                    <a16:creationId xmlns:a16="http://schemas.microsoft.com/office/drawing/2014/main" id="{9E6AEE7E-BBDE-4BD0-BAF0-C8387343DE82}"/>
+                  </a:ext>
+                </a:extLst>
+              </p:cNvPr>
+              <p:cNvSpPr txBox="1"/>
+              <p:nvPr/>
+            </p:nvSpPr>
+            <p:spPr>
+              <a:xfrm>
+                <a:off x="5293850" y="5551513"/>
+                <a:ext cx="646844" cy="276999"/>
+              </a:xfrm>
+              <a:prstGeom prst="rect">
+                <a:avLst/>
+              </a:prstGeom>
+              <a:noFill/>
+            </p:spPr>
+            <p:txBody>
+              <a:bodyPr wrap="none" lIns="0" tIns="0" rIns="0" bIns="0" rtlCol="0">
+                <a:spAutoFit/>
+              </a:bodyPr>
+              <a:lstStyle/>
+              <a:p>
+                <a14:m>
+                  <m:oMathPara xmlns:m="http://schemas.openxmlformats.org/officeDocument/2006/math">
+                    <m:oMathParaPr>
+                      <m:jc m:val="centerGroup"/>
+                    </m:oMathParaPr>
+                    <m:oMath xmlns:m="http://schemas.openxmlformats.org/officeDocument/2006/math">
+                      <m:r>
+                        <a:rPr lang="en-US" altLang="zh-CN" b="0" i="1" smtClean="0">
+                          <a:latin typeface="Cambria Math" panose="02040503050406030204" pitchFamily="18" charset="0"/>
+                        </a:rPr>
+                        <m:t>𝑋</m:t>
+                      </m:r>
+                      <m:r>
+                        <a:rPr lang="en-US" altLang="zh-CN" i="1">
+                          <a:latin typeface="Cambria Math" panose="02040503050406030204" pitchFamily="18" charset="0"/>
+                        </a:rPr>
+                        <m:t>=</m:t>
+                      </m:r>
+                      <m:r>
+                        <a:rPr lang="en-US" altLang="zh-CN" b="0" i="1" smtClean="0">
+                          <a:latin typeface="Cambria Math" panose="02040503050406030204" pitchFamily="18" charset="0"/>
+                        </a:rPr>
+                        <m:t>0</m:t>
+                      </m:r>
+                    </m:oMath>
+                  </m:oMathPara>
+                </a14:m>
+                <a:endParaRPr lang="zh-CN" altLang="en-US" dirty="0"/>
+              </a:p>
+            </p:txBody>
+          </p:sp>
+        </mc:Choice>
+        <mc:Fallback>
+          <p:sp>
+            <p:nvSpPr>
+              <p:cNvPr id="26" name="文本框 25">
+                <a:extLst>
+                  <a:ext uri="{FF2B5EF4-FFF2-40B4-BE49-F238E27FC236}">
+                    <a16:creationId xmlns:a16="http://schemas.microsoft.com/office/drawing/2014/main" id="{9E6AEE7E-BBDE-4BD0-BAF0-C8387343DE82}"/>
+                  </a:ext>
+                </a:extLst>
+              </p:cNvPr>
+              <p:cNvSpPr txBox="1">
+                <a:spLocks noRot="1" noChangeAspect="1" noMove="1" noResize="1" noEditPoints="1" noAdjustHandles="1" noChangeArrowheads="1" noChangeShapeType="1" noTextEdit="1"/>
+              </p:cNvSpPr>
+              <p:nvPr/>
+            </p:nvSpPr>
+            <p:spPr>
+              <a:xfrm>
+                <a:off x="5293850" y="5551513"/>
+                <a:ext cx="646844" cy="276999"/>
+              </a:xfrm>
+              <a:prstGeom prst="rect">
+                <a:avLst/>
+              </a:prstGeom>
+              <a:blipFill>
+                <a:blip r:embed="rId9"/>
+                <a:stretch>
+                  <a:fillRect l="-6542" r="-7477" b="-6667"/>
+                </a:stretch>
+              </a:blipFill>
+            </p:spPr>
+            <p:txBody>
+              <a:bodyPr/>
+              <a:lstStyle/>
+              <a:p>
+                <a:r>
+                  <a:rPr lang="zh-CN" altLang="en-US">
+                    <a:noFill/>
+                  </a:rPr>
+                  <a:t> </a:t>
+                </a:r>
+              </a:p>
+            </p:txBody>
+          </p:sp>
+        </mc:Fallback>
+      </mc:AlternateContent>
+      <mc:AlternateContent xmlns:mc="http://schemas.openxmlformats.org/markup-compatibility/2006">
+        <mc:Choice xmlns:a14="http://schemas.microsoft.com/office/drawing/2010/main" Requires="a14">
+          <p:sp>
+            <p:nvSpPr>
+              <p:cNvPr id="27" name="文本框 26">
+                <a:extLst>
+                  <a:ext uri="{FF2B5EF4-FFF2-40B4-BE49-F238E27FC236}">
+                    <a16:creationId xmlns:a16="http://schemas.microsoft.com/office/drawing/2014/main" id="{5F9E234C-EB76-4D93-BF48-519F1B74F2A5}"/>
+                  </a:ext>
+                </a:extLst>
+              </p:cNvPr>
+              <p:cNvSpPr txBox="1"/>
+              <p:nvPr/>
+            </p:nvSpPr>
+            <p:spPr>
+              <a:xfrm>
+                <a:off x="5293849" y="5863744"/>
+                <a:ext cx="623055" cy="276999"/>
+              </a:xfrm>
+              <a:prstGeom prst="rect">
+                <a:avLst/>
+              </a:prstGeom>
+              <a:noFill/>
+            </p:spPr>
+            <p:txBody>
+              <a:bodyPr wrap="none" lIns="0" tIns="0" rIns="0" bIns="0" rtlCol="0">
+                <a:spAutoFit/>
+              </a:bodyPr>
+              <a:lstStyle/>
+              <a:p>
+                <a14:m>
+                  <m:oMathPara xmlns:m="http://schemas.openxmlformats.org/officeDocument/2006/math">
+                    <m:oMathParaPr>
+                      <m:jc m:val="centerGroup"/>
+                    </m:oMathParaPr>
+                    <m:oMath xmlns:m="http://schemas.openxmlformats.org/officeDocument/2006/math">
+                      <m:r>
+                        <a:rPr lang="en-US" altLang="zh-CN" b="0" i="1" smtClean="0">
+                          <a:latin typeface="Cambria Math" panose="02040503050406030204" pitchFamily="18" charset="0"/>
+                        </a:rPr>
+                        <m:t>𝑌</m:t>
+                      </m:r>
+                      <m:r>
+                        <a:rPr lang="en-US" altLang="zh-CN" i="1">
+                          <a:latin typeface="Cambria Math" panose="02040503050406030204" pitchFamily="18" charset="0"/>
+                        </a:rPr>
+                        <m:t>=</m:t>
+                      </m:r>
+                      <m:r>
+                        <a:rPr lang="en-US" altLang="zh-CN" b="0" i="1" smtClean="0">
+                          <a:latin typeface="Cambria Math" panose="02040503050406030204" pitchFamily="18" charset="0"/>
+                        </a:rPr>
+                        <m:t>𝑟</m:t>
+                      </m:r>
+                    </m:oMath>
+                  </m:oMathPara>
+                </a14:m>
+                <a:endParaRPr lang="zh-CN" altLang="en-US" dirty="0"/>
+              </a:p>
+            </p:txBody>
+          </p:sp>
+        </mc:Choice>
+        <mc:Fallback>
+          <p:sp>
+            <p:nvSpPr>
+              <p:cNvPr id="27" name="文本框 26">
+                <a:extLst>
+                  <a:ext uri="{FF2B5EF4-FFF2-40B4-BE49-F238E27FC236}">
+                    <a16:creationId xmlns:a16="http://schemas.microsoft.com/office/drawing/2014/main" id="{5F9E234C-EB76-4D93-BF48-519F1B74F2A5}"/>
+                  </a:ext>
+                </a:extLst>
+              </p:cNvPr>
+              <p:cNvSpPr txBox="1">
+                <a:spLocks noRot="1" noChangeAspect="1" noMove="1" noResize="1" noEditPoints="1" noAdjustHandles="1" noChangeArrowheads="1" noChangeShapeType="1" noTextEdit="1"/>
+              </p:cNvSpPr>
+              <p:nvPr/>
+            </p:nvSpPr>
+            <p:spPr>
+              <a:xfrm>
+                <a:off x="5293849" y="5863744"/>
+                <a:ext cx="623055" cy="276999"/>
+              </a:xfrm>
+              <a:prstGeom prst="rect">
+                <a:avLst/>
+              </a:prstGeom>
+              <a:blipFill>
+                <a:blip r:embed="rId10"/>
+                <a:stretch>
+                  <a:fillRect l="-6796" r="-2913" b="-6667"/>
+                </a:stretch>
+              </a:blipFill>
+            </p:spPr>
+            <p:txBody>
+              <a:bodyPr/>
+              <a:lstStyle/>
+              <a:p>
+                <a:r>
+                  <a:rPr lang="zh-CN" altLang="en-US">
+                    <a:noFill/>
+                  </a:rPr>
+                  <a:t> </a:t>
+                </a:r>
+              </a:p>
+            </p:txBody>
+          </p:sp>
+        </mc:Fallback>
+      </mc:AlternateContent>
+      <mc:AlternateContent xmlns:mc="http://schemas.openxmlformats.org/markup-compatibility/2006">
+        <mc:Choice xmlns:a14="http://schemas.microsoft.com/office/drawing/2010/main" Requires="a14">
+          <p:sp>
+            <p:nvSpPr>
+              <p:cNvPr id="28" name="文本框 27">
+                <a:extLst>
+                  <a:ext uri="{FF2B5EF4-FFF2-40B4-BE49-F238E27FC236}">
+                    <a16:creationId xmlns:a16="http://schemas.microsoft.com/office/drawing/2014/main" id="{19C91F77-5E5E-4918-ACDC-5137A393F469}"/>
+                  </a:ext>
+                </a:extLst>
+              </p:cNvPr>
+              <p:cNvSpPr txBox="1"/>
+              <p:nvPr/>
+            </p:nvSpPr>
+            <p:spPr>
+              <a:xfrm>
+                <a:off x="5293849" y="6195165"/>
+                <a:ext cx="602794" cy="276999"/>
+              </a:xfrm>
+              <a:prstGeom prst="rect">
+                <a:avLst/>
+              </a:prstGeom>
+              <a:noFill/>
+            </p:spPr>
+            <p:txBody>
+              <a:bodyPr wrap="none" lIns="0" tIns="0" rIns="0" bIns="0" rtlCol="0">
+                <a:spAutoFit/>
+              </a:bodyPr>
+              <a:lstStyle/>
+              <a:p>
+                <a14:m>
+                  <m:oMathPara xmlns:m="http://schemas.openxmlformats.org/officeDocument/2006/math">
+                    <m:oMathParaPr>
+                      <m:jc m:val="centerGroup"/>
+                    </m:oMathParaPr>
+                    <m:oMath xmlns:m="http://schemas.openxmlformats.org/officeDocument/2006/math">
+                      <m:r>
+                        <a:rPr lang="en-US" altLang="zh-CN" b="0" i="1" smtClean="0">
+                          <a:latin typeface="Cambria Math" panose="02040503050406030204" pitchFamily="18" charset="0"/>
+                        </a:rPr>
+                        <m:t>𝑍</m:t>
+                      </m:r>
+                      <m:r>
+                        <a:rPr lang="en-US" altLang="zh-CN" b="0" i="1" smtClean="0">
+                          <a:latin typeface="Cambria Math" panose="02040503050406030204" pitchFamily="18" charset="0"/>
+                        </a:rPr>
+                        <m:t>=</m:t>
+                      </m:r>
+                      <m:r>
+                        <a:rPr lang="en-US" altLang="zh-CN" b="0" i="1" smtClean="0">
+                          <a:latin typeface="Cambria Math" panose="02040503050406030204" pitchFamily="18" charset="0"/>
+                        </a:rPr>
+                        <m:t>𝑡</m:t>
+                      </m:r>
+                    </m:oMath>
+                  </m:oMathPara>
+                </a14:m>
+                <a:endParaRPr lang="zh-CN" altLang="en-US" dirty="0"/>
+              </a:p>
+            </p:txBody>
+          </p:sp>
+        </mc:Choice>
+        <mc:Fallback>
+          <p:sp>
+            <p:nvSpPr>
+              <p:cNvPr id="28" name="文本框 27">
+                <a:extLst>
+                  <a:ext uri="{FF2B5EF4-FFF2-40B4-BE49-F238E27FC236}">
+                    <a16:creationId xmlns:a16="http://schemas.microsoft.com/office/drawing/2014/main" id="{19C91F77-5E5E-4918-ACDC-5137A393F469}"/>
+                  </a:ext>
+                </a:extLst>
+              </p:cNvPr>
+              <p:cNvSpPr txBox="1">
+                <a:spLocks noRot="1" noChangeAspect="1" noMove="1" noResize="1" noEditPoints="1" noAdjustHandles="1" noChangeArrowheads="1" noChangeShapeType="1" noTextEdit="1"/>
+              </p:cNvSpPr>
+              <p:nvPr/>
+            </p:nvSpPr>
+            <p:spPr>
+              <a:xfrm>
+                <a:off x="5293849" y="6195165"/>
+                <a:ext cx="602794" cy="276999"/>
+              </a:xfrm>
+              <a:prstGeom prst="rect">
+                <a:avLst/>
+              </a:prstGeom>
+              <a:blipFill>
+                <a:blip r:embed="rId11"/>
+                <a:stretch>
+                  <a:fillRect l="-8081" r="-6061" b="-6522"/>
+                </a:stretch>
+              </a:blipFill>
+            </p:spPr>
+            <p:txBody>
+              <a:bodyPr/>
+              <a:lstStyle/>
+              <a:p>
+                <a:r>
+                  <a:rPr lang="zh-CN" altLang="en-US">
+                    <a:noFill/>
+                  </a:rPr>
+                  <a:t> </a:t>
+                </a:r>
+              </a:p>
+            </p:txBody>
+          </p:sp>
+        </mc:Fallback>
+      </mc:AlternateContent>
+      <p:sp>
+        <p:nvSpPr>
+          <p:cNvPr id="29" name="矩形 28">
+            <a:extLst>
+              <a:ext uri="{FF2B5EF4-FFF2-40B4-BE49-F238E27FC236}">
+                <a16:creationId xmlns:a16="http://schemas.microsoft.com/office/drawing/2014/main" id="{6B78ABDD-33E8-45B5-A3E6-DF75871F746D}"/>
+              </a:ext>
+            </a:extLst>
+          </p:cNvPr>
+          <p:cNvSpPr/>
+          <p:nvPr/>
+        </p:nvSpPr>
+        <p:spPr>
+          <a:xfrm>
+            <a:off x="3681631" y="5126502"/>
+            <a:ext cx="2982897" cy="1389318"/>
+          </a:xfrm>
+          <a:prstGeom prst="rect">
+            <a:avLst/>
+          </a:prstGeom>
+          <a:noFill/>
+          <a:ln>
+            <a:solidFill>
+              <a:schemeClr val="tx1"/>
+            </a:solidFill>
+          </a:ln>
+        </p:spPr>
+        <p:style>
+          <a:lnRef idx="2">
+            <a:schemeClr val="accent1">
+              <a:shade val="50000"/>
+            </a:schemeClr>
+          </a:lnRef>
+          <a:fillRef idx="1">
+            <a:schemeClr val="accent1"/>
+          </a:fillRef>
+          <a:effectRef idx="0">
+            <a:schemeClr val="accent1"/>
+          </a:effectRef>
+          <a:fontRef idx="minor">
+            <a:schemeClr val="lt1"/>
+          </a:fontRef>
+        </p:style>
+        <p:txBody>
+          <a:bodyPr rtlCol="0" anchor="ctr"/>
+          <a:lstStyle/>
+          <a:p>
+            <a:pPr algn="ctr"/>
+            <a:endParaRPr lang="zh-CN" altLang="en-US"/>
+          </a:p>
+        </p:txBody>
+      </p:sp>
+      <p:sp>
+        <p:nvSpPr>
+          <p:cNvPr id="30" name="文本框 29">
+            <a:extLst>
+              <a:ext uri="{FF2B5EF4-FFF2-40B4-BE49-F238E27FC236}">
+                <a16:creationId xmlns:a16="http://schemas.microsoft.com/office/drawing/2014/main" id="{68B0B6EE-9D22-4F44-8B8B-506B011E3342}"/>
+              </a:ext>
+            </a:extLst>
+          </p:cNvPr>
+          <p:cNvSpPr txBox="1"/>
+          <p:nvPr/>
+        </p:nvSpPr>
+        <p:spPr>
+          <a:xfrm>
+            <a:off x="4270995" y="5163862"/>
+            <a:ext cx="1701107" cy="369332"/>
+          </a:xfrm>
+          <a:prstGeom prst="rect">
+            <a:avLst/>
+          </a:prstGeom>
+          <a:noFill/>
+        </p:spPr>
+        <p:txBody>
+          <a:bodyPr wrap="none" rtlCol="0">
+            <a:spAutoFit/>
+          </a:bodyPr>
+          <a:lstStyle/>
+          <a:p>
+            <a:r>
+              <a:rPr lang="zh-CN" altLang="en-US" dirty="0"/>
+              <a:t>平行于</a:t>
+            </a:r>
+            <a:r>
+              <a:rPr lang="en-US" altLang="zh-CN" dirty="0"/>
+              <a:t>Z</a:t>
+            </a:r>
+            <a:r>
+              <a:rPr lang="zh-CN" altLang="en-US" dirty="0"/>
+              <a:t>轴直线</a:t>
+            </a:r>
           </a:p>
         </p:txBody>
       </p:sp>
@@ -9391,14 +12234,114 @@
           </p:sp>
         </mc:Fallback>
       </mc:AlternateContent>
-      <mc:AlternateContent xmlns:mc="http://schemas.openxmlformats.org/markup-compatibility/2006" xmlns:a14="http://schemas.microsoft.com/office/drawing/2010/main">
-        <mc:Choice Requires="a14">
+      <p:sp>
+        <p:nvSpPr>
+          <p:cNvPr id="22" name="箭头: 右 21">
+            <a:extLst>
+              <a:ext uri="{FF2B5EF4-FFF2-40B4-BE49-F238E27FC236}">
+                <a16:creationId xmlns:a16="http://schemas.microsoft.com/office/drawing/2014/main" id="{68BBA49A-76D5-4438-AE8D-9B80301DF0CA}"/>
+              </a:ext>
+            </a:extLst>
+          </p:cNvPr>
+          <p:cNvSpPr/>
+          <p:nvPr/>
+        </p:nvSpPr>
+        <p:spPr>
+          <a:xfrm rot="19813971">
+            <a:off x="3051760" y="3146755"/>
+            <a:ext cx="505596" cy="175334"/>
+          </a:xfrm>
+          <a:prstGeom prst="rightArrow">
+            <a:avLst/>
+          </a:prstGeom>
+          <a:noFill/>
+          <a:ln w="19050">
+            <a:prstDash val="sysDash"/>
+          </a:ln>
+        </p:spPr>
+        <p:style>
+          <a:lnRef idx="2">
+            <a:schemeClr val="accent1">
+              <a:shade val="50000"/>
+            </a:schemeClr>
+          </a:lnRef>
+          <a:fillRef idx="1">
+            <a:schemeClr val="accent1"/>
+          </a:fillRef>
+          <a:effectRef idx="0">
+            <a:schemeClr val="accent1"/>
+          </a:effectRef>
+          <a:fontRef idx="minor">
+            <a:schemeClr val="lt1"/>
+          </a:fontRef>
+        </p:style>
+        <p:txBody>
+          <a:bodyPr rtlCol="0" anchor="ctr"/>
+          <a:lstStyle/>
+          <a:p>
+            <a:pPr algn="ctr"/>
+            <a:endParaRPr lang="zh-CN" altLang="en-US"/>
+          </a:p>
+        </p:txBody>
+      </p:sp>
+      <p:sp>
+        <p:nvSpPr>
+          <p:cNvPr id="24" name="箭头: 右 23">
+            <a:extLst>
+              <a:ext uri="{FF2B5EF4-FFF2-40B4-BE49-F238E27FC236}">
+                <a16:creationId xmlns:a16="http://schemas.microsoft.com/office/drawing/2014/main" id="{53CD5966-488E-40C0-8917-7C9167998077}"/>
+              </a:ext>
+            </a:extLst>
+          </p:cNvPr>
+          <p:cNvSpPr/>
+          <p:nvPr/>
+        </p:nvSpPr>
+        <p:spPr>
+          <a:xfrm rot="15617390">
+            <a:off x="8580256" y="4624865"/>
+            <a:ext cx="505596" cy="175334"/>
+          </a:xfrm>
+          <a:prstGeom prst="rightArrow">
+            <a:avLst/>
+          </a:prstGeom>
+          <a:noFill/>
+          <a:ln w="19050">
+            <a:prstDash val="sysDash"/>
+          </a:ln>
+        </p:spPr>
+        <p:style>
+          <a:lnRef idx="2">
+            <a:schemeClr val="accent1">
+              <a:shade val="50000"/>
+            </a:schemeClr>
+          </a:lnRef>
+          <a:fillRef idx="1">
+            <a:schemeClr val="accent1"/>
+          </a:fillRef>
+          <a:effectRef idx="0">
+            <a:schemeClr val="accent1"/>
+          </a:effectRef>
+          <a:fontRef idx="minor">
+            <a:schemeClr val="lt1"/>
+          </a:fontRef>
+        </p:style>
+        <p:txBody>
+          <a:bodyPr rtlCol="0" anchor="ctr"/>
+          <a:lstStyle/>
+          <a:p>
+            <a:pPr algn="ctr"/>
+            <a:endParaRPr lang="zh-CN" altLang="en-US"/>
+          </a:p>
+        </p:txBody>
+      </p:sp>
+      <mc:AlternateContent xmlns:mc="http://schemas.openxmlformats.org/markup-compatibility/2006">
+        <mc:Choice xmlns:a14="http://schemas.microsoft.com/office/drawing/2010/main" Requires="a14">
           <p:sp>
             <p:nvSpPr>
-              <p:cNvPr id="18" name="文本框 17">
+              <p:cNvPr id="15" name="文本框 14">
                 <a:extLst>
                   <a:ext uri="{FF2B5EF4-FFF2-40B4-BE49-F238E27FC236}">
-                    <a16:creationId xmlns:a16="http://schemas.microsoft.com/office/drawing/2014/main" id="{33FF6EB1-255D-481E-87DD-626CEA52ACA7}"/>
+                    <a16:creationId xmlns:a16="http://schemas.microsoft.com/office/drawing/2014/main" id="{0D6DA9C8-2092-4F2E-8FC2-A4C77BBFCCBA}"/>
                   </a:ext>
                 </a:extLst>
               </p:cNvPr>
@@ -9407,8 +12350,8 @@
             </p:nvSpPr>
             <p:spPr>
               <a:xfrm>
-                <a:off x="9770070" y="1375533"/>
-                <a:ext cx="931794" cy="472502"/>
+                <a:off x="5482588" y="1419945"/>
+                <a:ext cx="1264769" cy="276999"/>
               </a:xfrm>
               <a:prstGeom prst="rect">
                 <a:avLst/>
@@ -9421,7 +12364,465 @@
               </a:bodyPr>
               <a:lstStyle/>
               <a:p>
-                <a:pPr/>
+                <a14:m>
+                  <m:oMathPara xmlns:m="http://schemas.openxmlformats.org/officeDocument/2006/math">
+                    <m:oMathParaPr>
+                      <m:jc m:val="centerGroup"/>
+                    </m:oMathParaPr>
+                    <m:oMath xmlns:m="http://schemas.openxmlformats.org/officeDocument/2006/math">
+                      <m:r>
+                        <a:rPr lang="en-US" altLang="zh-CN" b="0" i="1" smtClean="0">
+                          <a:latin typeface="Cambria Math" panose="02040503050406030204" pitchFamily="18" charset="0"/>
+                        </a:rPr>
+                        <m:t>𝑋</m:t>
+                      </m:r>
+                      <m:r>
+                        <a:rPr lang="en-US" altLang="zh-CN" i="1">
+                          <a:latin typeface="Cambria Math" panose="02040503050406030204" pitchFamily="18" charset="0"/>
+                        </a:rPr>
+                        <m:t>=</m:t>
+                      </m:r>
+                      <m:r>
+                        <a:rPr lang="en-US" altLang="zh-CN" b="0" i="1" smtClean="0">
+                          <a:latin typeface="Cambria Math" panose="02040503050406030204" pitchFamily="18" charset="0"/>
+                        </a:rPr>
+                        <m:t>𝑟𝑠𝑖𝑛</m:t>
+                      </m:r>
+                      <m:r>
+                        <a:rPr lang="en-US" altLang="zh-CN" b="0" i="1" smtClean="0">
+                          <a:latin typeface="Cambria Math" panose="02040503050406030204" pitchFamily="18" charset="0"/>
+                        </a:rPr>
+                        <m:t>(</m:t>
+                      </m:r>
+                      <m:r>
+                        <m:rPr>
+                          <m:sty m:val="p"/>
+                        </m:rPr>
+                        <a:rPr lang="en-US" altLang="zh-CN" i="1">
+                          <a:latin typeface="Cambria Math" panose="02040503050406030204" pitchFamily="18" charset="0"/>
+                        </a:rPr>
+                        <m:t>θ</m:t>
+                      </m:r>
+                      <m:r>
+                        <a:rPr lang="en-US" altLang="zh-CN" b="0" i="1" smtClean="0">
+                          <a:latin typeface="Cambria Math" panose="02040503050406030204" pitchFamily="18" charset="0"/>
+                        </a:rPr>
+                        <m:t>)</m:t>
+                      </m:r>
+                    </m:oMath>
+                  </m:oMathPara>
+                </a14:m>
+                <a:endParaRPr lang="zh-CN" altLang="en-US" dirty="0"/>
+              </a:p>
+            </p:txBody>
+          </p:sp>
+        </mc:Choice>
+        <mc:Fallback>
+          <p:sp>
+            <p:nvSpPr>
+              <p:cNvPr id="15" name="文本框 14">
+                <a:extLst>
+                  <a:ext uri="{FF2B5EF4-FFF2-40B4-BE49-F238E27FC236}">
+                    <a16:creationId xmlns:a16="http://schemas.microsoft.com/office/drawing/2014/main" id="{0D6DA9C8-2092-4F2E-8FC2-A4C77BBFCCBA}"/>
+                  </a:ext>
+                </a:extLst>
+              </p:cNvPr>
+              <p:cNvSpPr txBox="1">
+                <a:spLocks noRot="1" noChangeAspect="1" noMove="1" noResize="1" noEditPoints="1" noAdjustHandles="1" noChangeArrowheads="1" noChangeShapeType="1" noTextEdit="1"/>
+              </p:cNvSpPr>
+              <p:nvPr/>
+            </p:nvSpPr>
+            <p:spPr>
+              <a:xfrm>
+                <a:off x="5482588" y="1419945"/>
+                <a:ext cx="1264769" cy="276999"/>
+              </a:xfrm>
+              <a:prstGeom prst="rect">
+                <a:avLst/>
+              </a:prstGeom>
+              <a:blipFill>
+                <a:blip r:embed="rId5"/>
+                <a:stretch>
+                  <a:fillRect l="-3365" t="-2222" r="-5769" b="-35556"/>
+                </a:stretch>
+              </a:blipFill>
+            </p:spPr>
+            <p:txBody>
+              <a:bodyPr/>
+              <a:lstStyle/>
+              <a:p>
+                <a:r>
+                  <a:rPr lang="zh-CN" altLang="en-US">
+                    <a:noFill/>
+                  </a:rPr>
+                  <a:t> </a:t>
+                </a:r>
+              </a:p>
+            </p:txBody>
+          </p:sp>
+        </mc:Fallback>
+      </mc:AlternateContent>
+      <mc:AlternateContent xmlns:mc="http://schemas.openxmlformats.org/markup-compatibility/2006">
+        <mc:Choice xmlns:a14="http://schemas.microsoft.com/office/drawing/2010/main" Requires="a14">
+          <p:sp>
+            <p:nvSpPr>
+              <p:cNvPr id="23" name="文本框 22">
+                <a:extLst>
+                  <a:ext uri="{FF2B5EF4-FFF2-40B4-BE49-F238E27FC236}">
+                    <a16:creationId xmlns:a16="http://schemas.microsoft.com/office/drawing/2014/main" id="{D4BD960C-08A3-4197-AA3D-62DE1E3FA5F2}"/>
+                  </a:ext>
+                </a:extLst>
+              </p:cNvPr>
+              <p:cNvSpPr txBox="1"/>
+              <p:nvPr/>
+            </p:nvSpPr>
+            <p:spPr>
+              <a:xfrm>
+                <a:off x="5482587" y="1732176"/>
+                <a:ext cx="1259191" cy="276999"/>
+              </a:xfrm>
+              <a:prstGeom prst="rect">
+                <a:avLst/>
+              </a:prstGeom>
+              <a:noFill/>
+            </p:spPr>
+            <p:txBody>
+              <a:bodyPr wrap="none" lIns="0" tIns="0" rIns="0" bIns="0" rtlCol="0">
+                <a:spAutoFit/>
+              </a:bodyPr>
+              <a:lstStyle/>
+              <a:p>
+                <a14:m>
+                  <m:oMathPara xmlns:m="http://schemas.openxmlformats.org/officeDocument/2006/math">
+                    <m:oMathParaPr>
+                      <m:jc m:val="centerGroup"/>
+                    </m:oMathParaPr>
+                    <m:oMath xmlns:m="http://schemas.openxmlformats.org/officeDocument/2006/math">
+                      <m:r>
+                        <a:rPr lang="en-US" altLang="zh-CN" b="0" i="1" smtClean="0">
+                          <a:latin typeface="Cambria Math" panose="02040503050406030204" pitchFamily="18" charset="0"/>
+                        </a:rPr>
+                        <m:t>𝑌</m:t>
+                      </m:r>
+                      <m:r>
+                        <a:rPr lang="en-US" altLang="zh-CN" i="1">
+                          <a:latin typeface="Cambria Math" panose="02040503050406030204" pitchFamily="18" charset="0"/>
+                        </a:rPr>
+                        <m:t>=</m:t>
+                      </m:r>
+                      <m:r>
+                        <a:rPr lang="en-US" altLang="zh-CN" b="0" i="1" smtClean="0">
+                          <a:latin typeface="Cambria Math" panose="02040503050406030204" pitchFamily="18" charset="0"/>
+                        </a:rPr>
+                        <m:t>𝑟</m:t>
+                      </m:r>
+                      <m:r>
+                        <m:rPr>
+                          <m:sty m:val="p"/>
+                        </m:rPr>
+                        <a:rPr lang="en-US" altLang="zh-CN" i="1">
+                          <a:latin typeface="Cambria Math" panose="02040503050406030204" pitchFamily="18" charset="0"/>
+                        </a:rPr>
+                        <m:t>cos</m:t>
+                      </m:r>
+                      <m:r>
+                        <a:rPr lang="en-US" altLang="zh-CN" b="0" i="1" smtClean="0">
+                          <a:latin typeface="Cambria Math" panose="02040503050406030204" pitchFamily="18" charset="0"/>
+                        </a:rPr>
+                        <m:t>(</m:t>
+                      </m:r>
+                      <m:r>
+                        <m:rPr>
+                          <m:sty m:val="p"/>
+                        </m:rPr>
+                        <a:rPr lang="en-US" altLang="zh-CN" i="1">
+                          <a:latin typeface="Cambria Math" panose="02040503050406030204" pitchFamily="18" charset="0"/>
+                        </a:rPr>
+                        <m:t>θ</m:t>
+                      </m:r>
+                      <m:r>
+                        <a:rPr lang="en-US" altLang="zh-CN" b="0" i="1" smtClean="0">
+                          <a:latin typeface="Cambria Math" panose="02040503050406030204" pitchFamily="18" charset="0"/>
+                        </a:rPr>
+                        <m:t>)</m:t>
+                      </m:r>
+                    </m:oMath>
+                  </m:oMathPara>
+                </a14:m>
+                <a:endParaRPr lang="zh-CN" altLang="en-US" dirty="0"/>
+              </a:p>
+            </p:txBody>
+          </p:sp>
+        </mc:Choice>
+        <mc:Fallback>
+          <p:sp>
+            <p:nvSpPr>
+              <p:cNvPr id="23" name="文本框 22">
+                <a:extLst>
+                  <a:ext uri="{FF2B5EF4-FFF2-40B4-BE49-F238E27FC236}">
+                    <a16:creationId xmlns:a16="http://schemas.microsoft.com/office/drawing/2014/main" id="{D4BD960C-08A3-4197-AA3D-62DE1E3FA5F2}"/>
+                  </a:ext>
+                </a:extLst>
+              </p:cNvPr>
+              <p:cNvSpPr txBox="1">
+                <a:spLocks noRot="1" noChangeAspect="1" noMove="1" noResize="1" noEditPoints="1" noAdjustHandles="1" noChangeArrowheads="1" noChangeShapeType="1" noTextEdit="1"/>
+              </p:cNvSpPr>
+              <p:nvPr/>
+            </p:nvSpPr>
+            <p:spPr>
+              <a:xfrm>
+                <a:off x="5482587" y="1732176"/>
+                <a:ext cx="1259191" cy="276999"/>
+              </a:xfrm>
+              <a:prstGeom prst="rect">
+                <a:avLst/>
+              </a:prstGeom>
+              <a:blipFill>
+                <a:blip r:embed="rId6"/>
+                <a:stretch>
+                  <a:fillRect l="-3382" t="-2174" r="-5797" b="-32609"/>
+                </a:stretch>
+              </a:blipFill>
+            </p:spPr>
+            <p:txBody>
+              <a:bodyPr/>
+              <a:lstStyle/>
+              <a:p>
+                <a:r>
+                  <a:rPr lang="zh-CN" altLang="en-US">
+                    <a:noFill/>
+                  </a:rPr>
+                  <a:t> </a:t>
+                </a:r>
+              </a:p>
+            </p:txBody>
+          </p:sp>
+        </mc:Fallback>
+      </mc:AlternateContent>
+      <mc:AlternateContent xmlns:mc="http://schemas.openxmlformats.org/markup-compatibility/2006">
+        <mc:Choice xmlns:a14="http://schemas.microsoft.com/office/drawing/2010/main" Requires="a14">
+          <p:sp>
+            <p:nvSpPr>
+              <p:cNvPr id="25" name="文本框 24">
+                <a:extLst>
+                  <a:ext uri="{FF2B5EF4-FFF2-40B4-BE49-F238E27FC236}">
+                    <a16:creationId xmlns:a16="http://schemas.microsoft.com/office/drawing/2014/main" id="{5687FE5E-3FDD-476F-83F1-9879CA528B8B}"/>
+                  </a:ext>
+                </a:extLst>
+              </p:cNvPr>
+              <p:cNvSpPr txBox="1"/>
+              <p:nvPr/>
+            </p:nvSpPr>
+            <p:spPr>
+              <a:xfrm>
+                <a:off x="5482587" y="2063597"/>
+                <a:ext cx="647678" cy="276999"/>
+              </a:xfrm>
+              <a:prstGeom prst="rect">
+                <a:avLst/>
+              </a:prstGeom>
+              <a:noFill/>
+            </p:spPr>
+            <p:txBody>
+              <a:bodyPr wrap="none" lIns="0" tIns="0" rIns="0" bIns="0" rtlCol="0">
+                <a:spAutoFit/>
+              </a:bodyPr>
+              <a:lstStyle/>
+              <a:p>
+                <a14:m>
+                  <m:oMathPara xmlns:m="http://schemas.openxmlformats.org/officeDocument/2006/math">
+                    <m:oMathParaPr>
+                      <m:jc m:val="centerGroup"/>
+                    </m:oMathParaPr>
+                    <m:oMath xmlns:m="http://schemas.openxmlformats.org/officeDocument/2006/math">
+                      <m:r>
+                        <a:rPr lang="en-US" altLang="zh-CN" b="0" i="1" smtClean="0">
+                          <a:latin typeface="Cambria Math" panose="02040503050406030204" pitchFamily="18" charset="0"/>
+                        </a:rPr>
+                        <m:t>𝑍</m:t>
+                      </m:r>
+                      <m:r>
+                        <a:rPr lang="en-US" altLang="zh-CN" b="0" i="1" smtClean="0">
+                          <a:latin typeface="Cambria Math" panose="02040503050406030204" pitchFamily="18" charset="0"/>
+                        </a:rPr>
+                        <m:t>=</m:t>
+                      </m:r>
+                      <m:r>
+                        <a:rPr lang="en-US" altLang="zh-CN" b="0" i="1" smtClean="0">
+                          <a:latin typeface="Cambria Math" panose="02040503050406030204" pitchFamily="18" charset="0"/>
+                        </a:rPr>
+                        <m:t>𝑍</m:t>
+                      </m:r>
+                    </m:oMath>
+                  </m:oMathPara>
+                </a14:m>
+                <a:endParaRPr lang="zh-CN" altLang="en-US" dirty="0"/>
+              </a:p>
+            </p:txBody>
+          </p:sp>
+        </mc:Choice>
+        <mc:Fallback>
+          <p:sp>
+            <p:nvSpPr>
+              <p:cNvPr id="25" name="文本框 24">
+                <a:extLst>
+                  <a:ext uri="{FF2B5EF4-FFF2-40B4-BE49-F238E27FC236}">
+                    <a16:creationId xmlns:a16="http://schemas.microsoft.com/office/drawing/2014/main" id="{5687FE5E-3FDD-476F-83F1-9879CA528B8B}"/>
+                  </a:ext>
+                </a:extLst>
+              </p:cNvPr>
+              <p:cNvSpPr txBox="1">
+                <a:spLocks noRot="1" noChangeAspect="1" noMove="1" noResize="1" noEditPoints="1" noAdjustHandles="1" noChangeArrowheads="1" noChangeShapeType="1" noTextEdit="1"/>
+              </p:cNvSpPr>
+              <p:nvPr/>
+            </p:nvSpPr>
+            <p:spPr>
+              <a:xfrm>
+                <a:off x="5482587" y="2063597"/>
+                <a:ext cx="647678" cy="276999"/>
+              </a:xfrm>
+              <a:prstGeom prst="rect">
+                <a:avLst/>
+              </a:prstGeom>
+              <a:blipFill>
+                <a:blip r:embed="rId7"/>
+                <a:stretch>
+                  <a:fillRect l="-7477" r="-6542" b="-6667"/>
+                </a:stretch>
+              </a:blipFill>
+            </p:spPr>
+            <p:txBody>
+              <a:bodyPr/>
+              <a:lstStyle/>
+              <a:p>
+                <a:r>
+                  <a:rPr lang="zh-CN" altLang="en-US">
+                    <a:noFill/>
+                  </a:rPr>
+                  <a:t> </a:t>
+                </a:r>
+              </a:p>
+            </p:txBody>
+          </p:sp>
+        </mc:Fallback>
+      </mc:AlternateContent>
+      <p:sp>
+        <p:nvSpPr>
+          <p:cNvPr id="26" name="文本框 25">
+            <a:extLst>
+              <a:ext uri="{FF2B5EF4-FFF2-40B4-BE49-F238E27FC236}">
+                <a16:creationId xmlns:a16="http://schemas.microsoft.com/office/drawing/2014/main" id="{D4676A0A-6C38-446F-85DA-9465A325DCFB}"/>
+              </a:ext>
+            </a:extLst>
+          </p:cNvPr>
+          <p:cNvSpPr txBox="1"/>
+          <p:nvPr/>
+        </p:nvSpPr>
+        <p:spPr>
+          <a:xfrm>
+            <a:off x="5402950" y="1037122"/>
+            <a:ext cx="1338828" cy="369332"/>
+          </a:xfrm>
+          <a:prstGeom prst="rect">
+            <a:avLst/>
+          </a:prstGeom>
+          <a:noFill/>
+        </p:spPr>
+        <p:txBody>
+          <a:bodyPr wrap="none" rtlCol="0">
+            <a:spAutoFit/>
+          </a:bodyPr>
+          <a:lstStyle/>
+          <a:p>
+            <a:r>
+              <a:rPr lang="zh-CN" altLang="en-US" dirty="0"/>
+              <a:t>变换关系式</a:t>
+            </a:r>
+          </a:p>
+        </p:txBody>
+      </p:sp>
+      <p:sp>
+        <p:nvSpPr>
+          <p:cNvPr id="27" name="矩形 26">
+            <a:extLst>
+              <a:ext uri="{FF2B5EF4-FFF2-40B4-BE49-F238E27FC236}">
+                <a16:creationId xmlns:a16="http://schemas.microsoft.com/office/drawing/2014/main" id="{480BE990-DAD0-4A9C-A4CF-E87CABBFF18C}"/>
+              </a:ext>
+            </a:extLst>
+          </p:cNvPr>
+          <p:cNvSpPr/>
+          <p:nvPr/>
+        </p:nvSpPr>
+        <p:spPr>
+          <a:xfrm>
+            <a:off x="5402950" y="1037122"/>
+            <a:ext cx="1422672" cy="1389318"/>
+          </a:xfrm>
+          <a:prstGeom prst="rect">
+            <a:avLst/>
+          </a:prstGeom>
+          <a:noFill/>
+          <a:ln>
+            <a:solidFill>
+              <a:schemeClr val="tx1"/>
+            </a:solidFill>
+          </a:ln>
+        </p:spPr>
+        <p:style>
+          <a:lnRef idx="2">
+            <a:schemeClr val="accent1">
+              <a:shade val="50000"/>
+            </a:schemeClr>
+          </a:lnRef>
+          <a:fillRef idx="1">
+            <a:schemeClr val="accent1"/>
+          </a:fillRef>
+          <a:effectRef idx="0">
+            <a:schemeClr val="accent1"/>
+          </a:effectRef>
+          <a:fontRef idx="minor">
+            <a:schemeClr val="lt1"/>
+          </a:fontRef>
+        </p:style>
+        <p:txBody>
+          <a:bodyPr rtlCol="0" anchor="ctr"/>
+          <a:lstStyle/>
+          <a:p>
+            <a:pPr algn="ctr"/>
+            <a:endParaRPr lang="zh-CN" altLang="en-US"/>
+          </a:p>
+        </p:txBody>
+      </p:sp>
+      <mc:AlternateContent xmlns:mc="http://schemas.openxmlformats.org/markup-compatibility/2006">
+        <mc:Choice xmlns:a14="http://schemas.microsoft.com/office/drawing/2010/main" Requires="a14">
+          <p:sp>
+            <p:nvSpPr>
+              <p:cNvPr id="28" name="文本框 27">
+                <a:extLst>
+                  <a:ext uri="{FF2B5EF4-FFF2-40B4-BE49-F238E27FC236}">
+                    <a16:creationId xmlns:a16="http://schemas.microsoft.com/office/drawing/2014/main" id="{596A3184-9C91-473F-9DFF-445BFB6ABC8A}"/>
+                  </a:ext>
+                </a:extLst>
+              </p:cNvPr>
+              <p:cNvSpPr txBox="1"/>
+              <p:nvPr/>
+            </p:nvSpPr>
+            <p:spPr>
+              <a:xfrm>
+                <a:off x="3831031" y="5703266"/>
+                <a:ext cx="587533" cy="276999"/>
+              </a:xfrm>
+              <a:prstGeom prst="rect">
+                <a:avLst/>
+              </a:prstGeom>
+              <a:noFill/>
+            </p:spPr>
+            <p:txBody>
+              <a:bodyPr wrap="none" lIns="0" tIns="0" rIns="0" bIns="0" rtlCol="0">
+                <a:spAutoFit/>
+              </a:bodyPr>
+              <a:lstStyle/>
+              <a:p>
                 <a14:m>
                   <m:oMathPara xmlns:m="http://schemas.openxmlformats.org/officeDocument/2006/math">
                     <m:oMathParaPr>
@@ -9432,13 +12833,120 @@
                         <m:rPr>
                           <m:sty m:val="p"/>
                         </m:rPr>
-                        <a:rPr lang="en-US" altLang="zh-CN" b="0" i="0" smtClean="0">
+                        <a:rPr lang="en-US" altLang="zh-CN" i="1" smtClean="0">
                           <a:latin typeface="Cambria Math" panose="02040503050406030204" pitchFamily="18" charset="0"/>
                         </a:rPr>
-                        <m:t>Z</m:t>
+                        <m:t>θ</m:t>
                       </m:r>
                       <m:r>
-                        <a:rPr lang="en-US" altLang="zh-CN" i="1">
+                        <a:rPr lang="en-US" altLang="zh-CN" i="1" smtClean="0">
+                          <a:latin typeface="Cambria Math" panose="02040503050406030204" pitchFamily="18" charset="0"/>
+                        </a:rPr>
+                        <m:t>=</m:t>
+                      </m:r>
+                      <m:r>
+                        <a:rPr lang="en-US" altLang="zh-CN" b="0" i="1" smtClean="0">
+                          <a:latin typeface="Cambria Math" panose="02040503050406030204" pitchFamily="18" charset="0"/>
+                        </a:rPr>
+                        <m:t>𝑡</m:t>
+                      </m:r>
+                    </m:oMath>
+                  </m:oMathPara>
+                </a14:m>
+                <a:endParaRPr lang="zh-CN" altLang="en-US" dirty="0"/>
+              </a:p>
+            </p:txBody>
+          </p:sp>
+        </mc:Choice>
+        <mc:Fallback>
+          <p:sp>
+            <p:nvSpPr>
+              <p:cNvPr id="28" name="文本框 27">
+                <a:extLst>
+                  <a:ext uri="{FF2B5EF4-FFF2-40B4-BE49-F238E27FC236}">
+                    <a16:creationId xmlns:a16="http://schemas.microsoft.com/office/drawing/2014/main" id="{596A3184-9C91-473F-9DFF-445BFB6ABC8A}"/>
+                  </a:ext>
+                </a:extLst>
+              </p:cNvPr>
+              <p:cNvSpPr txBox="1">
+                <a:spLocks noRot="1" noChangeAspect="1" noMove="1" noResize="1" noEditPoints="1" noAdjustHandles="1" noChangeArrowheads="1" noChangeShapeType="1" noTextEdit="1"/>
+              </p:cNvSpPr>
+              <p:nvPr/>
+            </p:nvSpPr>
+            <p:spPr>
+              <a:xfrm>
+                <a:off x="3831031" y="5703266"/>
+                <a:ext cx="587533" cy="276999"/>
+              </a:xfrm>
+              <a:prstGeom prst="rect">
+                <a:avLst/>
+              </a:prstGeom>
+              <a:blipFill>
+                <a:blip r:embed="rId8"/>
+                <a:stretch>
+                  <a:fillRect l="-8247" r="-6186" b="-8889"/>
+                </a:stretch>
+              </a:blipFill>
+            </p:spPr>
+            <p:txBody>
+              <a:bodyPr/>
+              <a:lstStyle/>
+              <a:p>
+                <a:r>
+                  <a:rPr lang="zh-CN" altLang="en-US">
+                    <a:noFill/>
+                  </a:rPr>
+                  <a:t> </a:t>
+                </a:r>
+              </a:p>
+            </p:txBody>
+          </p:sp>
+        </mc:Fallback>
+      </mc:AlternateContent>
+      <mc:AlternateContent xmlns:mc="http://schemas.openxmlformats.org/markup-compatibility/2006">
+        <mc:Choice xmlns:a14="http://schemas.microsoft.com/office/drawing/2010/main" Requires="a14">
+          <p:sp>
+            <p:nvSpPr>
+              <p:cNvPr id="29" name="文本框 28">
+                <a:extLst>
+                  <a:ext uri="{FF2B5EF4-FFF2-40B4-BE49-F238E27FC236}">
+                    <a16:creationId xmlns:a16="http://schemas.microsoft.com/office/drawing/2014/main" id="{657AB55A-59BE-4818-B7F9-F80D9E5F5321}"/>
+                  </a:ext>
+                </a:extLst>
+              </p:cNvPr>
+              <p:cNvSpPr txBox="1"/>
+              <p:nvPr/>
+            </p:nvSpPr>
+            <p:spPr>
+              <a:xfrm>
+                <a:off x="3831031" y="6014890"/>
+                <a:ext cx="910699" cy="472502"/>
+              </a:xfrm>
+              <a:prstGeom prst="rect">
+                <a:avLst/>
+              </a:prstGeom>
+              <a:noFill/>
+            </p:spPr>
+            <p:txBody>
+              <a:bodyPr wrap="none" lIns="0" tIns="0" rIns="0" bIns="0" rtlCol="0">
+                <a:spAutoFit/>
+              </a:bodyPr>
+              <a:lstStyle/>
+              <a:p>
+                <a14:m>
+                  <m:oMathPara xmlns:m="http://schemas.openxmlformats.org/officeDocument/2006/math">
+                    <m:oMathParaPr>
+                      <m:jc m:val="centerGroup"/>
+                    </m:oMathParaPr>
+                    <m:oMath xmlns:m="http://schemas.openxmlformats.org/officeDocument/2006/math">
+                      <m:r>
+                        <a:rPr lang="en-US" altLang="zh-CN" b="0" i="1" smtClean="0">
+                          <a:latin typeface="Cambria Math" panose="02040503050406030204" pitchFamily="18" charset="0"/>
+                        </a:rPr>
+                        <m:t>𝑍</m:t>
+                      </m:r>
+                      <m:r>
+                        <a:rPr lang="en-US" altLang="zh-CN" b="0" i="1" smtClean="0">
                           <a:latin typeface="Cambria Math" panose="02040503050406030204" pitchFamily="18" charset="0"/>
                         </a:rPr>
                         <m:t>=</m:t>
@@ -9446,7 +12954,7 @@
                       <m:f>
                         <m:fPr>
                           <m:ctrlPr>
-                            <a:rPr lang="en-US" altLang="zh-CN" i="1" smtClean="0">
+                            <a:rPr lang="en-US" altLang="zh-CN" b="0" i="1" smtClean="0">
                               <a:latin typeface="Cambria Math" panose="02040503050406030204" pitchFamily="18" charset="0"/>
                             </a:rPr>
                           </m:ctrlPr>
@@ -9455,7 +12963,7 @@
                           <m:sSub>
                             <m:sSubPr>
                               <m:ctrlPr>
-                                <a:rPr lang="en-US" altLang="zh-CN" i="1" smtClean="0">
+                                <a:rPr lang="en-US" altLang="zh-CN" b="0" i="1" smtClean="0">
                                   <a:latin typeface="Cambria Math" panose="02040503050406030204" pitchFamily="18" charset="0"/>
                                 </a:rPr>
                               </m:ctrlPr>
@@ -9494,10 +13002,10 @@
                         </m:den>
                       </m:f>
                       <m:r>
-                        <a:rPr lang="zh-CN" altLang="en-US" i="1" smtClean="0">
+                        <a:rPr lang="en-US" altLang="zh-CN" b="0" i="1" smtClean="0">
                           <a:latin typeface="Cambria Math" panose="02040503050406030204" pitchFamily="18" charset="0"/>
                         </a:rPr>
-                        <m:t>𝜃</m:t>
+                        <m:t>𝑡</m:t>
                       </m:r>
                     </m:oMath>
                   </m:oMathPara>
@@ -9507,13 +13015,13 @@
             </p:txBody>
           </p:sp>
         </mc:Choice>
-        <mc:Fallback xmlns="">
+        <mc:Fallback>
           <p:sp>
             <p:nvSpPr>
-              <p:cNvPr id="18" name="文本框 17">
+              <p:cNvPr id="29" name="文本框 28">
                 <a:extLst>
                   <a:ext uri="{FF2B5EF4-FFF2-40B4-BE49-F238E27FC236}">
-                    <a16:creationId xmlns:a16="http://schemas.microsoft.com/office/drawing/2014/main" id="{33FF6EB1-255D-481E-87DD-626CEA52ACA7}"/>
+                    <a16:creationId xmlns:a16="http://schemas.microsoft.com/office/drawing/2014/main" id="{657AB55A-59BE-4818-B7F9-F80D9E5F5321}"/>
                   </a:ext>
                 </a:extLst>
               </p:cNvPr>
@@ -9524,14 +13032,14 @@
             </p:nvSpPr>
             <p:spPr>
               <a:xfrm>
-                <a:off x="9770070" y="1375533"/>
-                <a:ext cx="931794" cy="472502"/>
+                <a:off x="3831031" y="6014890"/>
+                <a:ext cx="910699" cy="472502"/>
               </a:xfrm>
               <a:prstGeom prst="rect">
                 <a:avLst/>
               </a:prstGeom>
               <a:blipFill>
-                <a:blip r:embed="rId5"/>
+                <a:blip r:embed="rId9"/>
                 <a:stretch>
                   <a:fillRect/>
                 </a:stretch>
@@ -9552,14 +13060,14 @@
           </p:sp>
         </mc:Fallback>
       </mc:AlternateContent>
-      <mc:AlternateContent xmlns:mc="http://schemas.openxmlformats.org/markup-compatibility/2006" xmlns:a14="http://schemas.microsoft.com/office/drawing/2010/main">
-        <mc:Choice Requires="a14">
+      <mc:AlternateContent xmlns:mc="http://schemas.openxmlformats.org/markup-compatibility/2006">
+        <mc:Choice xmlns:a14="http://schemas.microsoft.com/office/drawing/2010/main" Requires="a14">
           <p:sp>
             <p:nvSpPr>
-              <p:cNvPr id="19" name="文本框 18">
+              <p:cNvPr id="32" name="文本框 31">
                 <a:extLst>
                   <a:ext uri="{FF2B5EF4-FFF2-40B4-BE49-F238E27FC236}">
-                    <a16:creationId xmlns:a16="http://schemas.microsoft.com/office/drawing/2014/main" id="{DDC45869-0D7A-47DC-A805-901C816D29C3}"/>
+                    <a16:creationId xmlns:a16="http://schemas.microsoft.com/office/drawing/2014/main" id="{C65FF68A-E814-4C31-BB80-E4D585C9E722}"/>
                   </a:ext>
                 </a:extLst>
               </p:cNvPr>
@@ -9568,8 +13076,8 @@
             </p:nvSpPr>
             <p:spPr>
               <a:xfrm>
-                <a:off x="9770069" y="735963"/>
-                <a:ext cx="1297919" cy="276999"/>
+                <a:off x="5293849" y="6195165"/>
+                <a:ext cx="910699" cy="472502"/>
               </a:xfrm>
               <a:prstGeom prst="rect">
                 <a:avLst/>
@@ -9582,7 +13090,6 @@
               </a:bodyPr>
               <a:lstStyle/>
               <a:p>
-                <a:pPr/>
                 <a14:m>
                   <m:oMathPara xmlns:m="http://schemas.openxmlformats.org/officeDocument/2006/math">
                     <m:oMathParaPr>
@@ -9593,7 +13100,7 @@
                         <a:rPr lang="en-US" altLang="zh-CN" b="0" i="1" smtClean="0">
                           <a:latin typeface="Cambria Math" panose="02040503050406030204" pitchFamily="18" charset="0"/>
                         </a:rPr>
-                        <m:t>𝑋</m:t>
+                        <m:t>𝑍</m:t>
                       </m:r>
                       <m:r>
                         <a:rPr lang="en-US" altLang="zh-CN" b="0" i="1" smtClean="0">
@@ -9601,29 +13108,61 @@
                         </a:rPr>
                         <m:t>=</m:t>
                       </m:r>
+                      <m:f>
+                        <m:fPr>
+                          <m:ctrlPr>
+                            <a:rPr lang="en-US" altLang="zh-CN" i="1">
+                              <a:latin typeface="Cambria Math" panose="02040503050406030204" pitchFamily="18" charset="0"/>
+                            </a:rPr>
+                          </m:ctrlPr>
+                        </m:fPr>
+                        <m:num>
+                          <m:sSub>
+                            <m:sSubPr>
+                              <m:ctrlPr>
+                                <a:rPr lang="en-US" altLang="zh-CN" i="1">
+                                  <a:latin typeface="Cambria Math" panose="02040503050406030204" pitchFamily="18" charset="0"/>
+                                </a:rPr>
+                              </m:ctrlPr>
+                            </m:sSubPr>
+                            <m:e>
+                              <m:r>
+                                <a:rPr lang="en-US" altLang="zh-CN" i="1">
+                                  <a:latin typeface="Cambria Math" panose="02040503050406030204" pitchFamily="18" charset="0"/>
+                                </a:rPr>
+                                <m:t>𝑧</m:t>
+                              </m:r>
+                            </m:e>
+                            <m:sub>
+                              <m:r>
+                                <a:rPr lang="en-US" altLang="zh-CN" i="1">
+                                  <a:latin typeface="Cambria Math" panose="02040503050406030204" pitchFamily="18" charset="0"/>
+                                </a:rPr>
+                                <m:t>0</m:t>
+                              </m:r>
+                            </m:sub>
+                          </m:sSub>
+                        </m:num>
+                        <m:den>
+                          <m:r>
+                            <a:rPr lang="en-US" altLang="zh-CN" i="1">
+                              <a:latin typeface="Cambria Math" panose="02040503050406030204" pitchFamily="18" charset="0"/>
+                            </a:rPr>
+                            <m:t>2</m:t>
+                          </m:r>
+                          <m:r>
+                            <a:rPr lang="zh-CN" altLang="en-US" i="1">
+                              <a:latin typeface="Cambria Math" panose="02040503050406030204" pitchFamily="18" charset="0"/>
+                            </a:rPr>
+                            <m:t>𝜋</m:t>
+                          </m:r>
+                        </m:den>
+                      </m:f>
                       <m:r>
-                        <a:rPr lang="en-US" altLang="zh-CN" b="0" i="1" smtClean="0">
+                        <a:rPr lang="en-US" altLang="zh-CN" i="1">
                           <a:latin typeface="Cambria Math" panose="02040503050406030204" pitchFamily="18" charset="0"/>
                         </a:rPr>
-                        <m:t>𝑟𝑐𝑜𝑠</m:t>
-                      </m:r>
-                      <m:r>
-                        <a:rPr lang="en-US" altLang="zh-CN" b="0" i="1" smtClean="0">
-                          <a:latin typeface="Cambria Math" panose="02040503050406030204" pitchFamily="18" charset="0"/>
-                        </a:rPr>
-                        <m:t>(</m:t>
-                      </m:r>
-                      <m:r>
-                        <a:rPr lang="zh-CN" altLang="en-US" b="0" i="1" smtClean="0">
-                          <a:latin typeface="Cambria Math" panose="02040503050406030204" pitchFamily="18" charset="0"/>
-                        </a:rPr>
-                        <m:t>𝜃</m:t>
-                      </m:r>
-                      <m:r>
-                        <a:rPr lang="en-US" altLang="zh-CN" b="0" i="1" smtClean="0">
-                          <a:latin typeface="Cambria Math" panose="02040503050406030204" pitchFamily="18" charset="0"/>
-                        </a:rPr>
-                        <m:t>)</m:t>
+                        <m:t>𝑡</m:t>
                       </m:r>
                     </m:oMath>
                   </m:oMathPara>
@@ -9633,13 +13172,13 @@
             </p:txBody>
           </p:sp>
         </mc:Choice>
-        <mc:Fallback xmlns="">
+        <mc:Fallback>
           <p:sp>
             <p:nvSpPr>
-              <p:cNvPr id="19" name="文本框 18">
+              <p:cNvPr id="32" name="文本框 31">
                 <a:extLst>
                   <a:ext uri="{FF2B5EF4-FFF2-40B4-BE49-F238E27FC236}">
-                    <a16:creationId xmlns:a16="http://schemas.microsoft.com/office/drawing/2014/main" id="{DDC45869-0D7A-47DC-A805-901C816D29C3}"/>
+                    <a16:creationId xmlns:a16="http://schemas.microsoft.com/office/drawing/2014/main" id="{C65FF68A-E814-4C31-BB80-E4D585C9E722}"/>
                   </a:ext>
                 </a:extLst>
               </p:cNvPr>
@@ -9650,16 +13189,16 @@
             </p:nvSpPr>
             <p:spPr>
               <a:xfrm>
-                <a:off x="9770069" y="735963"/>
-                <a:ext cx="1297919" cy="276999"/>
+                <a:off x="5293849" y="6195165"/>
+                <a:ext cx="910699" cy="472502"/>
               </a:xfrm>
               <a:prstGeom prst="rect">
                 <a:avLst/>
               </a:prstGeom>
               <a:blipFill>
-                <a:blip r:embed="rId6"/>
+                <a:blip r:embed="rId10"/>
                 <a:stretch>
-                  <a:fillRect l="-3756" t="-4444" r="-5634" b="-35556"/>
+                  <a:fillRect/>
                 </a:stretch>
               </a:blipFill>
             </p:spPr>
@@ -9678,141 +13217,12 @@
           </p:sp>
         </mc:Fallback>
       </mc:AlternateContent>
-      <mc:AlternateContent xmlns:mc="http://schemas.openxmlformats.org/markup-compatibility/2006" xmlns:a14="http://schemas.microsoft.com/office/drawing/2010/main">
-        <mc:Choice Requires="a14">
-          <p:sp>
-            <p:nvSpPr>
-              <p:cNvPr id="21" name="文本框 20">
-                <a:extLst>
-                  <a:ext uri="{FF2B5EF4-FFF2-40B4-BE49-F238E27FC236}">
-                    <a16:creationId xmlns:a16="http://schemas.microsoft.com/office/drawing/2014/main" id="{5DC96707-5325-4AF6-8B77-0201C157AC06}"/>
-                  </a:ext>
-                </a:extLst>
-              </p:cNvPr>
-              <p:cNvSpPr txBox="1"/>
-              <p:nvPr/>
-            </p:nvSpPr>
-            <p:spPr>
-              <a:xfrm>
-                <a:off x="9770069" y="1072570"/>
-                <a:ext cx="1251433" cy="276999"/>
-              </a:xfrm>
-              <a:prstGeom prst="rect">
-                <a:avLst/>
-              </a:prstGeom>
-              <a:noFill/>
-            </p:spPr>
-            <p:txBody>
-              <a:bodyPr wrap="none" lIns="0" tIns="0" rIns="0" bIns="0" rtlCol="0">
-                <a:spAutoFit/>
-              </a:bodyPr>
-              <a:lstStyle/>
-              <a:p>
-                <a:pPr/>
-                <a14:m>
-                  <m:oMathPara xmlns:m="http://schemas.openxmlformats.org/officeDocument/2006/math">
-                    <m:oMathParaPr>
-                      <m:jc m:val="centerGroup"/>
-                    </m:oMathParaPr>
-                    <m:oMath xmlns:m="http://schemas.openxmlformats.org/officeDocument/2006/math">
-                      <m:r>
-                        <m:rPr>
-                          <m:sty m:val="p"/>
-                        </m:rPr>
-                        <a:rPr lang="en-US" altLang="zh-CN" b="0" i="0" smtClean="0">
-                          <a:latin typeface="Cambria Math" panose="02040503050406030204" pitchFamily="18" charset="0"/>
-                        </a:rPr>
-                        <m:t>Y</m:t>
-                      </m:r>
-                      <m:r>
-                        <a:rPr lang="en-US" altLang="zh-CN" b="0" i="1" smtClean="0">
-                          <a:latin typeface="Cambria Math" panose="02040503050406030204" pitchFamily="18" charset="0"/>
-                        </a:rPr>
-                        <m:t>=</m:t>
-                      </m:r>
-                      <m:r>
-                        <a:rPr lang="en-US" altLang="zh-CN" b="0" i="1" smtClean="0">
-                          <a:latin typeface="Cambria Math" panose="02040503050406030204" pitchFamily="18" charset="0"/>
-                        </a:rPr>
-                        <m:t>𝑟𝑠𝑖𝑛</m:t>
-                      </m:r>
-                      <m:r>
-                        <a:rPr lang="en-US" altLang="zh-CN" b="0" i="1" smtClean="0">
-                          <a:latin typeface="Cambria Math" panose="02040503050406030204" pitchFamily="18" charset="0"/>
-                        </a:rPr>
-                        <m:t>(</m:t>
-                      </m:r>
-                      <m:r>
-                        <a:rPr lang="zh-CN" altLang="en-US" b="0" i="1" smtClean="0">
-                          <a:latin typeface="Cambria Math" panose="02040503050406030204" pitchFamily="18" charset="0"/>
-                        </a:rPr>
-                        <m:t>𝜃</m:t>
-                      </m:r>
-                      <m:r>
-                        <a:rPr lang="en-US" altLang="zh-CN" b="0" i="1" smtClean="0">
-                          <a:latin typeface="Cambria Math" panose="02040503050406030204" pitchFamily="18" charset="0"/>
-                        </a:rPr>
-                        <m:t>)</m:t>
-                      </m:r>
-                    </m:oMath>
-                  </m:oMathPara>
-                </a14:m>
-                <a:endParaRPr lang="zh-CN" altLang="en-US" dirty="0"/>
-              </a:p>
-            </p:txBody>
-          </p:sp>
-        </mc:Choice>
-        <mc:Fallback xmlns="">
-          <p:sp>
-            <p:nvSpPr>
-              <p:cNvPr id="21" name="文本框 20">
-                <a:extLst>
-                  <a:ext uri="{FF2B5EF4-FFF2-40B4-BE49-F238E27FC236}">
-                    <a16:creationId xmlns:a16="http://schemas.microsoft.com/office/drawing/2014/main" id="{5DC96707-5325-4AF6-8B77-0201C157AC06}"/>
-                  </a:ext>
-                </a:extLst>
-              </p:cNvPr>
-              <p:cNvSpPr txBox="1">
-                <a:spLocks noRot="1" noChangeAspect="1" noMove="1" noResize="1" noEditPoints="1" noAdjustHandles="1" noChangeArrowheads="1" noChangeShapeType="1" noTextEdit="1"/>
-              </p:cNvSpPr>
-              <p:nvPr/>
-            </p:nvSpPr>
-            <p:spPr>
-              <a:xfrm>
-                <a:off x="9770069" y="1072570"/>
-                <a:ext cx="1251433" cy="276999"/>
-              </a:xfrm>
-              <a:prstGeom prst="rect">
-                <a:avLst/>
-              </a:prstGeom>
-              <a:blipFill>
-                <a:blip r:embed="rId7"/>
-                <a:stretch>
-                  <a:fillRect l="-3902" t="-2222" r="-6341" b="-35556"/>
-                </a:stretch>
-              </a:blipFill>
-            </p:spPr>
-            <p:txBody>
-              <a:bodyPr/>
-              <a:lstStyle/>
-              <a:p>
-                <a:r>
-                  <a:rPr lang="zh-CN" altLang="en-US">
-                    <a:noFill/>
-                  </a:rPr>
-                  <a:t> </a:t>
-                </a:r>
-              </a:p>
-            </p:txBody>
-          </p:sp>
-        </mc:Fallback>
-      </mc:AlternateContent>
-      <p:sp>
-        <p:nvSpPr>
-          <p:cNvPr id="22" name="箭头: 右 21">
-            <a:extLst>
-              <a:ext uri="{FF2B5EF4-FFF2-40B4-BE49-F238E27FC236}">
-                <a16:creationId xmlns:a16="http://schemas.microsoft.com/office/drawing/2014/main" id="{68BBA49A-76D5-4438-AE8D-9B80301DF0CA}"/>
+      <p:sp>
+        <p:nvSpPr>
+          <p:cNvPr id="33" name="矩形 32">
+            <a:extLst>
+              <a:ext uri="{FF2B5EF4-FFF2-40B4-BE49-F238E27FC236}">
+                <a16:creationId xmlns:a16="http://schemas.microsoft.com/office/drawing/2014/main" id="{0A15F7F8-100D-4DF6-8FC1-377F1341CA46}"/>
               </a:ext>
             </a:extLst>
           </p:cNvPr>
@@ -9820,16 +13230,18 @@
           <p:nvPr/>
         </p:nvSpPr>
         <p:spPr>
-          <a:xfrm rot="19813971">
-            <a:off x="3051760" y="3146755"/>
-            <a:ext cx="505596" cy="175334"/>
+          <a:xfrm>
+            <a:off x="3681631" y="5126502"/>
+            <a:ext cx="2982897" cy="1583138"/>
           </a:xfrm>
-          <a:prstGeom prst="rightArrow">
+          <a:prstGeom prst="rect">
             <a:avLst/>
           </a:prstGeom>
           <a:noFill/>
-          <a:ln w="19050">
-            <a:prstDash val="sysDash"/>
+          <a:ln>
+            <a:solidFill>
+              <a:schemeClr val="tx1"/>
+            </a:solidFill>
           </a:ln>
         </p:spPr>
         <p:style>
@@ -9859,54 +13271,306 @@
       </p:sp>
       <p:sp>
         <p:nvSpPr>
-          <p:cNvPr id="24" name="箭头: 右 23">
-            <a:extLst>
-              <a:ext uri="{FF2B5EF4-FFF2-40B4-BE49-F238E27FC236}">
-                <a16:creationId xmlns:a16="http://schemas.microsoft.com/office/drawing/2014/main" id="{53CD5966-488E-40C0-8917-7C9167998077}"/>
-              </a:ext>
-            </a:extLst>
-          </p:cNvPr>
-          <p:cNvSpPr/>
+          <p:cNvPr id="34" name="文本框 33">
+            <a:extLst>
+              <a:ext uri="{FF2B5EF4-FFF2-40B4-BE49-F238E27FC236}">
+                <a16:creationId xmlns:a16="http://schemas.microsoft.com/office/drawing/2014/main" id="{E519213C-1FAF-4D3E-B1F1-22BC3AF64939}"/>
+              </a:ext>
+            </a:extLst>
+          </p:cNvPr>
+          <p:cNvSpPr txBox="1"/>
           <p:nvPr/>
         </p:nvSpPr>
         <p:spPr>
-          <a:xfrm rot="15617390">
-            <a:off x="8580256" y="4624865"/>
-            <a:ext cx="505596" cy="175334"/>
+          <a:xfrm>
+            <a:off x="4270995" y="5163862"/>
+            <a:ext cx="1701107" cy="369332"/>
           </a:xfrm>
-          <a:prstGeom prst="rightArrow">
+          <a:prstGeom prst="rect">
             <a:avLst/>
           </a:prstGeom>
           <a:noFill/>
-          <a:ln w="19050">
-            <a:prstDash val="sysDash"/>
-          </a:ln>
         </p:spPr>
-        <p:style>
-          <a:lnRef idx="2">
-            <a:schemeClr val="accent1">
-              <a:shade val="50000"/>
-            </a:schemeClr>
-          </a:lnRef>
-          <a:fillRef idx="1">
-            <a:schemeClr val="accent1"/>
-          </a:fillRef>
-          <a:effectRef idx="0">
-            <a:schemeClr val="accent1"/>
-          </a:effectRef>
-          <a:fontRef idx="minor">
-            <a:schemeClr val="lt1"/>
-          </a:fontRef>
-        </p:style>
         <p:txBody>
-          <a:bodyPr rtlCol="0" anchor="ctr"/>
+          <a:bodyPr wrap="none" rtlCol="0">
+            <a:spAutoFit/>
+          </a:bodyPr>
           <a:lstStyle/>
           <a:p>
-            <a:pPr algn="ctr"/>
-            <a:endParaRPr lang="zh-CN" altLang="en-US"/>
+            <a:r>
+              <a:rPr lang="zh-CN" altLang="en-US" dirty="0"/>
+              <a:t>平行于</a:t>
+            </a:r>
+            <a:r>
+              <a:rPr lang="en-US" altLang="zh-CN" dirty="0"/>
+              <a:t>Z</a:t>
+            </a:r>
+            <a:r>
+              <a:rPr lang="zh-CN" altLang="en-US" dirty="0"/>
+              <a:t>轴直线</a:t>
+            </a:r>
           </a:p>
         </p:txBody>
       </p:sp>
+      <mc:AlternateContent xmlns:mc="http://schemas.openxmlformats.org/markup-compatibility/2006">
+        <mc:Choice xmlns:a14="http://schemas.microsoft.com/office/drawing/2010/main" Requires="a14">
+          <p:sp>
+            <p:nvSpPr>
+              <p:cNvPr id="35" name="文本框 34">
+                <a:extLst>
+                  <a:ext uri="{FF2B5EF4-FFF2-40B4-BE49-F238E27FC236}">
+                    <a16:creationId xmlns:a16="http://schemas.microsoft.com/office/drawing/2014/main" id="{111EE65A-0E34-41B7-852A-BCF542FEB140}"/>
+                  </a:ext>
+                </a:extLst>
+              </p:cNvPr>
+              <p:cNvSpPr txBox="1"/>
+              <p:nvPr/>
+            </p:nvSpPr>
+            <p:spPr>
+              <a:xfrm>
+                <a:off x="5293850" y="5551513"/>
+                <a:ext cx="1235146" cy="276999"/>
+              </a:xfrm>
+              <a:prstGeom prst="rect">
+                <a:avLst/>
+              </a:prstGeom>
+              <a:noFill/>
+            </p:spPr>
+            <p:txBody>
+              <a:bodyPr wrap="none" lIns="0" tIns="0" rIns="0" bIns="0" rtlCol="0">
+                <a:spAutoFit/>
+              </a:bodyPr>
+              <a:lstStyle/>
+              <a:p>
+                <a14:m>
+                  <m:oMathPara xmlns:m="http://schemas.openxmlformats.org/officeDocument/2006/math">
+                    <m:oMathParaPr>
+                      <m:jc m:val="centerGroup"/>
+                    </m:oMathParaPr>
+                    <m:oMath xmlns:m="http://schemas.openxmlformats.org/officeDocument/2006/math">
+                      <m:r>
+                        <a:rPr lang="en-US" altLang="zh-CN" b="0" i="1" smtClean="0">
+                          <a:latin typeface="Cambria Math" panose="02040503050406030204" pitchFamily="18" charset="0"/>
+                        </a:rPr>
+                        <m:t>𝑋</m:t>
+                      </m:r>
+                      <m:r>
+                        <a:rPr lang="en-US" altLang="zh-CN" i="1">
+                          <a:latin typeface="Cambria Math" panose="02040503050406030204" pitchFamily="18" charset="0"/>
+                        </a:rPr>
+                        <m:t>=</m:t>
+                      </m:r>
+                      <m:r>
+                        <a:rPr lang="en-US" altLang="zh-CN" b="0" i="1" smtClean="0">
+                          <a:latin typeface="Cambria Math" panose="02040503050406030204" pitchFamily="18" charset="0"/>
+                        </a:rPr>
+                        <m:t>𝑟𝑠𝑖𝑛</m:t>
+                      </m:r>
+                      <m:r>
+                        <a:rPr lang="en-US" altLang="zh-CN" b="0" i="1" smtClean="0">
+                          <a:latin typeface="Cambria Math" panose="02040503050406030204" pitchFamily="18" charset="0"/>
+                        </a:rPr>
+                        <m:t>(</m:t>
+                      </m:r>
+                      <m:r>
+                        <a:rPr lang="en-US" altLang="zh-CN" b="0" i="1" smtClean="0">
+                          <a:latin typeface="Cambria Math" panose="02040503050406030204" pitchFamily="18" charset="0"/>
+                        </a:rPr>
+                        <m:t>𝑡</m:t>
+                      </m:r>
+                      <m:r>
+                        <a:rPr lang="en-US" altLang="zh-CN" b="0" i="1" smtClean="0">
+                          <a:latin typeface="Cambria Math" panose="02040503050406030204" pitchFamily="18" charset="0"/>
+                        </a:rPr>
+                        <m:t>)</m:t>
+                      </m:r>
+                    </m:oMath>
+                  </m:oMathPara>
+                </a14:m>
+                <a:endParaRPr lang="zh-CN" altLang="en-US" dirty="0"/>
+              </a:p>
+            </p:txBody>
+          </p:sp>
+        </mc:Choice>
+        <mc:Fallback>
+          <p:sp>
+            <p:nvSpPr>
+              <p:cNvPr id="35" name="文本框 34">
+                <a:extLst>
+                  <a:ext uri="{FF2B5EF4-FFF2-40B4-BE49-F238E27FC236}">
+                    <a16:creationId xmlns:a16="http://schemas.microsoft.com/office/drawing/2014/main" id="{111EE65A-0E34-41B7-852A-BCF542FEB140}"/>
+                  </a:ext>
+                </a:extLst>
+              </p:cNvPr>
+              <p:cNvSpPr txBox="1">
+                <a:spLocks noRot="1" noChangeAspect="1" noMove="1" noResize="1" noEditPoints="1" noAdjustHandles="1" noChangeArrowheads="1" noChangeShapeType="1" noTextEdit="1"/>
+              </p:cNvSpPr>
+              <p:nvPr/>
+            </p:nvSpPr>
+            <p:spPr>
+              <a:xfrm>
+                <a:off x="5293850" y="5551513"/>
+                <a:ext cx="1235146" cy="276999"/>
+              </a:xfrm>
+              <a:prstGeom prst="rect">
+                <a:avLst/>
+              </a:prstGeom>
+              <a:blipFill>
+                <a:blip r:embed="rId11"/>
+                <a:stretch>
+                  <a:fillRect l="-3448" t="-4444" r="-5911" b="-35556"/>
+                </a:stretch>
+              </a:blipFill>
+            </p:spPr>
+            <p:txBody>
+              <a:bodyPr/>
+              <a:lstStyle/>
+              <a:p>
+                <a:r>
+                  <a:rPr lang="zh-CN" altLang="en-US">
+                    <a:noFill/>
+                  </a:rPr>
+                  <a:t> </a:t>
+                </a:r>
+              </a:p>
+            </p:txBody>
+          </p:sp>
+        </mc:Fallback>
+      </mc:AlternateContent>
+      <mc:AlternateContent xmlns:mc="http://schemas.openxmlformats.org/markup-compatibility/2006">
+        <mc:Choice xmlns:a14="http://schemas.microsoft.com/office/drawing/2010/main" Requires="a14">
+          <p:sp>
+            <p:nvSpPr>
+              <p:cNvPr id="36" name="文本框 35">
+                <a:extLst>
+                  <a:ext uri="{FF2B5EF4-FFF2-40B4-BE49-F238E27FC236}">
+                    <a16:creationId xmlns:a16="http://schemas.microsoft.com/office/drawing/2014/main" id="{7BBD7913-3110-4AC7-9600-A83B6E49F2C5}"/>
+                  </a:ext>
+                </a:extLst>
+              </p:cNvPr>
+              <p:cNvSpPr txBox="1"/>
+              <p:nvPr/>
+            </p:nvSpPr>
+            <p:spPr>
+              <a:xfrm>
+                <a:off x="5293849" y="5863744"/>
+                <a:ext cx="1259191" cy="276999"/>
+              </a:xfrm>
+              <a:prstGeom prst="rect">
+                <a:avLst/>
+              </a:prstGeom>
+              <a:noFill/>
+            </p:spPr>
+            <p:txBody>
+              <a:bodyPr wrap="none" lIns="0" tIns="0" rIns="0" bIns="0" rtlCol="0">
+                <a:spAutoFit/>
+              </a:bodyPr>
+              <a:lstStyle/>
+              <a:p>
+                <a14:m>
+                  <m:oMathPara xmlns:m="http://schemas.openxmlformats.org/officeDocument/2006/math">
+                    <m:oMathParaPr>
+                      <m:jc m:val="centerGroup"/>
+                    </m:oMathParaPr>
+                    <m:oMath xmlns:m="http://schemas.openxmlformats.org/officeDocument/2006/math">
+                      <m:r>
+                        <a:rPr lang="en-US" altLang="zh-CN" b="0" i="1" smtClean="0">
+                          <a:latin typeface="Cambria Math" panose="02040503050406030204" pitchFamily="18" charset="0"/>
+                        </a:rPr>
+                        <m:t>𝑌</m:t>
+                      </m:r>
+                      <m:r>
+                        <a:rPr lang="en-US" altLang="zh-CN" i="1">
+                          <a:latin typeface="Cambria Math" panose="02040503050406030204" pitchFamily="18" charset="0"/>
+                        </a:rPr>
+                        <m:t>=</m:t>
+                      </m:r>
+                      <m:r>
+                        <a:rPr lang="en-US" altLang="zh-CN" b="0" i="1" smtClean="0">
+                          <a:latin typeface="Cambria Math" panose="02040503050406030204" pitchFamily="18" charset="0"/>
+                        </a:rPr>
+                        <m:t>𝑟</m:t>
+                      </m:r>
+                      <m:r>
+                        <m:rPr>
+                          <m:sty m:val="p"/>
+                        </m:rPr>
+                        <a:rPr lang="en-US" altLang="zh-CN" i="1">
+                          <a:latin typeface="Cambria Math" panose="02040503050406030204" pitchFamily="18" charset="0"/>
+                        </a:rPr>
+                        <m:t>cos</m:t>
+                      </m:r>
+                      <m:r>
+                        <a:rPr lang="en-US" altLang="zh-CN" b="0" i="1" smtClean="0">
+                          <a:latin typeface="Cambria Math" panose="02040503050406030204" pitchFamily="18" charset="0"/>
+                        </a:rPr>
+                        <m:t>(</m:t>
+                      </m:r>
+                      <m:r>
+                        <a:rPr lang="en-US" altLang="zh-CN" b="0" i="1" smtClean="0">
+                          <a:latin typeface="Cambria Math" panose="02040503050406030204" pitchFamily="18" charset="0"/>
+                        </a:rPr>
+                        <m:t>𝑡</m:t>
+                      </m:r>
+                      <m:r>
+                        <a:rPr lang="en-US" altLang="zh-CN" b="0" i="1" smtClean="0">
+                          <a:latin typeface="Cambria Math" panose="02040503050406030204" pitchFamily="18" charset="0"/>
+                        </a:rPr>
+                        <m:t>)</m:t>
+                      </m:r>
+                    </m:oMath>
+                  </m:oMathPara>
+                </a14:m>
+                <a:endParaRPr lang="zh-CN" altLang="en-US" dirty="0"/>
+              </a:p>
+            </p:txBody>
+          </p:sp>
+        </mc:Choice>
+        <mc:Fallback>
+          <p:sp>
+            <p:nvSpPr>
+              <p:cNvPr id="36" name="文本框 35">
+                <a:extLst>
+                  <a:ext uri="{FF2B5EF4-FFF2-40B4-BE49-F238E27FC236}">
+                    <a16:creationId xmlns:a16="http://schemas.microsoft.com/office/drawing/2014/main" id="{7BBD7913-3110-4AC7-9600-A83B6E49F2C5}"/>
+                  </a:ext>
+                </a:extLst>
+              </p:cNvPr>
+              <p:cNvSpPr txBox="1">
+                <a:spLocks noRot="1" noChangeAspect="1" noMove="1" noResize="1" noEditPoints="1" noAdjustHandles="1" noChangeArrowheads="1" noChangeShapeType="1" noTextEdit="1"/>
+              </p:cNvSpPr>
+              <p:nvPr/>
+            </p:nvSpPr>
+            <p:spPr>
+              <a:xfrm>
+                <a:off x="5293849" y="5863744"/>
+                <a:ext cx="1259191" cy="276999"/>
+              </a:xfrm>
+              <a:prstGeom prst="rect">
+                <a:avLst/>
+              </a:prstGeom>
+              <a:blipFill>
+                <a:blip r:embed="rId12"/>
+                <a:stretch>
+                  <a:fillRect l="-2415" t="-2222" r="-4831" b="-35556"/>
+                </a:stretch>
+              </a:blipFill>
+            </p:spPr>
+            <p:txBody>
+              <a:bodyPr/>
+              <a:lstStyle/>
+              <a:p>
+                <a:r>
+                  <a:rPr lang="zh-CN" altLang="en-US">
+                    <a:noFill/>
+                  </a:rPr>
+                  <a:t> </a:t>
+                </a:r>
+              </a:p>
+            </p:txBody>
+          </p:sp>
+        </mc:Fallback>
+      </mc:AlternateContent>
     </p:spTree>
     <p:extLst>
       <p:ext uri="{BB962C8B-B14F-4D97-AF65-F5344CB8AC3E}">
@@ -11680,6 +15344,3939 @@
 </file>
 
 <file path=ppt/slides/slide7.xml><?xml version="1.0" encoding="utf-8"?>
+<p:sld xmlns:a="http://schemas.openxmlformats.org/drawingml/2006/main" xmlns:r="http://schemas.openxmlformats.org/officeDocument/2006/relationships" xmlns:p="http://schemas.openxmlformats.org/presentationml/2006/main">
+  <p:cSld>
+    <p:spTree>
+      <p:nvGrpSpPr>
+        <p:cNvPr id="1" name=""/>
+        <p:cNvGrpSpPr/>
+        <p:nvPr/>
+      </p:nvGrpSpPr>
+      <p:grpSpPr>
+        <a:xfrm>
+          <a:off x="0" y="0"/>
+          <a:ext cx="0" cy="0"/>
+          <a:chOff x="0" y="0"/>
+          <a:chExt cx="0" cy="0"/>
+        </a:xfrm>
+      </p:grpSpPr>
+      <p:sp>
+        <p:nvSpPr>
+          <p:cNvPr id="2" name="矩形 1">
+            <a:extLst>
+              <a:ext uri="{FF2B5EF4-FFF2-40B4-BE49-F238E27FC236}">
+                <a16:creationId xmlns:a16="http://schemas.microsoft.com/office/drawing/2014/main" id="{A3275A0D-8D1B-4EC6-9FC4-0F8CD1B322FF}"/>
+              </a:ext>
+            </a:extLst>
+          </p:cNvPr>
+          <p:cNvSpPr/>
+          <p:nvPr/>
+        </p:nvSpPr>
+        <p:spPr>
+          <a:xfrm>
+            <a:off x="2372632" y="1281476"/>
+            <a:ext cx="2917861" cy="3832261"/>
+          </a:xfrm>
+          <a:prstGeom prst="rect">
+            <a:avLst/>
+          </a:prstGeom>
+          <a:noFill/>
+          <a:ln w="9525">
+            <a:solidFill>
+              <a:schemeClr val="tx1"/>
+            </a:solidFill>
+          </a:ln>
+        </p:spPr>
+        <p:style>
+          <a:lnRef idx="2">
+            <a:schemeClr val="accent1">
+              <a:shade val="50000"/>
+            </a:schemeClr>
+          </a:lnRef>
+          <a:fillRef idx="1">
+            <a:schemeClr val="accent1"/>
+          </a:fillRef>
+          <a:effectRef idx="0">
+            <a:schemeClr val="accent1"/>
+          </a:effectRef>
+          <a:fontRef idx="minor">
+            <a:schemeClr val="lt1"/>
+          </a:fontRef>
+        </p:style>
+        <p:txBody>
+          <a:bodyPr rtlCol="0" anchor="ctr"/>
+          <a:lstStyle/>
+          <a:p>
+            <a:pPr algn="ctr"/>
+            <a:endParaRPr lang="zh-CN" altLang="en-US"/>
+          </a:p>
+        </p:txBody>
+      </p:sp>
+      <p:sp>
+        <p:nvSpPr>
+          <p:cNvPr id="12" name="文本框 11">
+            <a:extLst>
+              <a:ext uri="{FF2B5EF4-FFF2-40B4-BE49-F238E27FC236}">
+                <a16:creationId xmlns:a16="http://schemas.microsoft.com/office/drawing/2014/main" id="{70DB6211-35D2-4835-BFF5-1DE636375327}"/>
+              </a:ext>
+            </a:extLst>
+          </p:cNvPr>
+          <p:cNvSpPr txBox="1"/>
+          <p:nvPr/>
+        </p:nvSpPr>
+        <p:spPr>
+          <a:xfrm>
+            <a:off x="7876872" y="5153886"/>
+            <a:ext cx="412292" cy="369332"/>
+          </a:xfrm>
+          <a:prstGeom prst="rect">
+            <a:avLst/>
+          </a:prstGeom>
+          <a:noFill/>
+        </p:spPr>
+        <p:txBody>
+          <a:bodyPr wrap="none" rtlCol="0">
+            <a:spAutoFit/>
+          </a:bodyPr>
+          <a:lstStyle/>
+          <a:p>
+            <a:r>
+              <a:rPr lang="en-US" altLang="zh-CN" dirty="0"/>
+              <a:t>z0</a:t>
+            </a:r>
+            <a:endParaRPr lang="zh-CN" altLang="en-US" dirty="0"/>
+          </a:p>
+        </p:txBody>
+      </p:sp>
+      <p:sp>
+        <p:nvSpPr>
+          <p:cNvPr id="42" name="文本框 41">
+            <a:extLst>
+              <a:ext uri="{FF2B5EF4-FFF2-40B4-BE49-F238E27FC236}">
+                <a16:creationId xmlns:a16="http://schemas.microsoft.com/office/drawing/2014/main" id="{5ED642A7-67AB-4D45-B2D1-67542BAB079C}"/>
+              </a:ext>
+            </a:extLst>
+          </p:cNvPr>
+          <p:cNvSpPr txBox="1"/>
+          <p:nvPr/>
+        </p:nvSpPr>
+        <p:spPr>
+          <a:xfrm>
+            <a:off x="9348148" y="5153886"/>
+            <a:ext cx="412292" cy="369332"/>
+          </a:xfrm>
+          <a:prstGeom prst="rect">
+            <a:avLst/>
+          </a:prstGeom>
+          <a:noFill/>
+        </p:spPr>
+        <p:txBody>
+          <a:bodyPr wrap="none" rtlCol="0">
+            <a:spAutoFit/>
+          </a:bodyPr>
+          <a:lstStyle/>
+          <a:p>
+            <a:r>
+              <a:rPr lang="en-US" altLang="zh-CN" dirty="0"/>
+              <a:t>z0</a:t>
+            </a:r>
+            <a:endParaRPr lang="zh-CN" altLang="en-US" dirty="0"/>
+          </a:p>
+        </p:txBody>
+      </p:sp>
+      <p:sp>
+        <p:nvSpPr>
+          <p:cNvPr id="16" name="文本框 15">
+            <a:extLst>
+              <a:ext uri="{FF2B5EF4-FFF2-40B4-BE49-F238E27FC236}">
+                <a16:creationId xmlns:a16="http://schemas.microsoft.com/office/drawing/2014/main" id="{E883C7CE-8829-4F2E-BF95-380803873534}"/>
+              </a:ext>
+            </a:extLst>
+          </p:cNvPr>
+          <p:cNvSpPr txBox="1"/>
+          <p:nvPr/>
+        </p:nvSpPr>
+        <p:spPr>
+          <a:xfrm>
+            <a:off x="5475428" y="3197606"/>
+            <a:ext cx="529312" cy="369332"/>
+          </a:xfrm>
+          <a:prstGeom prst="rect">
+            <a:avLst/>
+          </a:prstGeom>
+          <a:noFill/>
+        </p:spPr>
+        <p:txBody>
+          <a:bodyPr wrap="none" rtlCol="0">
+            <a:spAutoFit/>
+          </a:bodyPr>
+          <a:lstStyle/>
+          <a:p>
+            <a:r>
+              <a:rPr lang="en-US" altLang="zh-CN" dirty="0"/>
+              <a:t>2πr</a:t>
+            </a:r>
+            <a:endParaRPr lang="zh-CN" altLang="en-US" dirty="0"/>
+          </a:p>
+        </p:txBody>
+      </p:sp>
+      <p:cxnSp>
+        <p:nvCxnSpPr>
+          <p:cNvPr id="19" name="直接连接符 18">
+            <a:extLst>
+              <a:ext uri="{FF2B5EF4-FFF2-40B4-BE49-F238E27FC236}">
+                <a16:creationId xmlns:a16="http://schemas.microsoft.com/office/drawing/2014/main" id="{C43ACBEE-245F-43D5-99BD-B0879A0C32B4}"/>
+              </a:ext>
+            </a:extLst>
+          </p:cNvPr>
+          <p:cNvCxnSpPr>
+            <a:cxnSpLocks/>
+          </p:cNvCxnSpPr>
+          <p:nvPr/>
+        </p:nvCxnSpPr>
+        <p:spPr>
+          <a:xfrm flipH="1" flipV="1">
+            <a:off x="6179144" y="5483067"/>
+            <a:ext cx="1233338" cy="442867"/>
+          </a:xfrm>
+          <a:prstGeom prst="line">
+            <a:avLst/>
+          </a:prstGeom>
+          <a:ln>
+            <a:prstDash val="dash"/>
+          </a:ln>
+        </p:spPr>
+        <p:style>
+          <a:lnRef idx="1">
+            <a:schemeClr val="accent1"/>
+          </a:lnRef>
+          <a:fillRef idx="0">
+            <a:schemeClr val="accent1"/>
+          </a:fillRef>
+          <a:effectRef idx="0">
+            <a:schemeClr val="accent1"/>
+          </a:effectRef>
+          <a:fontRef idx="minor">
+            <a:schemeClr val="tx1"/>
+          </a:fontRef>
+        </p:style>
+      </p:cxnSp>
+      <p:sp>
+        <p:nvSpPr>
+          <p:cNvPr id="20" name="矩形 19">
+            <a:extLst>
+              <a:ext uri="{FF2B5EF4-FFF2-40B4-BE49-F238E27FC236}">
+                <a16:creationId xmlns:a16="http://schemas.microsoft.com/office/drawing/2014/main" id="{FB788E72-7F34-4341-9F3B-2DEC87586BFB}"/>
+              </a:ext>
+            </a:extLst>
+          </p:cNvPr>
+          <p:cNvSpPr/>
+          <p:nvPr/>
+        </p:nvSpPr>
+        <p:spPr>
+          <a:xfrm rot="1261696">
+            <a:off x="6300236" y="5974292"/>
+            <a:ext cx="104502" cy="104502"/>
+          </a:xfrm>
+          <a:prstGeom prst="rect">
+            <a:avLst/>
+          </a:prstGeom>
+          <a:solidFill>
+            <a:schemeClr val="bg1"/>
+          </a:solidFill>
+          <a:ln w="6350">
+            <a:solidFill>
+              <a:srgbClr val="4472C4"/>
+            </a:solidFill>
+          </a:ln>
+        </p:spPr>
+        <p:style>
+          <a:lnRef idx="2">
+            <a:schemeClr val="accent1">
+              <a:shade val="50000"/>
+            </a:schemeClr>
+          </a:lnRef>
+          <a:fillRef idx="1">
+            <a:schemeClr val="accent1"/>
+          </a:fillRef>
+          <a:effectRef idx="0">
+            <a:schemeClr val="accent1"/>
+          </a:effectRef>
+          <a:fontRef idx="minor">
+            <a:schemeClr val="lt1"/>
+          </a:fontRef>
+        </p:style>
+        <p:txBody>
+          <a:bodyPr rtlCol="0" anchor="ctr"/>
+          <a:lstStyle/>
+          <a:p>
+            <a:pPr algn="ctr"/>
+            <a:endParaRPr lang="zh-CN" altLang="en-US"/>
+          </a:p>
+        </p:txBody>
+      </p:sp>
+      <p:cxnSp>
+        <p:nvCxnSpPr>
+          <p:cNvPr id="10" name="直接连接符 9">
+            <a:extLst>
+              <a:ext uri="{FF2B5EF4-FFF2-40B4-BE49-F238E27FC236}">
+                <a16:creationId xmlns:a16="http://schemas.microsoft.com/office/drawing/2014/main" id="{6FF0FD4F-7860-407B-9502-CFCD61F750C4}"/>
+              </a:ext>
+            </a:extLst>
+          </p:cNvPr>
+          <p:cNvCxnSpPr>
+            <a:stCxn id="2" idx="2"/>
+          </p:cNvCxnSpPr>
+          <p:nvPr/>
+        </p:nvCxnSpPr>
+        <p:spPr>
+          <a:xfrm flipV="1">
+            <a:off x="3831563" y="1281476"/>
+            <a:ext cx="1458930" cy="3832261"/>
+          </a:xfrm>
+          <a:prstGeom prst="line">
+            <a:avLst/>
+          </a:prstGeom>
+          <a:ln>
+            <a:solidFill>
+              <a:srgbClr val="4472C4"/>
+            </a:solidFill>
+            <a:prstDash val="lgDash"/>
+          </a:ln>
+        </p:spPr>
+        <p:style>
+          <a:lnRef idx="1">
+            <a:schemeClr val="accent1"/>
+          </a:lnRef>
+          <a:fillRef idx="0">
+            <a:schemeClr val="accent1"/>
+          </a:fillRef>
+          <a:effectRef idx="0">
+            <a:schemeClr val="accent1"/>
+          </a:effectRef>
+          <a:fontRef idx="minor">
+            <a:schemeClr val="tx1"/>
+          </a:fontRef>
+        </p:style>
+      </p:cxnSp>
+      <p:cxnSp>
+        <p:nvCxnSpPr>
+          <p:cNvPr id="7" name="直接连接符 6">
+            <a:extLst>
+              <a:ext uri="{FF2B5EF4-FFF2-40B4-BE49-F238E27FC236}">
+                <a16:creationId xmlns:a16="http://schemas.microsoft.com/office/drawing/2014/main" id="{478BF4E4-E345-4253-9476-C357731F473B}"/>
+              </a:ext>
+            </a:extLst>
+          </p:cNvPr>
+          <p:cNvCxnSpPr>
+            <a:stCxn id="2" idx="0"/>
+          </p:cNvCxnSpPr>
+          <p:nvPr/>
+        </p:nvCxnSpPr>
+        <p:spPr>
+          <a:xfrm flipH="1">
+            <a:off x="2372632" y="1281476"/>
+            <a:ext cx="1458931" cy="3832261"/>
+          </a:xfrm>
+          <a:prstGeom prst="line">
+            <a:avLst/>
+          </a:prstGeom>
+          <a:ln>
+            <a:solidFill>
+              <a:srgbClr val="4472C4"/>
+            </a:solidFill>
+            <a:prstDash val="lgDash"/>
+          </a:ln>
+        </p:spPr>
+        <p:style>
+          <a:lnRef idx="1">
+            <a:schemeClr val="accent1"/>
+          </a:lnRef>
+          <a:fillRef idx="0">
+            <a:schemeClr val="accent1"/>
+          </a:fillRef>
+          <a:effectRef idx="0">
+            <a:schemeClr val="accent1"/>
+          </a:effectRef>
+          <a:fontRef idx="minor">
+            <a:schemeClr val="tx1"/>
+          </a:fontRef>
+        </p:style>
+      </p:cxnSp>
+      <p:cxnSp>
+        <p:nvCxnSpPr>
+          <p:cNvPr id="30" name="直接连接符 29">
+            <a:extLst>
+              <a:ext uri="{FF2B5EF4-FFF2-40B4-BE49-F238E27FC236}">
+                <a16:creationId xmlns:a16="http://schemas.microsoft.com/office/drawing/2014/main" id="{20995969-CADA-4809-9398-67164777CB33}"/>
+              </a:ext>
+            </a:extLst>
+          </p:cNvPr>
+          <p:cNvCxnSpPr>
+            <a:cxnSpLocks/>
+            <a:stCxn id="2" idx="0"/>
+            <a:endCxn id="2" idx="2"/>
+          </p:cNvCxnSpPr>
+          <p:nvPr/>
+        </p:nvCxnSpPr>
+        <p:spPr>
+          <a:xfrm>
+            <a:off x="3831563" y="1281476"/>
+            <a:ext cx="0" cy="3832261"/>
+          </a:xfrm>
+          <a:prstGeom prst="line">
+            <a:avLst/>
+          </a:prstGeom>
+          <a:ln>
+            <a:prstDash val="dash"/>
+          </a:ln>
+        </p:spPr>
+        <p:style>
+          <a:lnRef idx="1">
+            <a:schemeClr val="accent1"/>
+          </a:lnRef>
+          <a:fillRef idx="0">
+            <a:schemeClr val="accent1"/>
+          </a:fillRef>
+          <a:effectRef idx="0">
+            <a:schemeClr val="accent1"/>
+          </a:effectRef>
+          <a:fontRef idx="minor">
+            <a:schemeClr val="tx1"/>
+          </a:fontRef>
+        </p:style>
+      </p:cxnSp>
+      <p:sp>
+        <p:nvSpPr>
+          <p:cNvPr id="48" name="文本框 47">
+            <a:extLst>
+              <a:ext uri="{FF2B5EF4-FFF2-40B4-BE49-F238E27FC236}">
+                <a16:creationId xmlns:a16="http://schemas.microsoft.com/office/drawing/2014/main" id="{D3257427-F115-474C-BAD8-8DE940E9F47F}"/>
+              </a:ext>
+            </a:extLst>
+          </p:cNvPr>
+          <p:cNvSpPr txBox="1"/>
+          <p:nvPr/>
+        </p:nvSpPr>
+        <p:spPr>
+          <a:xfrm rot="3112111">
+            <a:off x="3238669" y="3165756"/>
+            <a:ext cx="902811" cy="307777"/>
+          </a:xfrm>
+          <a:prstGeom prst="rect">
+            <a:avLst/>
+          </a:prstGeom>
+          <a:noFill/>
+        </p:spPr>
+        <p:txBody>
+          <a:bodyPr wrap="none" rtlCol="0">
+            <a:spAutoFit/>
+          </a:bodyPr>
+          <a:lstStyle/>
+          <a:p>
+            <a:r>
+              <a:rPr lang="zh-CN" altLang="en-US" sz="1400" dirty="0"/>
+              <a:t>最短距离</a:t>
+            </a:r>
+          </a:p>
+        </p:txBody>
+      </p:sp>
+      <p:sp>
+        <p:nvSpPr>
+          <p:cNvPr id="4" name="任意多边形: 形状 3">
+            <a:extLst>
+              <a:ext uri="{FF2B5EF4-FFF2-40B4-BE49-F238E27FC236}">
+                <a16:creationId xmlns:a16="http://schemas.microsoft.com/office/drawing/2014/main" id="{D2257E86-7FD8-4ACD-A815-B7CEFAAD3B67}"/>
+              </a:ext>
+            </a:extLst>
+          </p:cNvPr>
+          <p:cNvSpPr/>
+          <p:nvPr/>
+        </p:nvSpPr>
+        <p:spPr>
+          <a:xfrm>
+            <a:off x="2255585" y="1298667"/>
+            <a:ext cx="1804292" cy="3799643"/>
+          </a:xfrm>
+          <a:custGeom>
+            <a:avLst/>
+            <a:gdLst>
+              <a:gd name="connsiteX0" fmla="*/ 1596585 w 1764488"/>
+              <a:gd name="connsiteY0" fmla="*/ 0 h 3799643"/>
+              <a:gd name="connsiteX1" fmla="*/ 1632096 w 1764488"/>
+              <a:gd name="connsiteY1" fmla="*/ 1065321 h 3799643"/>
+              <a:gd name="connsiteX2" fmla="*/ 140647 w 1764488"/>
+              <a:gd name="connsiteY2" fmla="*/ 2565647 h 3799643"/>
+              <a:gd name="connsiteX3" fmla="*/ 149525 w 1764488"/>
+              <a:gd name="connsiteY3" fmla="*/ 3799643 h 3799643"/>
+              <a:gd name="connsiteX0" fmla="*/ 1599291 w 1793102"/>
+              <a:gd name="connsiteY0" fmla="*/ 0 h 3799643"/>
+              <a:gd name="connsiteX1" fmla="*/ 1672902 w 1793102"/>
+              <a:gd name="connsiteY1" fmla="*/ 1046271 h 3799643"/>
+              <a:gd name="connsiteX2" fmla="*/ 143353 w 1793102"/>
+              <a:gd name="connsiteY2" fmla="*/ 2565647 h 3799643"/>
+              <a:gd name="connsiteX3" fmla="*/ 152231 w 1793102"/>
+              <a:gd name="connsiteY3" fmla="*/ 3799643 h 3799643"/>
+              <a:gd name="connsiteX0" fmla="*/ 1604718 w 1855467"/>
+              <a:gd name="connsiteY0" fmla="*/ 0 h 3799643"/>
+              <a:gd name="connsiteX1" fmla="*/ 1754529 w 1855467"/>
+              <a:gd name="connsiteY1" fmla="*/ 1084371 h 3799643"/>
+              <a:gd name="connsiteX2" fmla="*/ 148780 w 1855467"/>
+              <a:gd name="connsiteY2" fmla="*/ 2565647 h 3799643"/>
+              <a:gd name="connsiteX3" fmla="*/ 157658 w 1855467"/>
+              <a:gd name="connsiteY3" fmla="*/ 3799643 h 3799643"/>
+              <a:gd name="connsiteX0" fmla="*/ 1581717 w 1829667"/>
+              <a:gd name="connsiteY0" fmla="*/ 0 h 3799643"/>
+              <a:gd name="connsiteX1" fmla="*/ 1731528 w 1829667"/>
+              <a:gd name="connsiteY1" fmla="*/ 1084371 h 3799643"/>
+              <a:gd name="connsiteX2" fmla="*/ 163879 w 1829667"/>
+              <a:gd name="connsiteY2" fmla="*/ 2616447 h 3799643"/>
+              <a:gd name="connsiteX3" fmla="*/ 134657 w 1829667"/>
+              <a:gd name="connsiteY3" fmla="*/ 3799643 h 3799643"/>
+              <a:gd name="connsiteX0" fmla="*/ 1592926 w 1842275"/>
+              <a:gd name="connsiteY0" fmla="*/ 0 h 3799643"/>
+              <a:gd name="connsiteX1" fmla="*/ 1742737 w 1842275"/>
+              <a:gd name="connsiteY1" fmla="*/ 1084371 h 3799643"/>
+              <a:gd name="connsiteX2" fmla="*/ 156038 w 1842275"/>
+              <a:gd name="connsiteY2" fmla="*/ 2591047 h 3799643"/>
+              <a:gd name="connsiteX3" fmla="*/ 145866 w 1842275"/>
+              <a:gd name="connsiteY3" fmla="*/ 3799643 h 3799643"/>
+              <a:gd name="connsiteX0" fmla="*/ 1584980 w 1834329"/>
+              <a:gd name="connsiteY0" fmla="*/ 0 h 3799643"/>
+              <a:gd name="connsiteX1" fmla="*/ 1734791 w 1834329"/>
+              <a:gd name="connsiteY1" fmla="*/ 1084371 h 3799643"/>
+              <a:gd name="connsiteX2" fmla="*/ 148092 w 1834329"/>
+              <a:gd name="connsiteY2" fmla="*/ 2591047 h 3799643"/>
+              <a:gd name="connsiteX3" fmla="*/ 137920 w 1834329"/>
+              <a:gd name="connsiteY3" fmla="*/ 3799643 h 3799643"/>
+              <a:gd name="connsiteX0" fmla="*/ 1574513 w 1823862"/>
+              <a:gd name="connsiteY0" fmla="*/ 0 h 3799643"/>
+              <a:gd name="connsiteX1" fmla="*/ 1724324 w 1823862"/>
+              <a:gd name="connsiteY1" fmla="*/ 1084371 h 3799643"/>
+              <a:gd name="connsiteX2" fmla="*/ 137625 w 1823862"/>
+              <a:gd name="connsiteY2" fmla="*/ 2591047 h 3799643"/>
+              <a:gd name="connsiteX3" fmla="*/ 127453 w 1823862"/>
+              <a:gd name="connsiteY3" fmla="*/ 3799643 h 3799643"/>
+              <a:gd name="connsiteX0" fmla="*/ 1574513 w 1815468"/>
+              <a:gd name="connsiteY0" fmla="*/ 0 h 3799643"/>
+              <a:gd name="connsiteX1" fmla="*/ 1724324 w 1815468"/>
+              <a:gd name="connsiteY1" fmla="*/ 1084371 h 3799643"/>
+              <a:gd name="connsiteX2" fmla="*/ 137625 w 1815468"/>
+              <a:gd name="connsiteY2" fmla="*/ 2591047 h 3799643"/>
+              <a:gd name="connsiteX3" fmla="*/ 127453 w 1815468"/>
+              <a:gd name="connsiteY3" fmla="*/ 3799643 h 3799643"/>
+              <a:gd name="connsiteX0" fmla="*/ 1574513 w 1804292"/>
+              <a:gd name="connsiteY0" fmla="*/ 0 h 3799643"/>
+              <a:gd name="connsiteX1" fmla="*/ 1724324 w 1804292"/>
+              <a:gd name="connsiteY1" fmla="*/ 1084371 h 3799643"/>
+              <a:gd name="connsiteX2" fmla="*/ 137625 w 1804292"/>
+              <a:gd name="connsiteY2" fmla="*/ 2591047 h 3799643"/>
+              <a:gd name="connsiteX3" fmla="*/ 127453 w 1804292"/>
+              <a:gd name="connsiteY3" fmla="*/ 3799643 h 3799643"/>
+            </a:gdLst>
+            <a:ahLst/>
+            <a:cxnLst>
+              <a:cxn ang="0">
+                <a:pos x="connsiteX0" y="connsiteY0"/>
+              </a:cxn>
+              <a:cxn ang="0">
+                <a:pos x="connsiteX1" y="connsiteY1"/>
+              </a:cxn>
+              <a:cxn ang="0">
+                <a:pos x="connsiteX2" y="connsiteY2"/>
+              </a:cxn>
+              <a:cxn ang="0">
+                <a:pos x="connsiteX3" y="connsiteY3"/>
+              </a:cxn>
+            </a:cxnLst>
+            <a:rect l="l" t="t" r="r" b="b"/>
+            <a:pathLst>
+              <a:path w="1804292" h="3799643">
+                <a:moveTo>
+                  <a:pt x="1574513" y="0"/>
+                </a:moveTo>
+                <a:cubicBezTo>
+                  <a:pt x="1713596" y="318856"/>
+                  <a:pt x="1919355" y="582680"/>
+                  <a:pt x="1724324" y="1084371"/>
+                </a:cubicBezTo>
+                <a:cubicBezTo>
+                  <a:pt x="1529293" y="1586062"/>
+                  <a:pt x="359320" y="2087702"/>
+                  <a:pt x="137625" y="2591047"/>
+                </a:cubicBezTo>
+                <a:cubicBezTo>
+                  <a:pt x="-84070" y="3094392"/>
+                  <a:pt x="-534" y="3410505"/>
+                  <a:pt x="127453" y="3799643"/>
+                </a:cubicBezTo>
+              </a:path>
+            </a:pathLst>
+          </a:custGeom>
+          <a:noFill/>
+          <a:ln>
+            <a:solidFill>
+              <a:srgbClr val="FF0000"/>
+            </a:solidFill>
+          </a:ln>
+        </p:spPr>
+        <p:style>
+          <a:lnRef idx="2">
+            <a:schemeClr val="accent1">
+              <a:shade val="50000"/>
+            </a:schemeClr>
+          </a:lnRef>
+          <a:fillRef idx="1">
+            <a:schemeClr val="accent1"/>
+          </a:fillRef>
+          <a:effectRef idx="0">
+            <a:schemeClr val="accent1"/>
+          </a:effectRef>
+          <a:fontRef idx="minor">
+            <a:schemeClr val="lt1"/>
+          </a:fontRef>
+        </p:style>
+        <p:txBody>
+          <a:bodyPr rtlCol="0" anchor="ctr"/>
+          <a:lstStyle/>
+          <a:p>
+            <a:pPr algn="ctr"/>
+            <a:endParaRPr lang="zh-CN" altLang="en-US"/>
+          </a:p>
+        </p:txBody>
+      </p:sp>
+      <p:sp>
+        <p:nvSpPr>
+          <p:cNvPr id="18" name="任意多边形: 形状 17">
+            <a:extLst>
+              <a:ext uri="{FF2B5EF4-FFF2-40B4-BE49-F238E27FC236}">
+                <a16:creationId xmlns:a16="http://schemas.microsoft.com/office/drawing/2014/main" id="{0C563210-9A16-4AC5-B41F-66DC3D5E096E}"/>
+              </a:ext>
+            </a:extLst>
+          </p:cNvPr>
+          <p:cNvSpPr/>
+          <p:nvPr/>
+        </p:nvSpPr>
+        <p:spPr>
+          <a:xfrm>
+            <a:off x="3713556" y="1304135"/>
+            <a:ext cx="1804292" cy="3799643"/>
+          </a:xfrm>
+          <a:custGeom>
+            <a:avLst/>
+            <a:gdLst>
+              <a:gd name="connsiteX0" fmla="*/ 1596585 w 1764488"/>
+              <a:gd name="connsiteY0" fmla="*/ 0 h 3799643"/>
+              <a:gd name="connsiteX1" fmla="*/ 1632096 w 1764488"/>
+              <a:gd name="connsiteY1" fmla="*/ 1065321 h 3799643"/>
+              <a:gd name="connsiteX2" fmla="*/ 140647 w 1764488"/>
+              <a:gd name="connsiteY2" fmla="*/ 2565647 h 3799643"/>
+              <a:gd name="connsiteX3" fmla="*/ 149525 w 1764488"/>
+              <a:gd name="connsiteY3" fmla="*/ 3799643 h 3799643"/>
+              <a:gd name="connsiteX0" fmla="*/ 1599291 w 1793102"/>
+              <a:gd name="connsiteY0" fmla="*/ 0 h 3799643"/>
+              <a:gd name="connsiteX1" fmla="*/ 1672902 w 1793102"/>
+              <a:gd name="connsiteY1" fmla="*/ 1046271 h 3799643"/>
+              <a:gd name="connsiteX2" fmla="*/ 143353 w 1793102"/>
+              <a:gd name="connsiteY2" fmla="*/ 2565647 h 3799643"/>
+              <a:gd name="connsiteX3" fmla="*/ 152231 w 1793102"/>
+              <a:gd name="connsiteY3" fmla="*/ 3799643 h 3799643"/>
+              <a:gd name="connsiteX0" fmla="*/ 1604718 w 1855467"/>
+              <a:gd name="connsiteY0" fmla="*/ 0 h 3799643"/>
+              <a:gd name="connsiteX1" fmla="*/ 1754529 w 1855467"/>
+              <a:gd name="connsiteY1" fmla="*/ 1084371 h 3799643"/>
+              <a:gd name="connsiteX2" fmla="*/ 148780 w 1855467"/>
+              <a:gd name="connsiteY2" fmla="*/ 2565647 h 3799643"/>
+              <a:gd name="connsiteX3" fmla="*/ 157658 w 1855467"/>
+              <a:gd name="connsiteY3" fmla="*/ 3799643 h 3799643"/>
+              <a:gd name="connsiteX0" fmla="*/ 1581717 w 1829667"/>
+              <a:gd name="connsiteY0" fmla="*/ 0 h 3799643"/>
+              <a:gd name="connsiteX1" fmla="*/ 1731528 w 1829667"/>
+              <a:gd name="connsiteY1" fmla="*/ 1084371 h 3799643"/>
+              <a:gd name="connsiteX2" fmla="*/ 163879 w 1829667"/>
+              <a:gd name="connsiteY2" fmla="*/ 2616447 h 3799643"/>
+              <a:gd name="connsiteX3" fmla="*/ 134657 w 1829667"/>
+              <a:gd name="connsiteY3" fmla="*/ 3799643 h 3799643"/>
+              <a:gd name="connsiteX0" fmla="*/ 1592926 w 1842275"/>
+              <a:gd name="connsiteY0" fmla="*/ 0 h 3799643"/>
+              <a:gd name="connsiteX1" fmla="*/ 1742737 w 1842275"/>
+              <a:gd name="connsiteY1" fmla="*/ 1084371 h 3799643"/>
+              <a:gd name="connsiteX2" fmla="*/ 156038 w 1842275"/>
+              <a:gd name="connsiteY2" fmla="*/ 2591047 h 3799643"/>
+              <a:gd name="connsiteX3" fmla="*/ 145866 w 1842275"/>
+              <a:gd name="connsiteY3" fmla="*/ 3799643 h 3799643"/>
+              <a:gd name="connsiteX0" fmla="*/ 1584980 w 1834329"/>
+              <a:gd name="connsiteY0" fmla="*/ 0 h 3799643"/>
+              <a:gd name="connsiteX1" fmla="*/ 1734791 w 1834329"/>
+              <a:gd name="connsiteY1" fmla="*/ 1084371 h 3799643"/>
+              <a:gd name="connsiteX2" fmla="*/ 148092 w 1834329"/>
+              <a:gd name="connsiteY2" fmla="*/ 2591047 h 3799643"/>
+              <a:gd name="connsiteX3" fmla="*/ 137920 w 1834329"/>
+              <a:gd name="connsiteY3" fmla="*/ 3799643 h 3799643"/>
+              <a:gd name="connsiteX0" fmla="*/ 1574513 w 1823862"/>
+              <a:gd name="connsiteY0" fmla="*/ 0 h 3799643"/>
+              <a:gd name="connsiteX1" fmla="*/ 1724324 w 1823862"/>
+              <a:gd name="connsiteY1" fmla="*/ 1084371 h 3799643"/>
+              <a:gd name="connsiteX2" fmla="*/ 137625 w 1823862"/>
+              <a:gd name="connsiteY2" fmla="*/ 2591047 h 3799643"/>
+              <a:gd name="connsiteX3" fmla="*/ 127453 w 1823862"/>
+              <a:gd name="connsiteY3" fmla="*/ 3799643 h 3799643"/>
+              <a:gd name="connsiteX0" fmla="*/ 1574513 w 1815468"/>
+              <a:gd name="connsiteY0" fmla="*/ 0 h 3799643"/>
+              <a:gd name="connsiteX1" fmla="*/ 1724324 w 1815468"/>
+              <a:gd name="connsiteY1" fmla="*/ 1084371 h 3799643"/>
+              <a:gd name="connsiteX2" fmla="*/ 137625 w 1815468"/>
+              <a:gd name="connsiteY2" fmla="*/ 2591047 h 3799643"/>
+              <a:gd name="connsiteX3" fmla="*/ 127453 w 1815468"/>
+              <a:gd name="connsiteY3" fmla="*/ 3799643 h 3799643"/>
+              <a:gd name="connsiteX0" fmla="*/ 1574513 w 1804292"/>
+              <a:gd name="connsiteY0" fmla="*/ 0 h 3799643"/>
+              <a:gd name="connsiteX1" fmla="*/ 1724324 w 1804292"/>
+              <a:gd name="connsiteY1" fmla="*/ 1084371 h 3799643"/>
+              <a:gd name="connsiteX2" fmla="*/ 137625 w 1804292"/>
+              <a:gd name="connsiteY2" fmla="*/ 2591047 h 3799643"/>
+              <a:gd name="connsiteX3" fmla="*/ 127453 w 1804292"/>
+              <a:gd name="connsiteY3" fmla="*/ 3799643 h 3799643"/>
+            </a:gdLst>
+            <a:ahLst/>
+            <a:cxnLst>
+              <a:cxn ang="0">
+                <a:pos x="connsiteX0" y="connsiteY0"/>
+              </a:cxn>
+              <a:cxn ang="0">
+                <a:pos x="connsiteX1" y="connsiteY1"/>
+              </a:cxn>
+              <a:cxn ang="0">
+                <a:pos x="connsiteX2" y="connsiteY2"/>
+              </a:cxn>
+              <a:cxn ang="0">
+                <a:pos x="connsiteX3" y="connsiteY3"/>
+              </a:cxn>
+            </a:cxnLst>
+            <a:rect l="l" t="t" r="r" b="b"/>
+            <a:pathLst>
+              <a:path w="1804292" h="3799643">
+                <a:moveTo>
+                  <a:pt x="1574513" y="0"/>
+                </a:moveTo>
+                <a:cubicBezTo>
+                  <a:pt x="1713596" y="318856"/>
+                  <a:pt x="1919355" y="582680"/>
+                  <a:pt x="1724324" y="1084371"/>
+                </a:cubicBezTo>
+                <a:cubicBezTo>
+                  <a:pt x="1529293" y="1586062"/>
+                  <a:pt x="359320" y="2087702"/>
+                  <a:pt x="137625" y="2591047"/>
+                </a:cubicBezTo>
+                <a:cubicBezTo>
+                  <a:pt x="-84070" y="3094392"/>
+                  <a:pt x="-534" y="3410505"/>
+                  <a:pt x="127453" y="3799643"/>
+                </a:cubicBezTo>
+              </a:path>
+            </a:pathLst>
+          </a:custGeom>
+          <a:noFill/>
+          <a:ln>
+            <a:solidFill>
+              <a:srgbClr val="FF0000"/>
+            </a:solidFill>
+          </a:ln>
+        </p:spPr>
+        <p:style>
+          <a:lnRef idx="2">
+            <a:schemeClr val="accent1">
+              <a:shade val="50000"/>
+            </a:schemeClr>
+          </a:lnRef>
+          <a:fillRef idx="1">
+            <a:schemeClr val="accent1"/>
+          </a:fillRef>
+          <a:effectRef idx="0">
+            <a:schemeClr val="accent1"/>
+          </a:effectRef>
+          <a:fontRef idx="minor">
+            <a:schemeClr val="lt1"/>
+          </a:fontRef>
+        </p:style>
+        <p:txBody>
+          <a:bodyPr rtlCol="0" anchor="ctr"/>
+          <a:lstStyle/>
+          <a:p>
+            <a:pPr algn="ctr"/>
+            <a:endParaRPr lang="zh-CN" altLang="en-US" dirty="0"/>
+          </a:p>
+        </p:txBody>
+      </p:sp>
+      <p:cxnSp>
+        <p:nvCxnSpPr>
+          <p:cNvPr id="6" name="直接连接符 5">
+            <a:extLst>
+              <a:ext uri="{FF2B5EF4-FFF2-40B4-BE49-F238E27FC236}">
+                <a16:creationId xmlns:a16="http://schemas.microsoft.com/office/drawing/2014/main" id="{61C8F418-3D2F-482C-A232-294AD5CE19B2}"/>
+              </a:ext>
+            </a:extLst>
+          </p:cNvPr>
+          <p:cNvCxnSpPr/>
+          <p:nvPr/>
+        </p:nvCxnSpPr>
+        <p:spPr>
+          <a:xfrm>
+            <a:off x="3573275" y="2852412"/>
+            <a:ext cx="516577" cy="690388"/>
+          </a:xfrm>
+          <a:prstGeom prst="line">
+            <a:avLst/>
+          </a:prstGeom>
+          <a:ln w="28575">
+            <a:solidFill>
+              <a:srgbClr val="92D050"/>
+            </a:solidFill>
+          </a:ln>
+        </p:spPr>
+        <p:style>
+          <a:lnRef idx="1">
+            <a:schemeClr val="accent1"/>
+          </a:lnRef>
+          <a:fillRef idx="0">
+            <a:schemeClr val="accent1"/>
+          </a:fillRef>
+          <a:effectRef idx="0">
+            <a:schemeClr val="accent1"/>
+          </a:effectRef>
+          <a:fontRef idx="minor">
+            <a:schemeClr val="tx1"/>
+          </a:fontRef>
+        </p:style>
+      </p:cxnSp>
+      <p:sp>
+        <p:nvSpPr>
+          <p:cNvPr id="21" name="矩形 20">
+            <a:extLst>
+              <a:ext uri="{FF2B5EF4-FFF2-40B4-BE49-F238E27FC236}">
+                <a16:creationId xmlns:a16="http://schemas.microsoft.com/office/drawing/2014/main" id="{1086DC0D-C58D-4E9C-8E28-7CA126DA7FAF}"/>
+              </a:ext>
+            </a:extLst>
+          </p:cNvPr>
+          <p:cNvSpPr/>
+          <p:nvPr/>
+        </p:nvSpPr>
+        <p:spPr>
+          <a:xfrm>
+            <a:off x="7358289" y="1298667"/>
+            <a:ext cx="2917861" cy="3832261"/>
+          </a:xfrm>
+          <a:prstGeom prst="rect">
+            <a:avLst/>
+          </a:prstGeom>
+          <a:noFill/>
+          <a:ln w="9525">
+            <a:solidFill>
+              <a:schemeClr val="tx1"/>
+            </a:solidFill>
+          </a:ln>
+        </p:spPr>
+        <p:style>
+          <a:lnRef idx="2">
+            <a:schemeClr val="accent1">
+              <a:shade val="50000"/>
+            </a:schemeClr>
+          </a:lnRef>
+          <a:fillRef idx="1">
+            <a:schemeClr val="accent1"/>
+          </a:fillRef>
+          <a:effectRef idx="0">
+            <a:schemeClr val="accent1"/>
+          </a:effectRef>
+          <a:fontRef idx="minor">
+            <a:schemeClr val="lt1"/>
+          </a:fontRef>
+        </p:style>
+        <p:txBody>
+          <a:bodyPr rtlCol="0" anchor="ctr"/>
+          <a:lstStyle/>
+          <a:p>
+            <a:pPr algn="ctr"/>
+            <a:endParaRPr lang="zh-CN" altLang="en-US"/>
+          </a:p>
+        </p:txBody>
+      </p:sp>
+      <p:sp>
+        <p:nvSpPr>
+          <p:cNvPr id="22" name="文本框 21">
+            <a:extLst>
+              <a:ext uri="{FF2B5EF4-FFF2-40B4-BE49-F238E27FC236}">
+                <a16:creationId xmlns:a16="http://schemas.microsoft.com/office/drawing/2014/main" id="{B6687822-F2EC-4A7E-91FF-6943B89B0A58}"/>
+              </a:ext>
+            </a:extLst>
+          </p:cNvPr>
+          <p:cNvSpPr txBox="1"/>
+          <p:nvPr/>
+        </p:nvSpPr>
+        <p:spPr>
+          <a:xfrm>
+            <a:off x="10461085" y="3214797"/>
+            <a:ext cx="529312" cy="369332"/>
+          </a:xfrm>
+          <a:prstGeom prst="rect">
+            <a:avLst/>
+          </a:prstGeom>
+          <a:noFill/>
+        </p:spPr>
+        <p:txBody>
+          <a:bodyPr wrap="none" rtlCol="0">
+            <a:spAutoFit/>
+          </a:bodyPr>
+          <a:lstStyle/>
+          <a:p>
+            <a:r>
+              <a:rPr lang="en-US" altLang="zh-CN" dirty="0"/>
+              <a:t>2πr</a:t>
+            </a:r>
+            <a:endParaRPr lang="zh-CN" altLang="en-US" dirty="0"/>
+          </a:p>
+        </p:txBody>
+      </p:sp>
+      <p:cxnSp>
+        <p:nvCxnSpPr>
+          <p:cNvPr id="25" name="直接连接符 24">
+            <a:extLst>
+              <a:ext uri="{FF2B5EF4-FFF2-40B4-BE49-F238E27FC236}">
+                <a16:creationId xmlns:a16="http://schemas.microsoft.com/office/drawing/2014/main" id="{31B4FE55-C806-4292-AFB6-9C20FAEF567A}"/>
+              </a:ext>
+            </a:extLst>
+          </p:cNvPr>
+          <p:cNvCxnSpPr>
+            <a:cxnSpLocks/>
+            <a:stCxn id="21" idx="0"/>
+            <a:endCxn id="21" idx="2"/>
+          </p:cNvCxnSpPr>
+          <p:nvPr/>
+        </p:nvCxnSpPr>
+        <p:spPr>
+          <a:xfrm>
+            <a:off x="8817220" y="1298667"/>
+            <a:ext cx="0" cy="3832261"/>
+          </a:xfrm>
+          <a:prstGeom prst="line">
+            <a:avLst/>
+          </a:prstGeom>
+          <a:ln>
+            <a:prstDash val="dash"/>
+          </a:ln>
+        </p:spPr>
+        <p:style>
+          <a:lnRef idx="1">
+            <a:schemeClr val="accent1"/>
+          </a:lnRef>
+          <a:fillRef idx="0">
+            <a:schemeClr val="accent1"/>
+          </a:fillRef>
+          <a:effectRef idx="0">
+            <a:schemeClr val="accent1"/>
+          </a:effectRef>
+          <a:fontRef idx="minor">
+            <a:schemeClr val="tx1"/>
+          </a:fontRef>
+        </p:style>
+      </p:cxnSp>
+      <p:sp>
+        <p:nvSpPr>
+          <p:cNvPr id="26" name="文本框 25">
+            <a:extLst>
+              <a:ext uri="{FF2B5EF4-FFF2-40B4-BE49-F238E27FC236}">
+                <a16:creationId xmlns:a16="http://schemas.microsoft.com/office/drawing/2014/main" id="{97EA1D42-66A2-4524-A587-8BC54F73D05D}"/>
+              </a:ext>
+            </a:extLst>
+          </p:cNvPr>
+          <p:cNvSpPr txBox="1"/>
+          <p:nvPr/>
+        </p:nvSpPr>
+        <p:spPr>
+          <a:xfrm rot="1508524">
+            <a:off x="7622059" y="3029618"/>
+            <a:ext cx="902811" cy="307777"/>
+          </a:xfrm>
+          <a:prstGeom prst="rect">
+            <a:avLst/>
+          </a:prstGeom>
+          <a:noFill/>
+        </p:spPr>
+        <p:txBody>
+          <a:bodyPr wrap="none" rtlCol="0">
+            <a:spAutoFit/>
+          </a:bodyPr>
+          <a:lstStyle/>
+          <a:p>
+            <a:r>
+              <a:rPr lang="zh-CN" altLang="en-US" sz="1400" dirty="0"/>
+              <a:t>最短距离</a:t>
+            </a:r>
+          </a:p>
+        </p:txBody>
+      </p:sp>
+      <p:sp>
+        <p:nvSpPr>
+          <p:cNvPr id="29" name="任意多边形: 形状 28">
+            <a:extLst>
+              <a:ext uri="{FF2B5EF4-FFF2-40B4-BE49-F238E27FC236}">
+                <a16:creationId xmlns:a16="http://schemas.microsoft.com/office/drawing/2014/main" id="{94D771D8-0533-44E5-91DB-D3DC7DBB7F89}"/>
+              </a:ext>
+            </a:extLst>
+          </p:cNvPr>
+          <p:cNvSpPr/>
+          <p:nvPr/>
+        </p:nvSpPr>
+        <p:spPr>
+          <a:xfrm>
+            <a:off x="6901183" y="1289732"/>
+            <a:ext cx="972392" cy="3836697"/>
+          </a:xfrm>
+          <a:custGeom>
+            <a:avLst/>
+            <a:gdLst>
+              <a:gd name="connsiteX0" fmla="*/ 1596585 w 1764488"/>
+              <a:gd name="connsiteY0" fmla="*/ 0 h 3799643"/>
+              <a:gd name="connsiteX1" fmla="*/ 1632096 w 1764488"/>
+              <a:gd name="connsiteY1" fmla="*/ 1065321 h 3799643"/>
+              <a:gd name="connsiteX2" fmla="*/ 140647 w 1764488"/>
+              <a:gd name="connsiteY2" fmla="*/ 2565647 h 3799643"/>
+              <a:gd name="connsiteX3" fmla="*/ 149525 w 1764488"/>
+              <a:gd name="connsiteY3" fmla="*/ 3799643 h 3799643"/>
+              <a:gd name="connsiteX0" fmla="*/ 1599291 w 1793102"/>
+              <a:gd name="connsiteY0" fmla="*/ 0 h 3799643"/>
+              <a:gd name="connsiteX1" fmla="*/ 1672902 w 1793102"/>
+              <a:gd name="connsiteY1" fmla="*/ 1046271 h 3799643"/>
+              <a:gd name="connsiteX2" fmla="*/ 143353 w 1793102"/>
+              <a:gd name="connsiteY2" fmla="*/ 2565647 h 3799643"/>
+              <a:gd name="connsiteX3" fmla="*/ 152231 w 1793102"/>
+              <a:gd name="connsiteY3" fmla="*/ 3799643 h 3799643"/>
+              <a:gd name="connsiteX0" fmla="*/ 1604718 w 1855467"/>
+              <a:gd name="connsiteY0" fmla="*/ 0 h 3799643"/>
+              <a:gd name="connsiteX1" fmla="*/ 1754529 w 1855467"/>
+              <a:gd name="connsiteY1" fmla="*/ 1084371 h 3799643"/>
+              <a:gd name="connsiteX2" fmla="*/ 148780 w 1855467"/>
+              <a:gd name="connsiteY2" fmla="*/ 2565647 h 3799643"/>
+              <a:gd name="connsiteX3" fmla="*/ 157658 w 1855467"/>
+              <a:gd name="connsiteY3" fmla="*/ 3799643 h 3799643"/>
+              <a:gd name="connsiteX0" fmla="*/ 1581717 w 1829667"/>
+              <a:gd name="connsiteY0" fmla="*/ 0 h 3799643"/>
+              <a:gd name="connsiteX1" fmla="*/ 1731528 w 1829667"/>
+              <a:gd name="connsiteY1" fmla="*/ 1084371 h 3799643"/>
+              <a:gd name="connsiteX2" fmla="*/ 163879 w 1829667"/>
+              <a:gd name="connsiteY2" fmla="*/ 2616447 h 3799643"/>
+              <a:gd name="connsiteX3" fmla="*/ 134657 w 1829667"/>
+              <a:gd name="connsiteY3" fmla="*/ 3799643 h 3799643"/>
+              <a:gd name="connsiteX0" fmla="*/ 1592926 w 1842275"/>
+              <a:gd name="connsiteY0" fmla="*/ 0 h 3799643"/>
+              <a:gd name="connsiteX1" fmla="*/ 1742737 w 1842275"/>
+              <a:gd name="connsiteY1" fmla="*/ 1084371 h 3799643"/>
+              <a:gd name="connsiteX2" fmla="*/ 156038 w 1842275"/>
+              <a:gd name="connsiteY2" fmla="*/ 2591047 h 3799643"/>
+              <a:gd name="connsiteX3" fmla="*/ 145866 w 1842275"/>
+              <a:gd name="connsiteY3" fmla="*/ 3799643 h 3799643"/>
+              <a:gd name="connsiteX0" fmla="*/ 1584980 w 1834329"/>
+              <a:gd name="connsiteY0" fmla="*/ 0 h 3799643"/>
+              <a:gd name="connsiteX1" fmla="*/ 1734791 w 1834329"/>
+              <a:gd name="connsiteY1" fmla="*/ 1084371 h 3799643"/>
+              <a:gd name="connsiteX2" fmla="*/ 148092 w 1834329"/>
+              <a:gd name="connsiteY2" fmla="*/ 2591047 h 3799643"/>
+              <a:gd name="connsiteX3" fmla="*/ 137920 w 1834329"/>
+              <a:gd name="connsiteY3" fmla="*/ 3799643 h 3799643"/>
+              <a:gd name="connsiteX0" fmla="*/ 1574513 w 1823862"/>
+              <a:gd name="connsiteY0" fmla="*/ 0 h 3799643"/>
+              <a:gd name="connsiteX1" fmla="*/ 1724324 w 1823862"/>
+              <a:gd name="connsiteY1" fmla="*/ 1084371 h 3799643"/>
+              <a:gd name="connsiteX2" fmla="*/ 137625 w 1823862"/>
+              <a:gd name="connsiteY2" fmla="*/ 2591047 h 3799643"/>
+              <a:gd name="connsiteX3" fmla="*/ 127453 w 1823862"/>
+              <a:gd name="connsiteY3" fmla="*/ 3799643 h 3799643"/>
+              <a:gd name="connsiteX0" fmla="*/ 1574513 w 1815468"/>
+              <a:gd name="connsiteY0" fmla="*/ 0 h 3799643"/>
+              <a:gd name="connsiteX1" fmla="*/ 1724324 w 1815468"/>
+              <a:gd name="connsiteY1" fmla="*/ 1084371 h 3799643"/>
+              <a:gd name="connsiteX2" fmla="*/ 137625 w 1815468"/>
+              <a:gd name="connsiteY2" fmla="*/ 2591047 h 3799643"/>
+              <a:gd name="connsiteX3" fmla="*/ 127453 w 1815468"/>
+              <a:gd name="connsiteY3" fmla="*/ 3799643 h 3799643"/>
+              <a:gd name="connsiteX0" fmla="*/ 1574513 w 1804292"/>
+              <a:gd name="connsiteY0" fmla="*/ 0 h 3799643"/>
+              <a:gd name="connsiteX1" fmla="*/ 1724324 w 1804292"/>
+              <a:gd name="connsiteY1" fmla="*/ 1084371 h 3799643"/>
+              <a:gd name="connsiteX2" fmla="*/ 137625 w 1804292"/>
+              <a:gd name="connsiteY2" fmla="*/ 2591047 h 3799643"/>
+              <a:gd name="connsiteX3" fmla="*/ 127453 w 1804292"/>
+              <a:gd name="connsiteY3" fmla="*/ 3799643 h 3799643"/>
+              <a:gd name="connsiteX0" fmla="*/ 1472898 w 1702677"/>
+              <a:gd name="connsiteY0" fmla="*/ 0 h 3834477"/>
+              <a:gd name="connsiteX1" fmla="*/ 1622709 w 1702677"/>
+              <a:gd name="connsiteY1" fmla="*/ 1084371 h 3834477"/>
+              <a:gd name="connsiteX2" fmla="*/ 36010 w 1702677"/>
+              <a:gd name="connsiteY2" fmla="*/ 2591047 h 3834477"/>
+              <a:gd name="connsiteX3" fmla="*/ 536695 w 1702677"/>
+              <a:gd name="connsiteY3" fmla="*/ 3834477 h 3834477"/>
+              <a:gd name="connsiteX0" fmla="*/ 551531 w 1627847"/>
+              <a:gd name="connsiteY0" fmla="*/ 0 h 3860603"/>
+              <a:gd name="connsiteX1" fmla="*/ 1622709 w 1627847"/>
+              <a:gd name="connsiteY1" fmla="*/ 1110497 h 3860603"/>
+              <a:gd name="connsiteX2" fmla="*/ 36010 w 1627847"/>
+              <a:gd name="connsiteY2" fmla="*/ 2617173 h 3860603"/>
+              <a:gd name="connsiteX3" fmla="*/ 536695 w 1627847"/>
+              <a:gd name="connsiteY3" fmla="*/ 3860603 h 3860603"/>
+              <a:gd name="connsiteX0" fmla="*/ 543368 w 1456401"/>
+              <a:gd name="connsiteY0" fmla="*/ 0 h 3860603"/>
+              <a:gd name="connsiteX1" fmla="*/ 1450341 w 1456401"/>
+              <a:gd name="connsiteY1" fmla="*/ 892783 h 3860603"/>
+              <a:gd name="connsiteX2" fmla="*/ 27847 w 1456401"/>
+              <a:gd name="connsiteY2" fmla="*/ 2617173 h 3860603"/>
+              <a:gd name="connsiteX3" fmla="*/ 528532 w 1456401"/>
+              <a:gd name="connsiteY3" fmla="*/ 3860603 h 3860603"/>
+              <a:gd name="connsiteX0" fmla="*/ 543368 w 1450460"/>
+              <a:gd name="connsiteY0" fmla="*/ 0 h 3860603"/>
+              <a:gd name="connsiteX1" fmla="*/ 1450341 w 1450460"/>
+              <a:gd name="connsiteY1" fmla="*/ 892783 h 3860603"/>
+              <a:gd name="connsiteX2" fmla="*/ 27847 w 1450460"/>
+              <a:gd name="connsiteY2" fmla="*/ 2617173 h 3860603"/>
+              <a:gd name="connsiteX3" fmla="*/ 528532 w 1450460"/>
+              <a:gd name="connsiteY3" fmla="*/ 3860603 h 3860603"/>
+              <a:gd name="connsiteX0" fmla="*/ 517235 w 1429689"/>
+              <a:gd name="connsiteY0" fmla="*/ 0 h 3860603"/>
+              <a:gd name="connsiteX1" fmla="*/ 1424208 w 1429689"/>
+              <a:gd name="connsiteY1" fmla="*/ 892783 h 3860603"/>
+              <a:gd name="connsiteX2" fmla="*/ 29082 w 1429689"/>
+              <a:gd name="connsiteY2" fmla="*/ 2939390 h 3860603"/>
+              <a:gd name="connsiteX3" fmla="*/ 502399 w 1429689"/>
+              <a:gd name="connsiteY3" fmla="*/ 3860603 h 3860603"/>
+              <a:gd name="connsiteX0" fmla="*/ 490423 w 1402876"/>
+              <a:gd name="connsiteY0" fmla="*/ 0 h 3860603"/>
+              <a:gd name="connsiteX1" fmla="*/ 1397396 w 1402876"/>
+              <a:gd name="connsiteY1" fmla="*/ 892783 h 3860603"/>
+              <a:gd name="connsiteX2" fmla="*/ 2270 w 1402876"/>
+              <a:gd name="connsiteY2" fmla="*/ 2939390 h 3860603"/>
+              <a:gd name="connsiteX3" fmla="*/ 475587 w 1402876"/>
+              <a:gd name="connsiteY3" fmla="*/ 3860603 h 3860603"/>
+              <a:gd name="connsiteX0" fmla="*/ 499495 w 1412137"/>
+              <a:gd name="connsiteY0" fmla="*/ 0 h 3860603"/>
+              <a:gd name="connsiteX1" fmla="*/ 1406468 w 1412137"/>
+              <a:gd name="connsiteY1" fmla="*/ 892783 h 3860603"/>
+              <a:gd name="connsiteX2" fmla="*/ 2220 w 1412137"/>
+              <a:gd name="connsiteY2" fmla="*/ 2834887 h 3860603"/>
+              <a:gd name="connsiteX3" fmla="*/ 484659 w 1412137"/>
+              <a:gd name="connsiteY3" fmla="*/ 3860603 h 3860603"/>
+              <a:gd name="connsiteX0" fmla="*/ 497277 w 1409920"/>
+              <a:gd name="connsiteY0" fmla="*/ 0 h 3860603"/>
+              <a:gd name="connsiteX1" fmla="*/ 1404250 w 1409920"/>
+              <a:gd name="connsiteY1" fmla="*/ 892783 h 3860603"/>
+              <a:gd name="connsiteX2" fmla="*/ 2 w 1409920"/>
+              <a:gd name="connsiteY2" fmla="*/ 2834887 h 3860603"/>
+              <a:gd name="connsiteX3" fmla="*/ 482441 w 1409920"/>
+              <a:gd name="connsiteY3" fmla="*/ 3860603 h 3860603"/>
+              <a:gd name="connsiteX0" fmla="*/ 525933 w 1438576"/>
+              <a:gd name="connsiteY0" fmla="*/ 0 h 3860603"/>
+              <a:gd name="connsiteX1" fmla="*/ 1432906 w 1438576"/>
+              <a:gd name="connsiteY1" fmla="*/ 857949 h 3860603"/>
+              <a:gd name="connsiteX2" fmla="*/ 28658 w 1438576"/>
+              <a:gd name="connsiteY2" fmla="*/ 2834887 h 3860603"/>
+              <a:gd name="connsiteX3" fmla="*/ 511097 w 1438576"/>
+              <a:gd name="connsiteY3" fmla="*/ 3860603 h 3860603"/>
+              <a:gd name="connsiteX0" fmla="*/ 525933 w 1433315"/>
+              <a:gd name="connsiteY0" fmla="*/ 0 h 3860603"/>
+              <a:gd name="connsiteX1" fmla="*/ 1432906 w 1433315"/>
+              <a:gd name="connsiteY1" fmla="*/ 857949 h 3860603"/>
+              <a:gd name="connsiteX2" fmla="*/ 28658 w 1433315"/>
+              <a:gd name="connsiteY2" fmla="*/ 2834887 h 3860603"/>
+              <a:gd name="connsiteX3" fmla="*/ 511097 w 1433315"/>
+              <a:gd name="connsiteY3" fmla="*/ 3860603 h 3860603"/>
+              <a:gd name="connsiteX0" fmla="*/ 508819 w 1024073"/>
+              <a:gd name="connsiteY0" fmla="*/ 0 h 3860603"/>
+              <a:gd name="connsiteX1" fmla="*/ 1023527 w 1024073"/>
+              <a:gd name="connsiteY1" fmla="*/ 971161 h 3860603"/>
+              <a:gd name="connsiteX2" fmla="*/ 11544 w 1024073"/>
+              <a:gd name="connsiteY2" fmla="*/ 2834887 h 3860603"/>
+              <a:gd name="connsiteX3" fmla="*/ 493983 w 1024073"/>
+              <a:gd name="connsiteY3" fmla="*/ 3860603 h 3860603"/>
+              <a:gd name="connsiteX0" fmla="*/ 497379 w 1012583"/>
+              <a:gd name="connsiteY0" fmla="*/ 0 h 3860603"/>
+              <a:gd name="connsiteX1" fmla="*/ 1012087 w 1012583"/>
+              <a:gd name="connsiteY1" fmla="*/ 971161 h 3860603"/>
+              <a:gd name="connsiteX2" fmla="*/ 104 w 1012583"/>
+              <a:gd name="connsiteY2" fmla="*/ 2834887 h 3860603"/>
+              <a:gd name="connsiteX3" fmla="*/ 482543 w 1012583"/>
+              <a:gd name="connsiteY3" fmla="*/ 3860603 h 3860603"/>
+              <a:gd name="connsiteX0" fmla="*/ 479149 w 1003176"/>
+              <a:gd name="connsiteY0" fmla="*/ 0 h 3860603"/>
+              <a:gd name="connsiteX1" fmla="*/ 993857 w 1003176"/>
+              <a:gd name="connsiteY1" fmla="*/ 971161 h 3860603"/>
+              <a:gd name="connsiteX2" fmla="*/ 118 w 1003176"/>
+              <a:gd name="connsiteY2" fmla="*/ 2808762 h 3860603"/>
+              <a:gd name="connsiteX3" fmla="*/ 464313 w 1003176"/>
+              <a:gd name="connsiteY3" fmla="*/ 3860603 h 3860603"/>
+              <a:gd name="connsiteX0" fmla="*/ 479140 w 993939"/>
+              <a:gd name="connsiteY0" fmla="*/ 0 h 3860603"/>
+              <a:gd name="connsiteX1" fmla="*/ 993848 w 993939"/>
+              <a:gd name="connsiteY1" fmla="*/ 971161 h 3860603"/>
+              <a:gd name="connsiteX2" fmla="*/ 109 w 993939"/>
+              <a:gd name="connsiteY2" fmla="*/ 2808762 h 3860603"/>
+              <a:gd name="connsiteX3" fmla="*/ 464304 w 993939"/>
+              <a:gd name="connsiteY3" fmla="*/ 3860603 h 3860603"/>
+              <a:gd name="connsiteX0" fmla="*/ 479140 w 993939"/>
+              <a:gd name="connsiteY0" fmla="*/ 0 h 3860603"/>
+              <a:gd name="connsiteX1" fmla="*/ 993848 w 993939"/>
+              <a:gd name="connsiteY1" fmla="*/ 971161 h 3860603"/>
+              <a:gd name="connsiteX2" fmla="*/ 109 w 993939"/>
+              <a:gd name="connsiteY2" fmla="*/ 2808762 h 3860603"/>
+              <a:gd name="connsiteX3" fmla="*/ 464304 w 993939"/>
+              <a:gd name="connsiteY3" fmla="*/ 3860603 h 3860603"/>
+              <a:gd name="connsiteX0" fmla="*/ 491398 w 1006197"/>
+              <a:gd name="connsiteY0" fmla="*/ 0 h 3836697"/>
+              <a:gd name="connsiteX1" fmla="*/ 1006106 w 1006197"/>
+              <a:gd name="connsiteY1" fmla="*/ 971161 h 3836697"/>
+              <a:gd name="connsiteX2" fmla="*/ 12367 w 1006197"/>
+              <a:gd name="connsiteY2" fmla="*/ 2808762 h 3836697"/>
+              <a:gd name="connsiteX3" fmla="*/ 470302 w 1006197"/>
+              <a:gd name="connsiteY3" fmla="*/ 3836697 h 3836697"/>
+              <a:gd name="connsiteX0" fmla="*/ 491398 w 1015425"/>
+              <a:gd name="connsiteY0" fmla="*/ 0 h 3836697"/>
+              <a:gd name="connsiteX1" fmla="*/ 1006106 w 1015425"/>
+              <a:gd name="connsiteY1" fmla="*/ 971161 h 3836697"/>
+              <a:gd name="connsiteX2" fmla="*/ 12367 w 1015425"/>
+              <a:gd name="connsiteY2" fmla="*/ 2808762 h 3836697"/>
+              <a:gd name="connsiteX3" fmla="*/ 470302 w 1015425"/>
+              <a:gd name="connsiteY3" fmla="*/ 3836697 h 3836697"/>
+              <a:gd name="connsiteX0" fmla="*/ 472617 w 1014492"/>
+              <a:gd name="connsiteY0" fmla="*/ 0 h 3836697"/>
+              <a:gd name="connsiteX1" fmla="*/ 1006106 w 1014492"/>
+              <a:gd name="connsiteY1" fmla="*/ 971161 h 3836697"/>
+              <a:gd name="connsiteX2" fmla="*/ 12367 w 1014492"/>
+              <a:gd name="connsiteY2" fmla="*/ 2808762 h 3836697"/>
+              <a:gd name="connsiteX3" fmla="*/ 470302 w 1014492"/>
+              <a:gd name="connsiteY3" fmla="*/ 3836697 h 3836697"/>
+              <a:gd name="connsiteX0" fmla="*/ 472617 w 1015824"/>
+              <a:gd name="connsiteY0" fmla="*/ 0 h 3836697"/>
+              <a:gd name="connsiteX1" fmla="*/ 1006106 w 1015824"/>
+              <a:gd name="connsiteY1" fmla="*/ 971161 h 3836697"/>
+              <a:gd name="connsiteX2" fmla="*/ 12367 w 1015824"/>
+              <a:gd name="connsiteY2" fmla="*/ 2808762 h 3836697"/>
+              <a:gd name="connsiteX3" fmla="*/ 470302 w 1015824"/>
+              <a:gd name="connsiteY3" fmla="*/ 3836697 h 3836697"/>
+              <a:gd name="connsiteX0" fmla="*/ 475397 w 1018604"/>
+              <a:gd name="connsiteY0" fmla="*/ 0 h 3836697"/>
+              <a:gd name="connsiteX1" fmla="*/ 1008886 w 1018604"/>
+              <a:gd name="connsiteY1" fmla="*/ 971161 h 3836697"/>
+              <a:gd name="connsiteX2" fmla="*/ 15147 w 1018604"/>
+              <a:gd name="connsiteY2" fmla="*/ 2808762 h 3836697"/>
+              <a:gd name="connsiteX3" fmla="*/ 473082 w 1018604"/>
+              <a:gd name="connsiteY3" fmla="*/ 3836697 h 3836697"/>
+            </a:gdLst>
+            <a:ahLst/>
+            <a:cxnLst>
+              <a:cxn ang="0">
+                <a:pos x="connsiteX0" y="connsiteY0"/>
+              </a:cxn>
+              <a:cxn ang="0">
+                <a:pos x="connsiteX1" y="connsiteY1"/>
+              </a:cxn>
+              <a:cxn ang="0">
+                <a:pos x="connsiteX2" y="connsiteY2"/>
+              </a:cxn>
+              <a:cxn ang="0">
+                <a:pos x="connsiteX3" y="connsiteY3"/>
+              </a:cxn>
+            </a:cxnLst>
+            <a:rect l="l" t="t" r="r" b="b"/>
+            <a:pathLst>
+              <a:path w="1018604" h="3836697">
+                <a:moveTo>
+                  <a:pt x="475397" y="0"/>
+                </a:moveTo>
+                <a:cubicBezTo>
+                  <a:pt x="689605" y="294950"/>
+                  <a:pt x="1085594" y="503034"/>
+                  <a:pt x="1008886" y="971161"/>
+                </a:cubicBezTo>
+                <a:cubicBezTo>
+                  <a:pt x="932178" y="1439288"/>
+                  <a:pt x="104448" y="2331173"/>
+                  <a:pt x="15147" y="2808762"/>
+                </a:cubicBezTo>
+                <a:cubicBezTo>
+                  <a:pt x="-74154" y="3286351"/>
+                  <a:pt x="251188" y="3453536"/>
+                  <a:pt x="473082" y="3836697"/>
+                </a:cubicBezTo>
+              </a:path>
+            </a:pathLst>
+          </a:custGeom>
+          <a:noFill/>
+          <a:ln>
+            <a:solidFill>
+              <a:srgbClr val="FF0000"/>
+            </a:solidFill>
+          </a:ln>
+        </p:spPr>
+        <p:style>
+          <a:lnRef idx="2">
+            <a:schemeClr val="accent1">
+              <a:shade val="50000"/>
+            </a:schemeClr>
+          </a:lnRef>
+          <a:fillRef idx="1">
+            <a:schemeClr val="accent1"/>
+          </a:fillRef>
+          <a:effectRef idx="0">
+            <a:schemeClr val="accent1"/>
+          </a:effectRef>
+          <a:fontRef idx="minor">
+            <a:schemeClr val="lt1"/>
+          </a:fontRef>
+        </p:style>
+        <p:txBody>
+          <a:bodyPr rtlCol="0" anchor="ctr"/>
+          <a:lstStyle/>
+          <a:p>
+            <a:pPr algn="ctr"/>
+            <a:endParaRPr lang="zh-CN" altLang="en-US"/>
+          </a:p>
+        </p:txBody>
+      </p:sp>
+      <p:cxnSp>
+        <p:nvCxnSpPr>
+          <p:cNvPr id="32" name="直接连接符 31">
+            <a:extLst>
+              <a:ext uri="{FF2B5EF4-FFF2-40B4-BE49-F238E27FC236}">
+                <a16:creationId xmlns:a16="http://schemas.microsoft.com/office/drawing/2014/main" id="{5D592D6C-B811-431F-B100-631925B03F07}"/>
+              </a:ext>
+            </a:extLst>
+          </p:cNvPr>
+          <p:cNvCxnSpPr>
+            <a:cxnSpLocks/>
+          </p:cNvCxnSpPr>
+          <p:nvPr/>
+        </p:nvCxnSpPr>
+        <p:spPr>
+          <a:xfrm>
+            <a:off x="7615430" y="2772697"/>
+            <a:ext cx="1154588" cy="546947"/>
+          </a:xfrm>
+          <a:prstGeom prst="line">
+            <a:avLst/>
+          </a:prstGeom>
+          <a:ln w="28575">
+            <a:solidFill>
+              <a:srgbClr val="92D050"/>
+            </a:solidFill>
+          </a:ln>
+        </p:spPr>
+        <p:style>
+          <a:lnRef idx="1">
+            <a:schemeClr val="accent1"/>
+          </a:lnRef>
+          <a:fillRef idx="0">
+            <a:schemeClr val="accent1"/>
+          </a:fillRef>
+          <a:effectRef idx="0">
+            <a:schemeClr val="accent1"/>
+          </a:effectRef>
+          <a:fontRef idx="minor">
+            <a:schemeClr val="tx1"/>
+          </a:fontRef>
+        </p:style>
+      </p:cxnSp>
+      <p:sp>
+        <p:nvSpPr>
+          <p:cNvPr id="34" name="任意多边形: 形状 33">
+            <a:extLst>
+              <a:ext uri="{FF2B5EF4-FFF2-40B4-BE49-F238E27FC236}">
+                <a16:creationId xmlns:a16="http://schemas.microsoft.com/office/drawing/2014/main" id="{C82AAF3F-2617-449C-9AAD-50E9EC098593}"/>
+              </a:ext>
+            </a:extLst>
+          </p:cNvPr>
+          <p:cNvSpPr/>
+          <p:nvPr/>
+        </p:nvSpPr>
+        <p:spPr>
+          <a:xfrm>
+            <a:off x="8371355" y="1300217"/>
+            <a:ext cx="972392" cy="3836697"/>
+          </a:xfrm>
+          <a:custGeom>
+            <a:avLst/>
+            <a:gdLst>
+              <a:gd name="connsiteX0" fmla="*/ 1596585 w 1764488"/>
+              <a:gd name="connsiteY0" fmla="*/ 0 h 3799643"/>
+              <a:gd name="connsiteX1" fmla="*/ 1632096 w 1764488"/>
+              <a:gd name="connsiteY1" fmla="*/ 1065321 h 3799643"/>
+              <a:gd name="connsiteX2" fmla="*/ 140647 w 1764488"/>
+              <a:gd name="connsiteY2" fmla="*/ 2565647 h 3799643"/>
+              <a:gd name="connsiteX3" fmla="*/ 149525 w 1764488"/>
+              <a:gd name="connsiteY3" fmla="*/ 3799643 h 3799643"/>
+              <a:gd name="connsiteX0" fmla="*/ 1599291 w 1793102"/>
+              <a:gd name="connsiteY0" fmla="*/ 0 h 3799643"/>
+              <a:gd name="connsiteX1" fmla="*/ 1672902 w 1793102"/>
+              <a:gd name="connsiteY1" fmla="*/ 1046271 h 3799643"/>
+              <a:gd name="connsiteX2" fmla="*/ 143353 w 1793102"/>
+              <a:gd name="connsiteY2" fmla="*/ 2565647 h 3799643"/>
+              <a:gd name="connsiteX3" fmla="*/ 152231 w 1793102"/>
+              <a:gd name="connsiteY3" fmla="*/ 3799643 h 3799643"/>
+              <a:gd name="connsiteX0" fmla="*/ 1604718 w 1855467"/>
+              <a:gd name="connsiteY0" fmla="*/ 0 h 3799643"/>
+              <a:gd name="connsiteX1" fmla="*/ 1754529 w 1855467"/>
+              <a:gd name="connsiteY1" fmla="*/ 1084371 h 3799643"/>
+              <a:gd name="connsiteX2" fmla="*/ 148780 w 1855467"/>
+              <a:gd name="connsiteY2" fmla="*/ 2565647 h 3799643"/>
+              <a:gd name="connsiteX3" fmla="*/ 157658 w 1855467"/>
+              <a:gd name="connsiteY3" fmla="*/ 3799643 h 3799643"/>
+              <a:gd name="connsiteX0" fmla="*/ 1581717 w 1829667"/>
+              <a:gd name="connsiteY0" fmla="*/ 0 h 3799643"/>
+              <a:gd name="connsiteX1" fmla="*/ 1731528 w 1829667"/>
+              <a:gd name="connsiteY1" fmla="*/ 1084371 h 3799643"/>
+              <a:gd name="connsiteX2" fmla="*/ 163879 w 1829667"/>
+              <a:gd name="connsiteY2" fmla="*/ 2616447 h 3799643"/>
+              <a:gd name="connsiteX3" fmla="*/ 134657 w 1829667"/>
+              <a:gd name="connsiteY3" fmla="*/ 3799643 h 3799643"/>
+              <a:gd name="connsiteX0" fmla="*/ 1592926 w 1842275"/>
+              <a:gd name="connsiteY0" fmla="*/ 0 h 3799643"/>
+              <a:gd name="connsiteX1" fmla="*/ 1742737 w 1842275"/>
+              <a:gd name="connsiteY1" fmla="*/ 1084371 h 3799643"/>
+              <a:gd name="connsiteX2" fmla="*/ 156038 w 1842275"/>
+              <a:gd name="connsiteY2" fmla="*/ 2591047 h 3799643"/>
+              <a:gd name="connsiteX3" fmla="*/ 145866 w 1842275"/>
+              <a:gd name="connsiteY3" fmla="*/ 3799643 h 3799643"/>
+              <a:gd name="connsiteX0" fmla="*/ 1584980 w 1834329"/>
+              <a:gd name="connsiteY0" fmla="*/ 0 h 3799643"/>
+              <a:gd name="connsiteX1" fmla="*/ 1734791 w 1834329"/>
+              <a:gd name="connsiteY1" fmla="*/ 1084371 h 3799643"/>
+              <a:gd name="connsiteX2" fmla="*/ 148092 w 1834329"/>
+              <a:gd name="connsiteY2" fmla="*/ 2591047 h 3799643"/>
+              <a:gd name="connsiteX3" fmla="*/ 137920 w 1834329"/>
+              <a:gd name="connsiteY3" fmla="*/ 3799643 h 3799643"/>
+              <a:gd name="connsiteX0" fmla="*/ 1574513 w 1823862"/>
+              <a:gd name="connsiteY0" fmla="*/ 0 h 3799643"/>
+              <a:gd name="connsiteX1" fmla="*/ 1724324 w 1823862"/>
+              <a:gd name="connsiteY1" fmla="*/ 1084371 h 3799643"/>
+              <a:gd name="connsiteX2" fmla="*/ 137625 w 1823862"/>
+              <a:gd name="connsiteY2" fmla="*/ 2591047 h 3799643"/>
+              <a:gd name="connsiteX3" fmla="*/ 127453 w 1823862"/>
+              <a:gd name="connsiteY3" fmla="*/ 3799643 h 3799643"/>
+              <a:gd name="connsiteX0" fmla="*/ 1574513 w 1815468"/>
+              <a:gd name="connsiteY0" fmla="*/ 0 h 3799643"/>
+              <a:gd name="connsiteX1" fmla="*/ 1724324 w 1815468"/>
+              <a:gd name="connsiteY1" fmla="*/ 1084371 h 3799643"/>
+              <a:gd name="connsiteX2" fmla="*/ 137625 w 1815468"/>
+              <a:gd name="connsiteY2" fmla="*/ 2591047 h 3799643"/>
+              <a:gd name="connsiteX3" fmla="*/ 127453 w 1815468"/>
+              <a:gd name="connsiteY3" fmla="*/ 3799643 h 3799643"/>
+              <a:gd name="connsiteX0" fmla="*/ 1574513 w 1804292"/>
+              <a:gd name="connsiteY0" fmla="*/ 0 h 3799643"/>
+              <a:gd name="connsiteX1" fmla="*/ 1724324 w 1804292"/>
+              <a:gd name="connsiteY1" fmla="*/ 1084371 h 3799643"/>
+              <a:gd name="connsiteX2" fmla="*/ 137625 w 1804292"/>
+              <a:gd name="connsiteY2" fmla="*/ 2591047 h 3799643"/>
+              <a:gd name="connsiteX3" fmla="*/ 127453 w 1804292"/>
+              <a:gd name="connsiteY3" fmla="*/ 3799643 h 3799643"/>
+              <a:gd name="connsiteX0" fmla="*/ 1472898 w 1702677"/>
+              <a:gd name="connsiteY0" fmla="*/ 0 h 3834477"/>
+              <a:gd name="connsiteX1" fmla="*/ 1622709 w 1702677"/>
+              <a:gd name="connsiteY1" fmla="*/ 1084371 h 3834477"/>
+              <a:gd name="connsiteX2" fmla="*/ 36010 w 1702677"/>
+              <a:gd name="connsiteY2" fmla="*/ 2591047 h 3834477"/>
+              <a:gd name="connsiteX3" fmla="*/ 536695 w 1702677"/>
+              <a:gd name="connsiteY3" fmla="*/ 3834477 h 3834477"/>
+              <a:gd name="connsiteX0" fmla="*/ 551531 w 1627847"/>
+              <a:gd name="connsiteY0" fmla="*/ 0 h 3860603"/>
+              <a:gd name="connsiteX1" fmla="*/ 1622709 w 1627847"/>
+              <a:gd name="connsiteY1" fmla="*/ 1110497 h 3860603"/>
+              <a:gd name="connsiteX2" fmla="*/ 36010 w 1627847"/>
+              <a:gd name="connsiteY2" fmla="*/ 2617173 h 3860603"/>
+              <a:gd name="connsiteX3" fmla="*/ 536695 w 1627847"/>
+              <a:gd name="connsiteY3" fmla="*/ 3860603 h 3860603"/>
+              <a:gd name="connsiteX0" fmla="*/ 543368 w 1456401"/>
+              <a:gd name="connsiteY0" fmla="*/ 0 h 3860603"/>
+              <a:gd name="connsiteX1" fmla="*/ 1450341 w 1456401"/>
+              <a:gd name="connsiteY1" fmla="*/ 892783 h 3860603"/>
+              <a:gd name="connsiteX2" fmla="*/ 27847 w 1456401"/>
+              <a:gd name="connsiteY2" fmla="*/ 2617173 h 3860603"/>
+              <a:gd name="connsiteX3" fmla="*/ 528532 w 1456401"/>
+              <a:gd name="connsiteY3" fmla="*/ 3860603 h 3860603"/>
+              <a:gd name="connsiteX0" fmla="*/ 543368 w 1450460"/>
+              <a:gd name="connsiteY0" fmla="*/ 0 h 3860603"/>
+              <a:gd name="connsiteX1" fmla="*/ 1450341 w 1450460"/>
+              <a:gd name="connsiteY1" fmla="*/ 892783 h 3860603"/>
+              <a:gd name="connsiteX2" fmla="*/ 27847 w 1450460"/>
+              <a:gd name="connsiteY2" fmla="*/ 2617173 h 3860603"/>
+              <a:gd name="connsiteX3" fmla="*/ 528532 w 1450460"/>
+              <a:gd name="connsiteY3" fmla="*/ 3860603 h 3860603"/>
+              <a:gd name="connsiteX0" fmla="*/ 517235 w 1429689"/>
+              <a:gd name="connsiteY0" fmla="*/ 0 h 3860603"/>
+              <a:gd name="connsiteX1" fmla="*/ 1424208 w 1429689"/>
+              <a:gd name="connsiteY1" fmla="*/ 892783 h 3860603"/>
+              <a:gd name="connsiteX2" fmla="*/ 29082 w 1429689"/>
+              <a:gd name="connsiteY2" fmla="*/ 2939390 h 3860603"/>
+              <a:gd name="connsiteX3" fmla="*/ 502399 w 1429689"/>
+              <a:gd name="connsiteY3" fmla="*/ 3860603 h 3860603"/>
+              <a:gd name="connsiteX0" fmla="*/ 490423 w 1402876"/>
+              <a:gd name="connsiteY0" fmla="*/ 0 h 3860603"/>
+              <a:gd name="connsiteX1" fmla="*/ 1397396 w 1402876"/>
+              <a:gd name="connsiteY1" fmla="*/ 892783 h 3860603"/>
+              <a:gd name="connsiteX2" fmla="*/ 2270 w 1402876"/>
+              <a:gd name="connsiteY2" fmla="*/ 2939390 h 3860603"/>
+              <a:gd name="connsiteX3" fmla="*/ 475587 w 1402876"/>
+              <a:gd name="connsiteY3" fmla="*/ 3860603 h 3860603"/>
+              <a:gd name="connsiteX0" fmla="*/ 499495 w 1412137"/>
+              <a:gd name="connsiteY0" fmla="*/ 0 h 3860603"/>
+              <a:gd name="connsiteX1" fmla="*/ 1406468 w 1412137"/>
+              <a:gd name="connsiteY1" fmla="*/ 892783 h 3860603"/>
+              <a:gd name="connsiteX2" fmla="*/ 2220 w 1412137"/>
+              <a:gd name="connsiteY2" fmla="*/ 2834887 h 3860603"/>
+              <a:gd name="connsiteX3" fmla="*/ 484659 w 1412137"/>
+              <a:gd name="connsiteY3" fmla="*/ 3860603 h 3860603"/>
+              <a:gd name="connsiteX0" fmla="*/ 497277 w 1409920"/>
+              <a:gd name="connsiteY0" fmla="*/ 0 h 3860603"/>
+              <a:gd name="connsiteX1" fmla="*/ 1404250 w 1409920"/>
+              <a:gd name="connsiteY1" fmla="*/ 892783 h 3860603"/>
+              <a:gd name="connsiteX2" fmla="*/ 2 w 1409920"/>
+              <a:gd name="connsiteY2" fmla="*/ 2834887 h 3860603"/>
+              <a:gd name="connsiteX3" fmla="*/ 482441 w 1409920"/>
+              <a:gd name="connsiteY3" fmla="*/ 3860603 h 3860603"/>
+              <a:gd name="connsiteX0" fmla="*/ 525933 w 1438576"/>
+              <a:gd name="connsiteY0" fmla="*/ 0 h 3860603"/>
+              <a:gd name="connsiteX1" fmla="*/ 1432906 w 1438576"/>
+              <a:gd name="connsiteY1" fmla="*/ 857949 h 3860603"/>
+              <a:gd name="connsiteX2" fmla="*/ 28658 w 1438576"/>
+              <a:gd name="connsiteY2" fmla="*/ 2834887 h 3860603"/>
+              <a:gd name="connsiteX3" fmla="*/ 511097 w 1438576"/>
+              <a:gd name="connsiteY3" fmla="*/ 3860603 h 3860603"/>
+              <a:gd name="connsiteX0" fmla="*/ 525933 w 1433315"/>
+              <a:gd name="connsiteY0" fmla="*/ 0 h 3860603"/>
+              <a:gd name="connsiteX1" fmla="*/ 1432906 w 1433315"/>
+              <a:gd name="connsiteY1" fmla="*/ 857949 h 3860603"/>
+              <a:gd name="connsiteX2" fmla="*/ 28658 w 1433315"/>
+              <a:gd name="connsiteY2" fmla="*/ 2834887 h 3860603"/>
+              <a:gd name="connsiteX3" fmla="*/ 511097 w 1433315"/>
+              <a:gd name="connsiteY3" fmla="*/ 3860603 h 3860603"/>
+              <a:gd name="connsiteX0" fmla="*/ 508819 w 1024073"/>
+              <a:gd name="connsiteY0" fmla="*/ 0 h 3860603"/>
+              <a:gd name="connsiteX1" fmla="*/ 1023527 w 1024073"/>
+              <a:gd name="connsiteY1" fmla="*/ 971161 h 3860603"/>
+              <a:gd name="connsiteX2" fmla="*/ 11544 w 1024073"/>
+              <a:gd name="connsiteY2" fmla="*/ 2834887 h 3860603"/>
+              <a:gd name="connsiteX3" fmla="*/ 493983 w 1024073"/>
+              <a:gd name="connsiteY3" fmla="*/ 3860603 h 3860603"/>
+              <a:gd name="connsiteX0" fmla="*/ 497379 w 1012583"/>
+              <a:gd name="connsiteY0" fmla="*/ 0 h 3860603"/>
+              <a:gd name="connsiteX1" fmla="*/ 1012087 w 1012583"/>
+              <a:gd name="connsiteY1" fmla="*/ 971161 h 3860603"/>
+              <a:gd name="connsiteX2" fmla="*/ 104 w 1012583"/>
+              <a:gd name="connsiteY2" fmla="*/ 2834887 h 3860603"/>
+              <a:gd name="connsiteX3" fmla="*/ 482543 w 1012583"/>
+              <a:gd name="connsiteY3" fmla="*/ 3860603 h 3860603"/>
+              <a:gd name="connsiteX0" fmla="*/ 479149 w 1003176"/>
+              <a:gd name="connsiteY0" fmla="*/ 0 h 3860603"/>
+              <a:gd name="connsiteX1" fmla="*/ 993857 w 1003176"/>
+              <a:gd name="connsiteY1" fmla="*/ 971161 h 3860603"/>
+              <a:gd name="connsiteX2" fmla="*/ 118 w 1003176"/>
+              <a:gd name="connsiteY2" fmla="*/ 2808762 h 3860603"/>
+              <a:gd name="connsiteX3" fmla="*/ 464313 w 1003176"/>
+              <a:gd name="connsiteY3" fmla="*/ 3860603 h 3860603"/>
+              <a:gd name="connsiteX0" fmla="*/ 479140 w 993939"/>
+              <a:gd name="connsiteY0" fmla="*/ 0 h 3860603"/>
+              <a:gd name="connsiteX1" fmla="*/ 993848 w 993939"/>
+              <a:gd name="connsiteY1" fmla="*/ 971161 h 3860603"/>
+              <a:gd name="connsiteX2" fmla="*/ 109 w 993939"/>
+              <a:gd name="connsiteY2" fmla="*/ 2808762 h 3860603"/>
+              <a:gd name="connsiteX3" fmla="*/ 464304 w 993939"/>
+              <a:gd name="connsiteY3" fmla="*/ 3860603 h 3860603"/>
+              <a:gd name="connsiteX0" fmla="*/ 479140 w 993939"/>
+              <a:gd name="connsiteY0" fmla="*/ 0 h 3860603"/>
+              <a:gd name="connsiteX1" fmla="*/ 993848 w 993939"/>
+              <a:gd name="connsiteY1" fmla="*/ 971161 h 3860603"/>
+              <a:gd name="connsiteX2" fmla="*/ 109 w 993939"/>
+              <a:gd name="connsiteY2" fmla="*/ 2808762 h 3860603"/>
+              <a:gd name="connsiteX3" fmla="*/ 464304 w 993939"/>
+              <a:gd name="connsiteY3" fmla="*/ 3860603 h 3860603"/>
+              <a:gd name="connsiteX0" fmla="*/ 491398 w 1006197"/>
+              <a:gd name="connsiteY0" fmla="*/ 0 h 3836697"/>
+              <a:gd name="connsiteX1" fmla="*/ 1006106 w 1006197"/>
+              <a:gd name="connsiteY1" fmla="*/ 971161 h 3836697"/>
+              <a:gd name="connsiteX2" fmla="*/ 12367 w 1006197"/>
+              <a:gd name="connsiteY2" fmla="*/ 2808762 h 3836697"/>
+              <a:gd name="connsiteX3" fmla="*/ 470302 w 1006197"/>
+              <a:gd name="connsiteY3" fmla="*/ 3836697 h 3836697"/>
+              <a:gd name="connsiteX0" fmla="*/ 491398 w 1015425"/>
+              <a:gd name="connsiteY0" fmla="*/ 0 h 3836697"/>
+              <a:gd name="connsiteX1" fmla="*/ 1006106 w 1015425"/>
+              <a:gd name="connsiteY1" fmla="*/ 971161 h 3836697"/>
+              <a:gd name="connsiteX2" fmla="*/ 12367 w 1015425"/>
+              <a:gd name="connsiteY2" fmla="*/ 2808762 h 3836697"/>
+              <a:gd name="connsiteX3" fmla="*/ 470302 w 1015425"/>
+              <a:gd name="connsiteY3" fmla="*/ 3836697 h 3836697"/>
+              <a:gd name="connsiteX0" fmla="*/ 472617 w 1014492"/>
+              <a:gd name="connsiteY0" fmla="*/ 0 h 3836697"/>
+              <a:gd name="connsiteX1" fmla="*/ 1006106 w 1014492"/>
+              <a:gd name="connsiteY1" fmla="*/ 971161 h 3836697"/>
+              <a:gd name="connsiteX2" fmla="*/ 12367 w 1014492"/>
+              <a:gd name="connsiteY2" fmla="*/ 2808762 h 3836697"/>
+              <a:gd name="connsiteX3" fmla="*/ 470302 w 1014492"/>
+              <a:gd name="connsiteY3" fmla="*/ 3836697 h 3836697"/>
+              <a:gd name="connsiteX0" fmla="*/ 472617 w 1015824"/>
+              <a:gd name="connsiteY0" fmla="*/ 0 h 3836697"/>
+              <a:gd name="connsiteX1" fmla="*/ 1006106 w 1015824"/>
+              <a:gd name="connsiteY1" fmla="*/ 971161 h 3836697"/>
+              <a:gd name="connsiteX2" fmla="*/ 12367 w 1015824"/>
+              <a:gd name="connsiteY2" fmla="*/ 2808762 h 3836697"/>
+              <a:gd name="connsiteX3" fmla="*/ 470302 w 1015824"/>
+              <a:gd name="connsiteY3" fmla="*/ 3836697 h 3836697"/>
+              <a:gd name="connsiteX0" fmla="*/ 475397 w 1018604"/>
+              <a:gd name="connsiteY0" fmla="*/ 0 h 3836697"/>
+              <a:gd name="connsiteX1" fmla="*/ 1008886 w 1018604"/>
+              <a:gd name="connsiteY1" fmla="*/ 971161 h 3836697"/>
+              <a:gd name="connsiteX2" fmla="*/ 15147 w 1018604"/>
+              <a:gd name="connsiteY2" fmla="*/ 2808762 h 3836697"/>
+              <a:gd name="connsiteX3" fmla="*/ 473082 w 1018604"/>
+              <a:gd name="connsiteY3" fmla="*/ 3836697 h 3836697"/>
+            </a:gdLst>
+            <a:ahLst/>
+            <a:cxnLst>
+              <a:cxn ang="0">
+                <a:pos x="connsiteX0" y="connsiteY0"/>
+              </a:cxn>
+              <a:cxn ang="0">
+                <a:pos x="connsiteX1" y="connsiteY1"/>
+              </a:cxn>
+              <a:cxn ang="0">
+                <a:pos x="connsiteX2" y="connsiteY2"/>
+              </a:cxn>
+              <a:cxn ang="0">
+                <a:pos x="connsiteX3" y="connsiteY3"/>
+              </a:cxn>
+            </a:cxnLst>
+            <a:rect l="l" t="t" r="r" b="b"/>
+            <a:pathLst>
+              <a:path w="1018604" h="3836697">
+                <a:moveTo>
+                  <a:pt x="475397" y="0"/>
+                </a:moveTo>
+                <a:cubicBezTo>
+                  <a:pt x="689605" y="294950"/>
+                  <a:pt x="1085594" y="503034"/>
+                  <a:pt x="1008886" y="971161"/>
+                </a:cubicBezTo>
+                <a:cubicBezTo>
+                  <a:pt x="932178" y="1439288"/>
+                  <a:pt x="104448" y="2331173"/>
+                  <a:pt x="15147" y="2808762"/>
+                </a:cubicBezTo>
+                <a:cubicBezTo>
+                  <a:pt x="-74154" y="3286351"/>
+                  <a:pt x="251188" y="3453536"/>
+                  <a:pt x="473082" y="3836697"/>
+                </a:cubicBezTo>
+              </a:path>
+            </a:pathLst>
+          </a:custGeom>
+          <a:noFill/>
+          <a:ln>
+            <a:solidFill>
+              <a:srgbClr val="FF0000"/>
+            </a:solidFill>
+          </a:ln>
+        </p:spPr>
+        <p:style>
+          <a:lnRef idx="2">
+            <a:schemeClr val="accent1">
+              <a:shade val="50000"/>
+            </a:schemeClr>
+          </a:lnRef>
+          <a:fillRef idx="1">
+            <a:schemeClr val="accent1"/>
+          </a:fillRef>
+          <a:effectRef idx="0">
+            <a:schemeClr val="accent1"/>
+          </a:effectRef>
+          <a:fontRef idx="minor">
+            <a:schemeClr val="lt1"/>
+          </a:fontRef>
+        </p:style>
+        <p:txBody>
+          <a:bodyPr rtlCol="0" anchor="ctr"/>
+          <a:lstStyle/>
+          <a:p>
+            <a:pPr algn="ctr"/>
+            <a:endParaRPr lang="zh-CN" altLang="en-US"/>
+          </a:p>
+        </p:txBody>
+      </p:sp>
+    </p:spTree>
+    <p:extLst>
+      <p:ext uri="{BB962C8B-B14F-4D97-AF65-F5344CB8AC3E}">
+        <p14:creationId xmlns:p14="http://schemas.microsoft.com/office/powerpoint/2010/main" val="2149593055"/>
+      </p:ext>
+    </p:extLst>
+  </p:cSld>
+  <p:clrMapOvr>
+    <a:masterClrMapping/>
+  </p:clrMapOvr>
+</p:sld>
+</file>
+
+<file path=ppt/slides/slide8.xml><?xml version="1.0" encoding="utf-8"?>
+<p:sld xmlns:a="http://schemas.openxmlformats.org/drawingml/2006/main" xmlns:r="http://schemas.openxmlformats.org/officeDocument/2006/relationships" xmlns:p="http://schemas.openxmlformats.org/presentationml/2006/main">
+  <p:cSld>
+    <p:spTree>
+      <p:nvGrpSpPr>
+        <p:cNvPr id="1" name=""/>
+        <p:cNvGrpSpPr/>
+        <p:nvPr/>
+      </p:nvGrpSpPr>
+      <p:grpSpPr>
+        <a:xfrm>
+          <a:off x="0" y="0"/>
+          <a:ext cx="0" cy="0"/>
+          <a:chOff x="0" y="0"/>
+          <a:chExt cx="0" cy="0"/>
+        </a:xfrm>
+      </p:grpSpPr>
+      <p:sp>
+        <p:nvSpPr>
+          <p:cNvPr id="2" name="矩形 1">
+            <a:extLst>
+              <a:ext uri="{FF2B5EF4-FFF2-40B4-BE49-F238E27FC236}">
+                <a16:creationId xmlns:a16="http://schemas.microsoft.com/office/drawing/2014/main" id="{A3275A0D-8D1B-4EC6-9FC4-0F8CD1B322FF}"/>
+              </a:ext>
+            </a:extLst>
+          </p:cNvPr>
+          <p:cNvSpPr/>
+          <p:nvPr/>
+        </p:nvSpPr>
+        <p:spPr>
+          <a:xfrm>
+            <a:off x="2372632" y="1281476"/>
+            <a:ext cx="2917861" cy="3832261"/>
+          </a:xfrm>
+          <a:prstGeom prst="rect">
+            <a:avLst/>
+          </a:prstGeom>
+          <a:noFill/>
+          <a:ln w="9525">
+            <a:solidFill>
+              <a:schemeClr val="tx1"/>
+            </a:solidFill>
+          </a:ln>
+        </p:spPr>
+        <p:style>
+          <a:lnRef idx="2">
+            <a:schemeClr val="accent1">
+              <a:shade val="50000"/>
+            </a:schemeClr>
+          </a:lnRef>
+          <a:fillRef idx="1">
+            <a:schemeClr val="accent1"/>
+          </a:fillRef>
+          <a:effectRef idx="0">
+            <a:schemeClr val="accent1"/>
+          </a:effectRef>
+          <a:fontRef idx="minor">
+            <a:schemeClr val="lt1"/>
+          </a:fontRef>
+        </p:style>
+        <p:txBody>
+          <a:bodyPr rtlCol="0" anchor="ctr"/>
+          <a:lstStyle/>
+          <a:p>
+            <a:pPr algn="ctr"/>
+            <a:endParaRPr lang="zh-CN" altLang="en-US"/>
+          </a:p>
+        </p:txBody>
+      </p:sp>
+      <p:sp>
+        <p:nvSpPr>
+          <p:cNvPr id="12" name="文本框 11">
+            <a:extLst>
+              <a:ext uri="{FF2B5EF4-FFF2-40B4-BE49-F238E27FC236}">
+                <a16:creationId xmlns:a16="http://schemas.microsoft.com/office/drawing/2014/main" id="{70DB6211-35D2-4835-BFF5-1DE636375327}"/>
+              </a:ext>
+            </a:extLst>
+          </p:cNvPr>
+          <p:cNvSpPr txBox="1"/>
+          <p:nvPr/>
+        </p:nvSpPr>
+        <p:spPr>
+          <a:xfrm>
+            <a:off x="7876872" y="5153886"/>
+            <a:ext cx="412292" cy="369332"/>
+          </a:xfrm>
+          <a:prstGeom prst="rect">
+            <a:avLst/>
+          </a:prstGeom>
+          <a:noFill/>
+        </p:spPr>
+        <p:txBody>
+          <a:bodyPr wrap="none" rtlCol="0">
+            <a:spAutoFit/>
+          </a:bodyPr>
+          <a:lstStyle/>
+          <a:p>
+            <a:r>
+              <a:rPr lang="en-US" altLang="zh-CN" dirty="0"/>
+              <a:t>z0</a:t>
+            </a:r>
+            <a:endParaRPr lang="zh-CN" altLang="en-US" dirty="0"/>
+          </a:p>
+        </p:txBody>
+      </p:sp>
+      <p:sp>
+        <p:nvSpPr>
+          <p:cNvPr id="42" name="文本框 41">
+            <a:extLst>
+              <a:ext uri="{FF2B5EF4-FFF2-40B4-BE49-F238E27FC236}">
+                <a16:creationId xmlns:a16="http://schemas.microsoft.com/office/drawing/2014/main" id="{5ED642A7-67AB-4D45-B2D1-67542BAB079C}"/>
+              </a:ext>
+            </a:extLst>
+          </p:cNvPr>
+          <p:cNvSpPr txBox="1"/>
+          <p:nvPr/>
+        </p:nvSpPr>
+        <p:spPr>
+          <a:xfrm>
+            <a:off x="9348148" y="5153886"/>
+            <a:ext cx="412292" cy="369332"/>
+          </a:xfrm>
+          <a:prstGeom prst="rect">
+            <a:avLst/>
+          </a:prstGeom>
+          <a:noFill/>
+        </p:spPr>
+        <p:txBody>
+          <a:bodyPr wrap="none" rtlCol="0">
+            <a:spAutoFit/>
+          </a:bodyPr>
+          <a:lstStyle/>
+          <a:p>
+            <a:r>
+              <a:rPr lang="en-US" altLang="zh-CN" dirty="0"/>
+              <a:t>z0</a:t>
+            </a:r>
+            <a:endParaRPr lang="zh-CN" altLang="en-US" dirty="0"/>
+          </a:p>
+        </p:txBody>
+      </p:sp>
+      <p:sp>
+        <p:nvSpPr>
+          <p:cNvPr id="16" name="文本框 15">
+            <a:extLst>
+              <a:ext uri="{FF2B5EF4-FFF2-40B4-BE49-F238E27FC236}">
+                <a16:creationId xmlns:a16="http://schemas.microsoft.com/office/drawing/2014/main" id="{E883C7CE-8829-4F2E-BF95-380803873534}"/>
+              </a:ext>
+            </a:extLst>
+          </p:cNvPr>
+          <p:cNvSpPr txBox="1"/>
+          <p:nvPr/>
+        </p:nvSpPr>
+        <p:spPr>
+          <a:xfrm>
+            <a:off x="7093633" y="5988431"/>
+            <a:ext cx="529312" cy="369332"/>
+          </a:xfrm>
+          <a:prstGeom prst="rect">
+            <a:avLst/>
+          </a:prstGeom>
+          <a:noFill/>
+        </p:spPr>
+        <p:txBody>
+          <a:bodyPr wrap="none" rtlCol="0">
+            <a:spAutoFit/>
+          </a:bodyPr>
+          <a:lstStyle/>
+          <a:p>
+            <a:r>
+              <a:rPr lang="en-US" altLang="zh-CN" dirty="0"/>
+              <a:t>2πr</a:t>
+            </a:r>
+            <a:endParaRPr lang="zh-CN" altLang="en-US" dirty="0"/>
+          </a:p>
+        </p:txBody>
+      </p:sp>
+      <p:cxnSp>
+        <p:nvCxnSpPr>
+          <p:cNvPr id="10" name="直接连接符 9">
+            <a:extLst>
+              <a:ext uri="{FF2B5EF4-FFF2-40B4-BE49-F238E27FC236}">
+                <a16:creationId xmlns:a16="http://schemas.microsoft.com/office/drawing/2014/main" id="{6FF0FD4F-7860-407B-9502-CFCD61F750C4}"/>
+              </a:ext>
+            </a:extLst>
+          </p:cNvPr>
+          <p:cNvCxnSpPr>
+            <a:stCxn id="2" idx="2"/>
+          </p:cNvCxnSpPr>
+          <p:nvPr/>
+        </p:nvCxnSpPr>
+        <p:spPr>
+          <a:xfrm flipV="1">
+            <a:off x="3831563" y="1281476"/>
+            <a:ext cx="1458930" cy="3832261"/>
+          </a:xfrm>
+          <a:prstGeom prst="line">
+            <a:avLst/>
+          </a:prstGeom>
+          <a:ln>
+            <a:solidFill>
+              <a:srgbClr val="4472C4"/>
+            </a:solidFill>
+            <a:prstDash val="lgDash"/>
+          </a:ln>
+        </p:spPr>
+        <p:style>
+          <a:lnRef idx="1">
+            <a:schemeClr val="accent1"/>
+          </a:lnRef>
+          <a:fillRef idx="0">
+            <a:schemeClr val="accent1"/>
+          </a:fillRef>
+          <a:effectRef idx="0">
+            <a:schemeClr val="accent1"/>
+          </a:effectRef>
+          <a:fontRef idx="minor">
+            <a:schemeClr val="tx1"/>
+          </a:fontRef>
+        </p:style>
+      </p:cxnSp>
+      <p:cxnSp>
+        <p:nvCxnSpPr>
+          <p:cNvPr id="7" name="直接连接符 6">
+            <a:extLst>
+              <a:ext uri="{FF2B5EF4-FFF2-40B4-BE49-F238E27FC236}">
+                <a16:creationId xmlns:a16="http://schemas.microsoft.com/office/drawing/2014/main" id="{478BF4E4-E345-4253-9476-C357731F473B}"/>
+              </a:ext>
+            </a:extLst>
+          </p:cNvPr>
+          <p:cNvCxnSpPr>
+            <a:stCxn id="2" idx="0"/>
+          </p:cNvCxnSpPr>
+          <p:nvPr/>
+        </p:nvCxnSpPr>
+        <p:spPr>
+          <a:xfrm flipH="1">
+            <a:off x="2372632" y="1281476"/>
+            <a:ext cx="1458931" cy="3832261"/>
+          </a:xfrm>
+          <a:prstGeom prst="line">
+            <a:avLst/>
+          </a:prstGeom>
+          <a:ln>
+            <a:solidFill>
+              <a:srgbClr val="4472C4"/>
+            </a:solidFill>
+            <a:prstDash val="lgDash"/>
+          </a:ln>
+        </p:spPr>
+        <p:style>
+          <a:lnRef idx="1">
+            <a:schemeClr val="accent1"/>
+          </a:lnRef>
+          <a:fillRef idx="0">
+            <a:schemeClr val="accent1"/>
+          </a:fillRef>
+          <a:effectRef idx="0">
+            <a:schemeClr val="accent1"/>
+          </a:effectRef>
+          <a:fontRef idx="minor">
+            <a:schemeClr val="tx1"/>
+          </a:fontRef>
+        </p:style>
+      </p:cxnSp>
+      <p:cxnSp>
+        <p:nvCxnSpPr>
+          <p:cNvPr id="30" name="直接连接符 29">
+            <a:extLst>
+              <a:ext uri="{FF2B5EF4-FFF2-40B4-BE49-F238E27FC236}">
+                <a16:creationId xmlns:a16="http://schemas.microsoft.com/office/drawing/2014/main" id="{20995969-CADA-4809-9398-67164777CB33}"/>
+              </a:ext>
+            </a:extLst>
+          </p:cNvPr>
+          <p:cNvCxnSpPr>
+            <a:cxnSpLocks/>
+            <a:stCxn id="2" idx="0"/>
+            <a:endCxn id="2" idx="2"/>
+          </p:cNvCxnSpPr>
+          <p:nvPr/>
+        </p:nvCxnSpPr>
+        <p:spPr>
+          <a:xfrm>
+            <a:off x="3831563" y="1281476"/>
+            <a:ext cx="0" cy="3832261"/>
+          </a:xfrm>
+          <a:prstGeom prst="line">
+            <a:avLst/>
+          </a:prstGeom>
+          <a:ln>
+            <a:prstDash val="dash"/>
+          </a:ln>
+        </p:spPr>
+        <p:style>
+          <a:lnRef idx="1">
+            <a:schemeClr val="accent1"/>
+          </a:lnRef>
+          <a:fillRef idx="0">
+            <a:schemeClr val="accent1"/>
+          </a:fillRef>
+          <a:effectRef idx="0">
+            <a:schemeClr val="accent1"/>
+          </a:effectRef>
+          <a:fontRef idx="minor">
+            <a:schemeClr val="tx1"/>
+          </a:fontRef>
+        </p:style>
+      </p:cxnSp>
+      <p:sp>
+        <p:nvSpPr>
+          <p:cNvPr id="48" name="文本框 47">
+            <a:extLst>
+              <a:ext uri="{FF2B5EF4-FFF2-40B4-BE49-F238E27FC236}">
+                <a16:creationId xmlns:a16="http://schemas.microsoft.com/office/drawing/2014/main" id="{D3257427-F115-474C-BAD8-8DE940E9F47F}"/>
+              </a:ext>
+            </a:extLst>
+          </p:cNvPr>
+          <p:cNvSpPr txBox="1"/>
+          <p:nvPr/>
+        </p:nvSpPr>
+        <p:spPr>
+          <a:xfrm rot="3112111">
+            <a:off x="3238669" y="3165756"/>
+            <a:ext cx="902811" cy="307777"/>
+          </a:xfrm>
+          <a:prstGeom prst="rect">
+            <a:avLst/>
+          </a:prstGeom>
+          <a:noFill/>
+        </p:spPr>
+        <p:txBody>
+          <a:bodyPr wrap="none" rtlCol="0">
+            <a:spAutoFit/>
+          </a:bodyPr>
+          <a:lstStyle/>
+          <a:p>
+            <a:r>
+              <a:rPr lang="zh-CN" altLang="en-US" sz="1400" dirty="0"/>
+              <a:t>最短距离</a:t>
+            </a:r>
+          </a:p>
+        </p:txBody>
+      </p:sp>
+      <p:sp>
+        <p:nvSpPr>
+          <p:cNvPr id="4" name="任意多边形: 形状 3">
+            <a:extLst>
+              <a:ext uri="{FF2B5EF4-FFF2-40B4-BE49-F238E27FC236}">
+                <a16:creationId xmlns:a16="http://schemas.microsoft.com/office/drawing/2014/main" id="{D2257E86-7FD8-4ACD-A815-B7CEFAAD3B67}"/>
+              </a:ext>
+            </a:extLst>
+          </p:cNvPr>
+          <p:cNvSpPr/>
+          <p:nvPr/>
+        </p:nvSpPr>
+        <p:spPr>
+          <a:xfrm>
+            <a:off x="2255585" y="1298667"/>
+            <a:ext cx="1804292" cy="3799643"/>
+          </a:xfrm>
+          <a:custGeom>
+            <a:avLst/>
+            <a:gdLst>
+              <a:gd name="connsiteX0" fmla="*/ 1596585 w 1764488"/>
+              <a:gd name="connsiteY0" fmla="*/ 0 h 3799643"/>
+              <a:gd name="connsiteX1" fmla="*/ 1632096 w 1764488"/>
+              <a:gd name="connsiteY1" fmla="*/ 1065321 h 3799643"/>
+              <a:gd name="connsiteX2" fmla="*/ 140647 w 1764488"/>
+              <a:gd name="connsiteY2" fmla="*/ 2565647 h 3799643"/>
+              <a:gd name="connsiteX3" fmla="*/ 149525 w 1764488"/>
+              <a:gd name="connsiteY3" fmla="*/ 3799643 h 3799643"/>
+              <a:gd name="connsiteX0" fmla="*/ 1599291 w 1793102"/>
+              <a:gd name="connsiteY0" fmla="*/ 0 h 3799643"/>
+              <a:gd name="connsiteX1" fmla="*/ 1672902 w 1793102"/>
+              <a:gd name="connsiteY1" fmla="*/ 1046271 h 3799643"/>
+              <a:gd name="connsiteX2" fmla="*/ 143353 w 1793102"/>
+              <a:gd name="connsiteY2" fmla="*/ 2565647 h 3799643"/>
+              <a:gd name="connsiteX3" fmla="*/ 152231 w 1793102"/>
+              <a:gd name="connsiteY3" fmla="*/ 3799643 h 3799643"/>
+              <a:gd name="connsiteX0" fmla="*/ 1604718 w 1855467"/>
+              <a:gd name="connsiteY0" fmla="*/ 0 h 3799643"/>
+              <a:gd name="connsiteX1" fmla="*/ 1754529 w 1855467"/>
+              <a:gd name="connsiteY1" fmla="*/ 1084371 h 3799643"/>
+              <a:gd name="connsiteX2" fmla="*/ 148780 w 1855467"/>
+              <a:gd name="connsiteY2" fmla="*/ 2565647 h 3799643"/>
+              <a:gd name="connsiteX3" fmla="*/ 157658 w 1855467"/>
+              <a:gd name="connsiteY3" fmla="*/ 3799643 h 3799643"/>
+              <a:gd name="connsiteX0" fmla="*/ 1581717 w 1829667"/>
+              <a:gd name="connsiteY0" fmla="*/ 0 h 3799643"/>
+              <a:gd name="connsiteX1" fmla="*/ 1731528 w 1829667"/>
+              <a:gd name="connsiteY1" fmla="*/ 1084371 h 3799643"/>
+              <a:gd name="connsiteX2" fmla="*/ 163879 w 1829667"/>
+              <a:gd name="connsiteY2" fmla="*/ 2616447 h 3799643"/>
+              <a:gd name="connsiteX3" fmla="*/ 134657 w 1829667"/>
+              <a:gd name="connsiteY3" fmla="*/ 3799643 h 3799643"/>
+              <a:gd name="connsiteX0" fmla="*/ 1592926 w 1842275"/>
+              <a:gd name="connsiteY0" fmla="*/ 0 h 3799643"/>
+              <a:gd name="connsiteX1" fmla="*/ 1742737 w 1842275"/>
+              <a:gd name="connsiteY1" fmla="*/ 1084371 h 3799643"/>
+              <a:gd name="connsiteX2" fmla="*/ 156038 w 1842275"/>
+              <a:gd name="connsiteY2" fmla="*/ 2591047 h 3799643"/>
+              <a:gd name="connsiteX3" fmla="*/ 145866 w 1842275"/>
+              <a:gd name="connsiteY3" fmla="*/ 3799643 h 3799643"/>
+              <a:gd name="connsiteX0" fmla="*/ 1584980 w 1834329"/>
+              <a:gd name="connsiteY0" fmla="*/ 0 h 3799643"/>
+              <a:gd name="connsiteX1" fmla="*/ 1734791 w 1834329"/>
+              <a:gd name="connsiteY1" fmla="*/ 1084371 h 3799643"/>
+              <a:gd name="connsiteX2" fmla="*/ 148092 w 1834329"/>
+              <a:gd name="connsiteY2" fmla="*/ 2591047 h 3799643"/>
+              <a:gd name="connsiteX3" fmla="*/ 137920 w 1834329"/>
+              <a:gd name="connsiteY3" fmla="*/ 3799643 h 3799643"/>
+              <a:gd name="connsiteX0" fmla="*/ 1574513 w 1823862"/>
+              <a:gd name="connsiteY0" fmla="*/ 0 h 3799643"/>
+              <a:gd name="connsiteX1" fmla="*/ 1724324 w 1823862"/>
+              <a:gd name="connsiteY1" fmla="*/ 1084371 h 3799643"/>
+              <a:gd name="connsiteX2" fmla="*/ 137625 w 1823862"/>
+              <a:gd name="connsiteY2" fmla="*/ 2591047 h 3799643"/>
+              <a:gd name="connsiteX3" fmla="*/ 127453 w 1823862"/>
+              <a:gd name="connsiteY3" fmla="*/ 3799643 h 3799643"/>
+              <a:gd name="connsiteX0" fmla="*/ 1574513 w 1815468"/>
+              <a:gd name="connsiteY0" fmla="*/ 0 h 3799643"/>
+              <a:gd name="connsiteX1" fmla="*/ 1724324 w 1815468"/>
+              <a:gd name="connsiteY1" fmla="*/ 1084371 h 3799643"/>
+              <a:gd name="connsiteX2" fmla="*/ 137625 w 1815468"/>
+              <a:gd name="connsiteY2" fmla="*/ 2591047 h 3799643"/>
+              <a:gd name="connsiteX3" fmla="*/ 127453 w 1815468"/>
+              <a:gd name="connsiteY3" fmla="*/ 3799643 h 3799643"/>
+              <a:gd name="connsiteX0" fmla="*/ 1574513 w 1804292"/>
+              <a:gd name="connsiteY0" fmla="*/ 0 h 3799643"/>
+              <a:gd name="connsiteX1" fmla="*/ 1724324 w 1804292"/>
+              <a:gd name="connsiteY1" fmla="*/ 1084371 h 3799643"/>
+              <a:gd name="connsiteX2" fmla="*/ 137625 w 1804292"/>
+              <a:gd name="connsiteY2" fmla="*/ 2591047 h 3799643"/>
+              <a:gd name="connsiteX3" fmla="*/ 127453 w 1804292"/>
+              <a:gd name="connsiteY3" fmla="*/ 3799643 h 3799643"/>
+            </a:gdLst>
+            <a:ahLst/>
+            <a:cxnLst>
+              <a:cxn ang="0">
+                <a:pos x="connsiteX0" y="connsiteY0"/>
+              </a:cxn>
+              <a:cxn ang="0">
+                <a:pos x="connsiteX1" y="connsiteY1"/>
+              </a:cxn>
+              <a:cxn ang="0">
+                <a:pos x="connsiteX2" y="connsiteY2"/>
+              </a:cxn>
+              <a:cxn ang="0">
+                <a:pos x="connsiteX3" y="connsiteY3"/>
+              </a:cxn>
+            </a:cxnLst>
+            <a:rect l="l" t="t" r="r" b="b"/>
+            <a:pathLst>
+              <a:path w="1804292" h="3799643">
+                <a:moveTo>
+                  <a:pt x="1574513" y="0"/>
+                </a:moveTo>
+                <a:cubicBezTo>
+                  <a:pt x="1713596" y="318856"/>
+                  <a:pt x="1919355" y="582680"/>
+                  <a:pt x="1724324" y="1084371"/>
+                </a:cubicBezTo>
+                <a:cubicBezTo>
+                  <a:pt x="1529293" y="1586062"/>
+                  <a:pt x="359320" y="2087702"/>
+                  <a:pt x="137625" y="2591047"/>
+                </a:cubicBezTo>
+                <a:cubicBezTo>
+                  <a:pt x="-84070" y="3094392"/>
+                  <a:pt x="-534" y="3410505"/>
+                  <a:pt x="127453" y="3799643"/>
+                </a:cubicBezTo>
+              </a:path>
+            </a:pathLst>
+          </a:custGeom>
+          <a:noFill/>
+          <a:ln>
+            <a:solidFill>
+              <a:srgbClr val="FF0000"/>
+            </a:solidFill>
+          </a:ln>
+        </p:spPr>
+        <p:style>
+          <a:lnRef idx="2">
+            <a:schemeClr val="accent1">
+              <a:shade val="50000"/>
+            </a:schemeClr>
+          </a:lnRef>
+          <a:fillRef idx="1">
+            <a:schemeClr val="accent1"/>
+          </a:fillRef>
+          <a:effectRef idx="0">
+            <a:schemeClr val="accent1"/>
+          </a:effectRef>
+          <a:fontRef idx="minor">
+            <a:schemeClr val="lt1"/>
+          </a:fontRef>
+        </p:style>
+        <p:txBody>
+          <a:bodyPr rtlCol="0" anchor="ctr"/>
+          <a:lstStyle/>
+          <a:p>
+            <a:pPr algn="ctr"/>
+            <a:endParaRPr lang="zh-CN" altLang="en-US"/>
+          </a:p>
+        </p:txBody>
+      </p:sp>
+      <p:sp>
+        <p:nvSpPr>
+          <p:cNvPr id="18" name="任意多边形: 形状 17">
+            <a:extLst>
+              <a:ext uri="{FF2B5EF4-FFF2-40B4-BE49-F238E27FC236}">
+                <a16:creationId xmlns:a16="http://schemas.microsoft.com/office/drawing/2014/main" id="{0C563210-9A16-4AC5-B41F-66DC3D5E096E}"/>
+              </a:ext>
+            </a:extLst>
+          </p:cNvPr>
+          <p:cNvSpPr/>
+          <p:nvPr/>
+        </p:nvSpPr>
+        <p:spPr>
+          <a:xfrm>
+            <a:off x="3713556" y="1304135"/>
+            <a:ext cx="1804292" cy="3799643"/>
+          </a:xfrm>
+          <a:custGeom>
+            <a:avLst/>
+            <a:gdLst>
+              <a:gd name="connsiteX0" fmla="*/ 1596585 w 1764488"/>
+              <a:gd name="connsiteY0" fmla="*/ 0 h 3799643"/>
+              <a:gd name="connsiteX1" fmla="*/ 1632096 w 1764488"/>
+              <a:gd name="connsiteY1" fmla="*/ 1065321 h 3799643"/>
+              <a:gd name="connsiteX2" fmla="*/ 140647 w 1764488"/>
+              <a:gd name="connsiteY2" fmla="*/ 2565647 h 3799643"/>
+              <a:gd name="connsiteX3" fmla="*/ 149525 w 1764488"/>
+              <a:gd name="connsiteY3" fmla="*/ 3799643 h 3799643"/>
+              <a:gd name="connsiteX0" fmla="*/ 1599291 w 1793102"/>
+              <a:gd name="connsiteY0" fmla="*/ 0 h 3799643"/>
+              <a:gd name="connsiteX1" fmla="*/ 1672902 w 1793102"/>
+              <a:gd name="connsiteY1" fmla="*/ 1046271 h 3799643"/>
+              <a:gd name="connsiteX2" fmla="*/ 143353 w 1793102"/>
+              <a:gd name="connsiteY2" fmla="*/ 2565647 h 3799643"/>
+              <a:gd name="connsiteX3" fmla="*/ 152231 w 1793102"/>
+              <a:gd name="connsiteY3" fmla="*/ 3799643 h 3799643"/>
+              <a:gd name="connsiteX0" fmla="*/ 1604718 w 1855467"/>
+              <a:gd name="connsiteY0" fmla="*/ 0 h 3799643"/>
+              <a:gd name="connsiteX1" fmla="*/ 1754529 w 1855467"/>
+              <a:gd name="connsiteY1" fmla="*/ 1084371 h 3799643"/>
+              <a:gd name="connsiteX2" fmla="*/ 148780 w 1855467"/>
+              <a:gd name="connsiteY2" fmla="*/ 2565647 h 3799643"/>
+              <a:gd name="connsiteX3" fmla="*/ 157658 w 1855467"/>
+              <a:gd name="connsiteY3" fmla="*/ 3799643 h 3799643"/>
+              <a:gd name="connsiteX0" fmla="*/ 1581717 w 1829667"/>
+              <a:gd name="connsiteY0" fmla="*/ 0 h 3799643"/>
+              <a:gd name="connsiteX1" fmla="*/ 1731528 w 1829667"/>
+              <a:gd name="connsiteY1" fmla="*/ 1084371 h 3799643"/>
+              <a:gd name="connsiteX2" fmla="*/ 163879 w 1829667"/>
+              <a:gd name="connsiteY2" fmla="*/ 2616447 h 3799643"/>
+              <a:gd name="connsiteX3" fmla="*/ 134657 w 1829667"/>
+              <a:gd name="connsiteY3" fmla="*/ 3799643 h 3799643"/>
+              <a:gd name="connsiteX0" fmla="*/ 1592926 w 1842275"/>
+              <a:gd name="connsiteY0" fmla="*/ 0 h 3799643"/>
+              <a:gd name="connsiteX1" fmla="*/ 1742737 w 1842275"/>
+              <a:gd name="connsiteY1" fmla="*/ 1084371 h 3799643"/>
+              <a:gd name="connsiteX2" fmla="*/ 156038 w 1842275"/>
+              <a:gd name="connsiteY2" fmla="*/ 2591047 h 3799643"/>
+              <a:gd name="connsiteX3" fmla="*/ 145866 w 1842275"/>
+              <a:gd name="connsiteY3" fmla="*/ 3799643 h 3799643"/>
+              <a:gd name="connsiteX0" fmla="*/ 1584980 w 1834329"/>
+              <a:gd name="connsiteY0" fmla="*/ 0 h 3799643"/>
+              <a:gd name="connsiteX1" fmla="*/ 1734791 w 1834329"/>
+              <a:gd name="connsiteY1" fmla="*/ 1084371 h 3799643"/>
+              <a:gd name="connsiteX2" fmla="*/ 148092 w 1834329"/>
+              <a:gd name="connsiteY2" fmla="*/ 2591047 h 3799643"/>
+              <a:gd name="connsiteX3" fmla="*/ 137920 w 1834329"/>
+              <a:gd name="connsiteY3" fmla="*/ 3799643 h 3799643"/>
+              <a:gd name="connsiteX0" fmla="*/ 1574513 w 1823862"/>
+              <a:gd name="connsiteY0" fmla="*/ 0 h 3799643"/>
+              <a:gd name="connsiteX1" fmla="*/ 1724324 w 1823862"/>
+              <a:gd name="connsiteY1" fmla="*/ 1084371 h 3799643"/>
+              <a:gd name="connsiteX2" fmla="*/ 137625 w 1823862"/>
+              <a:gd name="connsiteY2" fmla="*/ 2591047 h 3799643"/>
+              <a:gd name="connsiteX3" fmla="*/ 127453 w 1823862"/>
+              <a:gd name="connsiteY3" fmla="*/ 3799643 h 3799643"/>
+              <a:gd name="connsiteX0" fmla="*/ 1574513 w 1815468"/>
+              <a:gd name="connsiteY0" fmla="*/ 0 h 3799643"/>
+              <a:gd name="connsiteX1" fmla="*/ 1724324 w 1815468"/>
+              <a:gd name="connsiteY1" fmla="*/ 1084371 h 3799643"/>
+              <a:gd name="connsiteX2" fmla="*/ 137625 w 1815468"/>
+              <a:gd name="connsiteY2" fmla="*/ 2591047 h 3799643"/>
+              <a:gd name="connsiteX3" fmla="*/ 127453 w 1815468"/>
+              <a:gd name="connsiteY3" fmla="*/ 3799643 h 3799643"/>
+              <a:gd name="connsiteX0" fmla="*/ 1574513 w 1804292"/>
+              <a:gd name="connsiteY0" fmla="*/ 0 h 3799643"/>
+              <a:gd name="connsiteX1" fmla="*/ 1724324 w 1804292"/>
+              <a:gd name="connsiteY1" fmla="*/ 1084371 h 3799643"/>
+              <a:gd name="connsiteX2" fmla="*/ 137625 w 1804292"/>
+              <a:gd name="connsiteY2" fmla="*/ 2591047 h 3799643"/>
+              <a:gd name="connsiteX3" fmla="*/ 127453 w 1804292"/>
+              <a:gd name="connsiteY3" fmla="*/ 3799643 h 3799643"/>
+            </a:gdLst>
+            <a:ahLst/>
+            <a:cxnLst>
+              <a:cxn ang="0">
+                <a:pos x="connsiteX0" y="connsiteY0"/>
+              </a:cxn>
+              <a:cxn ang="0">
+                <a:pos x="connsiteX1" y="connsiteY1"/>
+              </a:cxn>
+              <a:cxn ang="0">
+                <a:pos x="connsiteX2" y="connsiteY2"/>
+              </a:cxn>
+              <a:cxn ang="0">
+                <a:pos x="connsiteX3" y="connsiteY3"/>
+              </a:cxn>
+            </a:cxnLst>
+            <a:rect l="l" t="t" r="r" b="b"/>
+            <a:pathLst>
+              <a:path w="1804292" h="3799643">
+                <a:moveTo>
+                  <a:pt x="1574513" y="0"/>
+                </a:moveTo>
+                <a:cubicBezTo>
+                  <a:pt x="1713596" y="318856"/>
+                  <a:pt x="1919355" y="582680"/>
+                  <a:pt x="1724324" y="1084371"/>
+                </a:cubicBezTo>
+                <a:cubicBezTo>
+                  <a:pt x="1529293" y="1586062"/>
+                  <a:pt x="359320" y="2087702"/>
+                  <a:pt x="137625" y="2591047"/>
+                </a:cubicBezTo>
+                <a:cubicBezTo>
+                  <a:pt x="-84070" y="3094392"/>
+                  <a:pt x="-534" y="3410505"/>
+                  <a:pt x="127453" y="3799643"/>
+                </a:cubicBezTo>
+              </a:path>
+            </a:pathLst>
+          </a:custGeom>
+          <a:noFill/>
+          <a:ln>
+            <a:solidFill>
+              <a:srgbClr val="FF0000"/>
+            </a:solidFill>
+          </a:ln>
+        </p:spPr>
+        <p:style>
+          <a:lnRef idx="2">
+            <a:schemeClr val="accent1">
+              <a:shade val="50000"/>
+            </a:schemeClr>
+          </a:lnRef>
+          <a:fillRef idx="1">
+            <a:schemeClr val="accent1"/>
+          </a:fillRef>
+          <a:effectRef idx="0">
+            <a:schemeClr val="accent1"/>
+          </a:effectRef>
+          <a:fontRef idx="minor">
+            <a:schemeClr val="lt1"/>
+          </a:fontRef>
+        </p:style>
+        <p:txBody>
+          <a:bodyPr rtlCol="0" anchor="ctr"/>
+          <a:lstStyle/>
+          <a:p>
+            <a:pPr algn="ctr"/>
+            <a:endParaRPr lang="zh-CN" altLang="en-US" dirty="0"/>
+          </a:p>
+        </p:txBody>
+      </p:sp>
+      <p:cxnSp>
+        <p:nvCxnSpPr>
+          <p:cNvPr id="6" name="直接连接符 5">
+            <a:extLst>
+              <a:ext uri="{FF2B5EF4-FFF2-40B4-BE49-F238E27FC236}">
+                <a16:creationId xmlns:a16="http://schemas.microsoft.com/office/drawing/2014/main" id="{61C8F418-3D2F-482C-A232-294AD5CE19B2}"/>
+              </a:ext>
+            </a:extLst>
+          </p:cNvPr>
+          <p:cNvCxnSpPr/>
+          <p:nvPr/>
+        </p:nvCxnSpPr>
+        <p:spPr>
+          <a:xfrm>
+            <a:off x="3573275" y="2852412"/>
+            <a:ext cx="516577" cy="690388"/>
+          </a:xfrm>
+          <a:prstGeom prst="line">
+            <a:avLst/>
+          </a:prstGeom>
+          <a:ln w="28575">
+            <a:solidFill>
+              <a:srgbClr val="92D050"/>
+            </a:solidFill>
+          </a:ln>
+        </p:spPr>
+        <p:style>
+          <a:lnRef idx="1">
+            <a:schemeClr val="accent1"/>
+          </a:lnRef>
+          <a:fillRef idx="0">
+            <a:schemeClr val="accent1"/>
+          </a:fillRef>
+          <a:effectRef idx="0">
+            <a:schemeClr val="accent1"/>
+          </a:effectRef>
+          <a:fontRef idx="minor">
+            <a:schemeClr val="tx1"/>
+          </a:fontRef>
+        </p:style>
+      </p:cxnSp>
+      <p:sp>
+        <p:nvSpPr>
+          <p:cNvPr id="21" name="矩形 20">
+            <a:extLst>
+              <a:ext uri="{FF2B5EF4-FFF2-40B4-BE49-F238E27FC236}">
+                <a16:creationId xmlns:a16="http://schemas.microsoft.com/office/drawing/2014/main" id="{1086DC0D-C58D-4E9C-8E28-7CA126DA7FAF}"/>
+              </a:ext>
+            </a:extLst>
+          </p:cNvPr>
+          <p:cNvSpPr/>
+          <p:nvPr/>
+        </p:nvSpPr>
+        <p:spPr>
+          <a:xfrm>
+            <a:off x="7358289" y="1298667"/>
+            <a:ext cx="2917861" cy="3832261"/>
+          </a:xfrm>
+          <a:prstGeom prst="rect">
+            <a:avLst/>
+          </a:prstGeom>
+          <a:noFill/>
+          <a:ln w="9525">
+            <a:solidFill>
+              <a:schemeClr val="tx1"/>
+            </a:solidFill>
+          </a:ln>
+        </p:spPr>
+        <p:style>
+          <a:lnRef idx="2">
+            <a:schemeClr val="accent1">
+              <a:shade val="50000"/>
+            </a:schemeClr>
+          </a:lnRef>
+          <a:fillRef idx="1">
+            <a:schemeClr val="accent1"/>
+          </a:fillRef>
+          <a:effectRef idx="0">
+            <a:schemeClr val="accent1"/>
+          </a:effectRef>
+          <a:fontRef idx="minor">
+            <a:schemeClr val="lt1"/>
+          </a:fontRef>
+        </p:style>
+        <p:txBody>
+          <a:bodyPr rtlCol="0" anchor="ctr"/>
+          <a:lstStyle/>
+          <a:p>
+            <a:pPr algn="ctr"/>
+            <a:endParaRPr lang="zh-CN" altLang="en-US"/>
+          </a:p>
+        </p:txBody>
+      </p:sp>
+      <p:sp>
+        <p:nvSpPr>
+          <p:cNvPr id="22" name="文本框 21">
+            <a:extLst>
+              <a:ext uri="{FF2B5EF4-FFF2-40B4-BE49-F238E27FC236}">
+                <a16:creationId xmlns:a16="http://schemas.microsoft.com/office/drawing/2014/main" id="{B6687822-F2EC-4A7E-91FF-6943B89B0A58}"/>
+              </a:ext>
+            </a:extLst>
+          </p:cNvPr>
+          <p:cNvSpPr txBox="1"/>
+          <p:nvPr/>
+        </p:nvSpPr>
+        <p:spPr>
+          <a:xfrm>
+            <a:off x="10461085" y="3214797"/>
+            <a:ext cx="529312" cy="369332"/>
+          </a:xfrm>
+          <a:prstGeom prst="rect">
+            <a:avLst/>
+          </a:prstGeom>
+          <a:noFill/>
+        </p:spPr>
+        <p:txBody>
+          <a:bodyPr wrap="none" rtlCol="0">
+            <a:spAutoFit/>
+          </a:bodyPr>
+          <a:lstStyle/>
+          <a:p>
+            <a:r>
+              <a:rPr lang="en-US" altLang="zh-CN" dirty="0"/>
+              <a:t>2πr</a:t>
+            </a:r>
+            <a:endParaRPr lang="zh-CN" altLang="en-US" dirty="0"/>
+          </a:p>
+        </p:txBody>
+      </p:sp>
+      <p:cxnSp>
+        <p:nvCxnSpPr>
+          <p:cNvPr id="25" name="直接连接符 24">
+            <a:extLst>
+              <a:ext uri="{FF2B5EF4-FFF2-40B4-BE49-F238E27FC236}">
+                <a16:creationId xmlns:a16="http://schemas.microsoft.com/office/drawing/2014/main" id="{31B4FE55-C806-4292-AFB6-9C20FAEF567A}"/>
+              </a:ext>
+            </a:extLst>
+          </p:cNvPr>
+          <p:cNvCxnSpPr>
+            <a:cxnSpLocks/>
+            <a:stCxn id="21" idx="0"/>
+            <a:endCxn id="21" idx="2"/>
+          </p:cNvCxnSpPr>
+          <p:nvPr/>
+        </p:nvCxnSpPr>
+        <p:spPr>
+          <a:xfrm>
+            <a:off x="8817220" y="1298667"/>
+            <a:ext cx="0" cy="3832261"/>
+          </a:xfrm>
+          <a:prstGeom prst="line">
+            <a:avLst/>
+          </a:prstGeom>
+          <a:ln>
+            <a:prstDash val="dash"/>
+          </a:ln>
+        </p:spPr>
+        <p:style>
+          <a:lnRef idx="1">
+            <a:schemeClr val="accent1"/>
+          </a:lnRef>
+          <a:fillRef idx="0">
+            <a:schemeClr val="accent1"/>
+          </a:fillRef>
+          <a:effectRef idx="0">
+            <a:schemeClr val="accent1"/>
+          </a:effectRef>
+          <a:fontRef idx="minor">
+            <a:schemeClr val="tx1"/>
+          </a:fontRef>
+        </p:style>
+      </p:cxnSp>
+      <p:sp>
+        <p:nvSpPr>
+          <p:cNvPr id="26" name="文本框 25">
+            <a:extLst>
+              <a:ext uri="{FF2B5EF4-FFF2-40B4-BE49-F238E27FC236}">
+                <a16:creationId xmlns:a16="http://schemas.microsoft.com/office/drawing/2014/main" id="{97EA1D42-66A2-4524-A587-8BC54F73D05D}"/>
+              </a:ext>
+            </a:extLst>
+          </p:cNvPr>
+          <p:cNvSpPr txBox="1"/>
+          <p:nvPr/>
+        </p:nvSpPr>
+        <p:spPr>
+          <a:xfrm rot="1508524">
+            <a:off x="7622059" y="3029618"/>
+            <a:ext cx="902811" cy="307777"/>
+          </a:xfrm>
+          <a:prstGeom prst="rect">
+            <a:avLst/>
+          </a:prstGeom>
+          <a:noFill/>
+        </p:spPr>
+        <p:txBody>
+          <a:bodyPr wrap="none" rtlCol="0">
+            <a:spAutoFit/>
+          </a:bodyPr>
+          <a:lstStyle/>
+          <a:p>
+            <a:r>
+              <a:rPr lang="zh-CN" altLang="en-US" sz="1400" dirty="0"/>
+              <a:t>最短距离</a:t>
+            </a:r>
+          </a:p>
+        </p:txBody>
+      </p:sp>
+      <p:sp>
+        <p:nvSpPr>
+          <p:cNvPr id="29" name="任意多边形: 形状 28">
+            <a:extLst>
+              <a:ext uri="{FF2B5EF4-FFF2-40B4-BE49-F238E27FC236}">
+                <a16:creationId xmlns:a16="http://schemas.microsoft.com/office/drawing/2014/main" id="{94D771D8-0533-44E5-91DB-D3DC7DBB7F89}"/>
+              </a:ext>
+            </a:extLst>
+          </p:cNvPr>
+          <p:cNvSpPr/>
+          <p:nvPr/>
+        </p:nvSpPr>
+        <p:spPr>
+          <a:xfrm>
+            <a:off x="6901183" y="1289732"/>
+            <a:ext cx="972392" cy="3836697"/>
+          </a:xfrm>
+          <a:custGeom>
+            <a:avLst/>
+            <a:gdLst>
+              <a:gd name="connsiteX0" fmla="*/ 1596585 w 1764488"/>
+              <a:gd name="connsiteY0" fmla="*/ 0 h 3799643"/>
+              <a:gd name="connsiteX1" fmla="*/ 1632096 w 1764488"/>
+              <a:gd name="connsiteY1" fmla="*/ 1065321 h 3799643"/>
+              <a:gd name="connsiteX2" fmla="*/ 140647 w 1764488"/>
+              <a:gd name="connsiteY2" fmla="*/ 2565647 h 3799643"/>
+              <a:gd name="connsiteX3" fmla="*/ 149525 w 1764488"/>
+              <a:gd name="connsiteY3" fmla="*/ 3799643 h 3799643"/>
+              <a:gd name="connsiteX0" fmla="*/ 1599291 w 1793102"/>
+              <a:gd name="connsiteY0" fmla="*/ 0 h 3799643"/>
+              <a:gd name="connsiteX1" fmla="*/ 1672902 w 1793102"/>
+              <a:gd name="connsiteY1" fmla="*/ 1046271 h 3799643"/>
+              <a:gd name="connsiteX2" fmla="*/ 143353 w 1793102"/>
+              <a:gd name="connsiteY2" fmla="*/ 2565647 h 3799643"/>
+              <a:gd name="connsiteX3" fmla="*/ 152231 w 1793102"/>
+              <a:gd name="connsiteY3" fmla="*/ 3799643 h 3799643"/>
+              <a:gd name="connsiteX0" fmla="*/ 1604718 w 1855467"/>
+              <a:gd name="connsiteY0" fmla="*/ 0 h 3799643"/>
+              <a:gd name="connsiteX1" fmla="*/ 1754529 w 1855467"/>
+              <a:gd name="connsiteY1" fmla="*/ 1084371 h 3799643"/>
+              <a:gd name="connsiteX2" fmla="*/ 148780 w 1855467"/>
+              <a:gd name="connsiteY2" fmla="*/ 2565647 h 3799643"/>
+              <a:gd name="connsiteX3" fmla="*/ 157658 w 1855467"/>
+              <a:gd name="connsiteY3" fmla="*/ 3799643 h 3799643"/>
+              <a:gd name="connsiteX0" fmla="*/ 1581717 w 1829667"/>
+              <a:gd name="connsiteY0" fmla="*/ 0 h 3799643"/>
+              <a:gd name="connsiteX1" fmla="*/ 1731528 w 1829667"/>
+              <a:gd name="connsiteY1" fmla="*/ 1084371 h 3799643"/>
+              <a:gd name="connsiteX2" fmla="*/ 163879 w 1829667"/>
+              <a:gd name="connsiteY2" fmla="*/ 2616447 h 3799643"/>
+              <a:gd name="connsiteX3" fmla="*/ 134657 w 1829667"/>
+              <a:gd name="connsiteY3" fmla="*/ 3799643 h 3799643"/>
+              <a:gd name="connsiteX0" fmla="*/ 1592926 w 1842275"/>
+              <a:gd name="connsiteY0" fmla="*/ 0 h 3799643"/>
+              <a:gd name="connsiteX1" fmla="*/ 1742737 w 1842275"/>
+              <a:gd name="connsiteY1" fmla="*/ 1084371 h 3799643"/>
+              <a:gd name="connsiteX2" fmla="*/ 156038 w 1842275"/>
+              <a:gd name="connsiteY2" fmla="*/ 2591047 h 3799643"/>
+              <a:gd name="connsiteX3" fmla="*/ 145866 w 1842275"/>
+              <a:gd name="connsiteY3" fmla="*/ 3799643 h 3799643"/>
+              <a:gd name="connsiteX0" fmla="*/ 1584980 w 1834329"/>
+              <a:gd name="connsiteY0" fmla="*/ 0 h 3799643"/>
+              <a:gd name="connsiteX1" fmla="*/ 1734791 w 1834329"/>
+              <a:gd name="connsiteY1" fmla="*/ 1084371 h 3799643"/>
+              <a:gd name="connsiteX2" fmla="*/ 148092 w 1834329"/>
+              <a:gd name="connsiteY2" fmla="*/ 2591047 h 3799643"/>
+              <a:gd name="connsiteX3" fmla="*/ 137920 w 1834329"/>
+              <a:gd name="connsiteY3" fmla="*/ 3799643 h 3799643"/>
+              <a:gd name="connsiteX0" fmla="*/ 1574513 w 1823862"/>
+              <a:gd name="connsiteY0" fmla="*/ 0 h 3799643"/>
+              <a:gd name="connsiteX1" fmla="*/ 1724324 w 1823862"/>
+              <a:gd name="connsiteY1" fmla="*/ 1084371 h 3799643"/>
+              <a:gd name="connsiteX2" fmla="*/ 137625 w 1823862"/>
+              <a:gd name="connsiteY2" fmla="*/ 2591047 h 3799643"/>
+              <a:gd name="connsiteX3" fmla="*/ 127453 w 1823862"/>
+              <a:gd name="connsiteY3" fmla="*/ 3799643 h 3799643"/>
+              <a:gd name="connsiteX0" fmla="*/ 1574513 w 1815468"/>
+              <a:gd name="connsiteY0" fmla="*/ 0 h 3799643"/>
+              <a:gd name="connsiteX1" fmla="*/ 1724324 w 1815468"/>
+              <a:gd name="connsiteY1" fmla="*/ 1084371 h 3799643"/>
+              <a:gd name="connsiteX2" fmla="*/ 137625 w 1815468"/>
+              <a:gd name="connsiteY2" fmla="*/ 2591047 h 3799643"/>
+              <a:gd name="connsiteX3" fmla="*/ 127453 w 1815468"/>
+              <a:gd name="connsiteY3" fmla="*/ 3799643 h 3799643"/>
+              <a:gd name="connsiteX0" fmla="*/ 1574513 w 1804292"/>
+              <a:gd name="connsiteY0" fmla="*/ 0 h 3799643"/>
+              <a:gd name="connsiteX1" fmla="*/ 1724324 w 1804292"/>
+              <a:gd name="connsiteY1" fmla="*/ 1084371 h 3799643"/>
+              <a:gd name="connsiteX2" fmla="*/ 137625 w 1804292"/>
+              <a:gd name="connsiteY2" fmla="*/ 2591047 h 3799643"/>
+              <a:gd name="connsiteX3" fmla="*/ 127453 w 1804292"/>
+              <a:gd name="connsiteY3" fmla="*/ 3799643 h 3799643"/>
+              <a:gd name="connsiteX0" fmla="*/ 1472898 w 1702677"/>
+              <a:gd name="connsiteY0" fmla="*/ 0 h 3834477"/>
+              <a:gd name="connsiteX1" fmla="*/ 1622709 w 1702677"/>
+              <a:gd name="connsiteY1" fmla="*/ 1084371 h 3834477"/>
+              <a:gd name="connsiteX2" fmla="*/ 36010 w 1702677"/>
+              <a:gd name="connsiteY2" fmla="*/ 2591047 h 3834477"/>
+              <a:gd name="connsiteX3" fmla="*/ 536695 w 1702677"/>
+              <a:gd name="connsiteY3" fmla="*/ 3834477 h 3834477"/>
+              <a:gd name="connsiteX0" fmla="*/ 551531 w 1627847"/>
+              <a:gd name="connsiteY0" fmla="*/ 0 h 3860603"/>
+              <a:gd name="connsiteX1" fmla="*/ 1622709 w 1627847"/>
+              <a:gd name="connsiteY1" fmla="*/ 1110497 h 3860603"/>
+              <a:gd name="connsiteX2" fmla="*/ 36010 w 1627847"/>
+              <a:gd name="connsiteY2" fmla="*/ 2617173 h 3860603"/>
+              <a:gd name="connsiteX3" fmla="*/ 536695 w 1627847"/>
+              <a:gd name="connsiteY3" fmla="*/ 3860603 h 3860603"/>
+              <a:gd name="connsiteX0" fmla="*/ 543368 w 1456401"/>
+              <a:gd name="connsiteY0" fmla="*/ 0 h 3860603"/>
+              <a:gd name="connsiteX1" fmla="*/ 1450341 w 1456401"/>
+              <a:gd name="connsiteY1" fmla="*/ 892783 h 3860603"/>
+              <a:gd name="connsiteX2" fmla="*/ 27847 w 1456401"/>
+              <a:gd name="connsiteY2" fmla="*/ 2617173 h 3860603"/>
+              <a:gd name="connsiteX3" fmla="*/ 528532 w 1456401"/>
+              <a:gd name="connsiteY3" fmla="*/ 3860603 h 3860603"/>
+              <a:gd name="connsiteX0" fmla="*/ 543368 w 1450460"/>
+              <a:gd name="connsiteY0" fmla="*/ 0 h 3860603"/>
+              <a:gd name="connsiteX1" fmla="*/ 1450341 w 1450460"/>
+              <a:gd name="connsiteY1" fmla="*/ 892783 h 3860603"/>
+              <a:gd name="connsiteX2" fmla="*/ 27847 w 1450460"/>
+              <a:gd name="connsiteY2" fmla="*/ 2617173 h 3860603"/>
+              <a:gd name="connsiteX3" fmla="*/ 528532 w 1450460"/>
+              <a:gd name="connsiteY3" fmla="*/ 3860603 h 3860603"/>
+              <a:gd name="connsiteX0" fmla="*/ 517235 w 1429689"/>
+              <a:gd name="connsiteY0" fmla="*/ 0 h 3860603"/>
+              <a:gd name="connsiteX1" fmla="*/ 1424208 w 1429689"/>
+              <a:gd name="connsiteY1" fmla="*/ 892783 h 3860603"/>
+              <a:gd name="connsiteX2" fmla="*/ 29082 w 1429689"/>
+              <a:gd name="connsiteY2" fmla="*/ 2939390 h 3860603"/>
+              <a:gd name="connsiteX3" fmla="*/ 502399 w 1429689"/>
+              <a:gd name="connsiteY3" fmla="*/ 3860603 h 3860603"/>
+              <a:gd name="connsiteX0" fmla="*/ 490423 w 1402876"/>
+              <a:gd name="connsiteY0" fmla="*/ 0 h 3860603"/>
+              <a:gd name="connsiteX1" fmla="*/ 1397396 w 1402876"/>
+              <a:gd name="connsiteY1" fmla="*/ 892783 h 3860603"/>
+              <a:gd name="connsiteX2" fmla="*/ 2270 w 1402876"/>
+              <a:gd name="connsiteY2" fmla="*/ 2939390 h 3860603"/>
+              <a:gd name="connsiteX3" fmla="*/ 475587 w 1402876"/>
+              <a:gd name="connsiteY3" fmla="*/ 3860603 h 3860603"/>
+              <a:gd name="connsiteX0" fmla="*/ 499495 w 1412137"/>
+              <a:gd name="connsiteY0" fmla="*/ 0 h 3860603"/>
+              <a:gd name="connsiteX1" fmla="*/ 1406468 w 1412137"/>
+              <a:gd name="connsiteY1" fmla="*/ 892783 h 3860603"/>
+              <a:gd name="connsiteX2" fmla="*/ 2220 w 1412137"/>
+              <a:gd name="connsiteY2" fmla="*/ 2834887 h 3860603"/>
+              <a:gd name="connsiteX3" fmla="*/ 484659 w 1412137"/>
+              <a:gd name="connsiteY3" fmla="*/ 3860603 h 3860603"/>
+              <a:gd name="connsiteX0" fmla="*/ 497277 w 1409920"/>
+              <a:gd name="connsiteY0" fmla="*/ 0 h 3860603"/>
+              <a:gd name="connsiteX1" fmla="*/ 1404250 w 1409920"/>
+              <a:gd name="connsiteY1" fmla="*/ 892783 h 3860603"/>
+              <a:gd name="connsiteX2" fmla="*/ 2 w 1409920"/>
+              <a:gd name="connsiteY2" fmla="*/ 2834887 h 3860603"/>
+              <a:gd name="connsiteX3" fmla="*/ 482441 w 1409920"/>
+              <a:gd name="connsiteY3" fmla="*/ 3860603 h 3860603"/>
+              <a:gd name="connsiteX0" fmla="*/ 525933 w 1438576"/>
+              <a:gd name="connsiteY0" fmla="*/ 0 h 3860603"/>
+              <a:gd name="connsiteX1" fmla="*/ 1432906 w 1438576"/>
+              <a:gd name="connsiteY1" fmla="*/ 857949 h 3860603"/>
+              <a:gd name="connsiteX2" fmla="*/ 28658 w 1438576"/>
+              <a:gd name="connsiteY2" fmla="*/ 2834887 h 3860603"/>
+              <a:gd name="connsiteX3" fmla="*/ 511097 w 1438576"/>
+              <a:gd name="connsiteY3" fmla="*/ 3860603 h 3860603"/>
+              <a:gd name="connsiteX0" fmla="*/ 525933 w 1433315"/>
+              <a:gd name="connsiteY0" fmla="*/ 0 h 3860603"/>
+              <a:gd name="connsiteX1" fmla="*/ 1432906 w 1433315"/>
+              <a:gd name="connsiteY1" fmla="*/ 857949 h 3860603"/>
+              <a:gd name="connsiteX2" fmla="*/ 28658 w 1433315"/>
+              <a:gd name="connsiteY2" fmla="*/ 2834887 h 3860603"/>
+              <a:gd name="connsiteX3" fmla="*/ 511097 w 1433315"/>
+              <a:gd name="connsiteY3" fmla="*/ 3860603 h 3860603"/>
+              <a:gd name="connsiteX0" fmla="*/ 508819 w 1024073"/>
+              <a:gd name="connsiteY0" fmla="*/ 0 h 3860603"/>
+              <a:gd name="connsiteX1" fmla="*/ 1023527 w 1024073"/>
+              <a:gd name="connsiteY1" fmla="*/ 971161 h 3860603"/>
+              <a:gd name="connsiteX2" fmla="*/ 11544 w 1024073"/>
+              <a:gd name="connsiteY2" fmla="*/ 2834887 h 3860603"/>
+              <a:gd name="connsiteX3" fmla="*/ 493983 w 1024073"/>
+              <a:gd name="connsiteY3" fmla="*/ 3860603 h 3860603"/>
+              <a:gd name="connsiteX0" fmla="*/ 497379 w 1012583"/>
+              <a:gd name="connsiteY0" fmla="*/ 0 h 3860603"/>
+              <a:gd name="connsiteX1" fmla="*/ 1012087 w 1012583"/>
+              <a:gd name="connsiteY1" fmla="*/ 971161 h 3860603"/>
+              <a:gd name="connsiteX2" fmla="*/ 104 w 1012583"/>
+              <a:gd name="connsiteY2" fmla="*/ 2834887 h 3860603"/>
+              <a:gd name="connsiteX3" fmla="*/ 482543 w 1012583"/>
+              <a:gd name="connsiteY3" fmla="*/ 3860603 h 3860603"/>
+              <a:gd name="connsiteX0" fmla="*/ 479149 w 1003176"/>
+              <a:gd name="connsiteY0" fmla="*/ 0 h 3860603"/>
+              <a:gd name="connsiteX1" fmla="*/ 993857 w 1003176"/>
+              <a:gd name="connsiteY1" fmla="*/ 971161 h 3860603"/>
+              <a:gd name="connsiteX2" fmla="*/ 118 w 1003176"/>
+              <a:gd name="connsiteY2" fmla="*/ 2808762 h 3860603"/>
+              <a:gd name="connsiteX3" fmla="*/ 464313 w 1003176"/>
+              <a:gd name="connsiteY3" fmla="*/ 3860603 h 3860603"/>
+              <a:gd name="connsiteX0" fmla="*/ 479140 w 993939"/>
+              <a:gd name="connsiteY0" fmla="*/ 0 h 3860603"/>
+              <a:gd name="connsiteX1" fmla="*/ 993848 w 993939"/>
+              <a:gd name="connsiteY1" fmla="*/ 971161 h 3860603"/>
+              <a:gd name="connsiteX2" fmla="*/ 109 w 993939"/>
+              <a:gd name="connsiteY2" fmla="*/ 2808762 h 3860603"/>
+              <a:gd name="connsiteX3" fmla="*/ 464304 w 993939"/>
+              <a:gd name="connsiteY3" fmla="*/ 3860603 h 3860603"/>
+              <a:gd name="connsiteX0" fmla="*/ 479140 w 993939"/>
+              <a:gd name="connsiteY0" fmla="*/ 0 h 3860603"/>
+              <a:gd name="connsiteX1" fmla="*/ 993848 w 993939"/>
+              <a:gd name="connsiteY1" fmla="*/ 971161 h 3860603"/>
+              <a:gd name="connsiteX2" fmla="*/ 109 w 993939"/>
+              <a:gd name="connsiteY2" fmla="*/ 2808762 h 3860603"/>
+              <a:gd name="connsiteX3" fmla="*/ 464304 w 993939"/>
+              <a:gd name="connsiteY3" fmla="*/ 3860603 h 3860603"/>
+              <a:gd name="connsiteX0" fmla="*/ 491398 w 1006197"/>
+              <a:gd name="connsiteY0" fmla="*/ 0 h 3836697"/>
+              <a:gd name="connsiteX1" fmla="*/ 1006106 w 1006197"/>
+              <a:gd name="connsiteY1" fmla="*/ 971161 h 3836697"/>
+              <a:gd name="connsiteX2" fmla="*/ 12367 w 1006197"/>
+              <a:gd name="connsiteY2" fmla="*/ 2808762 h 3836697"/>
+              <a:gd name="connsiteX3" fmla="*/ 470302 w 1006197"/>
+              <a:gd name="connsiteY3" fmla="*/ 3836697 h 3836697"/>
+              <a:gd name="connsiteX0" fmla="*/ 491398 w 1015425"/>
+              <a:gd name="connsiteY0" fmla="*/ 0 h 3836697"/>
+              <a:gd name="connsiteX1" fmla="*/ 1006106 w 1015425"/>
+              <a:gd name="connsiteY1" fmla="*/ 971161 h 3836697"/>
+              <a:gd name="connsiteX2" fmla="*/ 12367 w 1015425"/>
+              <a:gd name="connsiteY2" fmla="*/ 2808762 h 3836697"/>
+              <a:gd name="connsiteX3" fmla="*/ 470302 w 1015425"/>
+              <a:gd name="connsiteY3" fmla="*/ 3836697 h 3836697"/>
+              <a:gd name="connsiteX0" fmla="*/ 472617 w 1014492"/>
+              <a:gd name="connsiteY0" fmla="*/ 0 h 3836697"/>
+              <a:gd name="connsiteX1" fmla="*/ 1006106 w 1014492"/>
+              <a:gd name="connsiteY1" fmla="*/ 971161 h 3836697"/>
+              <a:gd name="connsiteX2" fmla="*/ 12367 w 1014492"/>
+              <a:gd name="connsiteY2" fmla="*/ 2808762 h 3836697"/>
+              <a:gd name="connsiteX3" fmla="*/ 470302 w 1014492"/>
+              <a:gd name="connsiteY3" fmla="*/ 3836697 h 3836697"/>
+              <a:gd name="connsiteX0" fmla="*/ 472617 w 1015824"/>
+              <a:gd name="connsiteY0" fmla="*/ 0 h 3836697"/>
+              <a:gd name="connsiteX1" fmla="*/ 1006106 w 1015824"/>
+              <a:gd name="connsiteY1" fmla="*/ 971161 h 3836697"/>
+              <a:gd name="connsiteX2" fmla="*/ 12367 w 1015824"/>
+              <a:gd name="connsiteY2" fmla="*/ 2808762 h 3836697"/>
+              <a:gd name="connsiteX3" fmla="*/ 470302 w 1015824"/>
+              <a:gd name="connsiteY3" fmla="*/ 3836697 h 3836697"/>
+              <a:gd name="connsiteX0" fmla="*/ 475397 w 1018604"/>
+              <a:gd name="connsiteY0" fmla="*/ 0 h 3836697"/>
+              <a:gd name="connsiteX1" fmla="*/ 1008886 w 1018604"/>
+              <a:gd name="connsiteY1" fmla="*/ 971161 h 3836697"/>
+              <a:gd name="connsiteX2" fmla="*/ 15147 w 1018604"/>
+              <a:gd name="connsiteY2" fmla="*/ 2808762 h 3836697"/>
+              <a:gd name="connsiteX3" fmla="*/ 473082 w 1018604"/>
+              <a:gd name="connsiteY3" fmla="*/ 3836697 h 3836697"/>
+            </a:gdLst>
+            <a:ahLst/>
+            <a:cxnLst>
+              <a:cxn ang="0">
+                <a:pos x="connsiteX0" y="connsiteY0"/>
+              </a:cxn>
+              <a:cxn ang="0">
+                <a:pos x="connsiteX1" y="connsiteY1"/>
+              </a:cxn>
+              <a:cxn ang="0">
+                <a:pos x="connsiteX2" y="connsiteY2"/>
+              </a:cxn>
+              <a:cxn ang="0">
+                <a:pos x="connsiteX3" y="connsiteY3"/>
+              </a:cxn>
+            </a:cxnLst>
+            <a:rect l="l" t="t" r="r" b="b"/>
+            <a:pathLst>
+              <a:path w="1018604" h="3836697">
+                <a:moveTo>
+                  <a:pt x="475397" y="0"/>
+                </a:moveTo>
+                <a:cubicBezTo>
+                  <a:pt x="689605" y="294950"/>
+                  <a:pt x="1085594" y="503034"/>
+                  <a:pt x="1008886" y="971161"/>
+                </a:cubicBezTo>
+                <a:cubicBezTo>
+                  <a:pt x="932178" y="1439288"/>
+                  <a:pt x="104448" y="2331173"/>
+                  <a:pt x="15147" y="2808762"/>
+                </a:cubicBezTo>
+                <a:cubicBezTo>
+                  <a:pt x="-74154" y="3286351"/>
+                  <a:pt x="251188" y="3453536"/>
+                  <a:pt x="473082" y="3836697"/>
+                </a:cubicBezTo>
+              </a:path>
+            </a:pathLst>
+          </a:custGeom>
+          <a:noFill/>
+          <a:ln>
+            <a:solidFill>
+              <a:srgbClr val="FF0000"/>
+            </a:solidFill>
+          </a:ln>
+        </p:spPr>
+        <p:style>
+          <a:lnRef idx="2">
+            <a:schemeClr val="accent1">
+              <a:shade val="50000"/>
+            </a:schemeClr>
+          </a:lnRef>
+          <a:fillRef idx="1">
+            <a:schemeClr val="accent1"/>
+          </a:fillRef>
+          <a:effectRef idx="0">
+            <a:schemeClr val="accent1"/>
+          </a:effectRef>
+          <a:fontRef idx="minor">
+            <a:schemeClr val="lt1"/>
+          </a:fontRef>
+        </p:style>
+        <p:txBody>
+          <a:bodyPr rtlCol="0" anchor="ctr"/>
+          <a:lstStyle/>
+          <a:p>
+            <a:pPr algn="ctr"/>
+            <a:endParaRPr lang="zh-CN" altLang="en-US"/>
+          </a:p>
+        </p:txBody>
+      </p:sp>
+      <p:cxnSp>
+        <p:nvCxnSpPr>
+          <p:cNvPr id="32" name="直接连接符 31">
+            <a:extLst>
+              <a:ext uri="{FF2B5EF4-FFF2-40B4-BE49-F238E27FC236}">
+                <a16:creationId xmlns:a16="http://schemas.microsoft.com/office/drawing/2014/main" id="{5D592D6C-B811-431F-B100-631925B03F07}"/>
+              </a:ext>
+            </a:extLst>
+          </p:cNvPr>
+          <p:cNvCxnSpPr>
+            <a:cxnSpLocks/>
+          </p:cNvCxnSpPr>
+          <p:nvPr/>
+        </p:nvCxnSpPr>
+        <p:spPr>
+          <a:xfrm>
+            <a:off x="7615430" y="2772697"/>
+            <a:ext cx="1154588" cy="546947"/>
+          </a:xfrm>
+          <a:prstGeom prst="line">
+            <a:avLst/>
+          </a:prstGeom>
+          <a:ln w="28575">
+            <a:solidFill>
+              <a:srgbClr val="92D050"/>
+            </a:solidFill>
+          </a:ln>
+        </p:spPr>
+        <p:style>
+          <a:lnRef idx="1">
+            <a:schemeClr val="accent1"/>
+          </a:lnRef>
+          <a:fillRef idx="0">
+            <a:schemeClr val="accent1"/>
+          </a:fillRef>
+          <a:effectRef idx="0">
+            <a:schemeClr val="accent1"/>
+          </a:effectRef>
+          <a:fontRef idx="minor">
+            <a:schemeClr val="tx1"/>
+          </a:fontRef>
+        </p:style>
+      </p:cxnSp>
+      <p:sp>
+        <p:nvSpPr>
+          <p:cNvPr id="34" name="任意多边形: 形状 33">
+            <a:extLst>
+              <a:ext uri="{FF2B5EF4-FFF2-40B4-BE49-F238E27FC236}">
+                <a16:creationId xmlns:a16="http://schemas.microsoft.com/office/drawing/2014/main" id="{C82AAF3F-2617-449C-9AAD-50E9EC098593}"/>
+              </a:ext>
+            </a:extLst>
+          </p:cNvPr>
+          <p:cNvSpPr/>
+          <p:nvPr/>
+        </p:nvSpPr>
+        <p:spPr>
+          <a:xfrm>
+            <a:off x="8371355" y="1300217"/>
+            <a:ext cx="972392" cy="3836697"/>
+          </a:xfrm>
+          <a:custGeom>
+            <a:avLst/>
+            <a:gdLst>
+              <a:gd name="connsiteX0" fmla="*/ 1596585 w 1764488"/>
+              <a:gd name="connsiteY0" fmla="*/ 0 h 3799643"/>
+              <a:gd name="connsiteX1" fmla="*/ 1632096 w 1764488"/>
+              <a:gd name="connsiteY1" fmla="*/ 1065321 h 3799643"/>
+              <a:gd name="connsiteX2" fmla="*/ 140647 w 1764488"/>
+              <a:gd name="connsiteY2" fmla="*/ 2565647 h 3799643"/>
+              <a:gd name="connsiteX3" fmla="*/ 149525 w 1764488"/>
+              <a:gd name="connsiteY3" fmla="*/ 3799643 h 3799643"/>
+              <a:gd name="connsiteX0" fmla="*/ 1599291 w 1793102"/>
+              <a:gd name="connsiteY0" fmla="*/ 0 h 3799643"/>
+              <a:gd name="connsiteX1" fmla="*/ 1672902 w 1793102"/>
+              <a:gd name="connsiteY1" fmla="*/ 1046271 h 3799643"/>
+              <a:gd name="connsiteX2" fmla="*/ 143353 w 1793102"/>
+              <a:gd name="connsiteY2" fmla="*/ 2565647 h 3799643"/>
+              <a:gd name="connsiteX3" fmla="*/ 152231 w 1793102"/>
+              <a:gd name="connsiteY3" fmla="*/ 3799643 h 3799643"/>
+              <a:gd name="connsiteX0" fmla="*/ 1604718 w 1855467"/>
+              <a:gd name="connsiteY0" fmla="*/ 0 h 3799643"/>
+              <a:gd name="connsiteX1" fmla="*/ 1754529 w 1855467"/>
+              <a:gd name="connsiteY1" fmla="*/ 1084371 h 3799643"/>
+              <a:gd name="connsiteX2" fmla="*/ 148780 w 1855467"/>
+              <a:gd name="connsiteY2" fmla="*/ 2565647 h 3799643"/>
+              <a:gd name="connsiteX3" fmla="*/ 157658 w 1855467"/>
+              <a:gd name="connsiteY3" fmla="*/ 3799643 h 3799643"/>
+              <a:gd name="connsiteX0" fmla="*/ 1581717 w 1829667"/>
+              <a:gd name="connsiteY0" fmla="*/ 0 h 3799643"/>
+              <a:gd name="connsiteX1" fmla="*/ 1731528 w 1829667"/>
+              <a:gd name="connsiteY1" fmla="*/ 1084371 h 3799643"/>
+              <a:gd name="connsiteX2" fmla="*/ 163879 w 1829667"/>
+              <a:gd name="connsiteY2" fmla="*/ 2616447 h 3799643"/>
+              <a:gd name="connsiteX3" fmla="*/ 134657 w 1829667"/>
+              <a:gd name="connsiteY3" fmla="*/ 3799643 h 3799643"/>
+              <a:gd name="connsiteX0" fmla="*/ 1592926 w 1842275"/>
+              <a:gd name="connsiteY0" fmla="*/ 0 h 3799643"/>
+              <a:gd name="connsiteX1" fmla="*/ 1742737 w 1842275"/>
+              <a:gd name="connsiteY1" fmla="*/ 1084371 h 3799643"/>
+              <a:gd name="connsiteX2" fmla="*/ 156038 w 1842275"/>
+              <a:gd name="connsiteY2" fmla="*/ 2591047 h 3799643"/>
+              <a:gd name="connsiteX3" fmla="*/ 145866 w 1842275"/>
+              <a:gd name="connsiteY3" fmla="*/ 3799643 h 3799643"/>
+              <a:gd name="connsiteX0" fmla="*/ 1584980 w 1834329"/>
+              <a:gd name="connsiteY0" fmla="*/ 0 h 3799643"/>
+              <a:gd name="connsiteX1" fmla="*/ 1734791 w 1834329"/>
+              <a:gd name="connsiteY1" fmla="*/ 1084371 h 3799643"/>
+              <a:gd name="connsiteX2" fmla="*/ 148092 w 1834329"/>
+              <a:gd name="connsiteY2" fmla="*/ 2591047 h 3799643"/>
+              <a:gd name="connsiteX3" fmla="*/ 137920 w 1834329"/>
+              <a:gd name="connsiteY3" fmla="*/ 3799643 h 3799643"/>
+              <a:gd name="connsiteX0" fmla="*/ 1574513 w 1823862"/>
+              <a:gd name="connsiteY0" fmla="*/ 0 h 3799643"/>
+              <a:gd name="connsiteX1" fmla="*/ 1724324 w 1823862"/>
+              <a:gd name="connsiteY1" fmla="*/ 1084371 h 3799643"/>
+              <a:gd name="connsiteX2" fmla="*/ 137625 w 1823862"/>
+              <a:gd name="connsiteY2" fmla="*/ 2591047 h 3799643"/>
+              <a:gd name="connsiteX3" fmla="*/ 127453 w 1823862"/>
+              <a:gd name="connsiteY3" fmla="*/ 3799643 h 3799643"/>
+              <a:gd name="connsiteX0" fmla="*/ 1574513 w 1815468"/>
+              <a:gd name="connsiteY0" fmla="*/ 0 h 3799643"/>
+              <a:gd name="connsiteX1" fmla="*/ 1724324 w 1815468"/>
+              <a:gd name="connsiteY1" fmla="*/ 1084371 h 3799643"/>
+              <a:gd name="connsiteX2" fmla="*/ 137625 w 1815468"/>
+              <a:gd name="connsiteY2" fmla="*/ 2591047 h 3799643"/>
+              <a:gd name="connsiteX3" fmla="*/ 127453 w 1815468"/>
+              <a:gd name="connsiteY3" fmla="*/ 3799643 h 3799643"/>
+              <a:gd name="connsiteX0" fmla="*/ 1574513 w 1804292"/>
+              <a:gd name="connsiteY0" fmla="*/ 0 h 3799643"/>
+              <a:gd name="connsiteX1" fmla="*/ 1724324 w 1804292"/>
+              <a:gd name="connsiteY1" fmla="*/ 1084371 h 3799643"/>
+              <a:gd name="connsiteX2" fmla="*/ 137625 w 1804292"/>
+              <a:gd name="connsiteY2" fmla="*/ 2591047 h 3799643"/>
+              <a:gd name="connsiteX3" fmla="*/ 127453 w 1804292"/>
+              <a:gd name="connsiteY3" fmla="*/ 3799643 h 3799643"/>
+              <a:gd name="connsiteX0" fmla="*/ 1472898 w 1702677"/>
+              <a:gd name="connsiteY0" fmla="*/ 0 h 3834477"/>
+              <a:gd name="connsiteX1" fmla="*/ 1622709 w 1702677"/>
+              <a:gd name="connsiteY1" fmla="*/ 1084371 h 3834477"/>
+              <a:gd name="connsiteX2" fmla="*/ 36010 w 1702677"/>
+              <a:gd name="connsiteY2" fmla="*/ 2591047 h 3834477"/>
+              <a:gd name="connsiteX3" fmla="*/ 536695 w 1702677"/>
+              <a:gd name="connsiteY3" fmla="*/ 3834477 h 3834477"/>
+              <a:gd name="connsiteX0" fmla="*/ 551531 w 1627847"/>
+              <a:gd name="connsiteY0" fmla="*/ 0 h 3860603"/>
+              <a:gd name="connsiteX1" fmla="*/ 1622709 w 1627847"/>
+              <a:gd name="connsiteY1" fmla="*/ 1110497 h 3860603"/>
+              <a:gd name="connsiteX2" fmla="*/ 36010 w 1627847"/>
+              <a:gd name="connsiteY2" fmla="*/ 2617173 h 3860603"/>
+              <a:gd name="connsiteX3" fmla="*/ 536695 w 1627847"/>
+              <a:gd name="connsiteY3" fmla="*/ 3860603 h 3860603"/>
+              <a:gd name="connsiteX0" fmla="*/ 543368 w 1456401"/>
+              <a:gd name="connsiteY0" fmla="*/ 0 h 3860603"/>
+              <a:gd name="connsiteX1" fmla="*/ 1450341 w 1456401"/>
+              <a:gd name="connsiteY1" fmla="*/ 892783 h 3860603"/>
+              <a:gd name="connsiteX2" fmla="*/ 27847 w 1456401"/>
+              <a:gd name="connsiteY2" fmla="*/ 2617173 h 3860603"/>
+              <a:gd name="connsiteX3" fmla="*/ 528532 w 1456401"/>
+              <a:gd name="connsiteY3" fmla="*/ 3860603 h 3860603"/>
+              <a:gd name="connsiteX0" fmla="*/ 543368 w 1450460"/>
+              <a:gd name="connsiteY0" fmla="*/ 0 h 3860603"/>
+              <a:gd name="connsiteX1" fmla="*/ 1450341 w 1450460"/>
+              <a:gd name="connsiteY1" fmla="*/ 892783 h 3860603"/>
+              <a:gd name="connsiteX2" fmla="*/ 27847 w 1450460"/>
+              <a:gd name="connsiteY2" fmla="*/ 2617173 h 3860603"/>
+              <a:gd name="connsiteX3" fmla="*/ 528532 w 1450460"/>
+              <a:gd name="connsiteY3" fmla="*/ 3860603 h 3860603"/>
+              <a:gd name="connsiteX0" fmla="*/ 517235 w 1429689"/>
+              <a:gd name="connsiteY0" fmla="*/ 0 h 3860603"/>
+              <a:gd name="connsiteX1" fmla="*/ 1424208 w 1429689"/>
+              <a:gd name="connsiteY1" fmla="*/ 892783 h 3860603"/>
+              <a:gd name="connsiteX2" fmla="*/ 29082 w 1429689"/>
+              <a:gd name="connsiteY2" fmla="*/ 2939390 h 3860603"/>
+              <a:gd name="connsiteX3" fmla="*/ 502399 w 1429689"/>
+              <a:gd name="connsiteY3" fmla="*/ 3860603 h 3860603"/>
+              <a:gd name="connsiteX0" fmla="*/ 490423 w 1402876"/>
+              <a:gd name="connsiteY0" fmla="*/ 0 h 3860603"/>
+              <a:gd name="connsiteX1" fmla="*/ 1397396 w 1402876"/>
+              <a:gd name="connsiteY1" fmla="*/ 892783 h 3860603"/>
+              <a:gd name="connsiteX2" fmla="*/ 2270 w 1402876"/>
+              <a:gd name="connsiteY2" fmla="*/ 2939390 h 3860603"/>
+              <a:gd name="connsiteX3" fmla="*/ 475587 w 1402876"/>
+              <a:gd name="connsiteY3" fmla="*/ 3860603 h 3860603"/>
+              <a:gd name="connsiteX0" fmla="*/ 499495 w 1412137"/>
+              <a:gd name="connsiteY0" fmla="*/ 0 h 3860603"/>
+              <a:gd name="connsiteX1" fmla="*/ 1406468 w 1412137"/>
+              <a:gd name="connsiteY1" fmla="*/ 892783 h 3860603"/>
+              <a:gd name="connsiteX2" fmla="*/ 2220 w 1412137"/>
+              <a:gd name="connsiteY2" fmla="*/ 2834887 h 3860603"/>
+              <a:gd name="connsiteX3" fmla="*/ 484659 w 1412137"/>
+              <a:gd name="connsiteY3" fmla="*/ 3860603 h 3860603"/>
+              <a:gd name="connsiteX0" fmla="*/ 497277 w 1409920"/>
+              <a:gd name="connsiteY0" fmla="*/ 0 h 3860603"/>
+              <a:gd name="connsiteX1" fmla="*/ 1404250 w 1409920"/>
+              <a:gd name="connsiteY1" fmla="*/ 892783 h 3860603"/>
+              <a:gd name="connsiteX2" fmla="*/ 2 w 1409920"/>
+              <a:gd name="connsiteY2" fmla="*/ 2834887 h 3860603"/>
+              <a:gd name="connsiteX3" fmla="*/ 482441 w 1409920"/>
+              <a:gd name="connsiteY3" fmla="*/ 3860603 h 3860603"/>
+              <a:gd name="connsiteX0" fmla="*/ 525933 w 1438576"/>
+              <a:gd name="connsiteY0" fmla="*/ 0 h 3860603"/>
+              <a:gd name="connsiteX1" fmla="*/ 1432906 w 1438576"/>
+              <a:gd name="connsiteY1" fmla="*/ 857949 h 3860603"/>
+              <a:gd name="connsiteX2" fmla="*/ 28658 w 1438576"/>
+              <a:gd name="connsiteY2" fmla="*/ 2834887 h 3860603"/>
+              <a:gd name="connsiteX3" fmla="*/ 511097 w 1438576"/>
+              <a:gd name="connsiteY3" fmla="*/ 3860603 h 3860603"/>
+              <a:gd name="connsiteX0" fmla="*/ 525933 w 1433315"/>
+              <a:gd name="connsiteY0" fmla="*/ 0 h 3860603"/>
+              <a:gd name="connsiteX1" fmla="*/ 1432906 w 1433315"/>
+              <a:gd name="connsiteY1" fmla="*/ 857949 h 3860603"/>
+              <a:gd name="connsiteX2" fmla="*/ 28658 w 1433315"/>
+              <a:gd name="connsiteY2" fmla="*/ 2834887 h 3860603"/>
+              <a:gd name="connsiteX3" fmla="*/ 511097 w 1433315"/>
+              <a:gd name="connsiteY3" fmla="*/ 3860603 h 3860603"/>
+              <a:gd name="connsiteX0" fmla="*/ 508819 w 1024073"/>
+              <a:gd name="connsiteY0" fmla="*/ 0 h 3860603"/>
+              <a:gd name="connsiteX1" fmla="*/ 1023527 w 1024073"/>
+              <a:gd name="connsiteY1" fmla="*/ 971161 h 3860603"/>
+              <a:gd name="connsiteX2" fmla="*/ 11544 w 1024073"/>
+              <a:gd name="connsiteY2" fmla="*/ 2834887 h 3860603"/>
+              <a:gd name="connsiteX3" fmla="*/ 493983 w 1024073"/>
+              <a:gd name="connsiteY3" fmla="*/ 3860603 h 3860603"/>
+              <a:gd name="connsiteX0" fmla="*/ 497379 w 1012583"/>
+              <a:gd name="connsiteY0" fmla="*/ 0 h 3860603"/>
+              <a:gd name="connsiteX1" fmla="*/ 1012087 w 1012583"/>
+              <a:gd name="connsiteY1" fmla="*/ 971161 h 3860603"/>
+              <a:gd name="connsiteX2" fmla="*/ 104 w 1012583"/>
+              <a:gd name="connsiteY2" fmla="*/ 2834887 h 3860603"/>
+              <a:gd name="connsiteX3" fmla="*/ 482543 w 1012583"/>
+              <a:gd name="connsiteY3" fmla="*/ 3860603 h 3860603"/>
+              <a:gd name="connsiteX0" fmla="*/ 479149 w 1003176"/>
+              <a:gd name="connsiteY0" fmla="*/ 0 h 3860603"/>
+              <a:gd name="connsiteX1" fmla="*/ 993857 w 1003176"/>
+              <a:gd name="connsiteY1" fmla="*/ 971161 h 3860603"/>
+              <a:gd name="connsiteX2" fmla="*/ 118 w 1003176"/>
+              <a:gd name="connsiteY2" fmla="*/ 2808762 h 3860603"/>
+              <a:gd name="connsiteX3" fmla="*/ 464313 w 1003176"/>
+              <a:gd name="connsiteY3" fmla="*/ 3860603 h 3860603"/>
+              <a:gd name="connsiteX0" fmla="*/ 479140 w 993939"/>
+              <a:gd name="connsiteY0" fmla="*/ 0 h 3860603"/>
+              <a:gd name="connsiteX1" fmla="*/ 993848 w 993939"/>
+              <a:gd name="connsiteY1" fmla="*/ 971161 h 3860603"/>
+              <a:gd name="connsiteX2" fmla="*/ 109 w 993939"/>
+              <a:gd name="connsiteY2" fmla="*/ 2808762 h 3860603"/>
+              <a:gd name="connsiteX3" fmla="*/ 464304 w 993939"/>
+              <a:gd name="connsiteY3" fmla="*/ 3860603 h 3860603"/>
+              <a:gd name="connsiteX0" fmla="*/ 479140 w 993939"/>
+              <a:gd name="connsiteY0" fmla="*/ 0 h 3860603"/>
+              <a:gd name="connsiteX1" fmla="*/ 993848 w 993939"/>
+              <a:gd name="connsiteY1" fmla="*/ 971161 h 3860603"/>
+              <a:gd name="connsiteX2" fmla="*/ 109 w 993939"/>
+              <a:gd name="connsiteY2" fmla="*/ 2808762 h 3860603"/>
+              <a:gd name="connsiteX3" fmla="*/ 464304 w 993939"/>
+              <a:gd name="connsiteY3" fmla="*/ 3860603 h 3860603"/>
+              <a:gd name="connsiteX0" fmla="*/ 491398 w 1006197"/>
+              <a:gd name="connsiteY0" fmla="*/ 0 h 3836697"/>
+              <a:gd name="connsiteX1" fmla="*/ 1006106 w 1006197"/>
+              <a:gd name="connsiteY1" fmla="*/ 971161 h 3836697"/>
+              <a:gd name="connsiteX2" fmla="*/ 12367 w 1006197"/>
+              <a:gd name="connsiteY2" fmla="*/ 2808762 h 3836697"/>
+              <a:gd name="connsiteX3" fmla="*/ 470302 w 1006197"/>
+              <a:gd name="connsiteY3" fmla="*/ 3836697 h 3836697"/>
+              <a:gd name="connsiteX0" fmla="*/ 491398 w 1015425"/>
+              <a:gd name="connsiteY0" fmla="*/ 0 h 3836697"/>
+              <a:gd name="connsiteX1" fmla="*/ 1006106 w 1015425"/>
+              <a:gd name="connsiteY1" fmla="*/ 971161 h 3836697"/>
+              <a:gd name="connsiteX2" fmla="*/ 12367 w 1015425"/>
+              <a:gd name="connsiteY2" fmla="*/ 2808762 h 3836697"/>
+              <a:gd name="connsiteX3" fmla="*/ 470302 w 1015425"/>
+              <a:gd name="connsiteY3" fmla="*/ 3836697 h 3836697"/>
+              <a:gd name="connsiteX0" fmla="*/ 472617 w 1014492"/>
+              <a:gd name="connsiteY0" fmla="*/ 0 h 3836697"/>
+              <a:gd name="connsiteX1" fmla="*/ 1006106 w 1014492"/>
+              <a:gd name="connsiteY1" fmla="*/ 971161 h 3836697"/>
+              <a:gd name="connsiteX2" fmla="*/ 12367 w 1014492"/>
+              <a:gd name="connsiteY2" fmla="*/ 2808762 h 3836697"/>
+              <a:gd name="connsiteX3" fmla="*/ 470302 w 1014492"/>
+              <a:gd name="connsiteY3" fmla="*/ 3836697 h 3836697"/>
+              <a:gd name="connsiteX0" fmla="*/ 472617 w 1015824"/>
+              <a:gd name="connsiteY0" fmla="*/ 0 h 3836697"/>
+              <a:gd name="connsiteX1" fmla="*/ 1006106 w 1015824"/>
+              <a:gd name="connsiteY1" fmla="*/ 971161 h 3836697"/>
+              <a:gd name="connsiteX2" fmla="*/ 12367 w 1015824"/>
+              <a:gd name="connsiteY2" fmla="*/ 2808762 h 3836697"/>
+              <a:gd name="connsiteX3" fmla="*/ 470302 w 1015824"/>
+              <a:gd name="connsiteY3" fmla="*/ 3836697 h 3836697"/>
+              <a:gd name="connsiteX0" fmla="*/ 475397 w 1018604"/>
+              <a:gd name="connsiteY0" fmla="*/ 0 h 3836697"/>
+              <a:gd name="connsiteX1" fmla="*/ 1008886 w 1018604"/>
+              <a:gd name="connsiteY1" fmla="*/ 971161 h 3836697"/>
+              <a:gd name="connsiteX2" fmla="*/ 15147 w 1018604"/>
+              <a:gd name="connsiteY2" fmla="*/ 2808762 h 3836697"/>
+              <a:gd name="connsiteX3" fmla="*/ 473082 w 1018604"/>
+              <a:gd name="connsiteY3" fmla="*/ 3836697 h 3836697"/>
+            </a:gdLst>
+            <a:ahLst/>
+            <a:cxnLst>
+              <a:cxn ang="0">
+                <a:pos x="connsiteX0" y="connsiteY0"/>
+              </a:cxn>
+              <a:cxn ang="0">
+                <a:pos x="connsiteX1" y="connsiteY1"/>
+              </a:cxn>
+              <a:cxn ang="0">
+                <a:pos x="connsiteX2" y="connsiteY2"/>
+              </a:cxn>
+              <a:cxn ang="0">
+                <a:pos x="connsiteX3" y="connsiteY3"/>
+              </a:cxn>
+            </a:cxnLst>
+            <a:rect l="l" t="t" r="r" b="b"/>
+            <a:pathLst>
+              <a:path w="1018604" h="3836697">
+                <a:moveTo>
+                  <a:pt x="475397" y="0"/>
+                </a:moveTo>
+                <a:cubicBezTo>
+                  <a:pt x="689605" y="294950"/>
+                  <a:pt x="1085594" y="503034"/>
+                  <a:pt x="1008886" y="971161"/>
+                </a:cubicBezTo>
+                <a:cubicBezTo>
+                  <a:pt x="932178" y="1439288"/>
+                  <a:pt x="104448" y="2331173"/>
+                  <a:pt x="15147" y="2808762"/>
+                </a:cubicBezTo>
+                <a:cubicBezTo>
+                  <a:pt x="-74154" y="3286351"/>
+                  <a:pt x="251188" y="3453536"/>
+                  <a:pt x="473082" y="3836697"/>
+                </a:cubicBezTo>
+              </a:path>
+            </a:pathLst>
+          </a:custGeom>
+          <a:noFill/>
+          <a:ln>
+            <a:solidFill>
+              <a:srgbClr val="FF0000"/>
+            </a:solidFill>
+          </a:ln>
+        </p:spPr>
+        <p:style>
+          <a:lnRef idx="2">
+            <a:schemeClr val="accent1">
+              <a:shade val="50000"/>
+            </a:schemeClr>
+          </a:lnRef>
+          <a:fillRef idx="1">
+            <a:schemeClr val="accent1"/>
+          </a:fillRef>
+          <a:effectRef idx="0">
+            <a:schemeClr val="accent1"/>
+          </a:effectRef>
+          <a:fontRef idx="minor">
+            <a:schemeClr val="lt1"/>
+          </a:fontRef>
+        </p:style>
+        <p:txBody>
+          <a:bodyPr rtlCol="0" anchor="ctr"/>
+          <a:lstStyle/>
+          <a:p>
+            <a:pPr algn="ctr"/>
+            <a:endParaRPr lang="zh-CN" altLang="en-US"/>
+          </a:p>
+        </p:txBody>
+      </p:sp>
+      <p:sp>
+        <p:nvSpPr>
+          <p:cNvPr id="8" name="矩形 7">
+            <a:extLst>
+              <a:ext uri="{FF2B5EF4-FFF2-40B4-BE49-F238E27FC236}">
+                <a16:creationId xmlns:a16="http://schemas.microsoft.com/office/drawing/2014/main" id="{554B10F2-8AAA-4453-8900-7B5E8E7BA84B}"/>
+              </a:ext>
+            </a:extLst>
+          </p:cNvPr>
+          <p:cNvSpPr/>
+          <p:nvPr/>
+        </p:nvSpPr>
+        <p:spPr>
+          <a:xfrm>
+            <a:off x="599398" y="493644"/>
+            <a:ext cx="180000" cy="5652000"/>
+          </a:xfrm>
+          <a:prstGeom prst="rect">
+            <a:avLst/>
+          </a:prstGeom>
+          <a:noFill/>
+        </p:spPr>
+        <p:style>
+          <a:lnRef idx="2">
+            <a:schemeClr val="accent1">
+              <a:shade val="50000"/>
+            </a:schemeClr>
+          </a:lnRef>
+          <a:fillRef idx="1">
+            <a:schemeClr val="accent1"/>
+          </a:fillRef>
+          <a:effectRef idx="0">
+            <a:schemeClr val="accent1"/>
+          </a:effectRef>
+          <a:fontRef idx="minor">
+            <a:schemeClr val="lt1"/>
+          </a:fontRef>
+        </p:style>
+        <p:txBody>
+          <a:bodyPr rtlCol="0" anchor="ctr"/>
+          <a:lstStyle/>
+          <a:p>
+            <a:pPr algn="ctr"/>
+            <a:endParaRPr lang="zh-CN" altLang="en-US"/>
+          </a:p>
+        </p:txBody>
+      </p:sp>
+      <p:cxnSp>
+        <p:nvCxnSpPr>
+          <p:cNvPr id="11" name="直接连接符 10">
+            <a:extLst>
+              <a:ext uri="{FF2B5EF4-FFF2-40B4-BE49-F238E27FC236}">
+                <a16:creationId xmlns:a16="http://schemas.microsoft.com/office/drawing/2014/main" id="{A7409422-2B35-4EB2-8AE8-1385E4E568B4}"/>
+              </a:ext>
+            </a:extLst>
+          </p:cNvPr>
+          <p:cNvCxnSpPr>
+            <a:cxnSpLocks/>
+            <a:stCxn id="8" idx="0"/>
+            <a:endCxn id="8" idx="2"/>
+          </p:cNvCxnSpPr>
+          <p:nvPr/>
+        </p:nvCxnSpPr>
+        <p:spPr>
+          <a:xfrm>
+            <a:off x="689398" y="493644"/>
+            <a:ext cx="0" cy="5652000"/>
+          </a:xfrm>
+          <a:prstGeom prst="line">
+            <a:avLst/>
+          </a:prstGeom>
+        </p:spPr>
+        <p:style>
+          <a:lnRef idx="1">
+            <a:schemeClr val="accent1"/>
+          </a:lnRef>
+          <a:fillRef idx="0">
+            <a:schemeClr val="accent1"/>
+          </a:fillRef>
+          <a:effectRef idx="0">
+            <a:schemeClr val="accent1"/>
+          </a:effectRef>
+          <a:fontRef idx="minor">
+            <a:schemeClr val="tx1"/>
+          </a:fontRef>
+        </p:style>
+      </p:cxnSp>
+      <p:cxnSp>
+        <p:nvCxnSpPr>
+          <p:cNvPr id="15" name="直接连接符 14">
+            <a:extLst>
+              <a:ext uri="{FF2B5EF4-FFF2-40B4-BE49-F238E27FC236}">
+                <a16:creationId xmlns:a16="http://schemas.microsoft.com/office/drawing/2014/main" id="{27A746C7-3A5A-4725-B8F2-96F1E6E3959A}"/>
+              </a:ext>
+            </a:extLst>
+          </p:cNvPr>
+          <p:cNvCxnSpPr>
+            <a:cxnSpLocks/>
+            <a:stCxn id="8" idx="0"/>
+            <a:endCxn id="8" idx="2"/>
+          </p:cNvCxnSpPr>
+          <p:nvPr/>
+        </p:nvCxnSpPr>
+        <p:spPr>
+          <a:xfrm>
+            <a:off x="689398" y="493644"/>
+            <a:ext cx="0" cy="5652000"/>
+          </a:xfrm>
+          <a:prstGeom prst="line">
+            <a:avLst/>
+          </a:prstGeom>
+        </p:spPr>
+        <p:style>
+          <a:lnRef idx="1">
+            <a:schemeClr val="accent1"/>
+          </a:lnRef>
+          <a:fillRef idx="0">
+            <a:schemeClr val="accent1"/>
+          </a:fillRef>
+          <a:effectRef idx="0">
+            <a:schemeClr val="accent1"/>
+          </a:effectRef>
+          <a:fontRef idx="minor">
+            <a:schemeClr val="tx1"/>
+          </a:fontRef>
+        </p:style>
+      </p:cxnSp>
+      <p:cxnSp>
+        <p:nvCxnSpPr>
+          <p:cNvPr id="23" name="直接连接符 22">
+            <a:extLst>
+              <a:ext uri="{FF2B5EF4-FFF2-40B4-BE49-F238E27FC236}">
+                <a16:creationId xmlns:a16="http://schemas.microsoft.com/office/drawing/2014/main" id="{0AFF10CA-3E42-4DEE-80BC-339FD98E48A9}"/>
+              </a:ext>
+            </a:extLst>
+          </p:cNvPr>
+          <p:cNvCxnSpPr>
+            <a:cxnSpLocks/>
+            <a:stCxn id="8" idx="0"/>
+          </p:cNvCxnSpPr>
+          <p:nvPr/>
+        </p:nvCxnSpPr>
+        <p:spPr>
+          <a:xfrm flipH="1">
+            <a:off x="599396" y="493644"/>
+            <a:ext cx="90002" cy="5652000"/>
+          </a:xfrm>
+          <a:prstGeom prst="line">
+            <a:avLst/>
+          </a:prstGeom>
+        </p:spPr>
+        <p:style>
+          <a:lnRef idx="1">
+            <a:schemeClr val="accent1"/>
+          </a:lnRef>
+          <a:fillRef idx="0">
+            <a:schemeClr val="accent1"/>
+          </a:fillRef>
+          <a:effectRef idx="0">
+            <a:schemeClr val="accent1"/>
+          </a:effectRef>
+          <a:fontRef idx="minor">
+            <a:schemeClr val="tx1"/>
+          </a:fontRef>
+        </p:style>
+      </p:cxnSp>
+      <p:cxnSp>
+        <p:nvCxnSpPr>
+          <p:cNvPr id="37" name="直接连接符 36">
+            <a:extLst>
+              <a:ext uri="{FF2B5EF4-FFF2-40B4-BE49-F238E27FC236}">
+                <a16:creationId xmlns:a16="http://schemas.microsoft.com/office/drawing/2014/main" id="{2771C2C9-3DF4-4940-AB11-6B127730C8D8}"/>
+              </a:ext>
+            </a:extLst>
+          </p:cNvPr>
+          <p:cNvCxnSpPr>
+            <a:cxnSpLocks/>
+            <a:endCxn id="8" idx="2"/>
+          </p:cNvCxnSpPr>
+          <p:nvPr/>
+        </p:nvCxnSpPr>
+        <p:spPr>
+          <a:xfrm flipH="1">
+            <a:off x="689398" y="493644"/>
+            <a:ext cx="90000" cy="5652000"/>
+          </a:xfrm>
+          <a:prstGeom prst="line">
+            <a:avLst/>
+          </a:prstGeom>
+        </p:spPr>
+        <p:style>
+          <a:lnRef idx="1">
+            <a:schemeClr val="accent1"/>
+          </a:lnRef>
+          <a:fillRef idx="0">
+            <a:schemeClr val="accent1"/>
+          </a:fillRef>
+          <a:effectRef idx="0">
+            <a:schemeClr val="accent1"/>
+          </a:effectRef>
+          <a:fontRef idx="minor">
+            <a:schemeClr val="tx1"/>
+          </a:fontRef>
+        </p:style>
+      </p:cxnSp>
+      <p:sp>
+        <p:nvSpPr>
+          <p:cNvPr id="60" name="文本框 59">
+            <a:extLst>
+              <a:ext uri="{FF2B5EF4-FFF2-40B4-BE49-F238E27FC236}">
+                <a16:creationId xmlns:a16="http://schemas.microsoft.com/office/drawing/2014/main" id="{64BF8342-3A2E-4336-80F4-1FF0D2632521}"/>
+              </a:ext>
+            </a:extLst>
+          </p:cNvPr>
+          <p:cNvSpPr txBox="1"/>
+          <p:nvPr/>
+        </p:nvSpPr>
+        <p:spPr>
+          <a:xfrm>
+            <a:off x="236272" y="6180525"/>
+            <a:ext cx="816249" cy="369332"/>
+          </a:xfrm>
+          <a:prstGeom prst="rect">
+            <a:avLst/>
+          </a:prstGeom>
+          <a:noFill/>
+        </p:spPr>
+        <p:txBody>
+          <a:bodyPr wrap="none" rtlCol="0">
+            <a:spAutoFit/>
+          </a:bodyPr>
+          <a:lstStyle/>
+          <a:p>
+            <a:r>
+              <a:rPr lang="en-US" altLang="zh-CN" dirty="0"/>
+              <a:t>10mm</a:t>
+            </a:r>
+            <a:endParaRPr lang="zh-CN" altLang="en-US" dirty="0"/>
+          </a:p>
+        </p:txBody>
+      </p:sp>
+      <p:sp>
+        <p:nvSpPr>
+          <p:cNvPr id="61" name="文本框 60">
+            <a:extLst>
+              <a:ext uri="{FF2B5EF4-FFF2-40B4-BE49-F238E27FC236}">
+                <a16:creationId xmlns:a16="http://schemas.microsoft.com/office/drawing/2014/main" id="{DB88BFC5-9E08-44E3-B6C0-9C7CBD9FAC16}"/>
+              </a:ext>
+            </a:extLst>
+          </p:cNvPr>
+          <p:cNvSpPr txBox="1"/>
+          <p:nvPr/>
+        </p:nvSpPr>
+        <p:spPr>
+          <a:xfrm>
+            <a:off x="778329" y="3019290"/>
+            <a:ext cx="938077" cy="369332"/>
+          </a:xfrm>
+          <a:prstGeom prst="rect">
+            <a:avLst/>
+          </a:prstGeom>
+          <a:noFill/>
+        </p:spPr>
+        <p:txBody>
+          <a:bodyPr wrap="none" rtlCol="0">
+            <a:spAutoFit/>
+          </a:bodyPr>
+          <a:lstStyle/>
+          <a:p>
+            <a:r>
+              <a:rPr lang="en-US" altLang="zh-CN" dirty="0"/>
+              <a:t>314mm</a:t>
+            </a:r>
+            <a:endParaRPr lang="zh-CN" altLang="en-US" dirty="0"/>
+          </a:p>
+        </p:txBody>
+      </p:sp>
+      <p:cxnSp>
+        <p:nvCxnSpPr>
+          <p:cNvPr id="63" name="直接箭头连接符 62">
+            <a:extLst>
+              <a:ext uri="{FF2B5EF4-FFF2-40B4-BE49-F238E27FC236}">
+                <a16:creationId xmlns:a16="http://schemas.microsoft.com/office/drawing/2014/main" id="{89FBABE1-EC39-41E3-9F61-4485D641B505}"/>
+              </a:ext>
+            </a:extLst>
+          </p:cNvPr>
+          <p:cNvCxnSpPr>
+            <a:cxnSpLocks/>
+            <a:stCxn id="29" idx="3"/>
+          </p:cNvCxnSpPr>
+          <p:nvPr/>
+        </p:nvCxnSpPr>
+        <p:spPr>
+          <a:xfrm>
+            <a:off x="7352802" y="5126429"/>
+            <a:ext cx="3950924" cy="4499"/>
+          </a:xfrm>
+          <a:prstGeom prst="straightConnector1">
+            <a:avLst/>
+          </a:prstGeom>
+          <a:ln>
+            <a:solidFill>
+              <a:schemeClr val="tx1"/>
+            </a:solidFill>
+            <a:tailEnd type="triangle"/>
+          </a:ln>
+        </p:spPr>
+        <p:style>
+          <a:lnRef idx="1">
+            <a:schemeClr val="accent1"/>
+          </a:lnRef>
+          <a:fillRef idx="0">
+            <a:schemeClr val="accent1"/>
+          </a:fillRef>
+          <a:effectRef idx="0">
+            <a:schemeClr val="accent1"/>
+          </a:effectRef>
+          <a:fontRef idx="minor">
+            <a:schemeClr val="tx1"/>
+          </a:fontRef>
+        </p:style>
+      </p:cxnSp>
+      <p:cxnSp>
+        <p:nvCxnSpPr>
+          <p:cNvPr id="65" name="直接箭头连接符 64">
+            <a:extLst>
+              <a:ext uri="{FF2B5EF4-FFF2-40B4-BE49-F238E27FC236}">
+                <a16:creationId xmlns:a16="http://schemas.microsoft.com/office/drawing/2014/main" id="{B4434B79-D1A3-437D-AA42-95F1C9989171}"/>
+              </a:ext>
+            </a:extLst>
+          </p:cNvPr>
+          <p:cNvCxnSpPr/>
+          <p:nvPr/>
+        </p:nvCxnSpPr>
+        <p:spPr>
+          <a:xfrm flipV="1">
+            <a:off x="7358289" y="493644"/>
+            <a:ext cx="0" cy="4644820"/>
+          </a:xfrm>
+          <a:prstGeom prst="straightConnector1">
+            <a:avLst/>
+          </a:prstGeom>
+          <a:ln>
+            <a:solidFill>
+              <a:schemeClr val="tx1"/>
+            </a:solidFill>
+            <a:tailEnd type="triangle"/>
+          </a:ln>
+        </p:spPr>
+        <p:style>
+          <a:lnRef idx="1">
+            <a:schemeClr val="accent1"/>
+          </a:lnRef>
+          <a:fillRef idx="0">
+            <a:schemeClr val="accent1"/>
+          </a:fillRef>
+          <a:effectRef idx="0">
+            <a:schemeClr val="accent1"/>
+          </a:effectRef>
+          <a:fontRef idx="minor">
+            <a:schemeClr val="tx1"/>
+          </a:fontRef>
+        </p:style>
+      </p:cxnSp>
+      <p:sp>
+        <p:nvSpPr>
+          <p:cNvPr id="67" name="文本框 66">
+            <a:extLst>
+              <a:ext uri="{FF2B5EF4-FFF2-40B4-BE49-F238E27FC236}">
+                <a16:creationId xmlns:a16="http://schemas.microsoft.com/office/drawing/2014/main" id="{C6E1FBEF-F6AC-42B7-9513-95BE781CD33C}"/>
+              </a:ext>
+            </a:extLst>
+          </p:cNvPr>
+          <p:cNvSpPr txBox="1"/>
+          <p:nvPr/>
+        </p:nvSpPr>
+        <p:spPr>
+          <a:xfrm>
+            <a:off x="11186490" y="5153886"/>
+            <a:ext cx="316112" cy="369332"/>
+          </a:xfrm>
+          <a:prstGeom prst="rect">
+            <a:avLst/>
+          </a:prstGeom>
+          <a:noFill/>
+        </p:spPr>
+        <p:txBody>
+          <a:bodyPr wrap="none" rtlCol="0">
+            <a:spAutoFit/>
+          </a:bodyPr>
+          <a:lstStyle/>
+          <a:p>
+            <a:r>
+              <a:rPr lang="en-US" altLang="zh-CN" dirty="0"/>
+              <a:t>Z</a:t>
+            </a:r>
+            <a:endParaRPr lang="zh-CN" altLang="en-US" dirty="0"/>
+          </a:p>
+        </p:txBody>
+      </p:sp>
+      <p:sp>
+        <p:nvSpPr>
+          <p:cNvPr id="68" name="文本框 67">
+            <a:extLst>
+              <a:ext uri="{FF2B5EF4-FFF2-40B4-BE49-F238E27FC236}">
+                <a16:creationId xmlns:a16="http://schemas.microsoft.com/office/drawing/2014/main" id="{4DFA5E48-5B4A-48E7-8B92-ED3306804105}"/>
+              </a:ext>
+            </a:extLst>
+          </p:cNvPr>
+          <p:cNvSpPr txBox="1"/>
+          <p:nvPr/>
+        </p:nvSpPr>
+        <p:spPr>
+          <a:xfrm>
+            <a:off x="7480663" y="493644"/>
+            <a:ext cx="723275" cy="369332"/>
+          </a:xfrm>
+          <a:prstGeom prst="rect">
+            <a:avLst/>
+          </a:prstGeom>
+          <a:noFill/>
+        </p:spPr>
+        <p:txBody>
+          <a:bodyPr wrap="none" rtlCol="0">
+            <a:spAutoFit/>
+          </a:bodyPr>
+          <a:lstStyle/>
+          <a:p>
+            <a:r>
+              <a:rPr lang="en-US" altLang="zh-CN" dirty="0"/>
+              <a:t>Θ=</a:t>
+            </a:r>
+            <a:r>
+              <a:rPr lang="en-US" altLang="zh-CN" dirty="0" err="1"/>
+              <a:t>rθ</a:t>
+            </a:r>
+            <a:endParaRPr lang="zh-CN" altLang="en-US" dirty="0"/>
+          </a:p>
+        </p:txBody>
+      </p:sp>
+      <p:sp>
+        <p:nvSpPr>
+          <p:cNvPr id="69" name="文本框 68">
+            <a:extLst>
+              <a:ext uri="{FF2B5EF4-FFF2-40B4-BE49-F238E27FC236}">
+                <a16:creationId xmlns:a16="http://schemas.microsoft.com/office/drawing/2014/main" id="{993C17DC-0399-48EB-806B-DE52EBB7282C}"/>
+              </a:ext>
+            </a:extLst>
+          </p:cNvPr>
+          <p:cNvSpPr txBox="1"/>
+          <p:nvPr/>
+        </p:nvSpPr>
+        <p:spPr>
+          <a:xfrm>
+            <a:off x="2881521" y="5141194"/>
+            <a:ext cx="412292" cy="369332"/>
+          </a:xfrm>
+          <a:prstGeom prst="rect">
+            <a:avLst/>
+          </a:prstGeom>
+          <a:noFill/>
+        </p:spPr>
+        <p:txBody>
+          <a:bodyPr wrap="none" rtlCol="0">
+            <a:spAutoFit/>
+          </a:bodyPr>
+          <a:lstStyle/>
+          <a:p>
+            <a:r>
+              <a:rPr lang="en-US" altLang="zh-CN" dirty="0"/>
+              <a:t>z0</a:t>
+            </a:r>
+            <a:endParaRPr lang="zh-CN" altLang="en-US" dirty="0"/>
+          </a:p>
+        </p:txBody>
+      </p:sp>
+      <p:sp>
+        <p:nvSpPr>
+          <p:cNvPr id="70" name="文本框 69">
+            <a:extLst>
+              <a:ext uri="{FF2B5EF4-FFF2-40B4-BE49-F238E27FC236}">
+                <a16:creationId xmlns:a16="http://schemas.microsoft.com/office/drawing/2014/main" id="{82180B19-2051-4487-88A7-A8ABCCF625F5}"/>
+              </a:ext>
+            </a:extLst>
+          </p:cNvPr>
+          <p:cNvSpPr txBox="1"/>
+          <p:nvPr/>
+        </p:nvSpPr>
+        <p:spPr>
+          <a:xfrm>
+            <a:off x="4352797" y="5141194"/>
+            <a:ext cx="412292" cy="369332"/>
+          </a:xfrm>
+          <a:prstGeom prst="rect">
+            <a:avLst/>
+          </a:prstGeom>
+          <a:noFill/>
+        </p:spPr>
+        <p:txBody>
+          <a:bodyPr wrap="none" rtlCol="0">
+            <a:spAutoFit/>
+          </a:bodyPr>
+          <a:lstStyle/>
+          <a:p>
+            <a:r>
+              <a:rPr lang="en-US" altLang="zh-CN" dirty="0"/>
+              <a:t>z0</a:t>
+            </a:r>
+            <a:endParaRPr lang="zh-CN" altLang="en-US" dirty="0"/>
+          </a:p>
+        </p:txBody>
+      </p:sp>
+      <p:cxnSp>
+        <p:nvCxnSpPr>
+          <p:cNvPr id="71" name="直接箭头连接符 70">
+            <a:extLst>
+              <a:ext uri="{FF2B5EF4-FFF2-40B4-BE49-F238E27FC236}">
+                <a16:creationId xmlns:a16="http://schemas.microsoft.com/office/drawing/2014/main" id="{C15BA03B-C86A-4B52-AF8C-85A6BECCDB79}"/>
+              </a:ext>
+            </a:extLst>
+          </p:cNvPr>
+          <p:cNvCxnSpPr>
+            <a:cxnSpLocks/>
+          </p:cNvCxnSpPr>
+          <p:nvPr/>
+        </p:nvCxnSpPr>
+        <p:spPr>
+          <a:xfrm>
+            <a:off x="2357451" y="5113737"/>
+            <a:ext cx="3950924" cy="4499"/>
+          </a:xfrm>
+          <a:prstGeom prst="straightConnector1">
+            <a:avLst/>
+          </a:prstGeom>
+          <a:ln>
+            <a:solidFill>
+              <a:schemeClr val="tx1"/>
+            </a:solidFill>
+            <a:tailEnd type="triangle"/>
+          </a:ln>
+        </p:spPr>
+        <p:style>
+          <a:lnRef idx="1">
+            <a:schemeClr val="accent1"/>
+          </a:lnRef>
+          <a:fillRef idx="0">
+            <a:schemeClr val="accent1"/>
+          </a:fillRef>
+          <a:effectRef idx="0">
+            <a:schemeClr val="accent1"/>
+          </a:effectRef>
+          <a:fontRef idx="minor">
+            <a:schemeClr val="tx1"/>
+          </a:fontRef>
+        </p:style>
+      </p:cxnSp>
+      <p:cxnSp>
+        <p:nvCxnSpPr>
+          <p:cNvPr id="72" name="直接箭头连接符 71">
+            <a:extLst>
+              <a:ext uri="{FF2B5EF4-FFF2-40B4-BE49-F238E27FC236}">
+                <a16:creationId xmlns:a16="http://schemas.microsoft.com/office/drawing/2014/main" id="{8585F771-D1F2-4314-873C-0980875ED008}"/>
+              </a:ext>
+            </a:extLst>
+          </p:cNvPr>
+          <p:cNvCxnSpPr/>
+          <p:nvPr/>
+        </p:nvCxnSpPr>
+        <p:spPr>
+          <a:xfrm flipV="1">
+            <a:off x="2371647" y="480952"/>
+            <a:ext cx="0" cy="4644820"/>
+          </a:xfrm>
+          <a:prstGeom prst="straightConnector1">
+            <a:avLst/>
+          </a:prstGeom>
+          <a:ln>
+            <a:solidFill>
+              <a:schemeClr val="tx1"/>
+            </a:solidFill>
+            <a:tailEnd type="triangle"/>
+          </a:ln>
+        </p:spPr>
+        <p:style>
+          <a:lnRef idx="1">
+            <a:schemeClr val="accent1"/>
+          </a:lnRef>
+          <a:fillRef idx="0">
+            <a:schemeClr val="accent1"/>
+          </a:fillRef>
+          <a:effectRef idx="0">
+            <a:schemeClr val="accent1"/>
+          </a:effectRef>
+          <a:fontRef idx="minor">
+            <a:schemeClr val="tx1"/>
+          </a:fontRef>
+        </p:style>
+      </p:cxnSp>
+      <p:sp>
+        <p:nvSpPr>
+          <p:cNvPr id="73" name="文本框 72">
+            <a:extLst>
+              <a:ext uri="{FF2B5EF4-FFF2-40B4-BE49-F238E27FC236}">
+                <a16:creationId xmlns:a16="http://schemas.microsoft.com/office/drawing/2014/main" id="{D1FB1188-8049-488E-899A-EE743A25D710}"/>
+              </a:ext>
+            </a:extLst>
+          </p:cNvPr>
+          <p:cNvSpPr txBox="1"/>
+          <p:nvPr/>
+        </p:nvSpPr>
+        <p:spPr>
+          <a:xfrm>
+            <a:off x="6191139" y="5141194"/>
+            <a:ext cx="316112" cy="369332"/>
+          </a:xfrm>
+          <a:prstGeom prst="rect">
+            <a:avLst/>
+          </a:prstGeom>
+          <a:noFill/>
+        </p:spPr>
+        <p:txBody>
+          <a:bodyPr wrap="none" rtlCol="0">
+            <a:spAutoFit/>
+          </a:bodyPr>
+          <a:lstStyle/>
+          <a:p>
+            <a:r>
+              <a:rPr lang="en-US" altLang="zh-CN" dirty="0"/>
+              <a:t>Z</a:t>
+            </a:r>
+            <a:endParaRPr lang="zh-CN" altLang="en-US" dirty="0"/>
+          </a:p>
+        </p:txBody>
+      </p:sp>
+      <p:sp>
+        <p:nvSpPr>
+          <p:cNvPr id="74" name="文本框 73">
+            <a:extLst>
+              <a:ext uri="{FF2B5EF4-FFF2-40B4-BE49-F238E27FC236}">
+                <a16:creationId xmlns:a16="http://schemas.microsoft.com/office/drawing/2014/main" id="{13CB6E11-E5C1-4941-A1B3-DB6AC3499D72}"/>
+              </a:ext>
+            </a:extLst>
+          </p:cNvPr>
+          <p:cNvSpPr txBox="1"/>
+          <p:nvPr/>
+        </p:nvSpPr>
+        <p:spPr>
+          <a:xfrm>
+            <a:off x="2485312" y="480952"/>
+            <a:ext cx="723275" cy="369332"/>
+          </a:xfrm>
+          <a:prstGeom prst="rect">
+            <a:avLst/>
+          </a:prstGeom>
+          <a:noFill/>
+        </p:spPr>
+        <p:txBody>
+          <a:bodyPr wrap="none" rtlCol="0">
+            <a:spAutoFit/>
+          </a:bodyPr>
+          <a:lstStyle/>
+          <a:p>
+            <a:r>
+              <a:rPr lang="en-US" altLang="zh-CN" dirty="0"/>
+              <a:t>Θ=</a:t>
+            </a:r>
+            <a:r>
+              <a:rPr lang="en-US" altLang="zh-CN" dirty="0" err="1"/>
+              <a:t>rθ</a:t>
+            </a:r>
+            <a:endParaRPr lang="zh-CN" altLang="en-US" dirty="0"/>
+          </a:p>
+        </p:txBody>
+      </p:sp>
+    </p:spTree>
+    <p:extLst>
+      <p:ext uri="{BB962C8B-B14F-4D97-AF65-F5344CB8AC3E}">
+        <p14:creationId xmlns:p14="http://schemas.microsoft.com/office/powerpoint/2010/main" val="484379091"/>
+      </p:ext>
+    </p:extLst>
+  </p:cSld>
+  <p:clrMapOvr>
+    <a:masterClrMapping/>
+  </p:clrMapOvr>
+</p:sld>
+</file>
+
+<file path=ppt/slides/slide9.xml><?xml version="1.0" encoding="utf-8"?>
 <p:sld xmlns:a="http://schemas.openxmlformats.org/drawingml/2006/main" xmlns:r="http://schemas.openxmlformats.org/officeDocument/2006/relationships" xmlns:p="http://schemas.openxmlformats.org/presentationml/2006/main">
   <p:cSld>
     <p:spTree>
@@ -11801,7 +19398,7 @@
           <a:noFill/>
           <a:ln w="19050">
             <a:solidFill>
-              <a:schemeClr val="bg1"/>
+              <a:schemeClr val="tx1"/>
             </a:solidFill>
           </a:ln>
         </p:spPr>
@@ -11826,7 +19423,7 @@
           <a:lstStyle/>
           <a:p>
             <a:pPr algn="ctr"/>
-            <a:endParaRPr lang="zh-CN" altLang="en-US"/>
+            <a:endParaRPr lang="zh-CN" altLang="en-US" dirty="0"/>
           </a:p>
         </p:txBody>
       </p:sp>
@@ -11882,7 +19479,7 @@
         </p:nvCxnSpPr>
         <p:spPr>
           <a:xfrm>
-            <a:off x="6848061" y="3902862"/>
+            <a:off x="675012" y="3902862"/>
             <a:ext cx="1689652" cy="2605514"/>
           </a:xfrm>
           <a:prstGeom prst="line">
@@ -11890,8 +19487,9 @@
           </a:prstGeom>
           <a:ln w="19050">
             <a:solidFill>
-              <a:schemeClr val="bg1"/>
+              <a:schemeClr val="tx1"/>
             </a:solidFill>
+            <a:prstDash val="lgDash"/>
           </a:ln>
         </p:spPr>
         <p:style>
